--- a/teaching/R4DA-EDA4ML.pptx
+++ b/teaching/R4DA-EDA4ML.pptx
@@ -53,7 +53,7 @@
   <p:notesSz cx="6858000" cy="9144000"/>
   <p:embeddedFontLst>
     <p:embeddedFont>
-      <p:font typeface="Roboto" panose="02000000000000000000" pitchFamily="2" charset="0"/>
+      <p:font typeface="Roboto" panose="020B0604020202020204" charset="0"/>
       <p:regular r:id="rId43"/>
       <p:bold r:id="rId44"/>
       <p:italic r:id="rId45"/>
@@ -4844,7 +4844,7 @@
         </p:nvSpPr>
         <p:spPr>
           <a:xfrm>
-            <a:off x="381309" y="685800"/>
+            <a:off x="381000" y="685800"/>
             <a:ext cx="6096000" cy="3429000"/>
           </a:xfrm>
           <a:custGeom>
@@ -12262,10 +12262,10 @@
               <a:buNone/>
             </a:pPr>
             <a:r>
-              <a:rPr lang="ru"/>
-              <a:t>Слайд с текстом и картинкой</a:t>
-            </a:r>
-            <a:endParaRPr/>
+              <a:rPr lang="ru-RU" dirty="0"/>
+              <a:t>Зачем анализировать до анализа?</a:t>
+            </a:r>
+            <a:endParaRPr dirty="0"/>
           </a:p>
         </p:txBody>
       </p:sp>
@@ -12602,7 +12602,7 @@
         </p:nvGraphicFramePr>
         <p:xfrm>
           <a:off x="598250" y="1426631"/>
-          <a:ext cx="3000000" cy="3000000"/>
+          <a:ext cx="7689850" cy="1362956"/>
         </p:xfrm>
         <a:graphic>
           <a:graphicData uri="http://schemas.openxmlformats.org/drawingml/2006/table">
@@ -33965,8 +33965,8 @@
         </p:nvSpPr>
         <p:spPr>
           <a:xfrm>
-            <a:off x="2658300" y="1994729"/>
-            <a:ext cx="6125700" cy="1060200"/>
+            <a:off x="2658300" y="2102490"/>
+            <a:ext cx="6125700" cy="577021"/>
           </a:xfrm>
           <a:prstGeom prst="rect">
             <a:avLst/>
@@ -34009,29 +34009,6 @@
             <a:endParaRPr sz="1600" dirty="0">
               <a:solidFill>
                 <a:schemeClr val="lt1"/>
-              </a:solidFill>
-              <a:latin typeface="Roboto"/>
-              <a:ea typeface="Roboto"/>
-              <a:cs typeface="Roboto"/>
-              <a:sym typeface="Roboto"/>
-            </a:endParaRPr>
-          </a:p>
-          <a:p>
-            <a:pPr marL="0" lvl="0" indent="0" algn="l" rtl="0">
-              <a:lnSpc>
-                <a:spcPct val="120000"/>
-              </a:lnSpc>
-              <a:spcBef>
-                <a:spcPts val="0"/>
-              </a:spcBef>
-              <a:spcAft>
-                <a:spcPts val="0"/>
-              </a:spcAft>
-              <a:buNone/>
-            </a:pPr>
-            <a:endParaRPr sz="1500" b="1" dirty="0">
-              <a:solidFill>
-                <a:srgbClr val="FF9900"/>
               </a:solidFill>
               <a:latin typeface="Roboto"/>
               <a:ea typeface="Roboto"/>
@@ -34459,10 +34436,14 @@
               <a:buNone/>
             </a:pPr>
             <a:r>
-              <a:rPr lang="ru" sz="4900"/>
-              <a:t>Разделительный слайд</a:t>
-            </a:r>
-            <a:endParaRPr sz="4900"/>
+              <a:rPr lang="ru-RU" sz="4900" dirty="0"/>
+              <a:t>Часть </a:t>
+            </a:r>
+            <a:r>
+              <a:rPr lang="en-US" sz="4900" dirty="0"/>
+              <a:t>I</a:t>
+            </a:r>
+            <a:endParaRPr sz="4900" dirty="0"/>
           </a:p>
           <a:p>
             <a:pPr marL="0" lvl="0" indent="0" algn="l" rtl="0">
@@ -34475,10 +34456,10 @@
               <a:buNone/>
             </a:pPr>
             <a:r>
-              <a:rPr lang="ru" sz="4900"/>
-              <a:t>Тема блока 1</a:t>
-            </a:r>
-            <a:endParaRPr/>
+              <a:rPr lang="ru-RU" sz="4900" dirty="0"/>
+              <a:t>Зачем?</a:t>
+            </a:r>
+            <a:endParaRPr dirty="0"/>
           </a:p>
         </p:txBody>
       </p:sp>

--- a/teaching/R4DA-EDA4ML.pptx
+++ b/teaching/R4DA-EDA4ML.pptx
@@ -5,7 +5,7 @@
     <p:sldMasterId id="2147483662" r:id="rId1"/>
   </p:sldMasterIdLst>
   <p:notesMasterIdLst>
-    <p:notesMasterId r:id="rId60"/>
+    <p:notesMasterId r:id="rId67"/>
   </p:notesMasterIdLst>
   <p:sldIdLst>
     <p:sldId id="256" r:id="rId2"/>
@@ -54,28 +54,35 @@
     <p:sldId id="348" r:id="rId45"/>
     <p:sldId id="349" r:id="rId46"/>
     <p:sldId id="344" r:id="rId47"/>
-    <p:sldId id="345" r:id="rId48"/>
-    <p:sldId id="346" r:id="rId49"/>
-    <p:sldId id="275" r:id="rId50"/>
-    <p:sldId id="350" r:id="rId51"/>
-    <p:sldId id="347" r:id="rId52"/>
-    <p:sldId id="351" r:id="rId53"/>
-    <p:sldId id="352" r:id="rId54"/>
-    <p:sldId id="283" r:id="rId55"/>
-    <p:sldId id="284" r:id="rId56"/>
-    <p:sldId id="343" r:id="rId57"/>
-    <p:sldId id="342" r:id="rId58"/>
-    <p:sldId id="295" r:id="rId59"/>
+    <p:sldId id="354" r:id="rId48"/>
+    <p:sldId id="345" r:id="rId49"/>
+    <p:sldId id="353" r:id="rId50"/>
+    <p:sldId id="355" r:id="rId51"/>
+    <p:sldId id="346" r:id="rId52"/>
+    <p:sldId id="356" r:id="rId53"/>
+    <p:sldId id="357" r:id="rId54"/>
+    <p:sldId id="358" r:id="rId55"/>
+    <p:sldId id="359" r:id="rId56"/>
+    <p:sldId id="347" r:id="rId57"/>
+    <p:sldId id="275" r:id="rId58"/>
+    <p:sldId id="350" r:id="rId59"/>
+    <p:sldId id="351" r:id="rId60"/>
+    <p:sldId id="352" r:id="rId61"/>
+    <p:sldId id="283" r:id="rId62"/>
+    <p:sldId id="284" r:id="rId63"/>
+    <p:sldId id="343" r:id="rId64"/>
+    <p:sldId id="342" r:id="rId65"/>
+    <p:sldId id="295" r:id="rId66"/>
   </p:sldIdLst>
   <p:sldSz cx="9144000" cy="5143500" type="screen16x9"/>
   <p:notesSz cx="6858000" cy="9144000"/>
   <p:embeddedFontLst>
     <p:embeddedFont>
-      <p:font typeface="Roboto" panose="020B0604020202020204" charset="0"/>
-      <p:regular r:id="rId61"/>
-      <p:bold r:id="rId62"/>
-      <p:italic r:id="rId63"/>
-      <p:boldItalic r:id="rId64"/>
+      <p:font typeface="Roboto" panose="02000000000000000000" pitchFamily="2" charset="0"/>
+      <p:regular r:id="rId68"/>
+      <p:bold r:id="rId69"/>
+      <p:italic r:id="rId70"/>
+      <p:boldItalic r:id="rId71"/>
     </p:embeddedFont>
   </p:embeddedFontLst>
   <p:defaultTextStyle>
@@ -5320,7 +5327,7 @@
     </p:spTree>
     <p:extLst>
       <p:ext uri="{BB962C8B-B14F-4D97-AF65-F5344CB8AC3E}">
-        <p14:creationId xmlns:p14="http://schemas.microsoft.com/office/powerpoint/2010/main" val="2535795777"/>
+        <p14:creationId xmlns:p14="http://schemas.microsoft.com/office/powerpoint/2010/main" val="2572703397"/>
       </p:ext>
     </p:extLst>
   </p:cSld>
@@ -5335,7 +5342,7 @@
   <p:cSld>
     <p:spTree>
       <p:nvGrpSpPr>
-        <p:cNvPr id="1" name="Shape 181"/>
+        <p:cNvPr id="1" name="Shape 186"/>
         <p:cNvGrpSpPr/>
         <p:nvPr/>
       </p:nvGrpSpPr>
@@ -5349,7 +5356,7 @@
       </p:grpSpPr>
       <p:sp>
         <p:nvSpPr>
-          <p:cNvPr id="182" name="Google Shape;182;gdf29b9fb24_0_22:notes"/>
+          <p:cNvPr id="187" name="Google Shape;187;gdf29b9fb24_0_69:notes"/>
           <p:cNvSpPr>
             <a:spLocks noGrp="1" noRot="1" noChangeAspect="1"/>
           </p:cNvSpPr>
@@ -5390,7 +5397,7 @@
       </p:sp>
       <p:sp>
         <p:nvSpPr>
-          <p:cNvPr id="183" name="Google Shape;183;gdf29b9fb24_0_22:notes"/>
+          <p:cNvPr id="188" name="Google Shape;188;gdf29b9fb24_0_69:notes"/>
           <p:cNvSpPr txBox="1">
             <a:spLocks noGrp="1"/>
           </p:cNvSpPr>
@@ -5429,7 +5436,7 @@
     </p:spTree>
     <p:extLst>
       <p:ext uri="{BB962C8B-B14F-4D97-AF65-F5344CB8AC3E}">
-        <p14:creationId xmlns:p14="http://schemas.microsoft.com/office/powerpoint/2010/main" val="3383073043"/>
+        <p14:creationId xmlns:p14="http://schemas.microsoft.com/office/powerpoint/2010/main" val="2535795777"/>
       </p:ext>
     </p:extLst>
   </p:cSld>
@@ -5444,7 +5451,7 @@
   <p:cSld>
     <p:spTree>
       <p:nvGrpSpPr>
-        <p:cNvPr id="1" name="Shape 241"/>
+        <p:cNvPr id="1" name="Shape 186"/>
         <p:cNvGrpSpPr/>
         <p:nvPr/>
       </p:nvGrpSpPr>
@@ -5458,7 +5465,7 @@
       </p:grpSpPr>
       <p:sp>
         <p:nvSpPr>
-          <p:cNvPr id="242" name="Google Shape;242;g1ba2580c0f6_0_0:notes"/>
+          <p:cNvPr id="187" name="Google Shape;187;gdf29b9fb24_0_69:notes"/>
           <p:cNvSpPr>
             <a:spLocks noGrp="1" noRot="1" noChangeAspect="1"/>
           </p:cNvSpPr>
@@ -5499,7 +5506,7 @@
       </p:sp>
       <p:sp>
         <p:nvSpPr>
-          <p:cNvPr id="243" name="Google Shape;243;g1ba2580c0f6_0_0:notes"/>
+          <p:cNvPr id="188" name="Google Shape;188;gdf29b9fb24_0_69:notes"/>
           <p:cNvSpPr txBox="1">
             <a:spLocks noGrp="1"/>
           </p:cNvSpPr>
@@ -5536,6 +5543,11 @@
         </p:txBody>
       </p:sp>
     </p:spTree>
+    <p:extLst>
+      <p:ext uri="{BB962C8B-B14F-4D97-AF65-F5344CB8AC3E}">
+        <p14:creationId xmlns:p14="http://schemas.microsoft.com/office/powerpoint/2010/main" val="3904831063"/>
+      </p:ext>
+    </p:extLst>
   </p:cSld>
   <p:clrMapOvr>
     <a:masterClrMapping/>
@@ -5652,7 +5664,7 @@
   <p:cSld>
     <p:spTree>
       <p:nvGrpSpPr>
-        <p:cNvPr id="1" name="Shape 241"/>
+        <p:cNvPr id="1" name="Shape 186"/>
         <p:cNvGrpSpPr/>
         <p:nvPr/>
       </p:nvGrpSpPr>
@@ -5666,7 +5678,7 @@
       </p:grpSpPr>
       <p:sp>
         <p:nvSpPr>
-          <p:cNvPr id="242" name="Google Shape;242;g1ba2580c0f6_0_0:notes"/>
+          <p:cNvPr id="187" name="Google Shape;187;gdf29b9fb24_0_69:notes"/>
           <p:cNvSpPr>
             <a:spLocks noGrp="1" noRot="1" noChangeAspect="1"/>
           </p:cNvSpPr>
@@ -5707,7 +5719,7 @@
       </p:sp>
       <p:sp>
         <p:nvSpPr>
-          <p:cNvPr id="243" name="Google Shape;243;g1ba2580c0f6_0_0:notes"/>
+          <p:cNvPr id="188" name="Google Shape;188;gdf29b9fb24_0_69:notes"/>
           <p:cNvSpPr txBox="1">
             <a:spLocks noGrp="1"/>
           </p:cNvSpPr>
@@ -5746,7 +5758,7 @@
     </p:spTree>
     <p:extLst>
       <p:ext uri="{BB962C8B-B14F-4D97-AF65-F5344CB8AC3E}">
-        <p14:creationId xmlns:p14="http://schemas.microsoft.com/office/powerpoint/2010/main" val="2681194447"/>
+        <p14:creationId xmlns:p14="http://schemas.microsoft.com/office/powerpoint/2010/main" val="2569955842"/>
       </p:ext>
     </p:extLst>
   </p:cSld>
@@ -5757,6 +5769,115 @@
 </file>
 
 <file path=ppt/notesSlides/notesSlide51.xml><?xml version="1.0" encoding="utf-8"?>
+<p:notes xmlns:a="http://schemas.openxmlformats.org/drawingml/2006/main" xmlns:r="http://schemas.openxmlformats.org/officeDocument/2006/relationships" xmlns:p="http://schemas.openxmlformats.org/presentationml/2006/main" showMasterSp="0" showMasterPhAnim="0">
+  <p:cSld>
+    <p:spTree>
+      <p:nvGrpSpPr>
+        <p:cNvPr id="1" name="Shape 181"/>
+        <p:cNvGrpSpPr/>
+        <p:nvPr/>
+      </p:nvGrpSpPr>
+      <p:grpSpPr>
+        <a:xfrm>
+          <a:off x="0" y="0"/>
+          <a:ext cx="0" cy="0"/>
+          <a:chOff x="0" y="0"/>
+          <a:chExt cx="0" cy="0"/>
+        </a:xfrm>
+      </p:grpSpPr>
+      <p:sp>
+        <p:nvSpPr>
+          <p:cNvPr id="182" name="Google Shape;182;gdf29b9fb24_0_22:notes"/>
+          <p:cNvSpPr>
+            <a:spLocks noGrp="1" noRot="1" noChangeAspect="1"/>
+          </p:cNvSpPr>
+          <p:nvPr>
+            <p:ph type="sldImg" idx="2"/>
+          </p:nvPr>
+        </p:nvSpPr>
+        <p:spPr>
+          <a:xfrm>
+            <a:off x="381000" y="685800"/>
+            <a:ext cx="6096000" cy="3429000"/>
+          </a:xfrm>
+          <a:custGeom>
+            <a:avLst/>
+            <a:gdLst/>
+            <a:ahLst/>
+            <a:cxnLst/>
+            <a:rect l="l" t="t" r="r" b="b"/>
+            <a:pathLst>
+              <a:path w="120000" h="120000" extrusionOk="0">
+                <a:moveTo>
+                  <a:pt x="0" y="0"/>
+                </a:moveTo>
+                <a:lnTo>
+                  <a:pt x="120000" y="0"/>
+                </a:lnTo>
+                <a:lnTo>
+                  <a:pt x="120000" y="120000"/>
+                </a:lnTo>
+                <a:lnTo>
+                  <a:pt x="0" y="120000"/>
+                </a:lnTo>
+                <a:close/>
+              </a:path>
+            </a:pathLst>
+          </a:custGeom>
+        </p:spPr>
+      </p:sp>
+      <p:sp>
+        <p:nvSpPr>
+          <p:cNvPr id="183" name="Google Shape;183;gdf29b9fb24_0_22:notes"/>
+          <p:cNvSpPr txBox="1">
+            <a:spLocks noGrp="1"/>
+          </p:cNvSpPr>
+          <p:nvPr>
+            <p:ph type="body" idx="1"/>
+          </p:nvPr>
+        </p:nvSpPr>
+        <p:spPr>
+          <a:xfrm>
+            <a:off x="685800" y="4343400"/>
+            <a:ext cx="5486400" cy="4114800"/>
+          </a:xfrm>
+          <a:prstGeom prst="rect">
+            <a:avLst/>
+          </a:prstGeom>
+        </p:spPr>
+        <p:txBody>
+          <a:bodyPr spcFirstLastPara="1" wrap="square" lIns="91425" tIns="91425" rIns="91425" bIns="91425" anchor="t" anchorCtr="0">
+            <a:noAutofit/>
+          </a:bodyPr>
+          <a:lstStyle/>
+          <a:p>
+            <a:pPr marL="0" lvl="0" indent="0" algn="l" rtl="0">
+              <a:spcBef>
+                <a:spcPts val="0"/>
+              </a:spcBef>
+              <a:spcAft>
+                <a:spcPts val="0"/>
+              </a:spcAft>
+              <a:buNone/>
+            </a:pPr>
+            <a:endParaRPr/>
+          </a:p>
+        </p:txBody>
+      </p:sp>
+    </p:spTree>
+    <p:extLst>
+      <p:ext uri="{BB962C8B-B14F-4D97-AF65-F5344CB8AC3E}">
+        <p14:creationId xmlns:p14="http://schemas.microsoft.com/office/powerpoint/2010/main" val="3383073043"/>
+      </p:ext>
+    </p:extLst>
+  </p:cSld>
+  <p:clrMapOvr>
+    <a:masterClrMapping/>
+  </p:clrMapOvr>
+</p:notes>
+</file>
+
+<file path=ppt/notesSlides/notesSlide52.xml><?xml version="1.0" encoding="utf-8"?>
 <p:notes xmlns:a="http://schemas.openxmlformats.org/drawingml/2006/main" xmlns:r="http://schemas.openxmlformats.org/officeDocument/2006/relationships" xmlns:p="http://schemas.openxmlformats.org/presentationml/2006/main" showMasterSp="0" showMasterPhAnim="0">
   <p:cSld>
     <p:spTree>
@@ -5855,6 +5976,442 @@
     </p:spTree>
     <p:extLst>
       <p:ext uri="{BB962C8B-B14F-4D97-AF65-F5344CB8AC3E}">
+        <p14:creationId xmlns:p14="http://schemas.microsoft.com/office/powerpoint/2010/main" val="1101980471"/>
+      </p:ext>
+    </p:extLst>
+  </p:cSld>
+  <p:clrMapOvr>
+    <a:masterClrMapping/>
+  </p:clrMapOvr>
+</p:notes>
+</file>
+
+<file path=ppt/notesSlides/notesSlide53.xml><?xml version="1.0" encoding="utf-8"?>
+<p:notes xmlns:a="http://schemas.openxmlformats.org/drawingml/2006/main" xmlns:r="http://schemas.openxmlformats.org/officeDocument/2006/relationships" xmlns:p="http://schemas.openxmlformats.org/presentationml/2006/main" showMasterSp="0" showMasterPhAnim="0">
+  <p:cSld>
+    <p:spTree>
+      <p:nvGrpSpPr>
+        <p:cNvPr id="1" name="Shape 186"/>
+        <p:cNvGrpSpPr/>
+        <p:nvPr/>
+      </p:nvGrpSpPr>
+      <p:grpSpPr>
+        <a:xfrm>
+          <a:off x="0" y="0"/>
+          <a:ext cx="0" cy="0"/>
+          <a:chOff x="0" y="0"/>
+          <a:chExt cx="0" cy="0"/>
+        </a:xfrm>
+      </p:grpSpPr>
+      <p:sp>
+        <p:nvSpPr>
+          <p:cNvPr id="187" name="Google Shape;187;gdf29b9fb24_0_69:notes"/>
+          <p:cNvSpPr>
+            <a:spLocks noGrp="1" noRot="1" noChangeAspect="1"/>
+          </p:cNvSpPr>
+          <p:nvPr>
+            <p:ph type="sldImg" idx="2"/>
+          </p:nvPr>
+        </p:nvSpPr>
+        <p:spPr>
+          <a:xfrm>
+            <a:off x="381000" y="685800"/>
+            <a:ext cx="6096000" cy="3429000"/>
+          </a:xfrm>
+          <a:custGeom>
+            <a:avLst/>
+            <a:gdLst/>
+            <a:ahLst/>
+            <a:cxnLst/>
+            <a:rect l="l" t="t" r="r" b="b"/>
+            <a:pathLst>
+              <a:path w="120000" h="120000" extrusionOk="0">
+                <a:moveTo>
+                  <a:pt x="0" y="0"/>
+                </a:moveTo>
+                <a:lnTo>
+                  <a:pt x="120000" y="0"/>
+                </a:lnTo>
+                <a:lnTo>
+                  <a:pt x="120000" y="120000"/>
+                </a:lnTo>
+                <a:lnTo>
+                  <a:pt x="0" y="120000"/>
+                </a:lnTo>
+                <a:close/>
+              </a:path>
+            </a:pathLst>
+          </a:custGeom>
+        </p:spPr>
+      </p:sp>
+      <p:sp>
+        <p:nvSpPr>
+          <p:cNvPr id="188" name="Google Shape;188;gdf29b9fb24_0_69:notes"/>
+          <p:cNvSpPr txBox="1">
+            <a:spLocks noGrp="1"/>
+          </p:cNvSpPr>
+          <p:nvPr>
+            <p:ph type="body" idx="1"/>
+          </p:nvPr>
+        </p:nvSpPr>
+        <p:spPr>
+          <a:xfrm>
+            <a:off x="685800" y="4343400"/>
+            <a:ext cx="5486400" cy="4114800"/>
+          </a:xfrm>
+          <a:prstGeom prst="rect">
+            <a:avLst/>
+          </a:prstGeom>
+        </p:spPr>
+        <p:txBody>
+          <a:bodyPr spcFirstLastPara="1" wrap="square" lIns="91425" tIns="91425" rIns="91425" bIns="91425" anchor="t" anchorCtr="0">
+            <a:noAutofit/>
+          </a:bodyPr>
+          <a:lstStyle/>
+          <a:p>
+            <a:pPr marL="0" lvl="0" indent="0" algn="l" rtl="0">
+              <a:spcBef>
+                <a:spcPts val="0"/>
+              </a:spcBef>
+              <a:spcAft>
+                <a:spcPts val="0"/>
+              </a:spcAft>
+              <a:buNone/>
+            </a:pPr>
+            <a:endParaRPr/>
+          </a:p>
+        </p:txBody>
+      </p:sp>
+    </p:spTree>
+    <p:extLst>
+      <p:ext uri="{BB962C8B-B14F-4D97-AF65-F5344CB8AC3E}">
+        <p14:creationId xmlns:p14="http://schemas.microsoft.com/office/powerpoint/2010/main" val="898708587"/>
+      </p:ext>
+    </p:extLst>
+  </p:cSld>
+  <p:clrMapOvr>
+    <a:masterClrMapping/>
+  </p:clrMapOvr>
+</p:notes>
+</file>
+
+<file path=ppt/notesSlides/notesSlide54.xml><?xml version="1.0" encoding="utf-8"?>
+<p:notes xmlns:a="http://schemas.openxmlformats.org/drawingml/2006/main" xmlns:r="http://schemas.openxmlformats.org/officeDocument/2006/relationships" xmlns:p="http://schemas.openxmlformats.org/presentationml/2006/main" showMasterSp="0" showMasterPhAnim="0">
+  <p:cSld>
+    <p:spTree>
+      <p:nvGrpSpPr>
+        <p:cNvPr id="1" name="Shape 186"/>
+        <p:cNvGrpSpPr/>
+        <p:nvPr/>
+      </p:nvGrpSpPr>
+      <p:grpSpPr>
+        <a:xfrm>
+          <a:off x="0" y="0"/>
+          <a:ext cx="0" cy="0"/>
+          <a:chOff x="0" y="0"/>
+          <a:chExt cx="0" cy="0"/>
+        </a:xfrm>
+      </p:grpSpPr>
+      <p:sp>
+        <p:nvSpPr>
+          <p:cNvPr id="187" name="Google Shape;187;gdf29b9fb24_0_69:notes"/>
+          <p:cNvSpPr>
+            <a:spLocks noGrp="1" noRot="1" noChangeAspect="1"/>
+          </p:cNvSpPr>
+          <p:nvPr>
+            <p:ph type="sldImg" idx="2"/>
+          </p:nvPr>
+        </p:nvSpPr>
+        <p:spPr>
+          <a:xfrm>
+            <a:off x="381000" y="685800"/>
+            <a:ext cx="6096000" cy="3429000"/>
+          </a:xfrm>
+          <a:custGeom>
+            <a:avLst/>
+            <a:gdLst/>
+            <a:ahLst/>
+            <a:cxnLst/>
+            <a:rect l="l" t="t" r="r" b="b"/>
+            <a:pathLst>
+              <a:path w="120000" h="120000" extrusionOk="0">
+                <a:moveTo>
+                  <a:pt x="0" y="0"/>
+                </a:moveTo>
+                <a:lnTo>
+                  <a:pt x="120000" y="0"/>
+                </a:lnTo>
+                <a:lnTo>
+                  <a:pt x="120000" y="120000"/>
+                </a:lnTo>
+                <a:lnTo>
+                  <a:pt x="0" y="120000"/>
+                </a:lnTo>
+                <a:close/>
+              </a:path>
+            </a:pathLst>
+          </a:custGeom>
+        </p:spPr>
+      </p:sp>
+      <p:sp>
+        <p:nvSpPr>
+          <p:cNvPr id="188" name="Google Shape;188;gdf29b9fb24_0_69:notes"/>
+          <p:cNvSpPr txBox="1">
+            <a:spLocks noGrp="1"/>
+          </p:cNvSpPr>
+          <p:nvPr>
+            <p:ph type="body" idx="1"/>
+          </p:nvPr>
+        </p:nvSpPr>
+        <p:spPr>
+          <a:xfrm>
+            <a:off x="685800" y="4343400"/>
+            <a:ext cx="5486400" cy="4114800"/>
+          </a:xfrm>
+          <a:prstGeom prst="rect">
+            <a:avLst/>
+          </a:prstGeom>
+        </p:spPr>
+        <p:txBody>
+          <a:bodyPr spcFirstLastPara="1" wrap="square" lIns="91425" tIns="91425" rIns="91425" bIns="91425" anchor="t" anchorCtr="0">
+            <a:noAutofit/>
+          </a:bodyPr>
+          <a:lstStyle/>
+          <a:p>
+            <a:pPr marL="0" lvl="0" indent="0" algn="l" rtl="0">
+              <a:spcBef>
+                <a:spcPts val="0"/>
+              </a:spcBef>
+              <a:spcAft>
+                <a:spcPts val="0"/>
+              </a:spcAft>
+              <a:buNone/>
+            </a:pPr>
+            <a:endParaRPr/>
+          </a:p>
+        </p:txBody>
+      </p:sp>
+    </p:spTree>
+    <p:extLst>
+      <p:ext uri="{BB962C8B-B14F-4D97-AF65-F5344CB8AC3E}">
+        <p14:creationId xmlns:p14="http://schemas.microsoft.com/office/powerpoint/2010/main" val="1783777276"/>
+      </p:ext>
+    </p:extLst>
+  </p:cSld>
+  <p:clrMapOvr>
+    <a:masterClrMapping/>
+  </p:clrMapOvr>
+</p:notes>
+</file>
+
+<file path=ppt/notesSlides/notesSlide55.xml><?xml version="1.0" encoding="utf-8"?>
+<p:notes xmlns:a="http://schemas.openxmlformats.org/drawingml/2006/main" xmlns:r="http://schemas.openxmlformats.org/officeDocument/2006/relationships" xmlns:p="http://schemas.openxmlformats.org/presentationml/2006/main" showMasterSp="0" showMasterPhAnim="0">
+  <p:cSld>
+    <p:spTree>
+      <p:nvGrpSpPr>
+        <p:cNvPr id="1" name="Shape 186"/>
+        <p:cNvGrpSpPr/>
+        <p:nvPr/>
+      </p:nvGrpSpPr>
+      <p:grpSpPr>
+        <a:xfrm>
+          <a:off x="0" y="0"/>
+          <a:ext cx="0" cy="0"/>
+          <a:chOff x="0" y="0"/>
+          <a:chExt cx="0" cy="0"/>
+        </a:xfrm>
+      </p:grpSpPr>
+      <p:sp>
+        <p:nvSpPr>
+          <p:cNvPr id="187" name="Google Shape;187;gdf29b9fb24_0_69:notes"/>
+          <p:cNvSpPr>
+            <a:spLocks noGrp="1" noRot="1" noChangeAspect="1"/>
+          </p:cNvSpPr>
+          <p:nvPr>
+            <p:ph type="sldImg" idx="2"/>
+          </p:nvPr>
+        </p:nvSpPr>
+        <p:spPr>
+          <a:xfrm>
+            <a:off x="381000" y="685800"/>
+            <a:ext cx="6096000" cy="3429000"/>
+          </a:xfrm>
+          <a:custGeom>
+            <a:avLst/>
+            <a:gdLst/>
+            <a:ahLst/>
+            <a:cxnLst/>
+            <a:rect l="l" t="t" r="r" b="b"/>
+            <a:pathLst>
+              <a:path w="120000" h="120000" extrusionOk="0">
+                <a:moveTo>
+                  <a:pt x="0" y="0"/>
+                </a:moveTo>
+                <a:lnTo>
+                  <a:pt x="120000" y="0"/>
+                </a:lnTo>
+                <a:lnTo>
+                  <a:pt x="120000" y="120000"/>
+                </a:lnTo>
+                <a:lnTo>
+                  <a:pt x="0" y="120000"/>
+                </a:lnTo>
+                <a:close/>
+              </a:path>
+            </a:pathLst>
+          </a:custGeom>
+        </p:spPr>
+      </p:sp>
+      <p:sp>
+        <p:nvSpPr>
+          <p:cNvPr id="188" name="Google Shape;188;gdf29b9fb24_0_69:notes"/>
+          <p:cNvSpPr txBox="1">
+            <a:spLocks noGrp="1"/>
+          </p:cNvSpPr>
+          <p:nvPr>
+            <p:ph type="body" idx="1"/>
+          </p:nvPr>
+        </p:nvSpPr>
+        <p:spPr>
+          <a:xfrm>
+            <a:off x="685800" y="4343400"/>
+            <a:ext cx="5486400" cy="4114800"/>
+          </a:xfrm>
+          <a:prstGeom prst="rect">
+            <a:avLst/>
+          </a:prstGeom>
+        </p:spPr>
+        <p:txBody>
+          <a:bodyPr spcFirstLastPara="1" wrap="square" lIns="91425" tIns="91425" rIns="91425" bIns="91425" anchor="t" anchorCtr="0">
+            <a:noAutofit/>
+          </a:bodyPr>
+          <a:lstStyle/>
+          <a:p>
+            <a:pPr marL="0" lvl="0" indent="0" algn="l" rtl="0">
+              <a:spcBef>
+                <a:spcPts val="0"/>
+              </a:spcBef>
+              <a:spcAft>
+                <a:spcPts val="0"/>
+              </a:spcAft>
+              <a:buNone/>
+            </a:pPr>
+            <a:endParaRPr/>
+          </a:p>
+        </p:txBody>
+      </p:sp>
+    </p:spTree>
+    <p:extLst>
+      <p:ext uri="{BB962C8B-B14F-4D97-AF65-F5344CB8AC3E}">
+        <p14:creationId xmlns:p14="http://schemas.microsoft.com/office/powerpoint/2010/main" val="3929969615"/>
+      </p:ext>
+    </p:extLst>
+  </p:cSld>
+  <p:clrMapOvr>
+    <a:masterClrMapping/>
+  </p:clrMapOvr>
+</p:notes>
+</file>
+
+<file path=ppt/notesSlides/notesSlide56.xml><?xml version="1.0" encoding="utf-8"?>
+<p:notes xmlns:a="http://schemas.openxmlformats.org/drawingml/2006/main" xmlns:r="http://schemas.openxmlformats.org/officeDocument/2006/relationships" xmlns:p="http://schemas.openxmlformats.org/presentationml/2006/main" showMasterSp="0" showMasterPhAnim="0">
+  <p:cSld>
+    <p:spTree>
+      <p:nvGrpSpPr>
+        <p:cNvPr id="1" name="Shape 186"/>
+        <p:cNvGrpSpPr/>
+        <p:nvPr/>
+      </p:nvGrpSpPr>
+      <p:grpSpPr>
+        <a:xfrm>
+          <a:off x="0" y="0"/>
+          <a:ext cx="0" cy="0"/>
+          <a:chOff x="0" y="0"/>
+          <a:chExt cx="0" cy="0"/>
+        </a:xfrm>
+      </p:grpSpPr>
+      <p:sp>
+        <p:nvSpPr>
+          <p:cNvPr id="187" name="Google Shape;187;gdf29b9fb24_0_69:notes"/>
+          <p:cNvSpPr>
+            <a:spLocks noGrp="1" noRot="1" noChangeAspect="1"/>
+          </p:cNvSpPr>
+          <p:nvPr>
+            <p:ph type="sldImg" idx="2"/>
+          </p:nvPr>
+        </p:nvSpPr>
+        <p:spPr>
+          <a:xfrm>
+            <a:off x="381000" y="685800"/>
+            <a:ext cx="6096000" cy="3429000"/>
+          </a:xfrm>
+          <a:custGeom>
+            <a:avLst/>
+            <a:gdLst/>
+            <a:ahLst/>
+            <a:cxnLst/>
+            <a:rect l="l" t="t" r="r" b="b"/>
+            <a:pathLst>
+              <a:path w="120000" h="120000" extrusionOk="0">
+                <a:moveTo>
+                  <a:pt x="0" y="0"/>
+                </a:moveTo>
+                <a:lnTo>
+                  <a:pt x="120000" y="0"/>
+                </a:lnTo>
+                <a:lnTo>
+                  <a:pt x="120000" y="120000"/>
+                </a:lnTo>
+                <a:lnTo>
+                  <a:pt x="0" y="120000"/>
+                </a:lnTo>
+                <a:close/>
+              </a:path>
+            </a:pathLst>
+          </a:custGeom>
+        </p:spPr>
+      </p:sp>
+      <p:sp>
+        <p:nvSpPr>
+          <p:cNvPr id="188" name="Google Shape;188;gdf29b9fb24_0_69:notes"/>
+          <p:cNvSpPr txBox="1">
+            <a:spLocks noGrp="1"/>
+          </p:cNvSpPr>
+          <p:nvPr>
+            <p:ph type="body" idx="1"/>
+          </p:nvPr>
+        </p:nvSpPr>
+        <p:spPr>
+          <a:xfrm>
+            <a:off x="685800" y="4343400"/>
+            <a:ext cx="5486400" cy="4114800"/>
+          </a:xfrm>
+          <a:prstGeom prst="rect">
+            <a:avLst/>
+          </a:prstGeom>
+        </p:spPr>
+        <p:txBody>
+          <a:bodyPr spcFirstLastPara="1" wrap="square" lIns="91425" tIns="91425" rIns="91425" bIns="91425" anchor="t" anchorCtr="0">
+            <a:noAutofit/>
+          </a:bodyPr>
+          <a:lstStyle/>
+          <a:p>
+            <a:pPr marL="0" lvl="0" indent="0" algn="l" rtl="0">
+              <a:spcBef>
+                <a:spcPts val="0"/>
+              </a:spcBef>
+              <a:spcAft>
+                <a:spcPts val="0"/>
+              </a:spcAft>
+              <a:buNone/>
+            </a:pPr>
+            <a:endParaRPr/>
+          </a:p>
+        </p:txBody>
+      </p:sp>
+    </p:spTree>
+    <p:extLst>
+      <p:ext uri="{BB962C8B-B14F-4D97-AF65-F5344CB8AC3E}">
         <p14:creationId xmlns:p14="http://schemas.microsoft.com/office/powerpoint/2010/main" val="1634030739"/>
       </p:ext>
     </p:extLst>
@@ -5865,7 +6422,7 @@
 </p:notes>
 </file>
 
-<file path=ppt/notesSlides/notesSlide52.xml><?xml version="1.0" encoding="utf-8"?>
+<file path=ppt/notesSlides/notesSlide57.xml><?xml version="1.0" encoding="utf-8"?>
 <p:notes xmlns:a="http://schemas.openxmlformats.org/drawingml/2006/main" xmlns:r="http://schemas.openxmlformats.org/officeDocument/2006/relationships" xmlns:p="http://schemas.openxmlformats.org/presentationml/2006/main" showMasterSp="0" showMasterPhAnim="0">
   <p:cSld>
     <p:spTree>
@@ -5962,11 +6519,6 @@
         </p:txBody>
       </p:sp>
     </p:spTree>
-    <p:extLst>
-      <p:ext uri="{BB962C8B-B14F-4D97-AF65-F5344CB8AC3E}">
-        <p14:creationId xmlns:p14="http://schemas.microsoft.com/office/powerpoint/2010/main" val="4100608620"/>
-      </p:ext>
-    </p:extLst>
   </p:cSld>
   <p:clrMapOvr>
     <a:masterClrMapping/>
@@ -5974,7 +6526,7 @@
 </p:notes>
 </file>
 
-<file path=ppt/notesSlides/notesSlide53.xml><?xml version="1.0" encoding="utf-8"?>
+<file path=ppt/notesSlides/notesSlide58.xml><?xml version="1.0" encoding="utf-8"?>
 <p:notes xmlns:a="http://schemas.openxmlformats.org/drawingml/2006/main" xmlns:r="http://schemas.openxmlformats.org/officeDocument/2006/relationships" xmlns:p="http://schemas.openxmlformats.org/presentationml/2006/main" showMasterSp="0" showMasterPhAnim="0">
   <p:cSld>
     <p:spTree>
@@ -6073,6 +6625,328 @@
     </p:spTree>
     <p:extLst>
       <p:ext uri="{BB962C8B-B14F-4D97-AF65-F5344CB8AC3E}">
+        <p14:creationId xmlns:p14="http://schemas.microsoft.com/office/powerpoint/2010/main" val="2681194447"/>
+      </p:ext>
+    </p:extLst>
+  </p:cSld>
+  <p:clrMapOvr>
+    <a:masterClrMapping/>
+  </p:clrMapOvr>
+</p:notes>
+</file>
+
+<file path=ppt/notesSlides/notesSlide59.xml><?xml version="1.0" encoding="utf-8"?>
+<p:notes xmlns:a="http://schemas.openxmlformats.org/drawingml/2006/main" xmlns:r="http://schemas.openxmlformats.org/officeDocument/2006/relationships" xmlns:p="http://schemas.openxmlformats.org/presentationml/2006/main" showMasterSp="0" showMasterPhAnim="0">
+  <p:cSld>
+    <p:spTree>
+      <p:nvGrpSpPr>
+        <p:cNvPr id="1" name="Shape 241"/>
+        <p:cNvGrpSpPr/>
+        <p:nvPr/>
+      </p:nvGrpSpPr>
+      <p:grpSpPr>
+        <a:xfrm>
+          <a:off x="0" y="0"/>
+          <a:ext cx="0" cy="0"/>
+          <a:chOff x="0" y="0"/>
+          <a:chExt cx="0" cy="0"/>
+        </a:xfrm>
+      </p:grpSpPr>
+      <p:sp>
+        <p:nvSpPr>
+          <p:cNvPr id="242" name="Google Shape;242;g1ba2580c0f6_0_0:notes"/>
+          <p:cNvSpPr>
+            <a:spLocks noGrp="1" noRot="1" noChangeAspect="1"/>
+          </p:cNvSpPr>
+          <p:nvPr>
+            <p:ph type="sldImg" idx="2"/>
+          </p:nvPr>
+        </p:nvSpPr>
+        <p:spPr>
+          <a:xfrm>
+            <a:off x="381000" y="685800"/>
+            <a:ext cx="6096000" cy="3429000"/>
+          </a:xfrm>
+          <a:custGeom>
+            <a:avLst/>
+            <a:gdLst/>
+            <a:ahLst/>
+            <a:cxnLst/>
+            <a:rect l="l" t="t" r="r" b="b"/>
+            <a:pathLst>
+              <a:path w="120000" h="120000" extrusionOk="0">
+                <a:moveTo>
+                  <a:pt x="0" y="0"/>
+                </a:moveTo>
+                <a:lnTo>
+                  <a:pt x="120000" y="0"/>
+                </a:lnTo>
+                <a:lnTo>
+                  <a:pt x="120000" y="120000"/>
+                </a:lnTo>
+                <a:lnTo>
+                  <a:pt x="0" y="120000"/>
+                </a:lnTo>
+                <a:close/>
+              </a:path>
+            </a:pathLst>
+          </a:custGeom>
+        </p:spPr>
+      </p:sp>
+      <p:sp>
+        <p:nvSpPr>
+          <p:cNvPr id="243" name="Google Shape;243;g1ba2580c0f6_0_0:notes"/>
+          <p:cNvSpPr txBox="1">
+            <a:spLocks noGrp="1"/>
+          </p:cNvSpPr>
+          <p:nvPr>
+            <p:ph type="body" idx="1"/>
+          </p:nvPr>
+        </p:nvSpPr>
+        <p:spPr>
+          <a:xfrm>
+            <a:off x="685800" y="4343400"/>
+            <a:ext cx="5486400" cy="4114800"/>
+          </a:xfrm>
+          <a:prstGeom prst="rect">
+            <a:avLst/>
+          </a:prstGeom>
+        </p:spPr>
+        <p:txBody>
+          <a:bodyPr spcFirstLastPara="1" wrap="square" lIns="91425" tIns="91425" rIns="91425" bIns="91425" anchor="t" anchorCtr="0">
+            <a:noAutofit/>
+          </a:bodyPr>
+          <a:lstStyle/>
+          <a:p>
+            <a:pPr marL="0" lvl="0" indent="0" algn="l" rtl="0">
+              <a:spcBef>
+                <a:spcPts val="0"/>
+              </a:spcBef>
+              <a:spcAft>
+                <a:spcPts val="0"/>
+              </a:spcAft>
+              <a:buNone/>
+            </a:pPr>
+            <a:endParaRPr/>
+          </a:p>
+        </p:txBody>
+      </p:sp>
+    </p:spTree>
+    <p:extLst>
+      <p:ext uri="{BB962C8B-B14F-4D97-AF65-F5344CB8AC3E}">
+        <p14:creationId xmlns:p14="http://schemas.microsoft.com/office/powerpoint/2010/main" val="4100608620"/>
+      </p:ext>
+    </p:extLst>
+  </p:cSld>
+  <p:clrMapOvr>
+    <a:masterClrMapping/>
+  </p:clrMapOvr>
+</p:notes>
+</file>
+
+<file path=ppt/notesSlides/notesSlide6.xml><?xml version="1.0" encoding="utf-8"?>
+<p:notes xmlns:a="http://schemas.openxmlformats.org/drawingml/2006/main" xmlns:r="http://schemas.openxmlformats.org/officeDocument/2006/relationships" xmlns:p="http://schemas.openxmlformats.org/presentationml/2006/main" showMasterSp="0" showMasterPhAnim="0">
+  <p:cSld>
+    <p:spTree>
+      <p:nvGrpSpPr>
+        <p:cNvPr id="1" name="Shape 158"/>
+        <p:cNvGrpSpPr/>
+        <p:nvPr/>
+      </p:nvGrpSpPr>
+      <p:grpSpPr>
+        <a:xfrm>
+          <a:off x="0" y="0"/>
+          <a:ext cx="0" cy="0"/>
+          <a:chOff x="0" y="0"/>
+          <a:chExt cx="0" cy="0"/>
+        </a:xfrm>
+      </p:grpSpPr>
+      <p:sp>
+        <p:nvSpPr>
+          <p:cNvPr id="159" name="Google Shape;159;gdf29b9fb24_0_34:notes"/>
+          <p:cNvSpPr>
+            <a:spLocks noGrp="1" noRot="1" noChangeAspect="1"/>
+          </p:cNvSpPr>
+          <p:nvPr>
+            <p:ph type="sldImg" idx="2"/>
+          </p:nvPr>
+        </p:nvSpPr>
+        <p:spPr>
+          <a:xfrm>
+            <a:off x="381000" y="685800"/>
+            <a:ext cx="6096000" cy="3429000"/>
+          </a:xfrm>
+          <a:custGeom>
+            <a:avLst/>
+            <a:gdLst/>
+            <a:ahLst/>
+            <a:cxnLst/>
+            <a:rect l="l" t="t" r="r" b="b"/>
+            <a:pathLst>
+              <a:path w="120000" h="120000" extrusionOk="0">
+                <a:moveTo>
+                  <a:pt x="0" y="0"/>
+                </a:moveTo>
+                <a:lnTo>
+                  <a:pt x="120000" y="0"/>
+                </a:lnTo>
+                <a:lnTo>
+                  <a:pt x="120000" y="120000"/>
+                </a:lnTo>
+                <a:lnTo>
+                  <a:pt x="0" y="120000"/>
+                </a:lnTo>
+                <a:close/>
+              </a:path>
+            </a:pathLst>
+          </a:custGeom>
+        </p:spPr>
+      </p:sp>
+      <p:sp>
+        <p:nvSpPr>
+          <p:cNvPr id="160" name="Google Shape;160;gdf29b9fb24_0_34:notes"/>
+          <p:cNvSpPr txBox="1">
+            <a:spLocks noGrp="1"/>
+          </p:cNvSpPr>
+          <p:nvPr>
+            <p:ph type="body" idx="1"/>
+          </p:nvPr>
+        </p:nvSpPr>
+        <p:spPr>
+          <a:xfrm>
+            <a:off x="685800" y="4343400"/>
+            <a:ext cx="5486400" cy="4114800"/>
+          </a:xfrm>
+          <a:prstGeom prst="rect">
+            <a:avLst/>
+          </a:prstGeom>
+        </p:spPr>
+        <p:txBody>
+          <a:bodyPr spcFirstLastPara="1" wrap="square" lIns="91425" tIns="91425" rIns="91425" bIns="91425" anchor="t" anchorCtr="0">
+            <a:noAutofit/>
+          </a:bodyPr>
+          <a:lstStyle/>
+          <a:p>
+            <a:pPr marL="0" lvl="0" indent="0" algn="l" rtl="0">
+              <a:spcBef>
+                <a:spcPts val="0"/>
+              </a:spcBef>
+              <a:spcAft>
+                <a:spcPts val="0"/>
+              </a:spcAft>
+              <a:buNone/>
+            </a:pPr>
+            <a:endParaRPr/>
+          </a:p>
+        </p:txBody>
+      </p:sp>
+    </p:spTree>
+  </p:cSld>
+  <p:clrMapOvr>
+    <a:masterClrMapping/>
+  </p:clrMapOvr>
+</p:notes>
+</file>
+
+<file path=ppt/notesSlides/notesSlide60.xml><?xml version="1.0" encoding="utf-8"?>
+<p:notes xmlns:a="http://schemas.openxmlformats.org/drawingml/2006/main" xmlns:r="http://schemas.openxmlformats.org/officeDocument/2006/relationships" xmlns:p="http://schemas.openxmlformats.org/presentationml/2006/main" showMasterSp="0" showMasterPhAnim="0">
+  <p:cSld>
+    <p:spTree>
+      <p:nvGrpSpPr>
+        <p:cNvPr id="1" name="Shape 241"/>
+        <p:cNvGrpSpPr/>
+        <p:nvPr/>
+      </p:nvGrpSpPr>
+      <p:grpSpPr>
+        <a:xfrm>
+          <a:off x="0" y="0"/>
+          <a:ext cx="0" cy="0"/>
+          <a:chOff x="0" y="0"/>
+          <a:chExt cx="0" cy="0"/>
+        </a:xfrm>
+      </p:grpSpPr>
+      <p:sp>
+        <p:nvSpPr>
+          <p:cNvPr id="242" name="Google Shape;242;g1ba2580c0f6_0_0:notes"/>
+          <p:cNvSpPr>
+            <a:spLocks noGrp="1" noRot="1" noChangeAspect="1"/>
+          </p:cNvSpPr>
+          <p:nvPr>
+            <p:ph type="sldImg" idx="2"/>
+          </p:nvPr>
+        </p:nvSpPr>
+        <p:spPr>
+          <a:xfrm>
+            <a:off x="381000" y="685800"/>
+            <a:ext cx="6096000" cy="3429000"/>
+          </a:xfrm>
+          <a:custGeom>
+            <a:avLst/>
+            <a:gdLst/>
+            <a:ahLst/>
+            <a:cxnLst/>
+            <a:rect l="l" t="t" r="r" b="b"/>
+            <a:pathLst>
+              <a:path w="120000" h="120000" extrusionOk="0">
+                <a:moveTo>
+                  <a:pt x="0" y="0"/>
+                </a:moveTo>
+                <a:lnTo>
+                  <a:pt x="120000" y="0"/>
+                </a:lnTo>
+                <a:lnTo>
+                  <a:pt x="120000" y="120000"/>
+                </a:lnTo>
+                <a:lnTo>
+                  <a:pt x="0" y="120000"/>
+                </a:lnTo>
+                <a:close/>
+              </a:path>
+            </a:pathLst>
+          </a:custGeom>
+        </p:spPr>
+      </p:sp>
+      <p:sp>
+        <p:nvSpPr>
+          <p:cNvPr id="243" name="Google Shape;243;g1ba2580c0f6_0_0:notes"/>
+          <p:cNvSpPr txBox="1">
+            <a:spLocks noGrp="1"/>
+          </p:cNvSpPr>
+          <p:nvPr>
+            <p:ph type="body" idx="1"/>
+          </p:nvPr>
+        </p:nvSpPr>
+        <p:spPr>
+          <a:xfrm>
+            <a:off x="685800" y="4343400"/>
+            <a:ext cx="5486400" cy="4114800"/>
+          </a:xfrm>
+          <a:prstGeom prst="rect">
+            <a:avLst/>
+          </a:prstGeom>
+        </p:spPr>
+        <p:txBody>
+          <a:bodyPr spcFirstLastPara="1" wrap="square" lIns="91425" tIns="91425" rIns="91425" bIns="91425" anchor="t" anchorCtr="0">
+            <a:noAutofit/>
+          </a:bodyPr>
+          <a:lstStyle/>
+          <a:p>
+            <a:pPr marL="0" lvl="0" indent="0" algn="l" rtl="0">
+              <a:spcBef>
+                <a:spcPts val="0"/>
+              </a:spcBef>
+              <a:spcAft>
+                <a:spcPts val="0"/>
+              </a:spcAft>
+              <a:buNone/>
+            </a:pPr>
+            <a:endParaRPr/>
+          </a:p>
+        </p:txBody>
+      </p:sp>
+    </p:spTree>
+    <p:extLst>
+      <p:ext uri="{BB962C8B-B14F-4D97-AF65-F5344CB8AC3E}">
         <p14:creationId xmlns:p14="http://schemas.microsoft.com/office/powerpoint/2010/main" val="3747253100"/>
       </p:ext>
     </p:extLst>
@@ -6083,7 +6957,7 @@
 </p:notes>
 </file>
 
-<file path=ppt/notesSlides/notesSlide54.xml><?xml version="1.0" encoding="utf-8"?>
+<file path=ppt/notesSlides/notesSlide61.xml><?xml version="1.0" encoding="utf-8"?>
 <p:notes xmlns:a="http://schemas.openxmlformats.org/drawingml/2006/main" xmlns:r="http://schemas.openxmlformats.org/officeDocument/2006/relationships" xmlns:p="http://schemas.openxmlformats.org/presentationml/2006/main" showMasterSp="0" showMasterPhAnim="0">
   <p:cSld>
     <p:spTree>
@@ -6187,7 +7061,7 @@
 </p:notes>
 </file>
 
-<file path=ppt/notesSlides/notesSlide55.xml><?xml version="1.0" encoding="utf-8"?>
+<file path=ppt/notesSlides/notesSlide62.xml><?xml version="1.0" encoding="utf-8"?>
 <p:notes xmlns:a="http://schemas.openxmlformats.org/drawingml/2006/main" xmlns:r="http://schemas.openxmlformats.org/officeDocument/2006/relationships" xmlns:p="http://schemas.openxmlformats.org/presentationml/2006/main" showMasterSp="0" showMasterPhAnim="0">
   <p:cSld>
     <p:spTree>
@@ -6291,7 +7165,7 @@
 </p:notes>
 </file>
 
-<file path=ppt/notesSlides/notesSlide56.xml><?xml version="1.0" encoding="utf-8"?>
+<file path=ppt/notesSlides/notesSlide63.xml><?xml version="1.0" encoding="utf-8"?>
 <p:notes xmlns:a="http://schemas.openxmlformats.org/drawingml/2006/main" xmlns:r="http://schemas.openxmlformats.org/officeDocument/2006/relationships" xmlns:p="http://schemas.openxmlformats.org/presentationml/2006/main" showMasterSp="0" showMasterPhAnim="0">
   <p:cSld>
     <p:spTree>
@@ -6400,7 +7274,7 @@
 </p:notes>
 </file>
 
-<file path=ppt/notesSlides/notesSlide57.xml><?xml version="1.0" encoding="utf-8"?>
+<file path=ppt/notesSlides/notesSlide64.xml><?xml version="1.0" encoding="utf-8"?>
 <p:notes xmlns:a="http://schemas.openxmlformats.org/drawingml/2006/main" xmlns:r="http://schemas.openxmlformats.org/officeDocument/2006/relationships" xmlns:p="http://schemas.openxmlformats.org/presentationml/2006/main" showMasterSp="0" showMasterPhAnim="0">
   <p:cSld>
     <p:spTree>
@@ -6509,7 +7383,7 @@
 </p:notes>
 </file>
 
-<file path=ppt/notesSlides/notesSlide58.xml><?xml version="1.0" encoding="utf-8"?>
+<file path=ppt/notesSlides/notesSlide65.xml><?xml version="1.0" encoding="utf-8"?>
 <p:notes xmlns:a="http://schemas.openxmlformats.org/drawingml/2006/main" xmlns:r="http://schemas.openxmlformats.org/officeDocument/2006/relationships" xmlns:p="http://schemas.openxmlformats.org/presentationml/2006/main" showMasterSp="0" showMasterPhAnim="0">
   <p:cSld>
     <p:spTree>
@@ -6570,110 +7444,6 @@
       <p:sp>
         <p:nvSpPr>
           <p:cNvPr id="526" name="Google Shape;526;ge04b8b6756_0_74:notes"/>
-          <p:cNvSpPr txBox="1">
-            <a:spLocks noGrp="1"/>
-          </p:cNvSpPr>
-          <p:nvPr>
-            <p:ph type="body" idx="1"/>
-          </p:nvPr>
-        </p:nvSpPr>
-        <p:spPr>
-          <a:xfrm>
-            <a:off x="685800" y="4343400"/>
-            <a:ext cx="5486400" cy="4114800"/>
-          </a:xfrm>
-          <a:prstGeom prst="rect">
-            <a:avLst/>
-          </a:prstGeom>
-        </p:spPr>
-        <p:txBody>
-          <a:bodyPr spcFirstLastPara="1" wrap="square" lIns="91425" tIns="91425" rIns="91425" bIns="91425" anchor="t" anchorCtr="0">
-            <a:noAutofit/>
-          </a:bodyPr>
-          <a:lstStyle/>
-          <a:p>
-            <a:pPr marL="0" lvl="0" indent="0" algn="l" rtl="0">
-              <a:spcBef>
-                <a:spcPts val="0"/>
-              </a:spcBef>
-              <a:spcAft>
-                <a:spcPts val="0"/>
-              </a:spcAft>
-              <a:buNone/>
-            </a:pPr>
-            <a:endParaRPr/>
-          </a:p>
-        </p:txBody>
-      </p:sp>
-    </p:spTree>
-  </p:cSld>
-  <p:clrMapOvr>
-    <a:masterClrMapping/>
-  </p:clrMapOvr>
-</p:notes>
-</file>
-
-<file path=ppt/notesSlides/notesSlide6.xml><?xml version="1.0" encoding="utf-8"?>
-<p:notes xmlns:a="http://schemas.openxmlformats.org/drawingml/2006/main" xmlns:r="http://schemas.openxmlformats.org/officeDocument/2006/relationships" xmlns:p="http://schemas.openxmlformats.org/presentationml/2006/main" showMasterSp="0" showMasterPhAnim="0">
-  <p:cSld>
-    <p:spTree>
-      <p:nvGrpSpPr>
-        <p:cNvPr id="1" name="Shape 158"/>
-        <p:cNvGrpSpPr/>
-        <p:nvPr/>
-      </p:nvGrpSpPr>
-      <p:grpSpPr>
-        <a:xfrm>
-          <a:off x="0" y="0"/>
-          <a:ext cx="0" cy="0"/>
-          <a:chOff x="0" y="0"/>
-          <a:chExt cx="0" cy="0"/>
-        </a:xfrm>
-      </p:grpSpPr>
-      <p:sp>
-        <p:nvSpPr>
-          <p:cNvPr id="159" name="Google Shape;159;gdf29b9fb24_0_34:notes"/>
-          <p:cNvSpPr>
-            <a:spLocks noGrp="1" noRot="1" noChangeAspect="1"/>
-          </p:cNvSpPr>
-          <p:nvPr>
-            <p:ph type="sldImg" idx="2"/>
-          </p:nvPr>
-        </p:nvSpPr>
-        <p:spPr>
-          <a:xfrm>
-            <a:off x="381000" y="685800"/>
-            <a:ext cx="6096000" cy="3429000"/>
-          </a:xfrm>
-          <a:custGeom>
-            <a:avLst/>
-            <a:gdLst/>
-            <a:ahLst/>
-            <a:cxnLst/>
-            <a:rect l="l" t="t" r="r" b="b"/>
-            <a:pathLst>
-              <a:path w="120000" h="120000" extrusionOk="0">
-                <a:moveTo>
-                  <a:pt x="0" y="0"/>
-                </a:moveTo>
-                <a:lnTo>
-                  <a:pt x="120000" y="0"/>
-                </a:lnTo>
-                <a:lnTo>
-                  <a:pt x="120000" y="120000"/>
-                </a:lnTo>
-                <a:lnTo>
-                  <a:pt x="0" y="120000"/>
-                </a:lnTo>
-                <a:close/>
-              </a:path>
-            </a:pathLst>
-          </a:custGeom>
-        </p:spPr>
-      </p:sp>
-      <p:sp>
-        <p:nvSpPr>
-          <p:cNvPr id="160" name="Google Shape;160;gdf29b9fb24_0_34:notes"/>
           <p:cNvSpPr txBox="1">
             <a:spLocks noGrp="1"/>
           </p:cNvSpPr>
@@ -34615,6 +35385,7 @@
       <p:pic>
         <p:nvPicPr>
           <p:cNvPr id="8194" name="Picture 2">
+            <a:hlinkClick r:id="rId3"/>
             <a:extLst>
               <a:ext uri="{FF2B5EF4-FFF2-40B4-BE49-F238E27FC236}">
                 <a16:creationId xmlns:a16="http://schemas.microsoft.com/office/drawing/2014/main" id="{990C28D1-5C37-4004-8E8C-2D07C38137A1}"/>
@@ -34627,7 +35398,7 @@
           <p:nvPr/>
         </p:nvPicPr>
         <p:blipFill>
-          <a:blip r:embed="rId3">
+          <a:blip r:embed="rId4">
             <a:extLst>
               <a:ext uri="{28A0092B-C50C-407E-A947-70E740481C1C}">
                 <a14:useLocalDpi xmlns:a14="http://schemas.microsoft.com/office/drawing/2010/main" val="0"/>
@@ -34674,7 +35445,7 @@
         <p:spPr>
           <a:xfrm>
             <a:off x="500550" y="1014505"/>
-            <a:ext cx="3648756" cy="338554"/>
+            <a:ext cx="3206327" cy="307777"/>
           </a:xfrm>
           <a:prstGeom prst="rect">
             <a:avLst/>
@@ -34687,7 +35458,7 @@
           <a:lstStyle/>
           <a:p>
             <a:r>
-              <a:rPr lang="ru-RU" sz="1600" b="1" dirty="0">
+              <a:rPr lang="ru-RU" b="1" dirty="0">
                 <a:solidFill>
                   <a:srgbClr val="FF9900"/>
                 </a:solidFill>
@@ -34697,7 +35468,7 @@
               </a:rPr>
               <a:t>Общая информация и диагностика:</a:t>
             </a:r>
-            <a:endParaRPr lang="ru-RU" sz="1600" b="1" dirty="0">
+            <a:endParaRPr lang="ru-RU" b="1" dirty="0">
               <a:solidFill>
                 <a:srgbClr val="FF9900"/>
               </a:solidFill>
@@ -34743,7 +35514,7 @@
                 <a:latin typeface="Roboto"/>
                 <a:ea typeface="Roboto"/>
                 <a:sym typeface="Roboto"/>
-                <a:hlinkClick r:id="rId4"/>
+                <a:hlinkClick r:id="rId3"/>
               </a:rPr>
               <a:t>skimr</a:t>
             </a:r>
@@ -34810,6 +35581,7 @@
       <p:pic>
         <p:nvPicPr>
           <p:cNvPr id="8196" name="Picture 4">
+            <a:hlinkClick r:id="rId5"/>
             <a:extLst>
               <a:ext uri="{FF2B5EF4-FFF2-40B4-BE49-F238E27FC236}">
                 <a16:creationId xmlns:a16="http://schemas.microsoft.com/office/drawing/2014/main" id="{5B203762-61AF-46BE-9523-2A1E69462C53}"/>
@@ -34864,7 +35636,7 @@
     </p:spTree>
     <p:extLst>
       <p:ext uri="{BB962C8B-B14F-4D97-AF65-F5344CB8AC3E}">
-        <p14:creationId xmlns:p14="http://schemas.microsoft.com/office/powerpoint/2010/main" val="213932068"/>
+        <p14:creationId xmlns:p14="http://schemas.microsoft.com/office/powerpoint/2010/main" val="3762498737"/>
       </p:ext>
     </p:extLst>
   </p:cSld>
@@ -34879,7 +35651,7 @@
   <p:cSld>
     <p:spTree>
       <p:nvGrpSpPr>
-        <p:cNvPr id="1" name="Shape 184"/>
+        <p:cNvPr id="1" name="Shape 189"/>
         <p:cNvGrpSpPr/>
         <p:nvPr/>
       </p:nvGrpSpPr>
@@ -34893,7 +35665,7 @@
       </p:grpSpPr>
       <p:sp>
         <p:nvSpPr>
-          <p:cNvPr id="185" name="Google Shape;185;p26"/>
+          <p:cNvPr id="190" name="Google Shape;190;p27"/>
           <p:cNvSpPr txBox="1">
             <a:spLocks noGrp="1"/>
           </p:cNvSpPr>
@@ -34903,15 +35675,15 @@
         </p:nvSpPr>
         <p:spPr>
           <a:xfrm>
-            <a:off x="651425" y="396394"/>
-            <a:ext cx="7706100" cy="4090800"/>
+            <a:off x="500550" y="330724"/>
+            <a:ext cx="8520600" cy="1095900"/>
           </a:xfrm>
           <a:prstGeom prst="rect">
             <a:avLst/>
           </a:prstGeom>
         </p:spPr>
         <p:txBody>
-          <a:bodyPr spcFirstLastPara="1" wrap="square" lIns="91425" tIns="91425" rIns="91425" bIns="91425" anchor="ctr" anchorCtr="0">
+          <a:bodyPr spcFirstLastPara="1" wrap="square" lIns="91425" tIns="91425" rIns="91425" bIns="91425" anchor="t" anchorCtr="0">
             <a:noAutofit/>
           </a:bodyPr>
           <a:lstStyle/>
@@ -34923,45 +35695,530 @@
               <a:spcAft>
                 <a:spcPts val="0"/>
               </a:spcAft>
-              <a:buClr>
-                <a:schemeClr val="dk1"/>
-              </a:buClr>
-              <a:buSzPts val="1100"/>
-              <a:buFont typeface="Arial"/>
               <a:buNone/>
             </a:pPr>
             <a:r>
-              <a:rPr lang="ru-RU" sz="4900" dirty="0"/>
-              <a:t>Часть </a:t>
+              <a:rPr lang="ru-RU" dirty="0"/>
+              <a:t>Библиотеки для </a:t>
             </a:r>
             <a:r>
-              <a:rPr lang="en-US" sz="4900" dirty="0"/>
-              <a:t>III</a:t>
-            </a:r>
-            <a:endParaRPr sz="4900" dirty="0"/>
-          </a:p>
-          <a:p>
-            <a:pPr marL="0" lvl="0" indent="0" algn="l" rtl="0">
-              <a:spcBef>
-                <a:spcPts val="0"/>
-              </a:spcBef>
-              <a:spcAft>
-                <a:spcPts val="0"/>
-              </a:spcAft>
-              <a:buNone/>
-            </a:pPr>
-            <a:r>
-              <a:rPr lang="ru-RU" sz="4900" dirty="0"/>
-              <a:t>Как?</a:t>
+              <a:rPr lang="en-US" dirty="0"/>
+              <a:t>EDA</a:t>
             </a:r>
             <a:endParaRPr dirty="0"/>
           </a:p>
         </p:txBody>
       </p:sp>
+      <p:pic>
+        <p:nvPicPr>
+          <p:cNvPr id="8194" name="Picture 2">
+            <a:hlinkClick r:id="rId3"/>
+            <a:extLst>
+              <a:ext uri="{FF2B5EF4-FFF2-40B4-BE49-F238E27FC236}">
+                <a16:creationId xmlns:a16="http://schemas.microsoft.com/office/drawing/2014/main" id="{990C28D1-5C37-4004-8E8C-2D07C38137A1}"/>
+              </a:ext>
+            </a:extLst>
+          </p:cNvPr>
+          <p:cNvPicPr>
+            <a:picLocks noChangeAspect="1" noChangeArrowheads="1"/>
+          </p:cNvPicPr>
+          <p:nvPr/>
+        </p:nvPicPr>
+        <p:blipFill>
+          <a:blip r:embed="rId4">
+            <a:extLst>
+              <a:ext uri="{28A0092B-C50C-407E-A947-70E740481C1C}">
+                <a14:useLocalDpi xmlns:a14="http://schemas.microsoft.com/office/drawing/2010/main" val="0"/>
+              </a:ext>
+            </a:extLst>
+          </a:blip>
+          <a:srcRect/>
+          <a:stretch>
+            <a:fillRect/>
+          </a:stretch>
+        </p:blipFill>
+        <p:spPr bwMode="auto">
+          <a:xfrm>
+            <a:off x="500550" y="1375364"/>
+            <a:ext cx="945000" cy="1080000"/>
+          </a:xfrm>
+          <a:prstGeom prst="rect">
+            <a:avLst/>
+          </a:prstGeom>
+          <a:noFill/>
+          <a:extLst>
+            <a:ext uri="{909E8E84-426E-40DD-AFC4-6F175D3DCCD1}">
+              <a14:hiddenFill xmlns:a14="http://schemas.microsoft.com/office/drawing/2010/main">
+                <a:solidFill>
+                  <a:srgbClr val="FFFFFF"/>
+                </a:solidFill>
+              </a14:hiddenFill>
+            </a:ext>
+          </a:extLst>
+        </p:spPr>
+      </p:pic>
+      <p:sp>
+        <p:nvSpPr>
+          <p:cNvPr id="6" name="Прямоугольник 5">
+            <a:extLst>
+              <a:ext uri="{FF2B5EF4-FFF2-40B4-BE49-F238E27FC236}">
+                <a16:creationId xmlns:a16="http://schemas.microsoft.com/office/drawing/2014/main" id="{D9B17B36-7ADF-41EF-8C80-A644A611D985}"/>
+              </a:ext>
+            </a:extLst>
+          </p:cNvPr>
+          <p:cNvSpPr/>
+          <p:nvPr/>
+        </p:nvSpPr>
+        <p:spPr>
+          <a:xfrm>
+            <a:off x="500550" y="1014505"/>
+            <a:ext cx="3206327" cy="307777"/>
+          </a:xfrm>
+          <a:prstGeom prst="rect">
+            <a:avLst/>
+          </a:prstGeom>
+        </p:spPr>
+        <p:txBody>
+          <a:bodyPr wrap="none">
+            <a:spAutoFit/>
+          </a:bodyPr>
+          <a:lstStyle/>
+          <a:p>
+            <a:r>
+              <a:rPr lang="ru-RU" b="1" dirty="0">
+                <a:solidFill>
+                  <a:srgbClr val="FF9900"/>
+                </a:solidFill>
+                <a:latin typeface="Roboto"/>
+                <a:ea typeface="Roboto"/>
+                <a:sym typeface="Roboto"/>
+              </a:rPr>
+              <a:t>Общая информация и диагностика:</a:t>
+            </a:r>
+            <a:endParaRPr lang="ru-RU" b="1" dirty="0">
+              <a:solidFill>
+                <a:srgbClr val="FF9900"/>
+              </a:solidFill>
+              <a:latin typeface="Roboto"/>
+              <a:ea typeface="Roboto"/>
+            </a:endParaRPr>
+          </a:p>
+        </p:txBody>
+      </p:sp>
+      <p:sp>
+        <p:nvSpPr>
+          <p:cNvPr id="7" name="Прямоугольник 6">
+            <a:extLst>
+              <a:ext uri="{FF2B5EF4-FFF2-40B4-BE49-F238E27FC236}">
+                <a16:creationId xmlns:a16="http://schemas.microsoft.com/office/drawing/2014/main" id="{F9B43237-8025-4A73-8A9F-9235FA6B08D1}"/>
+              </a:ext>
+            </a:extLst>
+          </p:cNvPr>
+          <p:cNvSpPr/>
+          <p:nvPr/>
+        </p:nvSpPr>
+        <p:spPr>
+          <a:xfrm>
+            <a:off x="668319" y="2477669"/>
+            <a:ext cx="609462" cy="292388"/>
+          </a:xfrm>
+          <a:prstGeom prst="rect">
+            <a:avLst/>
+          </a:prstGeom>
+        </p:spPr>
+        <p:txBody>
+          <a:bodyPr wrap="none">
+            <a:spAutoFit/>
+          </a:bodyPr>
+          <a:lstStyle/>
+          <a:p>
+            <a:pPr algn="ctr"/>
+            <a:r>
+              <a:rPr lang="en-US" sz="1300" b="1" dirty="0" err="1">
+                <a:solidFill>
+                  <a:srgbClr val="FF9900"/>
+                </a:solidFill>
+                <a:latin typeface="Roboto"/>
+                <a:ea typeface="Roboto"/>
+                <a:sym typeface="Roboto"/>
+                <a:hlinkClick r:id="rId3"/>
+              </a:rPr>
+              <a:t>skimr</a:t>
+            </a:r>
+            <a:endParaRPr lang="ru-RU" sz="1300" b="1" dirty="0">
+              <a:solidFill>
+                <a:srgbClr val="FF9900"/>
+              </a:solidFill>
+              <a:latin typeface="Roboto"/>
+              <a:ea typeface="Roboto"/>
+            </a:endParaRPr>
+          </a:p>
+        </p:txBody>
+      </p:sp>
+      <p:sp>
+        <p:nvSpPr>
+          <p:cNvPr id="9" name="Прямоугольник 8">
+            <a:extLst>
+              <a:ext uri="{FF2B5EF4-FFF2-40B4-BE49-F238E27FC236}">
+                <a16:creationId xmlns:a16="http://schemas.microsoft.com/office/drawing/2014/main" id="{56E97ED4-B21D-44A6-A944-4CF5E1BDB263}"/>
+              </a:ext>
+            </a:extLst>
+          </p:cNvPr>
+          <p:cNvSpPr/>
+          <p:nvPr/>
+        </p:nvSpPr>
+        <p:spPr>
+          <a:xfrm>
+            <a:off x="2073553" y="2477669"/>
+            <a:ext cx="655949" cy="292388"/>
+          </a:xfrm>
+          <a:prstGeom prst="rect">
+            <a:avLst/>
+          </a:prstGeom>
+        </p:spPr>
+        <p:txBody>
+          <a:bodyPr wrap="none">
+            <a:spAutoFit/>
+          </a:bodyPr>
+          <a:lstStyle/>
+          <a:p>
+            <a:pPr algn="ctr"/>
+            <a:r>
+              <a:rPr lang="en-US" sz="1300" b="1" dirty="0" err="1">
+                <a:solidFill>
+                  <a:srgbClr val="FF9900"/>
+                </a:solidFill>
+                <a:latin typeface="Roboto"/>
+                <a:ea typeface="Roboto"/>
+                <a:sym typeface="Roboto"/>
+                <a:hlinkClick r:id="rId5"/>
+              </a:rPr>
+              <a:t>naniar</a:t>
+            </a:r>
+            <a:endParaRPr lang="ru-RU" sz="1300" b="1" dirty="0">
+              <a:solidFill>
+                <a:srgbClr val="FF9900"/>
+              </a:solidFill>
+              <a:latin typeface="Roboto"/>
+              <a:ea typeface="Roboto"/>
+            </a:endParaRPr>
+          </a:p>
+        </p:txBody>
+      </p:sp>
+      <p:pic>
+        <p:nvPicPr>
+          <p:cNvPr id="8196" name="Picture 4">
+            <a:hlinkClick r:id="rId5"/>
+            <a:extLst>
+              <a:ext uri="{FF2B5EF4-FFF2-40B4-BE49-F238E27FC236}">
+                <a16:creationId xmlns:a16="http://schemas.microsoft.com/office/drawing/2014/main" id="{5B203762-61AF-46BE-9523-2A1E69462C53}"/>
+              </a:ext>
+            </a:extLst>
+          </p:cNvPr>
+          <p:cNvPicPr>
+            <a:picLocks noChangeAspect="1" noChangeArrowheads="1"/>
+          </p:cNvPicPr>
+          <p:nvPr/>
+        </p:nvPicPr>
+        <p:blipFill>
+          <a:blip r:embed="rId6">
+            <a:duotone>
+              <a:schemeClr val="accent4">
+                <a:shade val="45000"/>
+                <a:satMod val="135000"/>
+              </a:schemeClr>
+              <a:prstClr val="white"/>
+            </a:duotone>
+            <a:extLst>
+              <a:ext uri="{28A0092B-C50C-407E-A947-70E740481C1C}">
+                <a14:useLocalDpi xmlns:a14="http://schemas.microsoft.com/office/drawing/2010/main" val="0"/>
+              </a:ext>
+            </a:extLst>
+          </a:blip>
+          <a:srcRect/>
+          <a:stretch>
+            <a:fillRect/>
+          </a:stretch>
+        </p:blipFill>
+        <p:spPr bwMode="auto">
+          <a:xfrm>
+            <a:off x="1935340" y="1375364"/>
+            <a:ext cx="932374" cy="1080000"/>
+          </a:xfrm>
+          <a:prstGeom prst="rect">
+            <a:avLst/>
+          </a:prstGeom>
+          <a:noFill/>
+          <a:extLst>
+            <a:ext uri="{909E8E84-426E-40DD-AFC4-6F175D3DCCD1}">
+              <a14:hiddenFill xmlns:a14="http://schemas.microsoft.com/office/drawing/2010/main">
+                <a:solidFill>
+                  <a:srgbClr val="FFFFFF"/>
+                </a:solidFill>
+              </a14:hiddenFill>
+            </a:ext>
+          </a:extLst>
+        </p:spPr>
+      </p:pic>
+      <p:sp>
+        <p:nvSpPr>
+          <p:cNvPr id="2" name="Прямоугольник 1">
+            <a:extLst>
+              <a:ext uri="{FF2B5EF4-FFF2-40B4-BE49-F238E27FC236}">
+                <a16:creationId xmlns:a16="http://schemas.microsoft.com/office/drawing/2014/main" id="{36CAC0E9-34C2-1407-AAE8-B20FC3801F55}"/>
+              </a:ext>
+            </a:extLst>
+          </p:cNvPr>
+          <p:cNvSpPr/>
+          <p:nvPr/>
+        </p:nvSpPr>
+        <p:spPr>
+          <a:xfrm>
+            <a:off x="5037910" y="1014505"/>
+            <a:ext cx="1856598" cy="307777"/>
+          </a:xfrm>
+          <a:prstGeom prst="rect">
+            <a:avLst/>
+          </a:prstGeom>
+        </p:spPr>
+        <p:txBody>
+          <a:bodyPr wrap="none">
+            <a:spAutoFit/>
+          </a:bodyPr>
+          <a:lstStyle/>
+          <a:p>
+            <a:r>
+              <a:rPr lang="en-US" b="1" dirty="0">
+                <a:solidFill>
+                  <a:srgbClr val="FF9900"/>
+                </a:solidFill>
+                <a:latin typeface="Roboto"/>
+                <a:ea typeface="Roboto"/>
+                <a:sym typeface="Roboto"/>
+              </a:rPr>
+              <a:t>EDA </a:t>
+            </a:r>
+            <a:r>
+              <a:rPr lang="ru-RU" b="1" dirty="0">
+                <a:solidFill>
+                  <a:srgbClr val="FF9900"/>
+                </a:solidFill>
+                <a:latin typeface="Roboto"/>
+                <a:ea typeface="Roboto"/>
+                <a:sym typeface="Roboto"/>
+              </a:rPr>
+              <a:t>полного цикла:</a:t>
+            </a:r>
+            <a:endParaRPr lang="ru-RU" b="1" dirty="0">
+              <a:solidFill>
+                <a:srgbClr val="FF9900"/>
+              </a:solidFill>
+              <a:latin typeface="Roboto"/>
+              <a:ea typeface="Roboto"/>
+            </a:endParaRPr>
+          </a:p>
+        </p:txBody>
+      </p:sp>
+      <p:sp>
+        <p:nvSpPr>
+          <p:cNvPr id="3" name="Прямоугольник 2">
+            <a:extLst>
+              <a:ext uri="{FF2B5EF4-FFF2-40B4-BE49-F238E27FC236}">
+                <a16:creationId xmlns:a16="http://schemas.microsoft.com/office/drawing/2014/main" id="{EF123879-7574-BE6C-53DD-D9C232FA0A7A}"/>
+              </a:ext>
+            </a:extLst>
+          </p:cNvPr>
+          <p:cNvSpPr/>
+          <p:nvPr/>
+        </p:nvSpPr>
+        <p:spPr>
+          <a:xfrm>
+            <a:off x="4926856" y="2477669"/>
+            <a:ext cx="1154483" cy="292388"/>
+          </a:xfrm>
+          <a:prstGeom prst="rect">
+            <a:avLst/>
+          </a:prstGeom>
+        </p:spPr>
+        <p:txBody>
+          <a:bodyPr wrap="none">
+            <a:spAutoFit/>
+          </a:bodyPr>
+          <a:lstStyle/>
+          <a:p>
+            <a:pPr algn="ctr"/>
+            <a:r>
+              <a:rPr lang="en-US" sz="1300" b="1" dirty="0" err="1">
+                <a:solidFill>
+                  <a:srgbClr val="FF9900"/>
+                </a:solidFill>
+                <a:latin typeface="Roboto"/>
+                <a:ea typeface="Roboto"/>
+                <a:sym typeface="Roboto"/>
+                <a:hlinkClick r:id="rId7"/>
+              </a:rPr>
+              <a:t>DataExplorer</a:t>
+            </a:r>
+            <a:endParaRPr lang="ru-RU" sz="1300" b="1" dirty="0">
+              <a:solidFill>
+                <a:srgbClr val="FF9900"/>
+              </a:solidFill>
+              <a:latin typeface="Roboto"/>
+              <a:ea typeface="Roboto"/>
+            </a:endParaRPr>
+          </a:p>
+        </p:txBody>
+      </p:sp>
+      <p:pic>
+        <p:nvPicPr>
+          <p:cNvPr id="1026" name="Picture 2">
+            <a:hlinkClick r:id="rId7"/>
+            <a:extLst>
+              <a:ext uri="{FF2B5EF4-FFF2-40B4-BE49-F238E27FC236}">
+                <a16:creationId xmlns:a16="http://schemas.microsoft.com/office/drawing/2014/main" id="{E3A7D6C0-55CD-ED3E-52D3-85AEA1D6582B}"/>
+              </a:ext>
+            </a:extLst>
+          </p:cNvPr>
+          <p:cNvPicPr>
+            <a:picLocks noChangeAspect="1" noChangeArrowheads="1"/>
+          </p:cNvPicPr>
+          <p:nvPr/>
+        </p:nvPicPr>
+        <p:blipFill>
+          <a:blip r:embed="rId8">
+            <a:extLst>
+              <a:ext uri="{28A0092B-C50C-407E-A947-70E740481C1C}">
+                <a14:useLocalDpi xmlns:a14="http://schemas.microsoft.com/office/drawing/2010/main" val="0"/>
+              </a:ext>
+            </a:extLst>
+          </a:blip>
+          <a:srcRect/>
+          <a:stretch>
+            <a:fillRect/>
+          </a:stretch>
+        </p:blipFill>
+        <p:spPr bwMode="auto">
+          <a:xfrm>
+            <a:off x="5029597" y="1375364"/>
+            <a:ext cx="949000" cy="1080000"/>
+          </a:xfrm>
+          <a:prstGeom prst="rect">
+            <a:avLst/>
+          </a:prstGeom>
+          <a:noFill/>
+          <a:extLst>
+            <a:ext uri="{909E8E84-426E-40DD-AFC4-6F175D3DCCD1}">
+              <a14:hiddenFill xmlns:a14="http://schemas.microsoft.com/office/drawing/2010/main">
+                <a:solidFill>
+                  <a:srgbClr val="FFFFFF"/>
+                </a:solidFill>
+              </a14:hiddenFill>
+            </a:ext>
+          </a:extLst>
+        </p:spPr>
+      </p:pic>
+      <p:sp>
+        <p:nvSpPr>
+          <p:cNvPr id="8" name="Прямоугольник 7">
+            <a:extLst>
+              <a:ext uri="{FF2B5EF4-FFF2-40B4-BE49-F238E27FC236}">
+                <a16:creationId xmlns:a16="http://schemas.microsoft.com/office/drawing/2014/main" id="{671902E4-E56D-1819-7A05-EAA031523FBB}"/>
+              </a:ext>
+            </a:extLst>
+          </p:cNvPr>
+          <p:cNvSpPr/>
+          <p:nvPr/>
+        </p:nvSpPr>
+        <p:spPr>
+          <a:xfrm>
+            <a:off x="6771691" y="2477669"/>
+            <a:ext cx="663964" cy="292388"/>
+          </a:xfrm>
+          <a:prstGeom prst="rect">
+            <a:avLst/>
+          </a:prstGeom>
+        </p:spPr>
+        <p:txBody>
+          <a:bodyPr wrap="none">
+            <a:spAutoFit/>
+          </a:bodyPr>
+          <a:lstStyle/>
+          <a:p>
+            <a:pPr algn="ctr"/>
+            <a:r>
+              <a:rPr lang="en-US" sz="1300" b="1" dirty="0" err="1">
+                <a:solidFill>
+                  <a:srgbClr val="FF9900"/>
+                </a:solidFill>
+                <a:latin typeface="Roboto"/>
+                <a:ea typeface="Roboto"/>
+                <a:sym typeface="Roboto"/>
+                <a:hlinkClick r:id="rId9"/>
+              </a:rPr>
+              <a:t>dlookr</a:t>
+            </a:r>
+            <a:endParaRPr lang="ru-RU" sz="1300" b="1" dirty="0">
+              <a:solidFill>
+                <a:srgbClr val="FF9900"/>
+              </a:solidFill>
+              <a:latin typeface="Roboto"/>
+              <a:ea typeface="Roboto"/>
+            </a:endParaRPr>
+          </a:p>
+        </p:txBody>
+      </p:sp>
+      <p:pic>
+        <p:nvPicPr>
+          <p:cNvPr id="1028" name="Picture 4">
+            <a:hlinkClick r:id="rId9"/>
+            <a:extLst>
+              <a:ext uri="{FF2B5EF4-FFF2-40B4-BE49-F238E27FC236}">
+                <a16:creationId xmlns:a16="http://schemas.microsoft.com/office/drawing/2014/main" id="{8ADC32F9-30CF-A38F-8DFF-83D4AAB06C2E}"/>
+              </a:ext>
+            </a:extLst>
+          </p:cNvPr>
+          <p:cNvPicPr>
+            <a:picLocks noChangeAspect="1" noChangeArrowheads="1"/>
+          </p:cNvPicPr>
+          <p:nvPr/>
+        </p:nvPicPr>
+        <p:blipFill>
+          <a:blip r:embed="rId10">
+            <a:extLst>
+              <a:ext uri="{28A0092B-C50C-407E-A947-70E740481C1C}">
+                <a14:useLocalDpi xmlns:a14="http://schemas.microsoft.com/office/drawing/2010/main" val="0"/>
+              </a:ext>
+            </a:extLst>
+          </a:blip>
+          <a:srcRect/>
+          <a:stretch>
+            <a:fillRect/>
+          </a:stretch>
+        </p:blipFill>
+        <p:spPr bwMode="auto">
+          <a:xfrm>
+            <a:off x="6637507" y="1375364"/>
+            <a:ext cx="932333" cy="1080000"/>
+          </a:xfrm>
+          <a:prstGeom prst="rect">
+            <a:avLst/>
+          </a:prstGeom>
+          <a:noFill/>
+          <a:extLst>
+            <a:ext uri="{909E8E84-426E-40DD-AFC4-6F175D3DCCD1}">
+              <a14:hiddenFill xmlns:a14="http://schemas.microsoft.com/office/drawing/2010/main">
+                <a:solidFill>
+                  <a:srgbClr val="FFFFFF"/>
+                </a:solidFill>
+              </a14:hiddenFill>
+            </a:ext>
+          </a:extLst>
+        </p:spPr>
+      </p:pic>
     </p:spTree>
     <p:extLst>
       <p:ext uri="{BB962C8B-B14F-4D97-AF65-F5344CB8AC3E}">
-        <p14:creationId xmlns:p14="http://schemas.microsoft.com/office/powerpoint/2010/main" val="979222870"/>
+        <p14:creationId xmlns:p14="http://schemas.microsoft.com/office/powerpoint/2010/main" val="213932068"/>
       </p:ext>
     </p:extLst>
   </p:cSld>
@@ -34976,7 +36233,7 @@
   <p:cSld>
     <p:spTree>
       <p:nvGrpSpPr>
-        <p:cNvPr id="1" name="Shape 244"/>
+        <p:cNvPr id="1" name="Shape 189"/>
         <p:cNvGrpSpPr/>
         <p:nvPr/>
       </p:nvGrpSpPr>
@@ -34990,7 +36247,7 @@
       </p:grpSpPr>
       <p:sp>
         <p:nvSpPr>
-          <p:cNvPr id="245" name="Google Shape;245;p35"/>
+          <p:cNvPr id="190" name="Google Shape;190;p27"/>
           <p:cNvSpPr txBox="1">
             <a:spLocks noGrp="1"/>
           </p:cNvSpPr>
@@ -35000,15 +36257,15 @@
         </p:nvSpPr>
         <p:spPr>
           <a:xfrm>
-            <a:off x="651425" y="396403"/>
-            <a:ext cx="7706100" cy="4021200"/>
+            <a:off x="500550" y="330724"/>
+            <a:ext cx="8520600" cy="1095900"/>
           </a:xfrm>
           <a:prstGeom prst="rect">
             <a:avLst/>
           </a:prstGeom>
         </p:spPr>
         <p:txBody>
-          <a:bodyPr spcFirstLastPara="1" wrap="square" lIns="91425" tIns="91425" rIns="91425" bIns="91425" anchor="ctr" anchorCtr="0">
+          <a:bodyPr spcFirstLastPara="1" wrap="square" lIns="91425" tIns="91425" rIns="91425" bIns="91425" anchor="t" anchorCtr="0">
             <a:noAutofit/>
           </a:bodyPr>
           <a:lstStyle/>
@@ -35023,243 +36280,773 @@
               <a:buNone/>
             </a:pPr>
             <a:r>
-              <a:rPr lang="ru"/>
-              <a:t>Вопросы?</a:t>
+              <a:rPr lang="ru-RU" dirty="0"/>
+              <a:t>Библиотеки для </a:t>
             </a:r>
-            <a:br>
-              <a:rPr lang="ru"/>
-            </a:br>
-            <a:endParaRPr/>
+            <a:r>
+              <a:rPr lang="en-US" dirty="0"/>
+              <a:t>EDA</a:t>
+            </a:r>
+            <a:endParaRPr dirty="0"/>
           </a:p>
         </p:txBody>
       </p:sp>
       <p:pic>
         <p:nvPicPr>
-          <p:cNvPr id="246" name="Google Shape;246;p35"/>
-          <p:cNvPicPr preferRelativeResize="0"/>
+          <p:cNvPr id="8194" name="Picture 2">
+            <a:hlinkClick r:id="rId3"/>
+            <a:extLst>
+              <a:ext uri="{FF2B5EF4-FFF2-40B4-BE49-F238E27FC236}">
+                <a16:creationId xmlns:a16="http://schemas.microsoft.com/office/drawing/2014/main" id="{990C28D1-5C37-4004-8E8C-2D07C38137A1}"/>
+              </a:ext>
+            </a:extLst>
+          </p:cNvPr>
+          <p:cNvPicPr>
+            <a:picLocks noChangeAspect="1" noChangeArrowheads="1"/>
+          </p:cNvPicPr>
           <p:nvPr/>
         </p:nvPicPr>
-        <p:blipFill rotWithShape="1">
-          <a:blip r:embed="rId3">
-            <a:alphaModFix/>
+        <p:blipFill>
+          <a:blip r:embed="rId4">
+            <a:extLst>
+              <a:ext uri="{28A0092B-C50C-407E-A947-70E740481C1C}">
+                <a14:useLocalDpi xmlns:a14="http://schemas.microsoft.com/office/drawing/2010/main" val="0"/>
+              </a:ext>
+            </a:extLst>
           </a:blip>
           <a:srcRect/>
-          <a:stretch/>
+          <a:stretch>
+            <a:fillRect/>
+          </a:stretch>
         </p:blipFill>
-        <p:spPr>
+        <p:spPr bwMode="auto">
           <a:xfrm>
-            <a:off x="765673" y="3385103"/>
-            <a:ext cx="620721" cy="620720"/>
+            <a:off x="500550" y="1375364"/>
+            <a:ext cx="945000" cy="1080000"/>
           </a:xfrm>
           <a:prstGeom prst="rect">
             <a:avLst/>
           </a:prstGeom>
           <a:noFill/>
-          <a:ln>
-            <a:noFill/>
-          </a:ln>
+          <a:extLst>
+            <a:ext uri="{909E8E84-426E-40DD-AFC4-6F175D3DCCD1}">
+              <a14:hiddenFill xmlns:a14="http://schemas.microsoft.com/office/drawing/2010/main">
+                <a:solidFill>
+                  <a:srgbClr val="FFFFFF"/>
+                </a:solidFill>
+              </a14:hiddenFill>
+            </a:ext>
+          </a:extLst>
         </p:spPr>
       </p:pic>
+      <p:sp>
+        <p:nvSpPr>
+          <p:cNvPr id="6" name="Прямоугольник 5">
+            <a:extLst>
+              <a:ext uri="{FF2B5EF4-FFF2-40B4-BE49-F238E27FC236}">
+                <a16:creationId xmlns:a16="http://schemas.microsoft.com/office/drawing/2014/main" id="{D9B17B36-7ADF-41EF-8C80-A644A611D985}"/>
+              </a:ext>
+            </a:extLst>
+          </p:cNvPr>
+          <p:cNvSpPr/>
+          <p:nvPr/>
+        </p:nvSpPr>
+        <p:spPr>
+          <a:xfrm>
+            <a:off x="500550" y="1014505"/>
+            <a:ext cx="3206327" cy="307777"/>
+          </a:xfrm>
+          <a:prstGeom prst="rect">
+            <a:avLst/>
+          </a:prstGeom>
+        </p:spPr>
+        <p:txBody>
+          <a:bodyPr wrap="none">
+            <a:spAutoFit/>
+          </a:bodyPr>
+          <a:lstStyle/>
+          <a:p>
+            <a:r>
+              <a:rPr lang="ru-RU" b="1" dirty="0">
+                <a:solidFill>
+                  <a:srgbClr val="FF9900"/>
+                </a:solidFill>
+                <a:latin typeface="Roboto"/>
+                <a:ea typeface="Roboto"/>
+                <a:sym typeface="Roboto"/>
+              </a:rPr>
+              <a:t>Общая информация и диагностика:</a:t>
+            </a:r>
+            <a:endParaRPr lang="ru-RU" b="1" dirty="0">
+              <a:solidFill>
+                <a:srgbClr val="FF9900"/>
+              </a:solidFill>
+              <a:latin typeface="Roboto"/>
+              <a:ea typeface="Roboto"/>
+            </a:endParaRPr>
+          </a:p>
+        </p:txBody>
+      </p:sp>
+      <p:sp>
+        <p:nvSpPr>
+          <p:cNvPr id="7" name="Прямоугольник 6">
+            <a:extLst>
+              <a:ext uri="{FF2B5EF4-FFF2-40B4-BE49-F238E27FC236}">
+                <a16:creationId xmlns:a16="http://schemas.microsoft.com/office/drawing/2014/main" id="{F9B43237-8025-4A73-8A9F-9235FA6B08D1}"/>
+              </a:ext>
+            </a:extLst>
+          </p:cNvPr>
+          <p:cNvSpPr/>
+          <p:nvPr/>
+        </p:nvSpPr>
+        <p:spPr>
+          <a:xfrm>
+            <a:off x="668319" y="2477669"/>
+            <a:ext cx="609462" cy="292388"/>
+          </a:xfrm>
+          <a:prstGeom prst="rect">
+            <a:avLst/>
+          </a:prstGeom>
+        </p:spPr>
+        <p:txBody>
+          <a:bodyPr wrap="none">
+            <a:spAutoFit/>
+          </a:bodyPr>
+          <a:lstStyle/>
+          <a:p>
+            <a:pPr algn="ctr"/>
+            <a:r>
+              <a:rPr lang="en-US" sz="1300" b="1" dirty="0" err="1">
+                <a:solidFill>
+                  <a:srgbClr val="FF9900"/>
+                </a:solidFill>
+                <a:latin typeface="Roboto"/>
+                <a:ea typeface="Roboto"/>
+                <a:sym typeface="Roboto"/>
+                <a:hlinkClick r:id="rId3"/>
+              </a:rPr>
+              <a:t>skimr</a:t>
+            </a:r>
+            <a:endParaRPr lang="ru-RU" sz="1300" b="1" dirty="0">
+              <a:solidFill>
+                <a:srgbClr val="FF9900"/>
+              </a:solidFill>
+              <a:latin typeface="Roboto"/>
+              <a:ea typeface="Roboto"/>
+            </a:endParaRPr>
+          </a:p>
+        </p:txBody>
+      </p:sp>
+      <p:sp>
+        <p:nvSpPr>
+          <p:cNvPr id="9" name="Прямоугольник 8">
+            <a:extLst>
+              <a:ext uri="{FF2B5EF4-FFF2-40B4-BE49-F238E27FC236}">
+                <a16:creationId xmlns:a16="http://schemas.microsoft.com/office/drawing/2014/main" id="{56E97ED4-B21D-44A6-A944-4CF5E1BDB263}"/>
+              </a:ext>
+            </a:extLst>
+          </p:cNvPr>
+          <p:cNvSpPr/>
+          <p:nvPr/>
+        </p:nvSpPr>
+        <p:spPr>
+          <a:xfrm>
+            <a:off x="2073553" y="2477669"/>
+            <a:ext cx="655949" cy="292388"/>
+          </a:xfrm>
+          <a:prstGeom prst="rect">
+            <a:avLst/>
+          </a:prstGeom>
+        </p:spPr>
+        <p:txBody>
+          <a:bodyPr wrap="none">
+            <a:spAutoFit/>
+          </a:bodyPr>
+          <a:lstStyle/>
+          <a:p>
+            <a:pPr algn="ctr"/>
+            <a:r>
+              <a:rPr lang="en-US" sz="1300" b="1" dirty="0" err="1">
+                <a:solidFill>
+                  <a:srgbClr val="FF9900"/>
+                </a:solidFill>
+                <a:latin typeface="Roboto"/>
+                <a:ea typeface="Roboto"/>
+                <a:sym typeface="Roboto"/>
+                <a:hlinkClick r:id="rId5"/>
+              </a:rPr>
+              <a:t>naniar</a:t>
+            </a:r>
+            <a:endParaRPr lang="ru-RU" sz="1300" b="1" dirty="0">
+              <a:solidFill>
+                <a:srgbClr val="FF9900"/>
+              </a:solidFill>
+              <a:latin typeface="Roboto"/>
+              <a:ea typeface="Roboto"/>
+            </a:endParaRPr>
+          </a:p>
+        </p:txBody>
+      </p:sp>
       <p:pic>
         <p:nvPicPr>
-          <p:cNvPr id="247" name="Google Shape;247;p35"/>
-          <p:cNvPicPr preferRelativeResize="0"/>
+          <p:cNvPr id="8196" name="Picture 4">
+            <a:hlinkClick r:id="rId5"/>
+            <a:extLst>
+              <a:ext uri="{FF2B5EF4-FFF2-40B4-BE49-F238E27FC236}">
+                <a16:creationId xmlns:a16="http://schemas.microsoft.com/office/drawing/2014/main" id="{5B203762-61AF-46BE-9523-2A1E69462C53}"/>
+              </a:ext>
+            </a:extLst>
+          </p:cNvPr>
+          <p:cNvPicPr>
+            <a:picLocks noChangeAspect="1" noChangeArrowheads="1"/>
+          </p:cNvPicPr>
           <p:nvPr/>
         </p:nvPicPr>
-        <p:blipFill rotWithShape="1">
-          <a:blip r:embed="rId4">
-            <a:alphaModFix/>
+        <p:blipFill>
+          <a:blip r:embed="rId6">
+            <a:duotone>
+              <a:schemeClr val="accent4">
+                <a:shade val="45000"/>
+                <a:satMod val="135000"/>
+              </a:schemeClr>
+              <a:prstClr val="white"/>
+            </a:duotone>
+            <a:extLst>
+              <a:ext uri="{28A0092B-C50C-407E-A947-70E740481C1C}">
+                <a14:useLocalDpi xmlns:a14="http://schemas.microsoft.com/office/drawing/2010/main" val="0"/>
+              </a:ext>
+            </a:extLst>
           </a:blip>
           <a:srcRect/>
-          <a:stretch/>
+          <a:stretch>
+            <a:fillRect/>
+          </a:stretch>
         </p:blipFill>
-        <p:spPr>
+        <p:spPr bwMode="auto">
           <a:xfrm>
-            <a:off x="3748499" y="3385103"/>
-            <a:ext cx="620721" cy="620720"/>
+            <a:off x="1935340" y="1375364"/>
+            <a:ext cx="932374" cy="1080000"/>
           </a:xfrm>
           <a:prstGeom prst="rect">
             <a:avLst/>
           </a:prstGeom>
           <a:noFill/>
-          <a:ln>
-            <a:noFill/>
-          </a:ln>
+          <a:extLst>
+            <a:ext uri="{909E8E84-426E-40DD-AFC4-6F175D3DCCD1}">
+              <a14:hiddenFill xmlns:a14="http://schemas.microsoft.com/office/drawing/2010/main">
+                <a:solidFill>
+                  <a:srgbClr val="FFFFFF"/>
+                </a:solidFill>
+              </a14:hiddenFill>
+            </a:ext>
+          </a:extLst>
         </p:spPr>
       </p:pic>
       <p:sp>
         <p:nvSpPr>
-          <p:cNvPr id="248" name="Google Shape;248;p35"/>
-          <p:cNvSpPr txBox="1"/>
+          <p:cNvPr id="2" name="Прямоугольник 1">
+            <a:extLst>
+              <a:ext uri="{FF2B5EF4-FFF2-40B4-BE49-F238E27FC236}">
+                <a16:creationId xmlns:a16="http://schemas.microsoft.com/office/drawing/2014/main" id="{36CAC0E9-34C2-1407-AAE8-B20FC3801F55}"/>
+              </a:ext>
+            </a:extLst>
+          </p:cNvPr>
+          <p:cNvSpPr/>
           <p:nvPr/>
         </p:nvSpPr>
         <p:spPr>
           <a:xfrm>
-            <a:off x="1386400" y="3372213"/>
-            <a:ext cx="3000000" cy="646500"/>
+            <a:off x="5037910" y="1014505"/>
+            <a:ext cx="1856598" cy="307777"/>
+          </a:xfrm>
+          <a:prstGeom prst="rect">
+            <a:avLst/>
+          </a:prstGeom>
+        </p:spPr>
+        <p:txBody>
+          <a:bodyPr wrap="none">
+            <a:spAutoFit/>
+          </a:bodyPr>
+          <a:lstStyle/>
+          <a:p>
+            <a:r>
+              <a:rPr lang="en-US" b="1" dirty="0">
+                <a:solidFill>
+                  <a:srgbClr val="FF9900"/>
+                </a:solidFill>
+                <a:latin typeface="Roboto"/>
+                <a:ea typeface="Roboto"/>
+                <a:sym typeface="Roboto"/>
+              </a:rPr>
+              <a:t>EDA </a:t>
+            </a:r>
+            <a:r>
+              <a:rPr lang="ru-RU" b="1" dirty="0">
+                <a:solidFill>
+                  <a:srgbClr val="FF9900"/>
+                </a:solidFill>
+                <a:latin typeface="Roboto"/>
+                <a:ea typeface="Roboto"/>
+                <a:sym typeface="Roboto"/>
+              </a:rPr>
+              <a:t>полного цикла:</a:t>
+            </a:r>
+            <a:endParaRPr lang="ru-RU" b="1" dirty="0">
+              <a:solidFill>
+                <a:srgbClr val="FF9900"/>
+              </a:solidFill>
+              <a:latin typeface="Roboto"/>
+              <a:ea typeface="Roboto"/>
+            </a:endParaRPr>
+          </a:p>
+        </p:txBody>
+      </p:sp>
+      <p:sp>
+        <p:nvSpPr>
+          <p:cNvPr id="3" name="Прямоугольник 2">
+            <a:extLst>
+              <a:ext uri="{FF2B5EF4-FFF2-40B4-BE49-F238E27FC236}">
+                <a16:creationId xmlns:a16="http://schemas.microsoft.com/office/drawing/2014/main" id="{EF123879-7574-BE6C-53DD-D9C232FA0A7A}"/>
+              </a:ext>
+            </a:extLst>
+          </p:cNvPr>
+          <p:cNvSpPr/>
+          <p:nvPr/>
+        </p:nvSpPr>
+        <p:spPr>
+          <a:xfrm>
+            <a:off x="4926856" y="2477669"/>
+            <a:ext cx="1154483" cy="292388"/>
+          </a:xfrm>
+          <a:prstGeom prst="rect">
+            <a:avLst/>
+          </a:prstGeom>
+        </p:spPr>
+        <p:txBody>
+          <a:bodyPr wrap="none">
+            <a:spAutoFit/>
+          </a:bodyPr>
+          <a:lstStyle/>
+          <a:p>
+            <a:pPr algn="ctr"/>
+            <a:r>
+              <a:rPr lang="en-US" sz="1300" b="1" dirty="0" err="1">
+                <a:solidFill>
+                  <a:srgbClr val="FF9900"/>
+                </a:solidFill>
+                <a:latin typeface="Roboto"/>
+                <a:ea typeface="Roboto"/>
+                <a:sym typeface="Roboto"/>
+                <a:hlinkClick r:id="rId7"/>
+              </a:rPr>
+              <a:t>DataExplorer</a:t>
+            </a:r>
+            <a:endParaRPr lang="ru-RU" sz="1300" b="1" dirty="0">
+              <a:solidFill>
+                <a:srgbClr val="FF9900"/>
+              </a:solidFill>
+              <a:latin typeface="Roboto"/>
+              <a:ea typeface="Roboto"/>
+            </a:endParaRPr>
+          </a:p>
+        </p:txBody>
+      </p:sp>
+      <p:pic>
+        <p:nvPicPr>
+          <p:cNvPr id="1026" name="Picture 2">
+            <a:hlinkClick r:id="rId7"/>
+            <a:extLst>
+              <a:ext uri="{FF2B5EF4-FFF2-40B4-BE49-F238E27FC236}">
+                <a16:creationId xmlns:a16="http://schemas.microsoft.com/office/drawing/2014/main" id="{E3A7D6C0-55CD-ED3E-52D3-85AEA1D6582B}"/>
+              </a:ext>
+            </a:extLst>
+          </p:cNvPr>
+          <p:cNvPicPr>
+            <a:picLocks noChangeAspect="1" noChangeArrowheads="1"/>
+          </p:cNvPicPr>
+          <p:nvPr/>
+        </p:nvPicPr>
+        <p:blipFill>
+          <a:blip r:embed="rId8">
+            <a:extLst>
+              <a:ext uri="{28A0092B-C50C-407E-A947-70E740481C1C}">
+                <a14:useLocalDpi xmlns:a14="http://schemas.microsoft.com/office/drawing/2010/main" val="0"/>
+              </a:ext>
+            </a:extLst>
+          </a:blip>
+          <a:srcRect/>
+          <a:stretch>
+            <a:fillRect/>
+          </a:stretch>
+        </p:blipFill>
+        <p:spPr bwMode="auto">
+          <a:xfrm>
+            <a:off x="5029597" y="1375364"/>
+            <a:ext cx="949000" cy="1080000"/>
           </a:xfrm>
           <a:prstGeom prst="rect">
             <a:avLst/>
           </a:prstGeom>
           <a:noFill/>
-          <a:ln>
-            <a:noFill/>
-          </a:ln>
+          <a:extLst>
+            <a:ext uri="{909E8E84-426E-40DD-AFC4-6F175D3DCCD1}">
+              <a14:hiddenFill xmlns:a14="http://schemas.microsoft.com/office/drawing/2010/main">
+                <a:solidFill>
+                  <a:srgbClr val="FFFFFF"/>
+                </a:solidFill>
+              </a14:hiddenFill>
+            </a:ext>
+          </a:extLst>
+        </p:spPr>
+      </p:pic>
+      <p:sp>
+        <p:nvSpPr>
+          <p:cNvPr id="8" name="Прямоугольник 7">
+            <a:extLst>
+              <a:ext uri="{FF2B5EF4-FFF2-40B4-BE49-F238E27FC236}">
+                <a16:creationId xmlns:a16="http://schemas.microsoft.com/office/drawing/2014/main" id="{671902E4-E56D-1819-7A05-EAA031523FBB}"/>
+              </a:ext>
+            </a:extLst>
+          </p:cNvPr>
+          <p:cNvSpPr/>
+          <p:nvPr/>
+        </p:nvSpPr>
+        <p:spPr>
+          <a:xfrm>
+            <a:off x="6771691" y="2477669"/>
+            <a:ext cx="663964" cy="292388"/>
+          </a:xfrm>
+          <a:prstGeom prst="rect">
+            <a:avLst/>
+          </a:prstGeom>
         </p:spPr>
         <p:txBody>
-          <a:bodyPr spcFirstLastPara="1" wrap="square" lIns="91425" tIns="91425" rIns="91425" bIns="91425" anchor="t" anchorCtr="0">
+          <a:bodyPr wrap="none">
             <a:spAutoFit/>
           </a:bodyPr>
           <a:lstStyle/>
           <a:p>
-            <a:pPr marL="0" lvl="0" indent="0" algn="l" rtl="0">
-              <a:spcBef>
-                <a:spcPts val="0"/>
-              </a:spcBef>
-              <a:spcAft>
-                <a:spcPts val="0"/>
-              </a:spcAft>
-              <a:buNone/>
-            </a:pPr>
+            <a:pPr algn="ctr"/>
             <a:r>
-              <a:rPr lang="ru" sz="1500" dirty="0">
+              <a:rPr lang="en-US" sz="1300" b="1" dirty="0" err="1">
                 <a:solidFill>
-                  <a:schemeClr val="lt1"/>
+                  <a:srgbClr val="FF9900"/>
                 </a:solidFill>
                 <a:latin typeface="Roboto"/>
                 <a:ea typeface="Roboto"/>
-                <a:cs typeface="Roboto"/>
                 <a:sym typeface="Roboto"/>
+                <a:hlinkClick r:id="rId9"/>
               </a:rPr>
-              <a:t>Ставим “+”,</a:t>
+              <a:t>dlookr</a:t>
             </a:r>
-            <a:endParaRPr sz="1500" dirty="0">
+            <a:endParaRPr lang="ru-RU" sz="1300" b="1" dirty="0">
               <a:solidFill>
-                <a:schemeClr val="lt1"/>
+                <a:srgbClr val="FF9900"/>
               </a:solidFill>
               <a:latin typeface="Roboto"/>
               <a:ea typeface="Roboto"/>
-              <a:cs typeface="Roboto"/>
-              <a:sym typeface="Roboto"/>
             </a:endParaRPr>
           </a:p>
+        </p:txBody>
+      </p:sp>
+      <p:pic>
+        <p:nvPicPr>
+          <p:cNvPr id="1028" name="Picture 4">
+            <a:hlinkClick r:id="rId9"/>
+            <a:extLst>
+              <a:ext uri="{FF2B5EF4-FFF2-40B4-BE49-F238E27FC236}">
+                <a16:creationId xmlns:a16="http://schemas.microsoft.com/office/drawing/2014/main" id="{8ADC32F9-30CF-A38F-8DFF-83D4AAB06C2E}"/>
+              </a:ext>
+            </a:extLst>
+          </p:cNvPr>
+          <p:cNvPicPr>
+            <a:picLocks noChangeAspect="1" noChangeArrowheads="1"/>
+          </p:cNvPicPr>
+          <p:nvPr/>
+        </p:nvPicPr>
+        <p:blipFill>
+          <a:blip r:embed="rId10">
+            <a:extLst>
+              <a:ext uri="{28A0092B-C50C-407E-A947-70E740481C1C}">
+                <a14:useLocalDpi xmlns:a14="http://schemas.microsoft.com/office/drawing/2010/main" val="0"/>
+              </a:ext>
+            </a:extLst>
+          </a:blip>
+          <a:srcRect/>
+          <a:stretch>
+            <a:fillRect/>
+          </a:stretch>
+        </p:blipFill>
+        <p:spPr bwMode="auto">
+          <a:xfrm>
+            <a:off x="6637507" y="1375364"/>
+            <a:ext cx="932333" cy="1080000"/>
+          </a:xfrm>
+          <a:prstGeom prst="rect">
+            <a:avLst/>
+          </a:prstGeom>
+          <a:noFill/>
+          <a:extLst>
+            <a:ext uri="{909E8E84-426E-40DD-AFC4-6F175D3DCCD1}">
+              <a14:hiddenFill xmlns:a14="http://schemas.microsoft.com/office/drawing/2010/main">
+                <a:solidFill>
+                  <a:srgbClr val="FFFFFF"/>
+                </a:solidFill>
+              </a14:hiddenFill>
+            </a:ext>
+          </a:extLst>
+        </p:spPr>
+      </p:pic>
+      <p:sp>
+        <p:nvSpPr>
+          <p:cNvPr id="13" name="Прямоугольник 12">
+            <a:extLst>
+              <a:ext uri="{FF2B5EF4-FFF2-40B4-BE49-F238E27FC236}">
+                <a16:creationId xmlns:a16="http://schemas.microsoft.com/office/drawing/2014/main" id="{07AEC4B0-07D0-A20D-A5E9-C2C303F5F7F9}"/>
+              </a:ext>
+            </a:extLst>
+          </p:cNvPr>
+          <p:cNvSpPr/>
+          <p:nvPr/>
+        </p:nvSpPr>
+        <p:spPr>
+          <a:xfrm>
+            <a:off x="500550" y="3182742"/>
+            <a:ext cx="3477234" cy="307777"/>
+          </a:xfrm>
+          <a:prstGeom prst="rect">
+            <a:avLst/>
+          </a:prstGeom>
+        </p:spPr>
+        <p:txBody>
+          <a:bodyPr wrap="none">
+            <a:spAutoFit/>
+          </a:bodyPr>
+          <a:lstStyle/>
           <a:p>
-            <a:pPr marL="0" lvl="0" indent="0" algn="l" rtl="0">
-              <a:spcBef>
-                <a:spcPts val="0"/>
-              </a:spcBef>
-              <a:spcAft>
-                <a:spcPts val="0"/>
-              </a:spcAft>
-              <a:buNone/>
-            </a:pPr>
             <a:r>
-              <a:rPr lang="ru" sz="1500" dirty="0">
+              <a:rPr lang="ru-RU" b="1" dirty="0">
                 <a:solidFill>
-                  <a:schemeClr val="lt1"/>
+                  <a:srgbClr val="FF9900"/>
                 </a:solidFill>
                 <a:latin typeface="Roboto"/>
                 <a:ea typeface="Roboto"/>
-                <a:cs typeface="Roboto"/>
                 <a:sym typeface="Roboto"/>
               </a:rPr>
-              <a:t>если вопросы есть</a:t>
+              <a:t>Интерактивное исследование данных:</a:t>
             </a:r>
-            <a:endParaRPr dirty="0"/>
+            <a:endParaRPr lang="ru-RU" b="1" dirty="0">
+              <a:solidFill>
+                <a:srgbClr val="FF9900"/>
+              </a:solidFill>
+              <a:latin typeface="Roboto"/>
+              <a:ea typeface="Roboto"/>
+            </a:endParaRPr>
           </a:p>
         </p:txBody>
       </p:sp>
       <p:sp>
         <p:nvSpPr>
-          <p:cNvPr id="249" name="Google Shape;249;p35"/>
-          <p:cNvSpPr txBox="1"/>
+          <p:cNvPr id="14" name="Прямоугольник 13">
+            <a:extLst>
+              <a:ext uri="{FF2B5EF4-FFF2-40B4-BE49-F238E27FC236}">
+                <a16:creationId xmlns:a16="http://schemas.microsoft.com/office/drawing/2014/main" id="{EAF92742-AA56-5314-1673-B31AC60164CA}"/>
+              </a:ext>
+            </a:extLst>
+          </p:cNvPr>
+          <p:cNvSpPr/>
           <p:nvPr/>
         </p:nvSpPr>
         <p:spPr>
           <a:xfrm>
-            <a:off x="4439300" y="3372213"/>
-            <a:ext cx="3000000" cy="646500"/>
+            <a:off x="556109" y="4645906"/>
+            <a:ext cx="833883" cy="292388"/>
+          </a:xfrm>
+          <a:prstGeom prst="rect">
+            <a:avLst/>
+          </a:prstGeom>
+        </p:spPr>
+        <p:txBody>
+          <a:bodyPr wrap="none">
+            <a:spAutoFit/>
+          </a:bodyPr>
+          <a:lstStyle/>
+          <a:p>
+            <a:pPr algn="ctr"/>
+            <a:r>
+              <a:rPr lang="en-US" sz="1300" b="1" dirty="0" err="1">
+                <a:solidFill>
+                  <a:srgbClr val="FF9900"/>
+                </a:solidFill>
+                <a:latin typeface="Roboto"/>
+                <a:ea typeface="Roboto"/>
+                <a:sym typeface="Roboto"/>
+                <a:hlinkClick r:id="rId11"/>
+              </a:rPr>
+              <a:t>dataxray</a:t>
+            </a:r>
+            <a:endParaRPr lang="ru-RU" sz="1300" b="1" dirty="0">
+              <a:solidFill>
+                <a:srgbClr val="FF9900"/>
+              </a:solidFill>
+              <a:latin typeface="Roboto"/>
+              <a:ea typeface="Roboto"/>
+            </a:endParaRPr>
+          </a:p>
+        </p:txBody>
+      </p:sp>
+      <p:sp>
+        <p:nvSpPr>
+          <p:cNvPr id="15" name="Прямоугольник 14">
+            <a:extLst>
+              <a:ext uri="{FF2B5EF4-FFF2-40B4-BE49-F238E27FC236}">
+                <a16:creationId xmlns:a16="http://schemas.microsoft.com/office/drawing/2014/main" id="{9EB542EF-403C-6974-E2A8-F09B2AC96A0C}"/>
+              </a:ext>
+            </a:extLst>
+          </p:cNvPr>
+          <p:cNvSpPr/>
+          <p:nvPr/>
+        </p:nvSpPr>
+        <p:spPr>
+          <a:xfrm>
+            <a:off x="2029470" y="4645906"/>
+            <a:ext cx="744114" cy="292388"/>
+          </a:xfrm>
+          <a:prstGeom prst="rect">
+            <a:avLst/>
+          </a:prstGeom>
+        </p:spPr>
+        <p:txBody>
+          <a:bodyPr wrap="none">
+            <a:spAutoFit/>
+          </a:bodyPr>
+          <a:lstStyle/>
+          <a:p>
+            <a:pPr algn="ctr"/>
+            <a:r>
+              <a:rPr lang="en-US" sz="1300" b="1" dirty="0">
+                <a:solidFill>
+                  <a:srgbClr val="FF9900"/>
+                </a:solidFill>
+                <a:latin typeface="Roboto"/>
+                <a:ea typeface="Roboto"/>
+                <a:sym typeface="Roboto"/>
+                <a:hlinkClick r:id="rId12"/>
+              </a:rPr>
+              <a:t>explore</a:t>
+            </a:r>
+            <a:endParaRPr lang="ru-RU" sz="1300" b="1" dirty="0">
+              <a:solidFill>
+                <a:srgbClr val="FF9900"/>
+              </a:solidFill>
+              <a:latin typeface="Roboto"/>
+              <a:ea typeface="Roboto"/>
+            </a:endParaRPr>
+          </a:p>
+        </p:txBody>
+      </p:sp>
+      <p:pic>
+        <p:nvPicPr>
+          <p:cNvPr id="1030" name="Picture 6">
+            <a:hlinkClick r:id="rId11"/>
+            <a:extLst>
+              <a:ext uri="{FF2B5EF4-FFF2-40B4-BE49-F238E27FC236}">
+                <a16:creationId xmlns:a16="http://schemas.microsoft.com/office/drawing/2014/main" id="{463AC0BE-38E0-B303-3155-F47E7E771185}"/>
+              </a:ext>
+            </a:extLst>
+          </p:cNvPr>
+          <p:cNvPicPr>
+            <a:picLocks noChangeAspect="1" noChangeArrowheads="1"/>
+          </p:cNvPicPr>
+          <p:nvPr/>
+        </p:nvPicPr>
+        <p:blipFill>
+          <a:blip r:embed="rId13">
+            <a:extLst>
+              <a:ext uri="{28A0092B-C50C-407E-A947-70E740481C1C}">
+                <a14:useLocalDpi xmlns:a14="http://schemas.microsoft.com/office/drawing/2010/main" val="0"/>
+              </a:ext>
+            </a:extLst>
+          </a:blip>
+          <a:srcRect/>
+          <a:stretch>
+            <a:fillRect/>
+          </a:stretch>
+        </p:blipFill>
+        <p:spPr bwMode="auto">
+          <a:xfrm>
+            <a:off x="500550" y="3543601"/>
+            <a:ext cx="933333" cy="1080000"/>
           </a:xfrm>
           <a:prstGeom prst="rect">
             <a:avLst/>
           </a:prstGeom>
           <a:noFill/>
-          <a:ln>
-            <a:noFill/>
-          </a:ln>
+          <a:extLst>
+            <a:ext uri="{909E8E84-426E-40DD-AFC4-6F175D3DCCD1}">
+              <a14:hiddenFill xmlns:a14="http://schemas.microsoft.com/office/drawing/2010/main">
+                <a:solidFill>
+                  <a:srgbClr val="FFFFFF"/>
+                </a:solidFill>
+              </a14:hiddenFill>
+            </a:ext>
+          </a:extLst>
         </p:spPr>
-        <p:txBody>
-          <a:bodyPr spcFirstLastPara="1" wrap="square" lIns="91425" tIns="91425" rIns="91425" bIns="91425" anchor="t" anchorCtr="0">
-            <a:spAutoFit/>
-          </a:bodyPr>
-          <a:lstStyle/>
-          <a:p>
-            <a:pPr marL="0" lvl="0" indent="0" algn="l" rtl="0">
-              <a:spcBef>
-                <a:spcPts val="0"/>
-              </a:spcBef>
-              <a:spcAft>
-                <a:spcPts val="0"/>
-              </a:spcAft>
-              <a:buNone/>
-            </a:pPr>
-            <a:r>
-              <a:rPr lang="ru" sz="1500">
+      </p:pic>
+      <p:pic>
+        <p:nvPicPr>
+          <p:cNvPr id="1032" name="Picture 8">
+            <a:hlinkClick r:id="rId12"/>
+            <a:extLst>
+              <a:ext uri="{FF2B5EF4-FFF2-40B4-BE49-F238E27FC236}">
+                <a16:creationId xmlns:a16="http://schemas.microsoft.com/office/drawing/2014/main" id="{27D9585B-08FF-6AC8-DB52-FDDF15D0CF35}"/>
+              </a:ext>
+            </a:extLst>
+          </p:cNvPr>
+          <p:cNvPicPr>
+            <a:picLocks noChangeAspect="1" noChangeArrowheads="1"/>
+          </p:cNvPicPr>
+          <p:nvPr/>
+        </p:nvPicPr>
+        <p:blipFill>
+          <a:blip r:embed="rId14">
+            <a:extLst>
+              <a:ext uri="{28A0092B-C50C-407E-A947-70E740481C1C}">
+                <a14:useLocalDpi xmlns:a14="http://schemas.microsoft.com/office/drawing/2010/main" val="0"/>
+              </a:ext>
+            </a:extLst>
+          </a:blip>
+          <a:srcRect/>
+          <a:stretch>
+            <a:fillRect/>
+          </a:stretch>
+        </p:blipFill>
+        <p:spPr bwMode="auto">
+          <a:xfrm>
+            <a:off x="1935340" y="3543601"/>
+            <a:ext cx="932333" cy="1080000"/>
+          </a:xfrm>
+          <a:prstGeom prst="rect">
+            <a:avLst/>
+          </a:prstGeom>
+          <a:noFill/>
+          <a:extLst>
+            <a:ext uri="{909E8E84-426E-40DD-AFC4-6F175D3DCCD1}">
+              <a14:hiddenFill xmlns:a14="http://schemas.microsoft.com/office/drawing/2010/main">
                 <a:solidFill>
-                  <a:schemeClr val="lt1"/>
+                  <a:srgbClr val="FFFFFF"/>
                 </a:solidFill>
-                <a:latin typeface="Roboto"/>
-                <a:ea typeface="Roboto"/>
-                <a:cs typeface="Roboto"/>
-                <a:sym typeface="Roboto"/>
-              </a:rPr>
-              <a:t>Ставим “–”,</a:t>
-            </a:r>
-            <a:endParaRPr sz="1500">
-              <a:solidFill>
-                <a:schemeClr val="lt1"/>
-              </a:solidFill>
-              <a:latin typeface="Roboto"/>
-              <a:ea typeface="Roboto"/>
-              <a:cs typeface="Roboto"/>
-              <a:sym typeface="Roboto"/>
-            </a:endParaRPr>
-          </a:p>
-          <a:p>
-            <a:pPr marL="0" lvl="0" indent="0" algn="l" rtl="0">
-              <a:spcBef>
-                <a:spcPts val="0"/>
-              </a:spcBef>
-              <a:spcAft>
-                <a:spcPts val="0"/>
-              </a:spcAft>
-              <a:buNone/>
-            </a:pPr>
-            <a:r>
-              <a:rPr lang="ru" sz="1500">
-                <a:solidFill>
-                  <a:schemeClr val="lt1"/>
-                </a:solidFill>
-                <a:latin typeface="Roboto"/>
-                <a:ea typeface="Roboto"/>
-                <a:cs typeface="Roboto"/>
-                <a:sym typeface="Roboto"/>
-              </a:rPr>
-              <a:t>если вопросов нет</a:t>
-            </a:r>
-            <a:endParaRPr sz="1500">
-              <a:solidFill>
-                <a:schemeClr val="lt1"/>
-              </a:solidFill>
-              <a:latin typeface="Roboto"/>
-              <a:ea typeface="Roboto"/>
-              <a:cs typeface="Roboto"/>
-              <a:sym typeface="Roboto"/>
-            </a:endParaRPr>
-          </a:p>
-        </p:txBody>
-      </p:sp>
+              </a14:hiddenFill>
+            </a:ext>
+          </a:extLst>
+        </p:spPr>
+      </p:pic>
     </p:spTree>
+    <p:extLst>
+      <p:ext uri="{BB962C8B-B14F-4D97-AF65-F5344CB8AC3E}">
+        <p14:creationId xmlns:p14="http://schemas.microsoft.com/office/powerpoint/2010/main" val="2535558837"/>
+      </p:ext>
+    </p:extLst>
   </p:cSld>
   <p:clrMapOvr>
     <a:masterClrMapping/>
@@ -35795,7 +37582,7 @@
   <p:cSld>
     <p:spTree>
       <p:nvGrpSpPr>
-        <p:cNvPr id="1" name="Shape 244"/>
+        <p:cNvPr id="1" name="Shape 189"/>
         <p:cNvGrpSpPr/>
         <p:nvPr/>
       </p:nvGrpSpPr>
@@ -35809,7 +37596,7 @@
       </p:grpSpPr>
       <p:sp>
         <p:nvSpPr>
-          <p:cNvPr id="245" name="Google Shape;245;p35"/>
+          <p:cNvPr id="190" name="Google Shape;190;p27"/>
           <p:cNvSpPr txBox="1">
             <a:spLocks noGrp="1"/>
           </p:cNvSpPr>
@@ -35819,8 +37606,1061 @@
         </p:nvSpPr>
         <p:spPr>
           <a:xfrm>
-            <a:off x="651425" y="396403"/>
-            <a:ext cx="7706100" cy="4021200"/>
+            <a:off x="500550" y="330724"/>
+            <a:ext cx="8520600" cy="1095900"/>
+          </a:xfrm>
+          <a:prstGeom prst="rect">
+            <a:avLst/>
+          </a:prstGeom>
+        </p:spPr>
+        <p:txBody>
+          <a:bodyPr spcFirstLastPara="1" wrap="square" lIns="91425" tIns="91425" rIns="91425" bIns="91425" anchor="t" anchorCtr="0">
+            <a:noAutofit/>
+          </a:bodyPr>
+          <a:lstStyle/>
+          <a:p>
+            <a:pPr marL="0" lvl="0" indent="0" algn="l" rtl="0">
+              <a:spcBef>
+                <a:spcPts val="0"/>
+              </a:spcBef>
+              <a:spcAft>
+                <a:spcPts val="0"/>
+              </a:spcAft>
+              <a:buNone/>
+            </a:pPr>
+            <a:r>
+              <a:rPr lang="ru-RU" dirty="0"/>
+              <a:t>Библиотеки для </a:t>
+            </a:r>
+            <a:r>
+              <a:rPr lang="en-US" dirty="0"/>
+              <a:t>EDA</a:t>
+            </a:r>
+            <a:endParaRPr dirty="0"/>
+          </a:p>
+        </p:txBody>
+      </p:sp>
+      <p:pic>
+        <p:nvPicPr>
+          <p:cNvPr id="8194" name="Picture 2">
+            <a:hlinkClick r:id="rId3"/>
+            <a:extLst>
+              <a:ext uri="{FF2B5EF4-FFF2-40B4-BE49-F238E27FC236}">
+                <a16:creationId xmlns:a16="http://schemas.microsoft.com/office/drawing/2014/main" id="{990C28D1-5C37-4004-8E8C-2D07C38137A1}"/>
+              </a:ext>
+            </a:extLst>
+          </p:cNvPr>
+          <p:cNvPicPr>
+            <a:picLocks noChangeAspect="1" noChangeArrowheads="1"/>
+          </p:cNvPicPr>
+          <p:nvPr/>
+        </p:nvPicPr>
+        <p:blipFill>
+          <a:blip r:embed="rId4">
+            <a:extLst>
+              <a:ext uri="{28A0092B-C50C-407E-A947-70E740481C1C}">
+                <a14:useLocalDpi xmlns:a14="http://schemas.microsoft.com/office/drawing/2010/main" val="0"/>
+              </a:ext>
+            </a:extLst>
+          </a:blip>
+          <a:srcRect/>
+          <a:stretch>
+            <a:fillRect/>
+          </a:stretch>
+        </p:blipFill>
+        <p:spPr bwMode="auto">
+          <a:xfrm>
+            <a:off x="500550" y="1375364"/>
+            <a:ext cx="945000" cy="1080000"/>
+          </a:xfrm>
+          <a:prstGeom prst="rect">
+            <a:avLst/>
+          </a:prstGeom>
+          <a:noFill/>
+          <a:extLst>
+            <a:ext uri="{909E8E84-426E-40DD-AFC4-6F175D3DCCD1}">
+              <a14:hiddenFill xmlns:a14="http://schemas.microsoft.com/office/drawing/2010/main">
+                <a:solidFill>
+                  <a:srgbClr val="FFFFFF"/>
+                </a:solidFill>
+              </a14:hiddenFill>
+            </a:ext>
+          </a:extLst>
+        </p:spPr>
+      </p:pic>
+      <p:sp>
+        <p:nvSpPr>
+          <p:cNvPr id="6" name="Прямоугольник 5">
+            <a:extLst>
+              <a:ext uri="{FF2B5EF4-FFF2-40B4-BE49-F238E27FC236}">
+                <a16:creationId xmlns:a16="http://schemas.microsoft.com/office/drawing/2014/main" id="{D9B17B36-7ADF-41EF-8C80-A644A611D985}"/>
+              </a:ext>
+            </a:extLst>
+          </p:cNvPr>
+          <p:cNvSpPr/>
+          <p:nvPr/>
+        </p:nvSpPr>
+        <p:spPr>
+          <a:xfrm>
+            <a:off x="500550" y="1014505"/>
+            <a:ext cx="3206327" cy="307777"/>
+          </a:xfrm>
+          <a:prstGeom prst="rect">
+            <a:avLst/>
+          </a:prstGeom>
+        </p:spPr>
+        <p:txBody>
+          <a:bodyPr wrap="none">
+            <a:spAutoFit/>
+          </a:bodyPr>
+          <a:lstStyle/>
+          <a:p>
+            <a:r>
+              <a:rPr lang="ru-RU" b="1" dirty="0">
+                <a:solidFill>
+                  <a:srgbClr val="FF9900"/>
+                </a:solidFill>
+                <a:latin typeface="Roboto"/>
+                <a:ea typeface="Roboto"/>
+                <a:sym typeface="Roboto"/>
+              </a:rPr>
+              <a:t>Общая информация и диагностика:</a:t>
+            </a:r>
+            <a:endParaRPr lang="ru-RU" b="1" dirty="0">
+              <a:solidFill>
+                <a:srgbClr val="FF9900"/>
+              </a:solidFill>
+              <a:latin typeface="Roboto"/>
+              <a:ea typeface="Roboto"/>
+            </a:endParaRPr>
+          </a:p>
+        </p:txBody>
+      </p:sp>
+      <p:sp>
+        <p:nvSpPr>
+          <p:cNvPr id="7" name="Прямоугольник 6">
+            <a:extLst>
+              <a:ext uri="{FF2B5EF4-FFF2-40B4-BE49-F238E27FC236}">
+                <a16:creationId xmlns:a16="http://schemas.microsoft.com/office/drawing/2014/main" id="{F9B43237-8025-4A73-8A9F-9235FA6B08D1}"/>
+              </a:ext>
+            </a:extLst>
+          </p:cNvPr>
+          <p:cNvSpPr/>
+          <p:nvPr/>
+        </p:nvSpPr>
+        <p:spPr>
+          <a:xfrm>
+            <a:off x="668319" y="2477669"/>
+            <a:ext cx="609462" cy="292388"/>
+          </a:xfrm>
+          <a:prstGeom prst="rect">
+            <a:avLst/>
+          </a:prstGeom>
+        </p:spPr>
+        <p:txBody>
+          <a:bodyPr wrap="none">
+            <a:spAutoFit/>
+          </a:bodyPr>
+          <a:lstStyle/>
+          <a:p>
+            <a:pPr algn="ctr"/>
+            <a:r>
+              <a:rPr lang="en-US" sz="1300" b="1" dirty="0" err="1">
+                <a:solidFill>
+                  <a:srgbClr val="FF9900"/>
+                </a:solidFill>
+                <a:latin typeface="Roboto"/>
+                <a:ea typeface="Roboto"/>
+                <a:sym typeface="Roboto"/>
+                <a:hlinkClick r:id="rId3"/>
+              </a:rPr>
+              <a:t>skimr</a:t>
+            </a:r>
+            <a:endParaRPr lang="ru-RU" sz="1300" b="1" dirty="0">
+              <a:solidFill>
+                <a:srgbClr val="FF9900"/>
+              </a:solidFill>
+              <a:latin typeface="Roboto"/>
+              <a:ea typeface="Roboto"/>
+            </a:endParaRPr>
+          </a:p>
+        </p:txBody>
+      </p:sp>
+      <p:sp>
+        <p:nvSpPr>
+          <p:cNvPr id="9" name="Прямоугольник 8">
+            <a:extLst>
+              <a:ext uri="{FF2B5EF4-FFF2-40B4-BE49-F238E27FC236}">
+                <a16:creationId xmlns:a16="http://schemas.microsoft.com/office/drawing/2014/main" id="{56E97ED4-B21D-44A6-A944-4CF5E1BDB263}"/>
+              </a:ext>
+            </a:extLst>
+          </p:cNvPr>
+          <p:cNvSpPr/>
+          <p:nvPr/>
+        </p:nvSpPr>
+        <p:spPr>
+          <a:xfrm>
+            <a:off x="2073553" y="2477669"/>
+            <a:ext cx="655949" cy="292388"/>
+          </a:xfrm>
+          <a:prstGeom prst="rect">
+            <a:avLst/>
+          </a:prstGeom>
+        </p:spPr>
+        <p:txBody>
+          <a:bodyPr wrap="none">
+            <a:spAutoFit/>
+          </a:bodyPr>
+          <a:lstStyle/>
+          <a:p>
+            <a:pPr algn="ctr"/>
+            <a:r>
+              <a:rPr lang="en-US" sz="1300" b="1" dirty="0" err="1">
+                <a:solidFill>
+                  <a:srgbClr val="FF9900"/>
+                </a:solidFill>
+                <a:latin typeface="Roboto"/>
+                <a:ea typeface="Roboto"/>
+                <a:sym typeface="Roboto"/>
+                <a:hlinkClick r:id="rId5"/>
+              </a:rPr>
+              <a:t>naniar</a:t>
+            </a:r>
+            <a:endParaRPr lang="ru-RU" sz="1300" b="1" dirty="0">
+              <a:solidFill>
+                <a:srgbClr val="FF9900"/>
+              </a:solidFill>
+              <a:latin typeface="Roboto"/>
+              <a:ea typeface="Roboto"/>
+            </a:endParaRPr>
+          </a:p>
+        </p:txBody>
+      </p:sp>
+      <p:pic>
+        <p:nvPicPr>
+          <p:cNvPr id="8196" name="Picture 4">
+            <a:hlinkClick r:id="rId5"/>
+            <a:extLst>
+              <a:ext uri="{FF2B5EF4-FFF2-40B4-BE49-F238E27FC236}">
+                <a16:creationId xmlns:a16="http://schemas.microsoft.com/office/drawing/2014/main" id="{5B203762-61AF-46BE-9523-2A1E69462C53}"/>
+              </a:ext>
+            </a:extLst>
+          </p:cNvPr>
+          <p:cNvPicPr>
+            <a:picLocks noChangeAspect="1" noChangeArrowheads="1"/>
+          </p:cNvPicPr>
+          <p:nvPr/>
+        </p:nvPicPr>
+        <p:blipFill>
+          <a:blip r:embed="rId6">
+            <a:duotone>
+              <a:schemeClr val="accent4">
+                <a:shade val="45000"/>
+                <a:satMod val="135000"/>
+              </a:schemeClr>
+              <a:prstClr val="white"/>
+            </a:duotone>
+            <a:extLst>
+              <a:ext uri="{28A0092B-C50C-407E-A947-70E740481C1C}">
+                <a14:useLocalDpi xmlns:a14="http://schemas.microsoft.com/office/drawing/2010/main" val="0"/>
+              </a:ext>
+            </a:extLst>
+          </a:blip>
+          <a:srcRect/>
+          <a:stretch>
+            <a:fillRect/>
+          </a:stretch>
+        </p:blipFill>
+        <p:spPr bwMode="auto">
+          <a:xfrm>
+            <a:off x="1935340" y="1375364"/>
+            <a:ext cx="932374" cy="1080000"/>
+          </a:xfrm>
+          <a:prstGeom prst="rect">
+            <a:avLst/>
+          </a:prstGeom>
+          <a:noFill/>
+          <a:extLst>
+            <a:ext uri="{909E8E84-426E-40DD-AFC4-6F175D3DCCD1}">
+              <a14:hiddenFill xmlns:a14="http://schemas.microsoft.com/office/drawing/2010/main">
+                <a:solidFill>
+                  <a:srgbClr val="FFFFFF"/>
+                </a:solidFill>
+              </a14:hiddenFill>
+            </a:ext>
+          </a:extLst>
+        </p:spPr>
+      </p:pic>
+      <p:sp>
+        <p:nvSpPr>
+          <p:cNvPr id="2" name="Прямоугольник 1">
+            <a:extLst>
+              <a:ext uri="{FF2B5EF4-FFF2-40B4-BE49-F238E27FC236}">
+                <a16:creationId xmlns:a16="http://schemas.microsoft.com/office/drawing/2014/main" id="{36CAC0E9-34C2-1407-AAE8-B20FC3801F55}"/>
+              </a:ext>
+            </a:extLst>
+          </p:cNvPr>
+          <p:cNvSpPr/>
+          <p:nvPr/>
+        </p:nvSpPr>
+        <p:spPr>
+          <a:xfrm>
+            <a:off x="5037910" y="1014505"/>
+            <a:ext cx="1856598" cy="307777"/>
+          </a:xfrm>
+          <a:prstGeom prst="rect">
+            <a:avLst/>
+          </a:prstGeom>
+        </p:spPr>
+        <p:txBody>
+          <a:bodyPr wrap="none">
+            <a:spAutoFit/>
+          </a:bodyPr>
+          <a:lstStyle/>
+          <a:p>
+            <a:r>
+              <a:rPr lang="en-US" b="1" dirty="0">
+                <a:solidFill>
+                  <a:srgbClr val="FF9900"/>
+                </a:solidFill>
+                <a:latin typeface="Roboto"/>
+                <a:ea typeface="Roboto"/>
+                <a:sym typeface="Roboto"/>
+              </a:rPr>
+              <a:t>EDA </a:t>
+            </a:r>
+            <a:r>
+              <a:rPr lang="ru-RU" b="1" dirty="0">
+                <a:solidFill>
+                  <a:srgbClr val="FF9900"/>
+                </a:solidFill>
+                <a:latin typeface="Roboto"/>
+                <a:ea typeface="Roboto"/>
+                <a:sym typeface="Roboto"/>
+              </a:rPr>
+              <a:t>полного цикла:</a:t>
+            </a:r>
+            <a:endParaRPr lang="ru-RU" b="1" dirty="0">
+              <a:solidFill>
+                <a:srgbClr val="FF9900"/>
+              </a:solidFill>
+              <a:latin typeface="Roboto"/>
+              <a:ea typeface="Roboto"/>
+            </a:endParaRPr>
+          </a:p>
+        </p:txBody>
+      </p:sp>
+      <p:sp>
+        <p:nvSpPr>
+          <p:cNvPr id="3" name="Прямоугольник 2">
+            <a:extLst>
+              <a:ext uri="{FF2B5EF4-FFF2-40B4-BE49-F238E27FC236}">
+                <a16:creationId xmlns:a16="http://schemas.microsoft.com/office/drawing/2014/main" id="{EF123879-7574-BE6C-53DD-D9C232FA0A7A}"/>
+              </a:ext>
+            </a:extLst>
+          </p:cNvPr>
+          <p:cNvSpPr/>
+          <p:nvPr/>
+        </p:nvSpPr>
+        <p:spPr>
+          <a:xfrm>
+            <a:off x="4926856" y="2477669"/>
+            <a:ext cx="1154483" cy="292388"/>
+          </a:xfrm>
+          <a:prstGeom prst="rect">
+            <a:avLst/>
+          </a:prstGeom>
+        </p:spPr>
+        <p:txBody>
+          <a:bodyPr wrap="none">
+            <a:spAutoFit/>
+          </a:bodyPr>
+          <a:lstStyle/>
+          <a:p>
+            <a:pPr algn="ctr"/>
+            <a:r>
+              <a:rPr lang="en-US" sz="1300" b="1" dirty="0" err="1">
+                <a:solidFill>
+                  <a:srgbClr val="FF9900"/>
+                </a:solidFill>
+                <a:latin typeface="Roboto"/>
+                <a:ea typeface="Roboto"/>
+                <a:sym typeface="Roboto"/>
+                <a:hlinkClick r:id="rId7"/>
+              </a:rPr>
+              <a:t>DataExplorer</a:t>
+            </a:r>
+            <a:endParaRPr lang="ru-RU" sz="1300" b="1" dirty="0">
+              <a:solidFill>
+                <a:srgbClr val="FF9900"/>
+              </a:solidFill>
+              <a:latin typeface="Roboto"/>
+              <a:ea typeface="Roboto"/>
+            </a:endParaRPr>
+          </a:p>
+        </p:txBody>
+      </p:sp>
+      <p:pic>
+        <p:nvPicPr>
+          <p:cNvPr id="1026" name="Picture 2">
+            <a:hlinkClick r:id="rId7"/>
+            <a:extLst>
+              <a:ext uri="{FF2B5EF4-FFF2-40B4-BE49-F238E27FC236}">
+                <a16:creationId xmlns:a16="http://schemas.microsoft.com/office/drawing/2014/main" id="{E3A7D6C0-55CD-ED3E-52D3-85AEA1D6582B}"/>
+              </a:ext>
+            </a:extLst>
+          </p:cNvPr>
+          <p:cNvPicPr>
+            <a:picLocks noChangeAspect="1" noChangeArrowheads="1"/>
+          </p:cNvPicPr>
+          <p:nvPr/>
+        </p:nvPicPr>
+        <p:blipFill>
+          <a:blip r:embed="rId8">
+            <a:extLst>
+              <a:ext uri="{28A0092B-C50C-407E-A947-70E740481C1C}">
+                <a14:useLocalDpi xmlns:a14="http://schemas.microsoft.com/office/drawing/2010/main" val="0"/>
+              </a:ext>
+            </a:extLst>
+          </a:blip>
+          <a:srcRect/>
+          <a:stretch>
+            <a:fillRect/>
+          </a:stretch>
+        </p:blipFill>
+        <p:spPr bwMode="auto">
+          <a:xfrm>
+            <a:off x="5029597" y="1375364"/>
+            <a:ext cx="949000" cy="1080000"/>
+          </a:xfrm>
+          <a:prstGeom prst="rect">
+            <a:avLst/>
+          </a:prstGeom>
+          <a:noFill/>
+          <a:extLst>
+            <a:ext uri="{909E8E84-426E-40DD-AFC4-6F175D3DCCD1}">
+              <a14:hiddenFill xmlns:a14="http://schemas.microsoft.com/office/drawing/2010/main">
+                <a:solidFill>
+                  <a:srgbClr val="FFFFFF"/>
+                </a:solidFill>
+              </a14:hiddenFill>
+            </a:ext>
+          </a:extLst>
+        </p:spPr>
+      </p:pic>
+      <p:sp>
+        <p:nvSpPr>
+          <p:cNvPr id="8" name="Прямоугольник 7">
+            <a:extLst>
+              <a:ext uri="{FF2B5EF4-FFF2-40B4-BE49-F238E27FC236}">
+                <a16:creationId xmlns:a16="http://schemas.microsoft.com/office/drawing/2014/main" id="{671902E4-E56D-1819-7A05-EAA031523FBB}"/>
+              </a:ext>
+            </a:extLst>
+          </p:cNvPr>
+          <p:cNvSpPr/>
+          <p:nvPr/>
+        </p:nvSpPr>
+        <p:spPr>
+          <a:xfrm>
+            <a:off x="6771691" y="2477669"/>
+            <a:ext cx="663964" cy="292388"/>
+          </a:xfrm>
+          <a:prstGeom prst="rect">
+            <a:avLst/>
+          </a:prstGeom>
+        </p:spPr>
+        <p:txBody>
+          <a:bodyPr wrap="none">
+            <a:spAutoFit/>
+          </a:bodyPr>
+          <a:lstStyle/>
+          <a:p>
+            <a:pPr algn="ctr"/>
+            <a:r>
+              <a:rPr lang="en-US" sz="1300" b="1" dirty="0" err="1">
+                <a:solidFill>
+                  <a:srgbClr val="FF9900"/>
+                </a:solidFill>
+                <a:latin typeface="Roboto"/>
+                <a:ea typeface="Roboto"/>
+                <a:sym typeface="Roboto"/>
+                <a:hlinkClick r:id="rId9"/>
+              </a:rPr>
+              <a:t>dlookr</a:t>
+            </a:r>
+            <a:endParaRPr lang="ru-RU" sz="1300" b="1" dirty="0">
+              <a:solidFill>
+                <a:srgbClr val="FF9900"/>
+              </a:solidFill>
+              <a:latin typeface="Roboto"/>
+              <a:ea typeface="Roboto"/>
+            </a:endParaRPr>
+          </a:p>
+        </p:txBody>
+      </p:sp>
+      <p:pic>
+        <p:nvPicPr>
+          <p:cNvPr id="1028" name="Picture 4">
+            <a:hlinkClick r:id="rId9"/>
+            <a:extLst>
+              <a:ext uri="{FF2B5EF4-FFF2-40B4-BE49-F238E27FC236}">
+                <a16:creationId xmlns:a16="http://schemas.microsoft.com/office/drawing/2014/main" id="{8ADC32F9-30CF-A38F-8DFF-83D4AAB06C2E}"/>
+              </a:ext>
+            </a:extLst>
+          </p:cNvPr>
+          <p:cNvPicPr>
+            <a:picLocks noChangeAspect="1" noChangeArrowheads="1"/>
+          </p:cNvPicPr>
+          <p:nvPr/>
+        </p:nvPicPr>
+        <p:blipFill>
+          <a:blip r:embed="rId10">
+            <a:extLst>
+              <a:ext uri="{28A0092B-C50C-407E-A947-70E740481C1C}">
+                <a14:useLocalDpi xmlns:a14="http://schemas.microsoft.com/office/drawing/2010/main" val="0"/>
+              </a:ext>
+            </a:extLst>
+          </a:blip>
+          <a:srcRect/>
+          <a:stretch>
+            <a:fillRect/>
+          </a:stretch>
+        </p:blipFill>
+        <p:spPr bwMode="auto">
+          <a:xfrm>
+            <a:off x="6637507" y="1375364"/>
+            <a:ext cx="932333" cy="1080000"/>
+          </a:xfrm>
+          <a:prstGeom prst="rect">
+            <a:avLst/>
+          </a:prstGeom>
+          <a:noFill/>
+          <a:extLst>
+            <a:ext uri="{909E8E84-426E-40DD-AFC4-6F175D3DCCD1}">
+              <a14:hiddenFill xmlns:a14="http://schemas.microsoft.com/office/drawing/2010/main">
+                <a:solidFill>
+                  <a:srgbClr val="FFFFFF"/>
+                </a:solidFill>
+              </a14:hiddenFill>
+            </a:ext>
+          </a:extLst>
+        </p:spPr>
+      </p:pic>
+      <p:sp>
+        <p:nvSpPr>
+          <p:cNvPr id="13" name="Прямоугольник 12">
+            <a:extLst>
+              <a:ext uri="{FF2B5EF4-FFF2-40B4-BE49-F238E27FC236}">
+                <a16:creationId xmlns:a16="http://schemas.microsoft.com/office/drawing/2014/main" id="{07AEC4B0-07D0-A20D-A5E9-C2C303F5F7F9}"/>
+              </a:ext>
+            </a:extLst>
+          </p:cNvPr>
+          <p:cNvSpPr/>
+          <p:nvPr/>
+        </p:nvSpPr>
+        <p:spPr>
+          <a:xfrm>
+            <a:off x="500550" y="3182742"/>
+            <a:ext cx="3477234" cy="307777"/>
+          </a:xfrm>
+          <a:prstGeom prst="rect">
+            <a:avLst/>
+          </a:prstGeom>
+        </p:spPr>
+        <p:txBody>
+          <a:bodyPr wrap="none">
+            <a:spAutoFit/>
+          </a:bodyPr>
+          <a:lstStyle/>
+          <a:p>
+            <a:r>
+              <a:rPr lang="ru-RU" b="1" dirty="0">
+                <a:solidFill>
+                  <a:srgbClr val="FF9900"/>
+                </a:solidFill>
+                <a:latin typeface="Roboto"/>
+                <a:ea typeface="Roboto"/>
+                <a:sym typeface="Roboto"/>
+              </a:rPr>
+              <a:t>Интерактивное исследование данных:</a:t>
+            </a:r>
+            <a:endParaRPr lang="ru-RU" b="1" dirty="0">
+              <a:solidFill>
+                <a:srgbClr val="FF9900"/>
+              </a:solidFill>
+              <a:latin typeface="Roboto"/>
+              <a:ea typeface="Roboto"/>
+            </a:endParaRPr>
+          </a:p>
+        </p:txBody>
+      </p:sp>
+      <p:sp>
+        <p:nvSpPr>
+          <p:cNvPr id="14" name="Прямоугольник 13">
+            <a:extLst>
+              <a:ext uri="{FF2B5EF4-FFF2-40B4-BE49-F238E27FC236}">
+                <a16:creationId xmlns:a16="http://schemas.microsoft.com/office/drawing/2014/main" id="{EAF92742-AA56-5314-1673-B31AC60164CA}"/>
+              </a:ext>
+            </a:extLst>
+          </p:cNvPr>
+          <p:cNvSpPr/>
+          <p:nvPr/>
+        </p:nvSpPr>
+        <p:spPr>
+          <a:xfrm>
+            <a:off x="556109" y="4645906"/>
+            <a:ext cx="833883" cy="292388"/>
+          </a:xfrm>
+          <a:prstGeom prst="rect">
+            <a:avLst/>
+          </a:prstGeom>
+        </p:spPr>
+        <p:txBody>
+          <a:bodyPr wrap="none">
+            <a:spAutoFit/>
+          </a:bodyPr>
+          <a:lstStyle/>
+          <a:p>
+            <a:pPr algn="ctr"/>
+            <a:r>
+              <a:rPr lang="en-US" sz="1300" b="1" dirty="0" err="1">
+                <a:solidFill>
+                  <a:srgbClr val="FF9900"/>
+                </a:solidFill>
+                <a:latin typeface="Roboto"/>
+                <a:ea typeface="Roboto"/>
+                <a:sym typeface="Roboto"/>
+                <a:hlinkClick r:id="rId11"/>
+              </a:rPr>
+              <a:t>dataxray</a:t>
+            </a:r>
+            <a:endParaRPr lang="ru-RU" sz="1300" b="1" dirty="0">
+              <a:solidFill>
+                <a:srgbClr val="FF9900"/>
+              </a:solidFill>
+              <a:latin typeface="Roboto"/>
+              <a:ea typeface="Roboto"/>
+            </a:endParaRPr>
+          </a:p>
+        </p:txBody>
+      </p:sp>
+      <p:sp>
+        <p:nvSpPr>
+          <p:cNvPr id="15" name="Прямоугольник 14">
+            <a:extLst>
+              <a:ext uri="{FF2B5EF4-FFF2-40B4-BE49-F238E27FC236}">
+                <a16:creationId xmlns:a16="http://schemas.microsoft.com/office/drawing/2014/main" id="{9EB542EF-403C-6974-E2A8-F09B2AC96A0C}"/>
+              </a:ext>
+            </a:extLst>
+          </p:cNvPr>
+          <p:cNvSpPr/>
+          <p:nvPr/>
+        </p:nvSpPr>
+        <p:spPr>
+          <a:xfrm>
+            <a:off x="2029470" y="4645906"/>
+            <a:ext cx="744114" cy="292388"/>
+          </a:xfrm>
+          <a:prstGeom prst="rect">
+            <a:avLst/>
+          </a:prstGeom>
+        </p:spPr>
+        <p:txBody>
+          <a:bodyPr wrap="none">
+            <a:spAutoFit/>
+          </a:bodyPr>
+          <a:lstStyle/>
+          <a:p>
+            <a:pPr algn="ctr"/>
+            <a:r>
+              <a:rPr lang="en-US" sz="1300" b="1" dirty="0">
+                <a:solidFill>
+                  <a:srgbClr val="FF9900"/>
+                </a:solidFill>
+                <a:latin typeface="Roboto"/>
+                <a:ea typeface="Roboto"/>
+                <a:sym typeface="Roboto"/>
+                <a:hlinkClick r:id="rId12"/>
+              </a:rPr>
+              <a:t>explore</a:t>
+            </a:r>
+            <a:endParaRPr lang="ru-RU" sz="1300" b="1" dirty="0">
+              <a:solidFill>
+                <a:srgbClr val="FF9900"/>
+              </a:solidFill>
+              <a:latin typeface="Roboto"/>
+              <a:ea typeface="Roboto"/>
+            </a:endParaRPr>
+          </a:p>
+        </p:txBody>
+      </p:sp>
+      <p:pic>
+        <p:nvPicPr>
+          <p:cNvPr id="1030" name="Picture 6">
+            <a:hlinkClick r:id="rId11"/>
+            <a:extLst>
+              <a:ext uri="{FF2B5EF4-FFF2-40B4-BE49-F238E27FC236}">
+                <a16:creationId xmlns:a16="http://schemas.microsoft.com/office/drawing/2014/main" id="{463AC0BE-38E0-B303-3155-F47E7E771185}"/>
+              </a:ext>
+            </a:extLst>
+          </p:cNvPr>
+          <p:cNvPicPr>
+            <a:picLocks noChangeAspect="1" noChangeArrowheads="1"/>
+          </p:cNvPicPr>
+          <p:nvPr/>
+        </p:nvPicPr>
+        <p:blipFill>
+          <a:blip r:embed="rId13">
+            <a:extLst>
+              <a:ext uri="{28A0092B-C50C-407E-A947-70E740481C1C}">
+                <a14:useLocalDpi xmlns:a14="http://schemas.microsoft.com/office/drawing/2010/main" val="0"/>
+              </a:ext>
+            </a:extLst>
+          </a:blip>
+          <a:srcRect/>
+          <a:stretch>
+            <a:fillRect/>
+          </a:stretch>
+        </p:blipFill>
+        <p:spPr bwMode="auto">
+          <a:xfrm>
+            <a:off x="500550" y="3543601"/>
+            <a:ext cx="933333" cy="1080000"/>
+          </a:xfrm>
+          <a:prstGeom prst="rect">
+            <a:avLst/>
+          </a:prstGeom>
+          <a:noFill/>
+          <a:extLst>
+            <a:ext uri="{909E8E84-426E-40DD-AFC4-6F175D3DCCD1}">
+              <a14:hiddenFill xmlns:a14="http://schemas.microsoft.com/office/drawing/2010/main">
+                <a:solidFill>
+                  <a:srgbClr val="FFFFFF"/>
+                </a:solidFill>
+              </a14:hiddenFill>
+            </a:ext>
+          </a:extLst>
+        </p:spPr>
+      </p:pic>
+      <p:pic>
+        <p:nvPicPr>
+          <p:cNvPr id="1032" name="Picture 8">
+            <a:hlinkClick r:id="rId12"/>
+            <a:extLst>
+              <a:ext uri="{FF2B5EF4-FFF2-40B4-BE49-F238E27FC236}">
+                <a16:creationId xmlns:a16="http://schemas.microsoft.com/office/drawing/2014/main" id="{27D9585B-08FF-6AC8-DB52-FDDF15D0CF35}"/>
+              </a:ext>
+            </a:extLst>
+          </p:cNvPr>
+          <p:cNvPicPr>
+            <a:picLocks noChangeAspect="1" noChangeArrowheads="1"/>
+          </p:cNvPicPr>
+          <p:nvPr/>
+        </p:nvPicPr>
+        <p:blipFill>
+          <a:blip r:embed="rId14">
+            <a:extLst>
+              <a:ext uri="{28A0092B-C50C-407E-A947-70E740481C1C}">
+                <a14:useLocalDpi xmlns:a14="http://schemas.microsoft.com/office/drawing/2010/main" val="0"/>
+              </a:ext>
+            </a:extLst>
+          </a:blip>
+          <a:srcRect/>
+          <a:stretch>
+            <a:fillRect/>
+          </a:stretch>
+        </p:blipFill>
+        <p:spPr bwMode="auto">
+          <a:xfrm>
+            <a:off x="1935340" y="3543601"/>
+            <a:ext cx="932333" cy="1080000"/>
+          </a:xfrm>
+          <a:prstGeom prst="rect">
+            <a:avLst/>
+          </a:prstGeom>
+          <a:noFill/>
+          <a:extLst>
+            <a:ext uri="{909E8E84-426E-40DD-AFC4-6F175D3DCCD1}">
+              <a14:hiddenFill xmlns:a14="http://schemas.microsoft.com/office/drawing/2010/main">
+                <a:solidFill>
+                  <a:srgbClr val="FFFFFF"/>
+                </a:solidFill>
+              </a14:hiddenFill>
+            </a:ext>
+          </a:extLst>
+        </p:spPr>
+      </p:pic>
+      <p:sp>
+        <p:nvSpPr>
+          <p:cNvPr id="25" name="Прямоугольник 24">
+            <a:extLst>
+              <a:ext uri="{FF2B5EF4-FFF2-40B4-BE49-F238E27FC236}">
+                <a16:creationId xmlns:a16="http://schemas.microsoft.com/office/drawing/2014/main" id="{D36FC1C9-E959-4DE6-E421-A89DB257A674}"/>
+              </a:ext>
+            </a:extLst>
+          </p:cNvPr>
+          <p:cNvSpPr/>
+          <p:nvPr/>
+        </p:nvSpPr>
+        <p:spPr>
+          <a:xfrm>
+            <a:off x="5037910" y="3182742"/>
+            <a:ext cx="3849131" cy="307777"/>
+          </a:xfrm>
+          <a:prstGeom prst="rect">
+            <a:avLst/>
+          </a:prstGeom>
+        </p:spPr>
+        <p:txBody>
+          <a:bodyPr wrap="none">
+            <a:spAutoFit/>
+          </a:bodyPr>
+          <a:lstStyle/>
+          <a:p>
+            <a:r>
+              <a:rPr lang="ru-RU" b="1" dirty="0">
+                <a:solidFill>
+                  <a:srgbClr val="FF9900"/>
+                </a:solidFill>
+                <a:latin typeface="Roboto"/>
+                <a:ea typeface="Roboto"/>
+                <a:sym typeface="Roboto"/>
+              </a:rPr>
+              <a:t>Продвинутое исследование зависимостей:</a:t>
+            </a:r>
+            <a:endParaRPr lang="ru-RU" b="1" dirty="0">
+              <a:solidFill>
+                <a:srgbClr val="FF9900"/>
+              </a:solidFill>
+              <a:latin typeface="Roboto"/>
+              <a:ea typeface="Roboto"/>
+            </a:endParaRPr>
+          </a:p>
+        </p:txBody>
+      </p:sp>
+      <p:sp>
+        <p:nvSpPr>
+          <p:cNvPr id="26" name="Прямоугольник 25">
+            <a:extLst>
+              <a:ext uri="{FF2B5EF4-FFF2-40B4-BE49-F238E27FC236}">
+                <a16:creationId xmlns:a16="http://schemas.microsoft.com/office/drawing/2014/main" id="{F81AD444-19C8-9F95-55EB-1B15BC6B9FC2}"/>
+              </a:ext>
+            </a:extLst>
+          </p:cNvPr>
+          <p:cNvSpPr/>
+          <p:nvPr/>
+        </p:nvSpPr>
+        <p:spPr>
+          <a:xfrm>
+            <a:off x="5244251" y="4645906"/>
+            <a:ext cx="519694" cy="292388"/>
+          </a:xfrm>
+          <a:prstGeom prst="rect">
+            <a:avLst/>
+          </a:prstGeom>
+        </p:spPr>
+        <p:txBody>
+          <a:bodyPr wrap="none">
+            <a:spAutoFit/>
+          </a:bodyPr>
+          <a:lstStyle/>
+          <a:p>
+            <a:pPr algn="ctr"/>
+            <a:r>
+              <a:rPr lang="en-US" sz="1300" b="1" dirty="0" err="1">
+                <a:solidFill>
+                  <a:srgbClr val="FF9900"/>
+                </a:solidFill>
+                <a:latin typeface="Roboto"/>
+                <a:ea typeface="Roboto"/>
+                <a:sym typeface="Roboto"/>
+                <a:hlinkClick r:id="rId15"/>
+              </a:rPr>
+              <a:t>ppsr</a:t>
+            </a:r>
+            <a:endParaRPr lang="ru-RU" sz="1300" b="1" dirty="0">
+              <a:solidFill>
+                <a:srgbClr val="FF9900"/>
+              </a:solidFill>
+              <a:latin typeface="Roboto"/>
+              <a:ea typeface="Roboto"/>
+            </a:endParaRPr>
+          </a:p>
+        </p:txBody>
+      </p:sp>
+      <p:sp>
+        <p:nvSpPr>
+          <p:cNvPr id="28" name="Прямоугольник 27">
+            <a:extLst>
+              <a:ext uri="{FF2B5EF4-FFF2-40B4-BE49-F238E27FC236}">
+                <a16:creationId xmlns:a16="http://schemas.microsoft.com/office/drawing/2014/main" id="{9F6DB020-213F-28FE-F46A-CD2DD827114A}"/>
+              </a:ext>
+            </a:extLst>
+          </p:cNvPr>
+          <p:cNvSpPr/>
+          <p:nvPr/>
+        </p:nvSpPr>
+        <p:spPr>
+          <a:xfrm>
+            <a:off x="6366933" y="4645906"/>
+            <a:ext cx="1473480" cy="292388"/>
+          </a:xfrm>
+          <a:prstGeom prst="rect">
+            <a:avLst/>
+          </a:prstGeom>
+        </p:spPr>
+        <p:txBody>
+          <a:bodyPr wrap="none">
+            <a:spAutoFit/>
+          </a:bodyPr>
+          <a:lstStyle/>
+          <a:p>
+            <a:pPr algn="ctr"/>
+            <a:r>
+              <a:rPr lang="en-US" sz="1300" b="1" dirty="0" err="1">
+                <a:solidFill>
+                  <a:srgbClr val="FF9900"/>
+                </a:solidFill>
+                <a:latin typeface="Roboto"/>
+                <a:ea typeface="Roboto"/>
+                <a:sym typeface="Roboto"/>
+                <a:hlinkClick r:id="rId16"/>
+              </a:rPr>
+              <a:t>correlationfunnel</a:t>
+            </a:r>
+            <a:endParaRPr lang="ru-RU" sz="1300" b="1" dirty="0">
+              <a:solidFill>
+                <a:srgbClr val="FF9900"/>
+              </a:solidFill>
+              <a:latin typeface="Roboto"/>
+              <a:ea typeface="Roboto"/>
+            </a:endParaRPr>
+          </a:p>
+        </p:txBody>
+      </p:sp>
+      <p:pic>
+        <p:nvPicPr>
+          <p:cNvPr id="31" name="Рисунок 30">
+            <a:hlinkClick r:id="rId15"/>
+            <a:extLst>
+              <a:ext uri="{FF2B5EF4-FFF2-40B4-BE49-F238E27FC236}">
+                <a16:creationId xmlns:a16="http://schemas.microsoft.com/office/drawing/2014/main" id="{5F8F8E45-5BA3-7604-605C-A9991EC3BA61}"/>
+              </a:ext>
+            </a:extLst>
+          </p:cNvPr>
+          <p:cNvPicPr>
+            <a:picLocks noChangeAspect="1"/>
+          </p:cNvPicPr>
+          <p:nvPr/>
+        </p:nvPicPr>
+        <p:blipFill>
+          <a:blip r:embed="rId17"/>
+          <a:stretch>
+            <a:fillRect/>
+          </a:stretch>
+        </p:blipFill>
+        <p:spPr>
+          <a:xfrm>
+            <a:off x="5046197" y="3543601"/>
+            <a:ext cx="932400" cy="1080000"/>
+          </a:xfrm>
+          <a:prstGeom prst="rect">
+            <a:avLst/>
+          </a:prstGeom>
+        </p:spPr>
+      </p:pic>
+      <p:pic>
+        <p:nvPicPr>
+          <p:cNvPr id="1034" name="Picture 10">
+            <a:hlinkClick r:id="rId16"/>
+            <a:extLst>
+              <a:ext uri="{FF2B5EF4-FFF2-40B4-BE49-F238E27FC236}">
+                <a16:creationId xmlns:a16="http://schemas.microsoft.com/office/drawing/2014/main" id="{99BD09C7-4C49-9903-4DCC-61491FDAB64F}"/>
+              </a:ext>
+            </a:extLst>
+          </p:cNvPr>
+          <p:cNvPicPr>
+            <a:picLocks noChangeAspect="1" noChangeArrowheads="1"/>
+          </p:cNvPicPr>
+          <p:nvPr/>
+        </p:nvPicPr>
+        <p:blipFill>
+          <a:blip r:embed="rId18">
+            <a:extLst>
+              <a:ext uri="{28A0092B-C50C-407E-A947-70E740481C1C}">
+                <a14:useLocalDpi xmlns:a14="http://schemas.microsoft.com/office/drawing/2010/main" val="0"/>
+              </a:ext>
+            </a:extLst>
+          </a:blip>
+          <a:srcRect/>
+          <a:stretch>
+            <a:fillRect/>
+          </a:stretch>
+        </p:blipFill>
+        <p:spPr bwMode="auto">
+          <a:xfrm>
+            <a:off x="6635007" y="3543601"/>
+            <a:ext cx="937333" cy="1080000"/>
+          </a:xfrm>
+          <a:prstGeom prst="rect">
+            <a:avLst/>
+          </a:prstGeom>
+          <a:noFill/>
+          <a:extLst>
+            <a:ext uri="{909E8E84-426E-40DD-AFC4-6F175D3DCCD1}">
+              <a14:hiddenFill xmlns:a14="http://schemas.microsoft.com/office/drawing/2010/main">
+                <a:solidFill>
+                  <a:srgbClr val="FFFFFF"/>
+                </a:solidFill>
+              </a14:hiddenFill>
+            </a:ext>
+          </a:extLst>
+        </p:spPr>
+      </p:pic>
+    </p:spTree>
+    <p:extLst>
+      <p:ext uri="{BB962C8B-B14F-4D97-AF65-F5344CB8AC3E}">
+        <p14:creationId xmlns:p14="http://schemas.microsoft.com/office/powerpoint/2010/main" val="3819559965"/>
+      </p:ext>
+    </p:extLst>
+  </p:cSld>
+  <p:clrMapOvr>
+    <a:masterClrMapping/>
+  </p:clrMapOvr>
+</p:sld>
+</file>
+
+<file path=ppt/slides/slide51.xml><?xml version="1.0" encoding="utf-8"?>
+<p:sld xmlns:a="http://schemas.openxmlformats.org/drawingml/2006/main" xmlns:r="http://schemas.openxmlformats.org/officeDocument/2006/relationships" xmlns:p="http://schemas.openxmlformats.org/presentationml/2006/main">
+  <p:cSld>
+    <p:spTree>
+      <p:nvGrpSpPr>
+        <p:cNvPr id="1" name="Shape 184"/>
+        <p:cNvGrpSpPr/>
+        <p:nvPr/>
+      </p:nvGrpSpPr>
+      <p:grpSpPr>
+        <a:xfrm>
+          <a:off x="0" y="0"/>
+          <a:ext cx="0" cy="0"/>
+          <a:chOff x="0" y="0"/>
+          <a:chExt cx="0" cy="0"/>
+        </a:xfrm>
+      </p:grpSpPr>
+      <p:sp>
+        <p:nvSpPr>
+          <p:cNvPr id="185" name="Google Shape;185;p26"/>
+          <p:cNvSpPr txBox="1">
+            <a:spLocks noGrp="1"/>
+          </p:cNvSpPr>
+          <p:nvPr>
+            <p:ph type="title"/>
+          </p:nvPr>
+        </p:nvSpPr>
+        <p:spPr>
+          <a:xfrm>
+            <a:off x="651425" y="396394"/>
+            <a:ext cx="7706100" cy="4090800"/>
           </a:xfrm>
           <a:prstGeom prst="rect">
             <a:avLst/>
@@ -35839,76 +38679,598 @@
               <a:spcAft>
                 <a:spcPts val="0"/>
               </a:spcAft>
+              <a:buClr>
+                <a:schemeClr val="dk1"/>
+              </a:buClr>
+              <a:buSzPts val="1100"/>
+              <a:buFont typeface="Arial"/>
               <a:buNone/>
             </a:pPr>
             <a:r>
-              <a:rPr lang="ru-RU" dirty="0"/>
-              <a:t>Что вы об этом думаете</a:t>
+              <a:rPr lang="ru-RU" sz="4900" dirty="0"/>
+              <a:t>Часть </a:t>
             </a:r>
             <a:r>
-              <a:rPr lang="ru" dirty="0"/>
-              <a:t>?</a:t>
+              <a:rPr lang="en-US" sz="4900" dirty="0"/>
+              <a:t>III</a:t>
             </a:r>
-            <a:br>
-              <a:rPr lang="ru" dirty="0"/>
-            </a:br>
+            <a:endParaRPr sz="4900" dirty="0"/>
+          </a:p>
+          <a:p>
+            <a:pPr marL="0" lvl="0" indent="0" algn="l" rtl="0">
+              <a:spcBef>
+                <a:spcPts val="0"/>
+              </a:spcBef>
+              <a:spcAft>
+                <a:spcPts val="0"/>
+              </a:spcAft>
+              <a:buNone/>
+            </a:pPr>
+            <a:r>
+              <a:rPr lang="ru-RU" sz="4900" dirty="0"/>
+              <a:t>Как?</a:t>
+            </a:r>
             <a:endParaRPr dirty="0"/>
           </a:p>
         </p:txBody>
       </p:sp>
+    </p:spTree>
+    <p:extLst>
+      <p:ext uri="{BB962C8B-B14F-4D97-AF65-F5344CB8AC3E}">
+        <p14:creationId xmlns:p14="http://schemas.microsoft.com/office/powerpoint/2010/main" val="979222870"/>
+      </p:ext>
+    </p:extLst>
+  </p:cSld>
+  <p:clrMapOvr>
+    <a:masterClrMapping/>
+  </p:clrMapOvr>
+</p:sld>
+</file>
+
+<file path=ppt/slides/slide52.xml><?xml version="1.0" encoding="utf-8"?>
+<p:sld xmlns:a="http://schemas.openxmlformats.org/drawingml/2006/main" xmlns:r="http://schemas.openxmlformats.org/officeDocument/2006/relationships" xmlns:p="http://schemas.openxmlformats.org/presentationml/2006/main">
+  <p:cSld>
+    <p:spTree>
+      <p:nvGrpSpPr>
+        <p:cNvPr id="1" name="Shape 189"/>
+        <p:cNvGrpSpPr/>
+        <p:nvPr/>
+      </p:nvGrpSpPr>
+      <p:grpSpPr>
+        <a:xfrm>
+          <a:off x="0" y="0"/>
+          <a:ext cx="0" cy="0"/>
+          <a:chOff x="0" y="0"/>
+          <a:chExt cx="0" cy="0"/>
+        </a:xfrm>
+      </p:grpSpPr>
+      <p:sp>
+        <p:nvSpPr>
+          <p:cNvPr id="190" name="Google Shape;190;p27"/>
+          <p:cNvSpPr txBox="1">
+            <a:spLocks noGrp="1"/>
+          </p:cNvSpPr>
+          <p:nvPr>
+            <p:ph type="title"/>
+          </p:nvPr>
+        </p:nvSpPr>
+        <p:spPr>
+          <a:xfrm>
+            <a:off x="500550" y="330724"/>
+            <a:ext cx="8520600" cy="1095900"/>
+          </a:xfrm>
+          <a:prstGeom prst="rect">
+            <a:avLst/>
+          </a:prstGeom>
+        </p:spPr>
+        <p:txBody>
+          <a:bodyPr spcFirstLastPara="1" wrap="square" lIns="91425" tIns="91425" rIns="91425" bIns="91425" anchor="t" anchorCtr="0">
+            <a:noAutofit/>
+          </a:bodyPr>
+          <a:lstStyle/>
+          <a:p>
+            <a:pPr marL="0" lvl="0" indent="0" algn="l" rtl="0">
+              <a:spcBef>
+                <a:spcPts val="0"/>
+              </a:spcBef>
+              <a:spcAft>
+                <a:spcPts val="0"/>
+              </a:spcAft>
+              <a:buNone/>
+            </a:pPr>
+            <a:r>
+              <a:rPr lang="ru-RU" sz="2000" dirty="0"/>
+              <a:t>Анализ предсказательной силы: что кроме корреляции?</a:t>
+            </a:r>
+            <a:endParaRPr sz="2000" dirty="0"/>
+          </a:p>
+        </p:txBody>
+      </p:sp>
+      <p:sp>
+        <p:nvSpPr>
+          <p:cNvPr id="6" name="Прямоугольник 5">
+            <a:extLst>
+              <a:ext uri="{FF2B5EF4-FFF2-40B4-BE49-F238E27FC236}">
+                <a16:creationId xmlns:a16="http://schemas.microsoft.com/office/drawing/2014/main" id="{D9B17B36-7ADF-41EF-8C80-A644A611D985}"/>
+              </a:ext>
+            </a:extLst>
+          </p:cNvPr>
+          <p:cNvSpPr/>
+          <p:nvPr/>
+        </p:nvSpPr>
+        <p:spPr>
+          <a:xfrm>
+            <a:off x="500550" y="924452"/>
+            <a:ext cx="2342308" cy="338554"/>
+          </a:xfrm>
+          <a:prstGeom prst="rect">
+            <a:avLst/>
+          </a:prstGeom>
+        </p:spPr>
+        <p:txBody>
+          <a:bodyPr wrap="none">
+            <a:spAutoFit/>
+          </a:bodyPr>
+          <a:lstStyle/>
+          <a:p>
+            <a:r>
+              <a:rPr lang="en-US" sz="1600" b="1" dirty="0">
+                <a:solidFill>
+                  <a:srgbClr val="FF9900"/>
+                </a:solidFill>
+                <a:latin typeface="Roboto"/>
+                <a:ea typeface="Roboto"/>
+                <a:sym typeface="Roboto"/>
+              </a:rPr>
+              <a:t>Predictive Power Score</a:t>
+            </a:r>
+          </a:p>
+        </p:txBody>
+      </p:sp>
+      <p:grpSp>
+        <p:nvGrpSpPr>
+          <p:cNvPr id="20" name="Группа 19">
+            <a:extLst>
+              <a:ext uri="{FF2B5EF4-FFF2-40B4-BE49-F238E27FC236}">
+                <a16:creationId xmlns:a16="http://schemas.microsoft.com/office/drawing/2014/main" id="{1A5F08A5-5BF7-A5C7-8AF1-63C4BBF401FC}"/>
+              </a:ext>
+            </a:extLst>
+          </p:cNvPr>
+          <p:cNvGrpSpPr/>
+          <p:nvPr/>
+        </p:nvGrpSpPr>
+        <p:grpSpPr>
+          <a:xfrm>
+            <a:off x="500550" y="1391434"/>
+            <a:ext cx="5174244" cy="360000"/>
+            <a:chOff x="500550" y="2617559"/>
+            <a:chExt cx="5174244" cy="360000"/>
+          </a:xfrm>
+        </p:grpSpPr>
+        <p:pic>
+          <p:nvPicPr>
+            <p:cNvPr id="2050" name="Picture 2">
+              <a:extLst>
+                <a:ext uri="{FF2B5EF4-FFF2-40B4-BE49-F238E27FC236}">
+                  <a16:creationId xmlns:a16="http://schemas.microsoft.com/office/drawing/2014/main" id="{691CC8CC-982E-A14B-D359-0A3EFF5D6CDF}"/>
+                </a:ext>
+              </a:extLst>
+            </p:cNvPr>
+            <p:cNvPicPr>
+              <a:picLocks noChangeAspect="1" noChangeArrowheads="1"/>
+            </p:cNvPicPr>
+            <p:nvPr/>
+          </p:nvPicPr>
+          <p:blipFill>
+            <a:blip r:embed="rId3">
+              <a:extLst>
+                <a:ext uri="{28A0092B-C50C-407E-A947-70E740481C1C}">
+                  <a14:useLocalDpi xmlns:a14="http://schemas.microsoft.com/office/drawing/2010/main" val="0"/>
+                </a:ext>
+              </a:extLst>
+            </a:blip>
+            <a:srcRect/>
+            <a:stretch>
+              <a:fillRect/>
+            </a:stretch>
+          </p:blipFill>
+          <p:spPr bwMode="auto">
+            <a:xfrm>
+              <a:off x="500550" y="2617559"/>
+              <a:ext cx="360000" cy="360000"/>
+            </a:xfrm>
+            <a:prstGeom prst="rect">
+              <a:avLst/>
+            </a:prstGeom>
+            <a:noFill/>
+            <a:extLst>
+              <a:ext uri="{909E8E84-426E-40DD-AFC4-6F175D3DCCD1}">
+                <a14:hiddenFill xmlns:a14="http://schemas.microsoft.com/office/drawing/2010/main">
+                  <a:solidFill>
+                    <a:srgbClr val="FFFFFF"/>
+                  </a:solidFill>
+                </a14:hiddenFill>
+              </a:ext>
+            </a:extLst>
+          </p:spPr>
+        </p:pic>
+        <p:sp>
+          <p:nvSpPr>
+            <p:cNvPr id="10" name="Прямоугольник 9">
+              <a:extLst>
+                <a:ext uri="{FF2B5EF4-FFF2-40B4-BE49-F238E27FC236}">
+                  <a16:creationId xmlns:a16="http://schemas.microsoft.com/office/drawing/2014/main" id="{98E0C60F-1D74-965C-0C4D-62BE55C4963A}"/>
+                </a:ext>
+              </a:extLst>
+            </p:cNvPr>
+            <p:cNvSpPr/>
+            <p:nvPr/>
+          </p:nvSpPr>
+          <p:spPr>
+            <a:xfrm>
+              <a:off x="860656" y="2636041"/>
+              <a:ext cx="4814138" cy="323037"/>
+            </a:xfrm>
+            <a:prstGeom prst="rect">
+              <a:avLst/>
+            </a:prstGeom>
+          </p:spPr>
+          <p:txBody>
+            <a:bodyPr wrap="none">
+              <a:spAutoFit/>
+            </a:bodyPr>
+            <a:lstStyle/>
+            <a:p>
+              <a:pPr marL="0" lvl="0" indent="0" algn="l" rtl="0">
+                <a:lnSpc>
+                  <a:spcPct val="115000"/>
+                </a:lnSpc>
+                <a:spcBef>
+                  <a:spcPts val="0"/>
+                </a:spcBef>
+                <a:spcAft>
+                  <a:spcPts val="0"/>
+                </a:spcAft>
+                <a:buNone/>
+              </a:pPr>
+              <a:r>
+                <a:rPr lang="ru-RU" sz="1400" dirty="0">
+                  <a:solidFill>
+                    <a:schemeClr val="lt1"/>
+                  </a:solidFill>
+                  <a:latin typeface="Roboto"/>
+                  <a:ea typeface="Roboto"/>
+                  <a:cs typeface="Roboto"/>
+                  <a:sym typeface="Roboto"/>
+                </a:rPr>
+                <a:t>Учитывает нелинейную и немонотонную зависимость</a:t>
+              </a:r>
+            </a:p>
+          </p:txBody>
+        </p:sp>
+      </p:grpSp>
+      <p:grpSp>
+        <p:nvGrpSpPr>
+          <p:cNvPr id="21" name="Группа 20">
+            <a:extLst>
+              <a:ext uri="{FF2B5EF4-FFF2-40B4-BE49-F238E27FC236}">
+                <a16:creationId xmlns:a16="http://schemas.microsoft.com/office/drawing/2014/main" id="{AA4651B7-1F82-CEFD-DA77-F752A20DA5BB}"/>
+              </a:ext>
+            </a:extLst>
+          </p:cNvPr>
+          <p:cNvGrpSpPr/>
+          <p:nvPr/>
+        </p:nvGrpSpPr>
+        <p:grpSpPr>
+          <a:xfrm>
+            <a:off x="500550" y="1944180"/>
+            <a:ext cx="7234104" cy="360000"/>
+            <a:chOff x="500550" y="3356877"/>
+            <a:chExt cx="7234104" cy="360000"/>
+          </a:xfrm>
+        </p:grpSpPr>
+        <p:pic>
+          <p:nvPicPr>
+            <p:cNvPr id="11" name="Picture 2">
+              <a:extLst>
+                <a:ext uri="{FF2B5EF4-FFF2-40B4-BE49-F238E27FC236}">
+                  <a16:creationId xmlns:a16="http://schemas.microsoft.com/office/drawing/2014/main" id="{6ADDDEBC-547E-67A8-1CB8-5F4099735EA7}"/>
+                </a:ext>
+              </a:extLst>
+            </p:cNvPr>
+            <p:cNvPicPr>
+              <a:picLocks noChangeAspect="1" noChangeArrowheads="1"/>
+            </p:cNvPicPr>
+            <p:nvPr/>
+          </p:nvPicPr>
+          <p:blipFill>
+            <a:blip r:embed="rId3">
+              <a:extLst>
+                <a:ext uri="{28A0092B-C50C-407E-A947-70E740481C1C}">
+                  <a14:useLocalDpi xmlns:a14="http://schemas.microsoft.com/office/drawing/2010/main" val="0"/>
+                </a:ext>
+              </a:extLst>
+            </a:blip>
+            <a:srcRect/>
+            <a:stretch>
+              <a:fillRect/>
+            </a:stretch>
+          </p:blipFill>
+          <p:spPr bwMode="auto">
+            <a:xfrm>
+              <a:off x="500550" y="3356877"/>
+              <a:ext cx="360000" cy="360000"/>
+            </a:xfrm>
+            <a:prstGeom prst="rect">
+              <a:avLst/>
+            </a:prstGeom>
+            <a:noFill/>
+            <a:extLst>
+              <a:ext uri="{909E8E84-426E-40DD-AFC4-6F175D3DCCD1}">
+                <a14:hiddenFill xmlns:a14="http://schemas.microsoft.com/office/drawing/2010/main">
+                  <a:solidFill>
+                    <a:srgbClr val="FFFFFF"/>
+                  </a:solidFill>
+                </a14:hiddenFill>
+              </a:ext>
+            </a:extLst>
+          </p:spPr>
+        </p:pic>
+        <p:sp>
+          <p:nvSpPr>
+            <p:cNvPr id="12" name="Прямоугольник 11">
+              <a:extLst>
+                <a:ext uri="{FF2B5EF4-FFF2-40B4-BE49-F238E27FC236}">
+                  <a16:creationId xmlns:a16="http://schemas.microsoft.com/office/drawing/2014/main" id="{741FE823-4F28-5643-6E63-AEE5C5E6D4CF}"/>
+                </a:ext>
+              </a:extLst>
+            </p:cNvPr>
+            <p:cNvSpPr/>
+            <p:nvPr/>
+          </p:nvSpPr>
+          <p:spPr>
+            <a:xfrm>
+              <a:off x="860656" y="3375359"/>
+              <a:ext cx="6873998" cy="323037"/>
+            </a:xfrm>
+            <a:prstGeom prst="rect">
+              <a:avLst/>
+            </a:prstGeom>
+          </p:spPr>
+          <p:txBody>
+            <a:bodyPr wrap="none">
+              <a:spAutoFit/>
+            </a:bodyPr>
+            <a:lstStyle/>
+            <a:p>
+              <a:pPr marL="0" lvl="0" indent="0" algn="l" rtl="0">
+                <a:lnSpc>
+                  <a:spcPct val="115000"/>
+                </a:lnSpc>
+                <a:spcBef>
+                  <a:spcPts val="0"/>
+                </a:spcBef>
+                <a:spcAft>
+                  <a:spcPts val="0"/>
+                </a:spcAft>
+                <a:buNone/>
+              </a:pPr>
+              <a:r>
+                <a:rPr lang="ru-RU" sz="1400" dirty="0">
+                  <a:solidFill>
+                    <a:schemeClr val="lt1"/>
+                  </a:solidFill>
+                  <a:latin typeface="Roboto"/>
+                  <a:ea typeface="Roboto"/>
+                  <a:cs typeface="Roboto"/>
+                  <a:sym typeface="Roboto"/>
+                </a:rPr>
+                <a:t>Несимметричен по определению: предсказательная сила A для B ≠ ПС B для A</a:t>
+              </a:r>
+            </a:p>
+          </p:txBody>
+        </p:sp>
+      </p:grpSp>
+      <p:grpSp>
+        <p:nvGrpSpPr>
+          <p:cNvPr id="22" name="Группа 21">
+            <a:extLst>
+              <a:ext uri="{FF2B5EF4-FFF2-40B4-BE49-F238E27FC236}">
+                <a16:creationId xmlns:a16="http://schemas.microsoft.com/office/drawing/2014/main" id="{2AF58D61-265F-C656-83A8-450319581863}"/>
+              </a:ext>
+            </a:extLst>
+          </p:cNvPr>
+          <p:cNvGrpSpPr/>
+          <p:nvPr/>
+        </p:nvGrpSpPr>
+        <p:grpSpPr>
+          <a:xfrm>
+            <a:off x="500550" y="2496926"/>
+            <a:ext cx="6416572" cy="360000"/>
+            <a:chOff x="500550" y="3948994"/>
+            <a:chExt cx="6416572" cy="360000"/>
+          </a:xfrm>
+        </p:grpSpPr>
+        <p:pic>
+          <p:nvPicPr>
+            <p:cNvPr id="16" name="Picture 2">
+              <a:extLst>
+                <a:ext uri="{FF2B5EF4-FFF2-40B4-BE49-F238E27FC236}">
+                  <a16:creationId xmlns:a16="http://schemas.microsoft.com/office/drawing/2014/main" id="{E9784E95-26B5-E9E3-7952-A0102E2FF2ED}"/>
+                </a:ext>
+              </a:extLst>
+            </p:cNvPr>
+            <p:cNvPicPr>
+              <a:picLocks noChangeAspect="1" noChangeArrowheads="1"/>
+            </p:cNvPicPr>
+            <p:nvPr/>
+          </p:nvPicPr>
+          <p:blipFill>
+            <a:blip r:embed="rId3">
+              <a:extLst>
+                <a:ext uri="{28A0092B-C50C-407E-A947-70E740481C1C}">
+                  <a14:useLocalDpi xmlns:a14="http://schemas.microsoft.com/office/drawing/2010/main" val="0"/>
+                </a:ext>
+              </a:extLst>
+            </a:blip>
+            <a:srcRect/>
+            <a:stretch>
+              <a:fillRect/>
+            </a:stretch>
+          </p:blipFill>
+          <p:spPr bwMode="auto">
+            <a:xfrm>
+              <a:off x="500550" y="3948994"/>
+              <a:ext cx="360000" cy="360000"/>
+            </a:xfrm>
+            <a:prstGeom prst="rect">
+              <a:avLst/>
+            </a:prstGeom>
+            <a:noFill/>
+            <a:extLst>
+              <a:ext uri="{909E8E84-426E-40DD-AFC4-6F175D3DCCD1}">
+                <a14:hiddenFill xmlns:a14="http://schemas.microsoft.com/office/drawing/2010/main">
+                  <a:solidFill>
+                    <a:srgbClr val="FFFFFF"/>
+                  </a:solidFill>
+                </a14:hiddenFill>
+              </a:ext>
+            </a:extLst>
+          </p:spPr>
+        </p:pic>
+        <p:sp>
+          <p:nvSpPr>
+            <p:cNvPr id="17" name="Прямоугольник 16">
+              <a:extLst>
+                <a:ext uri="{FF2B5EF4-FFF2-40B4-BE49-F238E27FC236}">
+                  <a16:creationId xmlns:a16="http://schemas.microsoft.com/office/drawing/2014/main" id="{DA1CBFDA-5497-1A81-6584-7A364F2014B1}"/>
+                </a:ext>
+              </a:extLst>
+            </p:cNvPr>
+            <p:cNvSpPr/>
+            <p:nvPr/>
+          </p:nvSpPr>
+          <p:spPr>
+            <a:xfrm>
+              <a:off x="860656" y="3967476"/>
+              <a:ext cx="6056466" cy="323037"/>
+            </a:xfrm>
+            <a:prstGeom prst="rect">
+              <a:avLst/>
+            </a:prstGeom>
+          </p:spPr>
+          <p:txBody>
+            <a:bodyPr wrap="none">
+              <a:spAutoFit/>
+            </a:bodyPr>
+            <a:lstStyle/>
+            <a:p>
+              <a:pPr marL="0" lvl="0" indent="0" algn="l" rtl="0">
+                <a:lnSpc>
+                  <a:spcPct val="115000"/>
+                </a:lnSpc>
+                <a:spcBef>
+                  <a:spcPts val="0"/>
+                </a:spcBef>
+                <a:spcAft>
+                  <a:spcPts val="0"/>
+                </a:spcAft>
+                <a:buNone/>
+              </a:pPr>
+              <a:r>
+                <a:rPr lang="ru-RU" sz="1400" dirty="0">
+                  <a:solidFill>
+                    <a:schemeClr val="lt1"/>
+                  </a:solidFill>
+                  <a:latin typeface="Roboto"/>
+                  <a:ea typeface="Roboto"/>
+                  <a:cs typeface="Roboto"/>
+                  <a:sym typeface="Roboto"/>
+                </a:rPr>
+                <a:t>Одинаково трактует количественные и категориальные переменные</a:t>
+              </a:r>
+            </a:p>
+          </p:txBody>
+        </p:sp>
+      </p:grpSp>
       <p:pic>
         <p:nvPicPr>
-          <p:cNvPr id="246" name="Google Shape;246;p35"/>
-          <p:cNvPicPr preferRelativeResize="0"/>
+          <p:cNvPr id="18" name="Picture 2">
+            <a:extLst>
+              <a:ext uri="{FF2B5EF4-FFF2-40B4-BE49-F238E27FC236}">
+                <a16:creationId xmlns:a16="http://schemas.microsoft.com/office/drawing/2014/main" id="{F8B5AEA6-6555-0AEA-00C1-9799AB258996}"/>
+              </a:ext>
+            </a:extLst>
+          </p:cNvPr>
+          <p:cNvPicPr>
+            <a:picLocks noChangeAspect="1" noChangeArrowheads="1"/>
+          </p:cNvPicPr>
           <p:nvPr/>
         </p:nvPicPr>
-        <p:blipFill rotWithShape="1">
+        <p:blipFill>
           <a:blip r:embed="rId3">
-            <a:alphaModFix/>
+            <a:extLst>
+              <a:ext uri="{28A0092B-C50C-407E-A947-70E740481C1C}">
+                <a14:useLocalDpi xmlns:a14="http://schemas.microsoft.com/office/drawing/2010/main" val="0"/>
+              </a:ext>
+            </a:extLst>
           </a:blip>
           <a:srcRect/>
-          <a:stretch/>
+          <a:stretch>
+            <a:fillRect/>
+          </a:stretch>
         </p:blipFill>
-        <p:spPr>
+        <p:spPr bwMode="auto">
           <a:xfrm>
-            <a:off x="765673" y="3385003"/>
-            <a:ext cx="620721" cy="620720"/>
+            <a:off x="500550" y="3049671"/>
+            <a:ext cx="360000" cy="360000"/>
           </a:xfrm>
           <a:prstGeom prst="rect">
             <a:avLst/>
           </a:prstGeom>
           <a:noFill/>
-          <a:ln>
-            <a:noFill/>
-          </a:ln>
+          <a:extLst>
+            <a:ext uri="{909E8E84-426E-40DD-AFC4-6F175D3DCCD1}">
+              <a14:hiddenFill xmlns:a14="http://schemas.microsoft.com/office/drawing/2010/main">
+                <a:solidFill>
+                  <a:srgbClr val="FFFFFF"/>
+                </a:solidFill>
+              </a14:hiddenFill>
+            </a:ext>
+          </a:extLst>
         </p:spPr>
       </p:pic>
       <p:sp>
         <p:nvSpPr>
-          <p:cNvPr id="248" name="Google Shape;248;p35"/>
-          <p:cNvSpPr txBox="1"/>
+          <p:cNvPr id="19" name="Прямоугольник 18">
+            <a:extLst>
+              <a:ext uri="{FF2B5EF4-FFF2-40B4-BE49-F238E27FC236}">
+                <a16:creationId xmlns:a16="http://schemas.microsoft.com/office/drawing/2014/main" id="{D467C0CA-7027-62BE-488B-B7E1041F929F}"/>
+              </a:ext>
+            </a:extLst>
+          </p:cNvPr>
+          <p:cNvSpPr/>
           <p:nvPr/>
         </p:nvSpPr>
         <p:spPr>
           <a:xfrm>
-            <a:off x="1386399" y="3372213"/>
-            <a:ext cx="4635259" cy="646300"/>
+            <a:off x="860656" y="3068153"/>
+            <a:ext cx="2616422" cy="323037"/>
           </a:xfrm>
           <a:prstGeom prst="rect">
             <a:avLst/>
           </a:prstGeom>
-          <a:noFill/>
-          <a:ln>
-            <a:noFill/>
-          </a:ln>
         </p:spPr>
         <p:txBody>
-          <a:bodyPr spcFirstLastPara="1" wrap="square" lIns="91425" tIns="91425" rIns="91425" bIns="91425" anchor="t" anchorCtr="0">
+          <a:bodyPr wrap="none">
             <a:spAutoFit/>
           </a:bodyPr>
           <a:lstStyle/>
           <a:p>
             <a:pPr marL="0" lvl="0" indent="0" algn="l" rtl="0">
+              <a:lnSpc>
+                <a:spcPct val="115000"/>
+              </a:lnSpc>
               <a:spcBef>
                 <a:spcPts val="0"/>
               </a:spcBef>
@@ -35918,7 +39280,7 @@
               <a:buNone/>
             </a:pPr>
             <a:r>
-              <a:rPr lang="ru" sz="1500" dirty="0">
+              <a:rPr lang="ru-RU" dirty="0">
                 <a:solidFill>
                   <a:schemeClr val="lt1"/>
                 </a:solidFill>
@@ -35927,9 +39289,714 @@
                 <a:cs typeface="Roboto"/>
                 <a:sym typeface="Roboto"/>
               </a:rPr>
-              <a:t>Ставим “+”,</a:t>
+              <a:t>П</a:t>
             </a:r>
-            <a:endParaRPr sz="1500" dirty="0">
+            <a:r>
+              <a:rPr lang="ru-RU" sz="1400" dirty="0">
+                <a:solidFill>
+                  <a:schemeClr val="lt1"/>
+                </a:solidFill>
+                <a:latin typeface="Roboto"/>
+                <a:ea typeface="Roboto"/>
+                <a:cs typeface="Roboto"/>
+                <a:sym typeface="Roboto"/>
+              </a:rPr>
+              <a:t>онятный алгоритм расчета</a:t>
+            </a:r>
+          </a:p>
+        </p:txBody>
+      </p:sp>
+    </p:spTree>
+    <p:extLst>
+      <p:ext uri="{BB962C8B-B14F-4D97-AF65-F5344CB8AC3E}">
+        <p14:creationId xmlns:p14="http://schemas.microsoft.com/office/powerpoint/2010/main" val="3853253280"/>
+      </p:ext>
+    </p:extLst>
+  </p:cSld>
+  <p:clrMapOvr>
+    <a:masterClrMapping/>
+  </p:clrMapOvr>
+</p:sld>
+</file>
+
+<file path=ppt/slides/slide53.xml><?xml version="1.0" encoding="utf-8"?>
+<p:sld xmlns:a="http://schemas.openxmlformats.org/drawingml/2006/main" xmlns:r="http://schemas.openxmlformats.org/officeDocument/2006/relationships" xmlns:p="http://schemas.openxmlformats.org/presentationml/2006/main">
+  <p:cSld>
+    <p:spTree>
+      <p:nvGrpSpPr>
+        <p:cNvPr id="1" name="Shape 189"/>
+        <p:cNvGrpSpPr/>
+        <p:nvPr/>
+      </p:nvGrpSpPr>
+      <p:grpSpPr>
+        <a:xfrm>
+          <a:off x="0" y="0"/>
+          <a:ext cx="0" cy="0"/>
+          <a:chOff x="0" y="0"/>
+          <a:chExt cx="0" cy="0"/>
+        </a:xfrm>
+      </p:grpSpPr>
+      <p:sp>
+        <p:nvSpPr>
+          <p:cNvPr id="190" name="Google Shape;190;p27"/>
+          <p:cNvSpPr txBox="1">
+            <a:spLocks noGrp="1"/>
+          </p:cNvSpPr>
+          <p:nvPr>
+            <p:ph type="title"/>
+          </p:nvPr>
+        </p:nvSpPr>
+        <p:spPr>
+          <a:xfrm>
+            <a:off x="500550" y="330724"/>
+            <a:ext cx="8520600" cy="1095900"/>
+          </a:xfrm>
+          <a:prstGeom prst="rect">
+            <a:avLst/>
+          </a:prstGeom>
+        </p:spPr>
+        <p:txBody>
+          <a:bodyPr spcFirstLastPara="1" wrap="square" lIns="91425" tIns="91425" rIns="91425" bIns="91425" anchor="t" anchorCtr="0">
+            <a:noAutofit/>
+          </a:bodyPr>
+          <a:lstStyle/>
+          <a:p>
+            <a:pPr marL="0" lvl="0" indent="0" algn="l" rtl="0">
+              <a:spcBef>
+                <a:spcPts val="0"/>
+              </a:spcBef>
+              <a:spcAft>
+                <a:spcPts val="0"/>
+              </a:spcAft>
+              <a:buNone/>
+            </a:pPr>
+            <a:r>
+              <a:rPr lang="ru-RU" sz="2000" dirty="0"/>
+              <a:t>Анализ предсказательной силы: что кроме корреляции?</a:t>
+            </a:r>
+            <a:endParaRPr sz="2000" dirty="0"/>
+          </a:p>
+        </p:txBody>
+      </p:sp>
+      <p:sp>
+        <p:nvSpPr>
+          <p:cNvPr id="6" name="Прямоугольник 5">
+            <a:extLst>
+              <a:ext uri="{FF2B5EF4-FFF2-40B4-BE49-F238E27FC236}">
+                <a16:creationId xmlns:a16="http://schemas.microsoft.com/office/drawing/2014/main" id="{D9B17B36-7ADF-41EF-8C80-A644A611D985}"/>
+              </a:ext>
+            </a:extLst>
+          </p:cNvPr>
+          <p:cNvSpPr/>
+          <p:nvPr/>
+        </p:nvSpPr>
+        <p:spPr>
+          <a:xfrm>
+            <a:off x="500550" y="924452"/>
+            <a:ext cx="2342308" cy="338554"/>
+          </a:xfrm>
+          <a:prstGeom prst="rect">
+            <a:avLst/>
+          </a:prstGeom>
+        </p:spPr>
+        <p:txBody>
+          <a:bodyPr wrap="none">
+            <a:spAutoFit/>
+          </a:bodyPr>
+          <a:lstStyle/>
+          <a:p>
+            <a:r>
+              <a:rPr lang="en-US" sz="1600" b="1" dirty="0">
+                <a:solidFill>
+                  <a:srgbClr val="FF9900"/>
+                </a:solidFill>
+                <a:latin typeface="Roboto"/>
+                <a:ea typeface="Roboto"/>
+                <a:sym typeface="Roboto"/>
+              </a:rPr>
+              <a:t>Predictive Power Score</a:t>
+            </a:r>
+          </a:p>
+        </p:txBody>
+      </p:sp>
+      <p:pic>
+        <p:nvPicPr>
+          <p:cNvPr id="2051" name="Picture 3">
+            <a:extLst>
+              <a:ext uri="{FF2B5EF4-FFF2-40B4-BE49-F238E27FC236}">
+                <a16:creationId xmlns:a16="http://schemas.microsoft.com/office/drawing/2014/main" id="{BFEC9CE5-1146-C83B-A195-9BFDF327EDE2}"/>
+              </a:ext>
+            </a:extLst>
+          </p:cNvPr>
+          <p:cNvPicPr>
+            <a:picLocks noChangeAspect="1" noChangeArrowheads="1"/>
+          </p:cNvPicPr>
+          <p:nvPr/>
+        </p:nvPicPr>
+        <p:blipFill>
+          <a:blip r:embed="rId3">
+            <a:extLst>
+              <a:ext uri="{28A0092B-C50C-407E-A947-70E740481C1C}">
+                <a14:useLocalDpi xmlns:a14="http://schemas.microsoft.com/office/drawing/2010/main" val="0"/>
+              </a:ext>
+            </a:extLst>
+          </a:blip>
+          <a:srcRect/>
+          <a:stretch>
+            <a:fillRect/>
+          </a:stretch>
+        </p:blipFill>
+        <p:spPr bwMode="auto">
+          <a:xfrm>
+            <a:off x="500550" y="3813644"/>
+            <a:ext cx="360000" cy="360000"/>
+          </a:xfrm>
+          <a:prstGeom prst="rect">
+            <a:avLst/>
+          </a:prstGeom>
+          <a:noFill/>
+          <a:extLst>
+            <a:ext uri="{909E8E84-426E-40DD-AFC4-6F175D3DCCD1}">
+              <a14:hiddenFill xmlns:a14="http://schemas.microsoft.com/office/drawing/2010/main">
+                <a:solidFill>
+                  <a:srgbClr val="FFFFFF"/>
+                </a:solidFill>
+              </a14:hiddenFill>
+            </a:ext>
+          </a:extLst>
+        </p:spPr>
+      </p:pic>
+      <p:grpSp>
+        <p:nvGrpSpPr>
+          <p:cNvPr id="20" name="Группа 19">
+            <a:extLst>
+              <a:ext uri="{FF2B5EF4-FFF2-40B4-BE49-F238E27FC236}">
+                <a16:creationId xmlns:a16="http://schemas.microsoft.com/office/drawing/2014/main" id="{1A5F08A5-5BF7-A5C7-8AF1-63C4BBF401FC}"/>
+              </a:ext>
+            </a:extLst>
+          </p:cNvPr>
+          <p:cNvGrpSpPr/>
+          <p:nvPr/>
+        </p:nvGrpSpPr>
+        <p:grpSpPr>
+          <a:xfrm>
+            <a:off x="500550" y="1391434"/>
+            <a:ext cx="5174244" cy="360000"/>
+            <a:chOff x="500550" y="2617559"/>
+            <a:chExt cx="5174244" cy="360000"/>
+          </a:xfrm>
+        </p:grpSpPr>
+        <p:pic>
+          <p:nvPicPr>
+            <p:cNvPr id="2050" name="Picture 2">
+              <a:extLst>
+                <a:ext uri="{FF2B5EF4-FFF2-40B4-BE49-F238E27FC236}">
+                  <a16:creationId xmlns:a16="http://schemas.microsoft.com/office/drawing/2014/main" id="{691CC8CC-982E-A14B-D359-0A3EFF5D6CDF}"/>
+                </a:ext>
+              </a:extLst>
+            </p:cNvPr>
+            <p:cNvPicPr>
+              <a:picLocks noChangeAspect="1" noChangeArrowheads="1"/>
+            </p:cNvPicPr>
+            <p:nvPr/>
+          </p:nvPicPr>
+          <p:blipFill>
+            <a:blip r:embed="rId4">
+              <a:extLst>
+                <a:ext uri="{28A0092B-C50C-407E-A947-70E740481C1C}">
+                  <a14:useLocalDpi xmlns:a14="http://schemas.microsoft.com/office/drawing/2010/main" val="0"/>
+                </a:ext>
+              </a:extLst>
+            </a:blip>
+            <a:srcRect/>
+            <a:stretch>
+              <a:fillRect/>
+            </a:stretch>
+          </p:blipFill>
+          <p:spPr bwMode="auto">
+            <a:xfrm>
+              <a:off x="500550" y="2617559"/>
+              <a:ext cx="360000" cy="360000"/>
+            </a:xfrm>
+            <a:prstGeom prst="rect">
+              <a:avLst/>
+            </a:prstGeom>
+            <a:noFill/>
+            <a:extLst>
+              <a:ext uri="{909E8E84-426E-40DD-AFC4-6F175D3DCCD1}">
+                <a14:hiddenFill xmlns:a14="http://schemas.microsoft.com/office/drawing/2010/main">
+                  <a:solidFill>
+                    <a:srgbClr val="FFFFFF"/>
+                  </a:solidFill>
+                </a14:hiddenFill>
+              </a:ext>
+            </a:extLst>
+          </p:spPr>
+        </p:pic>
+        <p:sp>
+          <p:nvSpPr>
+            <p:cNvPr id="10" name="Прямоугольник 9">
+              <a:extLst>
+                <a:ext uri="{FF2B5EF4-FFF2-40B4-BE49-F238E27FC236}">
+                  <a16:creationId xmlns:a16="http://schemas.microsoft.com/office/drawing/2014/main" id="{98E0C60F-1D74-965C-0C4D-62BE55C4963A}"/>
+                </a:ext>
+              </a:extLst>
+            </p:cNvPr>
+            <p:cNvSpPr/>
+            <p:nvPr/>
+          </p:nvSpPr>
+          <p:spPr>
+            <a:xfrm>
+              <a:off x="860656" y="2636041"/>
+              <a:ext cx="4814138" cy="323037"/>
+            </a:xfrm>
+            <a:prstGeom prst="rect">
+              <a:avLst/>
+            </a:prstGeom>
+          </p:spPr>
+          <p:txBody>
+            <a:bodyPr wrap="none">
+              <a:spAutoFit/>
+            </a:bodyPr>
+            <a:lstStyle/>
+            <a:p>
+              <a:pPr marL="0" lvl="0" indent="0" algn="l" rtl="0">
+                <a:lnSpc>
+                  <a:spcPct val="115000"/>
+                </a:lnSpc>
+                <a:spcBef>
+                  <a:spcPts val="0"/>
+                </a:spcBef>
+                <a:spcAft>
+                  <a:spcPts val="0"/>
+                </a:spcAft>
+                <a:buNone/>
+              </a:pPr>
+              <a:r>
+                <a:rPr lang="ru-RU" sz="1400" dirty="0">
+                  <a:solidFill>
+                    <a:schemeClr val="lt1"/>
+                  </a:solidFill>
+                  <a:latin typeface="Roboto"/>
+                  <a:ea typeface="Roboto"/>
+                  <a:cs typeface="Roboto"/>
+                  <a:sym typeface="Roboto"/>
+                </a:rPr>
+                <a:t>Учитывает нелинейную и немонотонную зависимость</a:t>
+              </a:r>
+            </a:p>
+          </p:txBody>
+        </p:sp>
+      </p:grpSp>
+      <p:grpSp>
+        <p:nvGrpSpPr>
+          <p:cNvPr id="21" name="Группа 20">
+            <a:extLst>
+              <a:ext uri="{FF2B5EF4-FFF2-40B4-BE49-F238E27FC236}">
+                <a16:creationId xmlns:a16="http://schemas.microsoft.com/office/drawing/2014/main" id="{AA4651B7-1F82-CEFD-DA77-F752A20DA5BB}"/>
+              </a:ext>
+            </a:extLst>
+          </p:cNvPr>
+          <p:cNvGrpSpPr/>
+          <p:nvPr/>
+        </p:nvGrpSpPr>
+        <p:grpSpPr>
+          <a:xfrm>
+            <a:off x="500550" y="1944180"/>
+            <a:ext cx="7234104" cy="360000"/>
+            <a:chOff x="500550" y="3356877"/>
+            <a:chExt cx="7234104" cy="360000"/>
+          </a:xfrm>
+        </p:grpSpPr>
+        <p:pic>
+          <p:nvPicPr>
+            <p:cNvPr id="11" name="Picture 2">
+              <a:extLst>
+                <a:ext uri="{FF2B5EF4-FFF2-40B4-BE49-F238E27FC236}">
+                  <a16:creationId xmlns:a16="http://schemas.microsoft.com/office/drawing/2014/main" id="{6ADDDEBC-547E-67A8-1CB8-5F4099735EA7}"/>
+                </a:ext>
+              </a:extLst>
+            </p:cNvPr>
+            <p:cNvPicPr>
+              <a:picLocks noChangeAspect="1" noChangeArrowheads="1"/>
+            </p:cNvPicPr>
+            <p:nvPr/>
+          </p:nvPicPr>
+          <p:blipFill>
+            <a:blip r:embed="rId4">
+              <a:extLst>
+                <a:ext uri="{28A0092B-C50C-407E-A947-70E740481C1C}">
+                  <a14:useLocalDpi xmlns:a14="http://schemas.microsoft.com/office/drawing/2010/main" val="0"/>
+                </a:ext>
+              </a:extLst>
+            </a:blip>
+            <a:srcRect/>
+            <a:stretch>
+              <a:fillRect/>
+            </a:stretch>
+          </p:blipFill>
+          <p:spPr bwMode="auto">
+            <a:xfrm>
+              <a:off x="500550" y="3356877"/>
+              <a:ext cx="360000" cy="360000"/>
+            </a:xfrm>
+            <a:prstGeom prst="rect">
+              <a:avLst/>
+            </a:prstGeom>
+            <a:noFill/>
+            <a:extLst>
+              <a:ext uri="{909E8E84-426E-40DD-AFC4-6F175D3DCCD1}">
+                <a14:hiddenFill xmlns:a14="http://schemas.microsoft.com/office/drawing/2010/main">
+                  <a:solidFill>
+                    <a:srgbClr val="FFFFFF"/>
+                  </a:solidFill>
+                </a14:hiddenFill>
+              </a:ext>
+            </a:extLst>
+          </p:spPr>
+        </p:pic>
+        <p:sp>
+          <p:nvSpPr>
+            <p:cNvPr id="12" name="Прямоугольник 11">
+              <a:extLst>
+                <a:ext uri="{FF2B5EF4-FFF2-40B4-BE49-F238E27FC236}">
+                  <a16:creationId xmlns:a16="http://schemas.microsoft.com/office/drawing/2014/main" id="{741FE823-4F28-5643-6E63-AEE5C5E6D4CF}"/>
+                </a:ext>
+              </a:extLst>
+            </p:cNvPr>
+            <p:cNvSpPr/>
+            <p:nvPr/>
+          </p:nvSpPr>
+          <p:spPr>
+            <a:xfrm>
+              <a:off x="860656" y="3375359"/>
+              <a:ext cx="6873998" cy="323037"/>
+            </a:xfrm>
+            <a:prstGeom prst="rect">
+              <a:avLst/>
+            </a:prstGeom>
+          </p:spPr>
+          <p:txBody>
+            <a:bodyPr wrap="none">
+              <a:spAutoFit/>
+            </a:bodyPr>
+            <a:lstStyle/>
+            <a:p>
+              <a:pPr marL="0" lvl="0" indent="0" algn="l" rtl="0">
+                <a:lnSpc>
+                  <a:spcPct val="115000"/>
+                </a:lnSpc>
+                <a:spcBef>
+                  <a:spcPts val="0"/>
+                </a:spcBef>
+                <a:spcAft>
+                  <a:spcPts val="0"/>
+                </a:spcAft>
+                <a:buNone/>
+              </a:pPr>
+              <a:r>
+                <a:rPr lang="ru-RU" sz="1400" dirty="0">
+                  <a:solidFill>
+                    <a:schemeClr val="lt1"/>
+                  </a:solidFill>
+                  <a:latin typeface="Roboto"/>
+                  <a:ea typeface="Roboto"/>
+                  <a:cs typeface="Roboto"/>
+                  <a:sym typeface="Roboto"/>
+                </a:rPr>
+                <a:t>Несимметричен по определению: предсказательная сила A для B ≠ ПС B для A</a:t>
+              </a:r>
+            </a:p>
+          </p:txBody>
+        </p:sp>
+      </p:grpSp>
+      <p:grpSp>
+        <p:nvGrpSpPr>
+          <p:cNvPr id="22" name="Группа 21">
+            <a:extLst>
+              <a:ext uri="{FF2B5EF4-FFF2-40B4-BE49-F238E27FC236}">
+                <a16:creationId xmlns:a16="http://schemas.microsoft.com/office/drawing/2014/main" id="{2AF58D61-265F-C656-83A8-450319581863}"/>
+              </a:ext>
+            </a:extLst>
+          </p:cNvPr>
+          <p:cNvGrpSpPr/>
+          <p:nvPr/>
+        </p:nvGrpSpPr>
+        <p:grpSpPr>
+          <a:xfrm>
+            <a:off x="500550" y="2496926"/>
+            <a:ext cx="6416572" cy="360000"/>
+            <a:chOff x="500550" y="3948994"/>
+            <a:chExt cx="6416572" cy="360000"/>
+          </a:xfrm>
+        </p:grpSpPr>
+        <p:pic>
+          <p:nvPicPr>
+            <p:cNvPr id="16" name="Picture 2">
+              <a:extLst>
+                <a:ext uri="{FF2B5EF4-FFF2-40B4-BE49-F238E27FC236}">
+                  <a16:creationId xmlns:a16="http://schemas.microsoft.com/office/drawing/2014/main" id="{E9784E95-26B5-E9E3-7952-A0102E2FF2ED}"/>
+                </a:ext>
+              </a:extLst>
+            </p:cNvPr>
+            <p:cNvPicPr>
+              <a:picLocks noChangeAspect="1" noChangeArrowheads="1"/>
+            </p:cNvPicPr>
+            <p:nvPr/>
+          </p:nvPicPr>
+          <p:blipFill>
+            <a:blip r:embed="rId4">
+              <a:extLst>
+                <a:ext uri="{28A0092B-C50C-407E-A947-70E740481C1C}">
+                  <a14:useLocalDpi xmlns:a14="http://schemas.microsoft.com/office/drawing/2010/main" val="0"/>
+                </a:ext>
+              </a:extLst>
+            </a:blip>
+            <a:srcRect/>
+            <a:stretch>
+              <a:fillRect/>
+            </a:stretch>
+          </p:blipFill>
+          <p:spPr bwMode="auto">
+            <a:xfrm>
+              <a:off x="500550" y="3948994"/>
+              <a:ext cx="360000" cy="360000"/>
+            </a:xfrm>
+            <a:prstGeom prst="rect">
+              <a:avLst/>
+            </a:prstGeom>
+            <a:noFill/>
+            <a:extLst>
+              <a:ext uri="{909E8E84-426E-40DD-AFC4-6F175D3DCCD1}">
+                <a14:hiddenFill xmlns:a14="http://schemas.microsoft.com/office/drawing/2010/main">
+                  <a:solidFill>
+                    <a:srgbClr val="FFFFFF"/>
+                  </a:solidFill>
+                </a14:hiddenFill>
+              </a:ext>
+            </a:extLst>
+          </p:spPr>
+        </p:pic>
+        <p:sp>
+          <p:nvSpPr>
+            <p:cNvPr id="17" name="Прямоугольник 16">
+              <a:extLst>
+                <a:ext uri="{FF2B5EF4-FFF2-40B4-BE49-F238E27FC236}">
+                  <a16:creationId xmlns:a16="http://schemas.microsoft.com/office/drawing/2014/main" id="{DA1CBFDA-5497-1A81-6584-7A364F2014B1}"/>
+                </a:ext>
+              </a:extLst>
+            </p:cNvPr>
+            <p:cNvSpPr/>
+            <p:nvPr/>
+          </p:nvSpPr>
+          <p:spPr>
+            <a:xfrm>
+              <a:off x="860656" y="3967476"/>
+              <a:ext cx="6056466" cy="323037"/>
+            </a:xfrm>
+            <a:prstGeom prst="rect">
+              <a:avLst/>
+            </a:prstGeom>
+          </p:spPr>
+          <p:txBody>
+            <a:bodyPr wrap="none">
+              <a:spAutoFit/>
+            </a:bodyPr>
+            <a:lstStyle/>
+            <a:p>
+              <a:pPr marL="0" lvl="0" indent="0" algn="l" rtl="0">
+                <a:lnSpc>
+                  <a:spcPct val="115000"/>
+                </a:lnSpc>
+                <a:spcBef>
+                  <a:spcPts val="0"/>
+                </a:spcBef>
+                <a:spcAft>
+                  <a:spcPts val="0"/>
+                </a:spcAft>
+                <a:buNone/>
+              </a:pPr>
+              <a:r>
+                <a:rPr lang="ru-RU" sz="1400" dirty="0">
+                  <a:solidFill>
+                    <a:schemeClr val="lt1"/>
+                  </a:solidFill>
+                  <a:latin typeface="Roboto"/>
+                  <a:ea typeface="Roboto"/>
+                  <a:cs typeface="Roboto"/>
+                  <a:sym typeface="Roboto"/>
+                </a:rPr>
+                <a:t>Одинаково трактует количественные и категориальные переменные</a:t>
+              </a:r>
+            </a:p>
+          </p:txBody>
+        </p:sp>
+      </p:grpSp>
+      <p:pic>
+        <p:nvPicPr>
+          <p:cNvPr id="18" name="Picture 2">
+            <a:extLst>
+              <a:ext uri="{FF2B5EF4-FFF2-40B4-BE49-F238E27FC236}">
+                <a16:creationId xmlns:a16="http://schemas.microsoft.com/office/drawing/2014/main" id="{F8B5AEA6-6555-0AEA-00C1-9799AB258996}"/>
+              </a:ext>
+            </a:extLst>
+          </p:cNvPr>
+          <p:cNvPicPr>
+            <a:picLocks noChangeAspect="1" noChangeArrowheads="1"/>
+          </p:cNvPicPr>
+          <p:nvPr/>
+        </p:nvPicPr>
+        <p:blipFill>
+          <a:blip r:embed="rId4">
+            <a:extLst>
+              <a:ext uri="{28A0092B-C50C-407E-A947-70E740481C1C}">
+                <a14:useLocalDpi xmlns:a14="http://schemas.microsoft.com/office/drawing/2010/main" val="0"/>
+              </a:ext>
+            </a:extLst>
+          </a:blip>
+          <a:srcRect/>
+          <a:stretch>
+            <a:fillRect/>
+          </a:stretch>
+        </p:blipFill>
+        <p:spPr bwMode="auto">
+          <a:xfrm>
+            <a:off x="500550" y="3049671"/>
+            <a:ext cx="360000" cy="360000"/>
+          </a:xfrm>
+          <a:prstGeom prst="rect">
+            <a:avLst/>
+          </a:prstGeom>
+          <a:noFill/>
+          <a:extLst>
+            <a:ext uri="{909E8E84-426E-40DD-AFC4-6F175D3DCCD1}">
+              <a14:hiddenFill xmlns:a14="http://schemas.microsoft.com/office/drawing/2010/main">
+                <a:solidFill>
+                  <a:srgbClr val="FFFFFF"/>
+                </a:solidFill>
+              </a14:hiddenFill>
+            </a:ext>
+          </a:extLst>
+        </p:spPr>
+      </p:pic>
+      <p:sp>
+        <p:nvSpPr>
+          <p:cNvPr id="19" name="Прямоугольник 18">
+            <a:extLst>
+              <a:ext uri="{FF2B5EF4-FFF2-40B4-BE49-F238E27FC236}">
+                <a16:creationId xmlns:a16="http://schemas.microsoft.com/office/drawing/2014/main" id="{D467C0CA-7027-62BE-488B-B7E1041F929F}"/>
+              </a:ext>
+            </a:extLst>
+          </p:cNvPr>
+          <p:cNvSpPr/>
+          <p:nvPr/>
+        </p:nvSpPr>
+        <p:spPr>
+          <a:xfrm>
+            <a:off x="860656" y="3068153"/>
+            <a:ext cx="2616422" cy="323037"/>
+          </a:xfrm>
+          <a:prstGeom prst="rect">
+            <a:avLst/>
+          </a:prstGeom>
+        </p:spPr>
+        <p:txBody>
+          <a:bodyPr wrap="none">
+            <a:spAutoFit/>
+          </a:bodyPr>
+          <a:lstStyle/>
+          <a:p>
+            <a:pPr marL="0" lvl="0" indent="0" algn="l" rtl="0">
+              <a:lnSpc>
+                <a:spcPct val="115000"/>
+              </a:lnSpc>
+              <a:spcBef>
+                <a:spcPts val="0"/>
+              </a:spcBef>
+              <a:spcAft>
+                <a:spcPts val="0"/>
+              </a:spcAft>
+              <a:buNone/>
+            </a:pPr>
+            <a:r>
+              <a:rPr lang="ru-RU" dirty="0">
+                <a:solidFill>
+                  <a:schemeClr val="lt1"/>
+                </a:solidFill>
+                <a:latin typeface="Roboto"/>
+                <a:ea typeface="Roboto"/>
+                <a:cs typeface="Roboto"/>
+                <a:sym typeface="Roboto"/>
+              </a:rPr>
+              <a:t>П</a:t>
+            </a:r>
+            <a:r>
+              <a:rPr lang="ru-RU" sz="1400" dirty="0">
+                <a:solidFill>
+                  <a:schemeClr val="lt1"/>
+                </a:solidFill>
+                <a:latin typeface="Roboto"/>
+                <a:ea typeface="Roboto"/>
+                <a:cs typeface="Roboto"/>
+                <a:sym typeface="Roboto"/>
+              </a:rPr>
+              <a:t>онятный алгоритм расчета</a:t>
+            </a:r>
+          </a:p>
+        </p:txBody>
+      </p:sp>
+      <p:sp>
+        <p:nvSpPr>
+          <p:cNvPr id="27" name="Прямоугольник 26">
+            <a:extLst>
+              <a:ext uri="{FF2B5EF4-FFF2-40B4-BE49-F238E27FC236}">
+                <a16:creationId xmlns:a16="http://schemas.microsoft.com/office/drawing/2014/main" id="{820909E2-EA5C-5599-43D1-85B0F1174929}"/>
+              </a:ext>
+            </a:extLst>
+          </p:cNvPr>
+          <p:cNvSpPr/>
+          <p:nvPr/>
+        </p:nvSpPr>
+        <p:spPr>
+          <a:xfrm>
+            <a:off x="860656" y="3832126"/>
+            <a:ext cx="4671472" cy="323037"/>
+          </a:xfrm>
+          <a:prstGeom prst="rect">
+            <a:avLst/>
+          </a:prstGeom>
+        </p:spPr>
+        <p:txBody>
+          <a:bodyPr wrap="none">
+            <a:spAutoFit/>
+          </a:bodyPr>
+          <a:lstStyle/>
+          <a:p>
+            <a:pPr marL="0" lvl="0" indent="0" algn="l" rtl="0">
+              <a:lnSpc>
+                <a:spcPct val="115000"/>
+              </a:lnSpc>
+              <a:spcBef>
+                <a:spcPts val="0"/>
+              </a:spcBef>
+              <a:spcAft>
+                <a:spcPts val="0"/>
+              </a:spcAft>
+              <a:buNone/>
+            </a:pPr>
+            <a:r>
+              <a:rPr lang="ru-RU" dirty="0">
+                <a:solidFill>
+                  <a:schemeClr val="lt1"/>
+                </a:solidFill>
+                <a:latin typeface="Roboto"/>
+                <a:ea typeface="Roboto"/>
+                <a:cs typeface="Roboto"/>
+                <a:sym typeface="Roboto"/>
+              </a:rPr>
+              <a:t>Относительно долго, особенно при расчете матрицы</a:t>
+            </a:r>
+            <a:endParaRPr lang="ru-RU" sz="1400" dirty="0">
               <a:solidFill>
                 <a:schemeClr val="lt1"/>
               </a:solidFill>
@@ -35939,8 +40006,86 @@
               <a:sym typeface="Roboto"/>
             </a:endParaRPr>
           </a:p>
+        </p:txBody>
+      </p:sp>
+      <p:pic>
+        <p:nvPicPr>
+          <p:cNvPr id="30" name="Picture 3">
+            <a:extLst>
+              <a:ext uri="{FF2B5EF4-FFF2-40B4-BE49-F238E27FC236}">
+                <a16:creationId xmlns:a16="http://schemas.microsoft.com/office/drawing/2014/main" id="{8BBED82A-B32B-CB60-3F56-6115D3F80882}"/>
+              </a:ext>
+            </a:extLst>
+          </p:cNvPr>
+          <p:cNvPicPr>
+            <a:picLocks noChangeAspect="1" noChangeArrowheads="1"/>
+          </p:cNvPicPr>
+          <p:nvPr/>
+        </p:nvPicPr>
+        <p:blipFill>
+          <a:blip r:embed="rId3">
+            <a:extLst>
+              <a:ext uri="{28A0092B-C50C-407E-A947-70E740481C1C}">
+                <a14:useLocalDpi xmlns:a14="http://schemas.microsoft.com/office/drawing/2010/main" val="0"/>
+              </a:ext>
+            </a:extLst>
+          </a:blip>
+          <a:srcRect/>
+          <a:stretch>
+            <a:fillRect/>
+          </a:stretch>
+        </p:blipFill>
+        <p:spPr bwMode="auto">
+          <a:xfrm>
+            <a:off x="500550" y="4362588"/>
+            <a:ext cx="360000" cy="360000"/>
+          </a:xfrm>
+          <a:prstGeom prst="rect">
+            <a:avLst/>
+          </a:prstGeom>
+          <a:noFill/>
+          <a:extLst>
+            <a:ext uri="{909E8E84-426E-40DD-AFC4-6F175D3DCCD1}">
+              <a14:hiddenFill xmlns:a14="http://schemas.microsoft.com/office/drawing/2010/main">
+                <a:solidFill>
+                  <a:srgbClr val="FFFFFF"/>
+                </a:solidFill>
+              </a14:hiddenFill>
+            </a:ext>
+          </a:extLst>
+        </p:spPr>
+      </p:pic>
+      <p:sp>
+        <p:nvSpPr>
+          <p:cNvPr id="32" name="Прямоугольник 31">
+            <a:extLst>
+              <a:ext uri="{FF2B5EF4-FFF2-40B4-BE49-F238E27FC236}">
+                <a16:creationId xmlns:a16="http://schemas.microsoft.com/office/drawing/2014/main" id="{D4D613F8-DAB0-F83D-CB5E-CE23DFEA25E7}"/>
+              </a:ext>
+            </a:extLst>
+          </p:cNvPr>
+          <p:cNvSpPr/>
+          <p:nvPr/>
+        </p:nvSpPr>
+        <p:spPr>
+          <a:xfrm>
+            <a:off x="860656" y="4381070"/>
+            <a:ext cx="4477508" cy="323037"/>
+          </a:xfrm>
+          <a:prstGeom prst="rect">
+            <a:avLst/>
+          </a:prstGeom>
+        </p:spPr>
+        <p:txBody>
+          <a:bodyPr wrap="none">
+            <a:spAutoFit/>
+          </a:bodyPr>
+          <a:lstStyle/>
           <a:p>
             <a:pPr marL="0" lvl="0" indent="0" algn="l" rtl="0">
+              <a:lnSpc>
+                <a:spcPct val="115000"/>
+              </a:lnSpc>
               <a:spcBef>
                 <a:spcPts val="0"/>
               </a:spcBef>
@@ -35950,7 +40095,7 @@
               <a:buNone/>
             </a:pPr>
             <a:r>
-              <a:rPr lang="ru" sz="1500" dirty="0">
+              <a:rPr lang="ru-RU" dirty="0">
                 <a:solidFill>
                   <a:schemeClr val="lt1"/>
                 </a:solidFill>
@@ -35959,28 +40104,24 @@
                 <a:cs typeface="Roboto"/>
                 <a:sym typeface="Roboto"/>
               </a:rPr>
-              <a:t>если </a:t>
+              <a:t>Показывает силу, но не направление зависимости</a:t>
             </a:r>
-            <a:r>
-              <a:rPr lang="ru-RU" sz="1500" dirty="0">
-                <a:solidFill>
-                  <a:schemeClr val="lt1"/>
-                </a:solidFill>
-                <a:latin typeface="Roboto"/>
-                <a:ea typeface="Roboto"/>
-                <a:cs typeface="Roboto"/>
-                <a:sym typeface="Roboto"/>
-              </a:rPr>
-              <a:t>готовы прокомментировать</a:t>
-            </a:r>
-            <a:endParaRPr dirty="0"/>
+            <a:endParaRPr lang="ru-RU" sz="1400" dirty="0">
+              <a:solidFill>
+                <a:schemeClr val="lt1"/>
+              </a:solidFill>
+              <a:latin typeface="Roboto"/>
+              <a:ea typeface="Roboto"/>
+              <a:cs typeface="Roboto"/>
+              <a:sym typeface="Roboto"/>
+            </a:endParaRPr>
           </a:p>
         </p:txBody>
       </p:sp>
     </p:spTree>
     <p:extLst>
       <p:ext uri="{BB962C8B-B14F-4D97-AF65-F5344CB8AC3E}">
-        <p14:creationId xmlns:p14="http://schemas.microsoft.com/office/powerpoint/2010/main" val="2384467824"/>
+        <p14:creationId xmlns:p14="http://schemas.microsoft.com/office/powerpoint/2010/main" val="2429131980"/>
       </p:ext>
     </p:extLst>
   </p:cSld>
@@ -35990,7 +40131,1704 @@
 </p:sld>
 </file>
 
-<file path=ppt/slides/slide51.xml><?xml version="1.0" encoding="utf-8"?>
+<file path=ppt/slides/slide54.xml><?xml version="1.0" encoding="utf-8"?>
+<p:sld xmlns:a="http://schemas.openxmlformats.org/drawingml/2006/main" xmlns:r="http://schemas.openxmlformats.org/officeDocument/2006/relationships" xmlns:p="http://schemas.openxmlformats.org/presentationml/2006/main">
+  <p:cSld>
+    <p:spTree>
+      <p:nvGrpSpPr>
+        <p:cNvPr id="1" name="Shape 189"/>
+        <p:cNvGrpSpPr/>
+        <p:nvPr/>
+      </p:nvGrpSpPr>
+      <p:grpSpPr>
+        <a:xfrm>
+          <a:off x="0" y="0"/>
+          <a:ext cx="0" cy="0"/>
+          <a:chOff x="0" y="0"/>
+          <a:chExt cx="0" cy="0"/>
+        </a:xfrm>
+      </p:grpSpPr>
+      <p:sp>
+        <p:nvSpPr>
+          <p:cNvPr id="190" name="Google Shape;190;p27"/>
+          <p:cNvSpPr txBox="1">
+            <a:spLocks noGrp="1"/>
+          </p:cNvSpPr>
+          <p:nvPr>
+            <p:ph type="title"/>
+          </p:nvPr>
+        </p:nvSpPr>
+        <p:spPr>
+          <a:xfrm>
+            <a:off x="500550" y="330724"/>
+            <a:ext cx="8520600" cy="1095900"/>
+          </a:xfrm>
+          <a:prstGeom prst="rect">
+            <a:avLst/>
+          </a:prstGeom>
+        </p:spPr>
+        <p:txBody>
+          <a:bodyPr spcFirstLastPara="1" wrap="square" lIns="91425" tIns="91425" rIns="91425" bIns="91425" anchor="t" anchorCtr="0">
+            <a:noAutofit/>
+          </a:bodyPr>
+          <a:lstStyle/>
+          <a:p>
+            <a:pPr marL="0" lvl="0" indent="0" algn="l" rtl="0">
+              <a:spcBef>
+                <a:spcPts val="0"/>
+              </a:spcBef>
+              <a:spcAft>
+                <a:spcPts val="0"/>
+              </a:spcAft>
+              <a:buNone/>
+            </a:pPr>
+            <a:r>
+              <a:rPr lang="ru-RU" sz="2000" dirty="0"/>
+              <a:t>Анализ предсказательной силы: что кроме корреляции?</a:t>
+            </a:r>
+            <a:endParaRPr sz="2000" dirty="0"/>
+          </a:p>
+        </p:txBody>
+      </p:sp>
+      <p:sp>
+        <p:nvSpPr>
+          <p:cNvPr id="6" name="Прямоугольник 5">
+            <a:extLst>
+              <a:ext uri="{FF2B5EF4-FFF2-40B4-BE49-F238E27FC236}">
+                <a16:creationId xmlns:a16="http://schemas.microsoft.com/office/drawing/2014/main" id="{D9B17B36-7ADF-41EF-8C80-A644A611D985}"/>
+              </a:ext>
+            </a:extLst>
+          </p:cNvPr>
+          <p:cNvSpPr/>
+          <p:nvPr/>
+        </p:nvSpPr>
+        <p:spPr>
+          <a:xfrm>
+            <a:off x="500550" y="924452"/>
+            <a:ext cx="1890261" cy="338554"/>
+          </a:xfrm>
+          <a:prstGeom prst="rect">
+            <a:avLst/>
+          </a:prstGeom>
+        </p:spPr>
+        <p:txBody>
+          <a:bodyPr wrap="none">
+            <a:spAutoFit/>
+          </a:bodyPr>
+          <a:lstStyle/>
+          <a:p>
+            <a:r>
+              <a:rPr lang="en-US" sz="1600" b="1" dirty="0">
+                <a:solidFill>
+                  <a:srgbClr val="FF9900"/>
+                </a:solidFill>
+                <a:latin typeface="Roboto"/>
+                <a:ea typeface="Roboto"/>
+                <a:sym typeface="Roboto"/>
+              </a:rPr>
+              <a:t>Correlation Funnel</a:t>
+            </a:r>
+          </a:p>
+        </p:txBody>
+      </p:sp>
+      <p:grpSp>
+        <p:nvGrpSpPr>
+          <p:cNvPr id="20" name="Группа 19">
+            <a:extLst>
+              <a:ext uri="{FF2B5EF4-FFF2-40B4-BE49-F238E27FC236}">
+                <a16:creationId xmlns:a16="http://schemas.microsoft.com/office/drawing/2014/main" id="{1A5F08A5-5BF7-A5C7-8AF1-63C4BBF401FC}"/>
+              </a:ext>
+            </a:extLst>
+          </p:cNvPr>
+          <p:cNvGrpSpPr/>
+          <p:nvPr/>
+        </p:nvGrpSpPr>
+        <p:grpSpPr>
+          <a:xfrm>
+            <a:off x="500550" y="1391434"/>
+            <a:ext cx="6400542" cy="360000"/>
+            <a:chOff x="500550" y="2617559"/>
+            <a:chExt cx="6400542" cy="360000"/>
+          </a:xfrm>
+        </p:grpSpPr>
+        <p:pic>
+          <p:nvPicPr>
+            <p:cNvPr id="2050" name="Picture 2">
+              <a:extLst>
+                <a:ext uri="{FF2B5EF4-FFF2-40B4-BE49-F238E27FC236}">
+                  <a16:creationId xmlns:a16="http://schemas.microsoft.com/office/drawing/2014/main" id="{691CC8CC-982E-A14B-D359-0A3EFF5D6CDF}"/>
+                </a:ext>
+              </a:extLst>
+            </p:cNvPr>
+            <p:cNvPicPr>
+              <a:picLocks noChangeAspect="1" noChangeArrowheads="1"/>
+            </p:cNvPicPr>
+            <p:nvPr/>
+          </p:nvPicPr>
+          <p:blipFill>
+            <a:blip r:embed="rId3">
+              <a:extLst>
+                <a:ext uri="{28A0092B-C50C-407E-A947-70E740481C1C}">
+                  <a14:useLocalDpi xmlns:a14="http://schemas.microsoft.com/office/drawing/2010/main" val="0"/>
+                </a:ext>
+              </a:extLst>
+            </a:blip>
+            <a:srcRect/>
+            <a:stretch>
+              <a:fillRect/>
+            </a:stretch>
+          </p:blipFill>
+          <p:spPr bwMode="auto">
+            <a:xfrm>
+              <a:off x="500550" y="2617559"/>
+              <a:ext cx="360000" cy="360000"/>
+            </a:xfrm>
+            <a:prstGeom prst="rect">
+              <a:avLst/>
+            </a:prstGeom>
+            <a:noFill/>
+            <a:extLst>
+              <a:ext uri="{909E8E84-426E-40DD-AFC4-6F175D3DCCD1}">
+                <a14:hiddenFill xmlns:a14="http://schemas.microsoft.com/office/drawing/2010/main">
+                  <a:solidFill>
+                    <a:srgbClr val="FFFFFF"/>
+                  </a:solidFill>
+                </a14:hiddenFill>
+              </a:ext>
+            </a:extLst>
+          </p:spPr>
+        </p:pic>
+        <p:sp>
+          <p:nvSpPr>
+            <p:cNvPr id="10" name="Прямоугольник 9">
+              <a:extLst>
+                <a:ext uri="{FF2B5EF4-FFF2-40B4-BE49-F238E27FC236}">
+                  <a16:creationId xmlns:a16="http://schemas.microsoft.com/office/drawing/2014/main" id="{98E0C60F-1D74-965C-0C4D-62BE55C4963A}"/>
+                </a:ext>
+              </a:extLst>
+            </p:cNvPr>
+            <p:cNvSpPr/>
+            <p:nvPr/>
+          </p:nvSpPr>
+          <p:spPr>
+            <a:xfrm>
+              <a:off x="860656" y="2636041"/>
+              <a:ext cx="6040436" cy="323037"/>
+            </a:xfrm>
+            <a:prstGeom prst="rect">
+              <a:avLst/>
+            </a:prstGeom>
+          </p:spPr>
+          <p:txBody>
+            <a:bodyPr wrap="none">
+              <a:spAutoFit/>
+            </a:bodyPr>
+            <a:lstStyle/>
+            <a:p>
+              <a:pPr marL="0" lvl="0" indent="0" algn="l" rtl="0">
+                <a:lnSpc>
+                  <a:spcPct val="115000"/>
+                </a:lnSpc>
+                <a:spcBef>
+                  <a:spcPts val="0"/>
+                </a:spcBef>
+                <a:spcAft>
+                  <a:spcPts val="0"/>
+                </a:spcAft>
+                <a:buNone/>
+              </a:pPr>
+              <a:r>
+                <a:rPr lang="ru-RU" dirty="0">
+                  <a:solidFill>
+                    <a:schemeClr val="lt1"/>
+                  </a:solidFill>
+                  <a:latin typeface="Roboto"/>
+                  <a:ea typeface="Roboto"/>
+                  <a:cs typeface="Roboto"/>
+                  <a:sym typeface="Roboto"/>
+                </a:rPr>
+                <a:t>У</a:t>
+              </a:r>
+              <a:r>
+                <a:rPr lang="ru-RU" sz="1400" dirty="0">
+                  <a:solidFill>
+                    <a:schemeClr val="lt1"/>
+                  </a:solidFill>
+                  <a:latin typeface="Roboto"/>
+                  <a:ea typeface="Roboto"/>
+                  <a:cs typeface="Roboto"/>
+                  <a:sym typeface="Roboto"/>
+                </a:rPr>
+                <a:t>читывает нелинейную и потенциально немонотонную зависимость</a:t>
+              </a:r>
+            </a:p>
+          </p:txBody>
+        </p:sp>
+      </p:grpSp>
+      <p:grpSp>
+        <p:nvGrpSpPr>
+          <p:cNvPr id="21" name="Группа 20">
+            <a:extLst>
+              <a:ext uri="{FF2B5EF4-FFF2-40B4-BE49-F238E27FC236}">
+                <a16:creationId xmlns:a16="http://schemas.microsoft.com/office/drawing/2014/main" id="{AA4651B7-1F82-CEFD-DA77-F752A20DA5BB}"/>
+              </a:ext>
+            </a:extLst>
+          </p:cNvPr>
+          <p:cNvGrpSpPr/>
+          <p:nvPr/>
+        </p:nvGrpSpPr>
+        <p:grpSpPr>
+          <a:xfrm>
+            <a:off x="500550" y="1944180"/>
+            <a:ext cx="3282701" cy="360000"/>
+            <a:chOff x="500550" y="3356877"/>
+            <a:chExt cx="3282701" cy="360000"/>
+          </a:xfrm>
+        </p:grpSpPr>
+        <p:pic>
+          <p:nvPicPr>
+            <p:cNvPr id="11" name="Picture 2">
+              <a:extLst>
+                <a:ext uri="{FF2B5EF4-FFF2-40B4-BE49-F238E27FC236}">
+                  <a16:creationId xmlns:a16="http://schemas.microsoft.com/office/drawing/2014/main" id="{6ADDDEBC-547E-67A8-1CB8-5F4099735EA7}"/>
+                </a:ext>
+              </a:extLst>
+            </p:cNvPr>
+            <p:cNvPicPr>
+              <a:picLocks noChangeAspect="1" noChangeArrowheads="1"/>
+            </p:cNvPicPr>
+            <p:nvPr/>
+          </p:nvPicPr>
+          <p:blipFill>
+            <a:blip r:embed="rId3">
+              <a:extLst>
+                <a:ext uri="{28A0092B-C50C-407E-A947-70E740481C1C}">
+                  <a14:useLocalDpi xmlns:a14="http://schemas.microsoft.com/office/drawing/2010/main" val="0"/>
+                </a:ext>
+              </a:extLst>
+            </a:blip>
+            <a:srcRect/>
+            <a:stretch>
+              <a:fillRect/>
+            </a:stretch>
+          </p:blipFill>
+          <p:spPr bwMode="auto">
+            <a:xfrm>
+              <a:off x="500550" y="3356877"/>
+              <a:ext cx="360000" cy="360000"/>
+            </a:xfrm>
+            <a:prstGeom prst="rect">
+              <a:avLst/>
+            </a:prstGeom>
+            <a:noFill/>
+            <a:extLst>
+              <a:ext uri="{909E8E84-426E-40DD-AFC4-6F175D3DCCD1}">
+                <a14:hiddenFill xmlns:a14="http://schemas.microsoft.com/office/drawing/2010/main">
+                  <a:solidFill>
+                    <a:srgbClr val="FFFFFF"/>
+                  </a:solidFill>
+                </a14:hiddenFill>
+              </a:ext>
+            </a:extLst>
+          </p:spPr>
+        </p:pic>
+        <p:sp>
+          <p:nvSpPr>
+            <p:cNvPr id="12" name="Прямоугольник 11">
+              <a:extLst>
+                <a:ext uri="{FF2B5EF4-FFF2-40B4-BE49-F238E27FC236}">
+                  <a16:creationId xmlns:a16="http://schemas.microsoft.com/office/drawing/2014/main" id="{741FE823-4F28-5643-6E63-AEE5C5E6D4CF}"/>
+                </a:ext>
+              </a:extLst>
+            </p:cNvPr>
+            <p:cNvSpPr/>
+            <p:nvPr/>
+          </p:nvSpPr>
+          <p:spPr>
+            <a:xfrm>
+              <a:off x="860656" y="3375359"/>
+              <a:ext cx="2922595" cy="323037"/>
+            </a:xfrm>
+            <a:prstGeom prst="rect">
+              <a:avLst/>
+            </a:prstGeom>
+          </p:spPr>
+          <p:txBody>
+            <a:bodyPr wrap="none">
+              <a:spAutoFit/>
+            </a:bodyPr>
+            <a:lstStyle/>
+            <a:p>
+              <a:pPr marL="0" lvl="0" indent="0" algn="l" rtl="0">
+                <a:lnSpc>
+                  <a:spcPct val="115000"/>
+                </a:lnSpc>
+                <a:spcBef>
+                  <a:spcPts val="0"/>
+                </a:spcBef>
+                <a:spcAft>
+                  <a:spcPts val="0"/>
+                </a:spcAft>
+                <a:buNone/>
+              </a:pPr>
+              <a:r>
+                <a:rPr lang="ru-RU" sz="1400" dirty="0">
+                  <a:solidFill>
+                    <a:schemeClr val="lt1"/>
+                  </a:solidFill>
+                  <a:latin typeface="Roboto"/>
+                  <a:ea typeface="Roboto"/>
+                  <a:cs typeface="Roboto"/>
+                  <a:sym typeface="Roboto"/>
+                </a:rPr>
+                <a:t>Быстрее в вычислении, чем PPS</a:t>
+              </a:r>
+            </a:p>
+          </p:txBody>
+        </p:sp>
+      </p:grpSp>
+      <p:grpSp>
+        <p:nvGrpSpPr>
+          <p:cNvPr id="22" name="Группа 21">
+            <a:extLst>
+              <a:ext uri="{FF2B5EF4-FFF2-40B4-BE49-F238E27FC236}">
+                <a16:creationId xmlns:a16="http://schemas.microsoft.com/office/drawing/2014/main" id="{2AF58D61-265F-C656-83A8-450319581863}"/>
+              </a:ext>
+            </a:extLst>
+          </p:cNvPr>
+          <p:cNvGrpSpPr/>
+          <p:nvPr/>
+        </p:nvGrpSpPr>
+        <p:grpSpPr>
+          <a:xfrm>
+            <a:off x="500550" y="2496926"/>
+            <a:ext cx="6416572" cy="360000"/>
+            <a:chOff x="500550" y="3948994"/>
+            <a:chExt cx="6416572" cy="360000"/>
+          </a:xfrm>
+        </p:grpSpPr>
+        <p:pic>
+          <p:nvPicPr>
+            <p:cNvPr id="16" name="Picture 2">
+              <a:extLst>
+                <a:ext uri="{FF2B5EF4-FFF2-40B4-BE49-F238E27FC236}">
+                  <a16:creationId xmlns:a16="http://schemas.microsoft.com/office/drawing/2014/main" id="{E9784E95-26B5-E9E3-7952-A0102E2FF2ED}"/>
+                </a:ext>
+              </a:extLst>
+            </p:cNvPr>
+            <p:cNvPicPr>
+              <a:picLocks noChangeAspect="1" noChangeArrowheads="1"/>
+            </p:cNvPicPr>
+            <p:nvPr/>
+          </p:nvPicPr>
+          <p:blipFill>
+            <a:blip r:embed="rId3">
+              <a:extLst>
+                <a:ext uri="{28A0092B-C50C-407E-A947-70E740481C1C}">
+                  <a14:useLocalDpi xmlns:a14="http://schemas.microsoft.com/office/drawing/2010/main" val="0"/>
+                </a:ext>
+              </a:extLst>
+            </a:blip>
+            <a:srcRect/>
+            <a:stretch>
+              <a:fillRect/>
+            </a:stretch>
+          </p:blipFill>
+          <p:spPr bwMode="auto">
+            <a:xfrm>
+              <a:off x="500550" y="3948994"/>
+              <a:ext cx="360000" cy="360000"/>
+            </a:xfrm>
+            <a:prstGeom prst="rect">
+              <a:avLst/>
+            </a:prstGeom>
+            <a:noFill/>
+            <a:extLst>
+              <a:ext uri="{909E8E84-426E-40DD-AFC4-6F175D3DCCD1}">
+                <a14:hiddenFill xmlns:a14="http://schemas.microsoft.com/office/drawing/2010/main">
+                  <a:solidFill>
+                    <a:srgbClr val="FFFFFF"/>
+                  </a:solidFill>
+                </a14:hiddenFill>
+              </a:ext>
+            </a:extLst>
+          </p:spPr>
+        </p:pic>
+        <p:sp>
+          <p:nvSpPr>
+            <p:cNvPr id="17" name="Прямоугольник 16">
+              <a:extLst>
+                <a:ext uri="{FF2B5EF4-FFF2-40B4-BE49-F238E27FC236}">
+                  <a16:creationId xmlns:a16="http://schemas.microsoft.com/office/drawing/2014/main" id="{DA1CBFDA-5497-1A81-6584-7A364F2014B1}"/>
+                </a:ext>
+              </a:extLst>
+            </p:cNvPr>
+            <p:cNvSpPr/>
+            <p:nvPr/>
+          </p:nvSpPr>
+          <p:spPr>
+            <a:xfrm>
+              <a:off x="860656" y="3967476"/>
+              <a:ext cx="6056466" cy="323037"/>
+            </a:xfrm>
+            <a:prstGeom prst="rect">
+              <a:avLst/>
+            </a:prstGeom>
+          </p:spPr>
+          <p:txBody>
+            <a:bodyPr wrap="none">
+              <a:spAutoFit/>
+            </a:bodyPr>
+            <a:lstStyle/>
+            <a:p>
+              <a:pPr marL="0" lvl="0" indent="0" algn="l" rtl="0">
+                <a:lnSpc>
+                  <a:spcPct val="115000"/>
+                </a:lnSpc>
+                <a:spcBef>
+                  <a:spcPts val="0"/>
+                </a:spcBef>
+                <a:spcAft>
+                  <a:spcPts val="0"/>
+                </a:spcAft>
+                <a:buNone/>
+              </a:pPr>
+              <a:r>
+                <a:rPr lang="ru-RU" sz="1400" dirty="0">
+                  <a:solidFill>
+                    <a:schemeClr val="lt1"/>
+                  </a:solidFill>
+                  <a:latin typeface="Roboto"/>
+                  <a:ea typeface="Roboto"/>
+                  <a:cs typeface="Roboto"/>
+                  <a:sym typeface="Roboto"/>
+                </a:rPr>
+                <a:t>Одинаково трактует количественные и категориальные переменные</a:t>
+              </a:r>
+            </a:p>
+          </p:txBody>
+        </p:sp>
+      </p:grpSp>
+      <p:grpSp>
+        <p:nvGrpSpPr>
+          <p:cNvPr id="8" name="Группа 7">
+            <a:extLst>
+              <a:ext uri="{FF2B5EF4-FFF2-40B4-BE49-F238E27FC236}">
+                <a16:creationId xmlns:a16="http://schemas.microsoft.com/office/drawing/2014/main" id="{6AE80EFB-318B-CBA3-E500-78BE7380A0AB}"/>
+              </a:ext>
+            </a:extLst>
+          </p:cNvPr>
+          <p:cNvGrpSpPr/>
+          <p:nvPr/>
+        </p:nvGrpSpPr>
+        <p:grpSpPr>
+          <a:xfrm>
+            <a:off x="500550" y="3049671"/>
+            <a:ext cx="4456099" cy="360000"/>
+            <a:chOff x="500550" y="3049671"/>
+            <a:chExt cx="4456099" cy="360000"/>
+          </a:xfrm>
+        </p:grpSpPr>
+        <p:pic>
+          <p:nvPicPr>
+            <p:cNvPr id="18" name="Picture 2">
+              <a:extLst>
+                <a:ext uri="{FF2B5EF4-FFF2-40B4-BE49-F238E27FC236}">
+                  <a16:creationId xmlns:a16="http://schemas.microsoft.com/office/drawing/2014/main" id="{F8B5AEA6-6555-0AEA-00C1-9799AB258996}"/>
+                </a:ext>
+              </a:extLst>
+            </p:cNvPr>
+            <p:cNvPicPr>
+              <a:picLocks noChangeAspect="1" noChangeArrowheads="1"/>
+            </p:cNvPicPr>
+            <p:nvPr/>
+          </p:nvPicPr>
+          <p:blipFill>
+            <a:blip r:embed="rId3">
+              <a:extLst>
+                <a:ext uri="{28A0092B-C50C-407E-A947-70E740481C1C}">
+                  <a14:useLocalDpi xmlns:a14="http://schemas.microsoft.com/office/drawing/2010/main" val="0"/>
+                </a:ext>
+              </a:extLst>
+            </a:blip>
+            <a:srcRect/>
+            <a:stretch>
+              <a:fillRect/>
+            </a:stretch>
+          </p:blipFill>
+          <p:spPr bwMode="auto">
+            <a:xfrm>
+              <a:off x="500550" y="3049671"/>
+              <a:ext cx="360000" cy="360000"/>
+            </a:xfrm>
+            <a:prstGeom prst="rect">
+              <a:avLst/>
+            </a:prstGeom>
+            <a:noFill/>
+            <a:extLst>
+              <a:ext uri="{909E8E84-426E-40DD-AFC4-6F175D3DCCD1}">
+                <a14:hiddenFill xmlns:a14="http://schemas.microsoft.com/office/drawing/2010/main">
+                  <a:solidFill>
+                    <a:srgbClr val="FFFFFF"/>
+                  </a:solidFill>
+                </a14:hiddenFill>
+              </a:ext>
+            </a:extLst>
+          </p:spPr>
+        </p:pic>
+        <p:sp>
+          <p:nvSpPr>
+            <p:cNvPr id="19" name="Прямоугольник 18">
+              <a:extLst>
+                <a:ext uri="{FF2B5EF4-FFF2-40B4-BE49-F238E27FC236}">
+                  <a16:creationId xmlns:a16="http://schemas.microsoft.com/office/drawing/2014/main" id="{D467C0CA-7027-62BE-488B-B7E1041F929F}"/>
+                </a:ext>
+              </a:extLst>
+            </p:cNvPr>
+            <p:cNvSpPr/>
+            <p:nvPr/>
+          </p:nvSpPr>
+          <p:spPr>
+            <a:xfrm>
+              <a:off x="860656" y="3068153"/>
+              <a:ext cx="4095993" cy="323037"/>
+            </a:xfrm>
+            <a:prstGeom prst="rect">
+              <a:avLst/>
+            </a:prstGeom>
+          </p:spPr>
+          <p:txBody>
+            <a:bodyPr wrap="none">
+              <a:spAutoFit/>
+            </a:bodyPr>
+            <a:lstStyle/>
+            <a:p>
+              <a:pPr marL="0" lvl="0" indent="0" algn="l" rtl="0">
+                <a:lnSpc>
+                  <a:spcPct val="115000"/>
+                </a:lnSpc>
+                <a:spcBef>
+                  <a:spcPts val="0"/>
+                </a:spcBef>
+                <a:spcAft>
+                  <a:spcPts val="0"/>
+                </a:spcAft>
+                <a:buNone/>
+              </a:pPr>
+              <a:r>
+                <a:rPr lang="ru-RU" dirty="0">
+                  <a:solidFill>
+                    <a:schemeClr val="lt1"/>
+                  </a:solidFill>
+                  <a:latin typeface="Roboto"/>
+                  <a:ea typeface="Roboto"/>
+                  <a:cs typeface="Roboto"/>
+                  <a:sym typeface="Roboto"/>
+                </a:rPr>
+                <a:t>Показывает силу </a:t>
+              </a:r>
+              <a:r>
+                <a:rPr lang="ru-RU" u="sng" dirty="0">
+                  <a:solidFill>
+                    <a:schemeClr val="lt1"/>
+                  </a:solidFill>
+                  <a:latin typeface="Roboto"/>
+                  <a:ea typeface="Roboto"/>
+                  <a:cs typeface="Roboto"/>
+                  <a:sym typeface="Roboto"/>
+                </a:rPr>
+                <a:t>и направление</a:t>
+              </a:r>
+              <a:r>
+                <a:rPr lang="ru-RU" dirty="0">
+                  <a:solidFill>
+                    <a:schemeClr val="lt1"/>
+                  </a:solidFill>
+                  <a:latin typeface="Roboto"/>
+                  <a:ea typeface="Roboto"/>
+                  <a:cs typeface="Roboto"/>
+                  <a:sym typeface="Roboto"/>
+                </a:rPr>
+                <a:t> зависимости</a:t>
+              </a:r>
+              <a:endParaRPr lang="ru-RU" sz="1400" dirty="0">
+                <a:solidFill>
+                  <a:schemeClr val="lt1"/>
+                </a:solidFill>
+                <a:latin typeface="Roboto"/>
+                <a:ea typeface="Roboto"/>
+                <a:cs typeface="Roboto"/>
+                <a:sym typeface="Roboto"/>
+              </a:endParaRPr>
+            </a:p>
+          </p:txBody>
+        </p:sp>
+      </p:grpSp>
+    </p:spTree>
+    <p:extLst>
+      <p:ext uri="{BB962C8B-B14F-4D97-AF65-F5344CB8AC3E}">
+        <p14:creationId xmlns:p14="http://schemas.microsoft.com/office/powerpoint/2010/main" val="4157625934"/>
+      </p:ext>
+    </p:extLst>
+  </p:cSld>
+  <p:clrMapOvr>
+    <a:masterClrMapping/>
+  </p:clrMapOvr>
+</p:sld>
+</file>
+
+<file path=ppt/slides/slide55.xml><?xml version="1.0" encoding="utf-8"?>
+<p:sld xmlns:a="http://schemas.openxmlformats.org/drawingml/2006/main" xmlns:r="http://schemas.openxmlformats.org/officeDocument/2006/relationships" xmlns:p="http://schemas.openxmlformats.org/presentationml/2006/main">
+  <p:cSld>
+    <p:spTree>
+      <p:nvGrpSpPr>
+        <p:cNvPr id="1" name="Shape 189"/>
+        <p:cNvGrpSpPr/>
+        <p:nvPr/>
+      </p:nvGrpSpPr>
+      <p:grpSpPr>
+        <a:xfrm>
+          <a:off x="0" y="0"/>
+          <a:ext cx="0" cy="0"/>
+          <a:chOff x="0" y="0"/>
+          <a:chExt cx="0" cy="0"/>
+        </a:xfrm>
+      </p:grpSpPr>
+      <p:sp>
+        <p:nvSpPr>
+          <p:cNvPr id="190" name="Google Shape;190;p27"/>
+          <p:cNvSpPr txBox="1">
+            <a:spLocks noGrp="1"/>
+          </p:cNvSpPr>
+          <p:nvPr>
+            <p:ph type="title"/>
+          </p:nvPr>
+        </p:nvSpPr>
+        <p:spPr>
+          <a:xfrm>
+            <a:off x="500550" y="330724"/>
+            <a:ext cx="8520600" cy="1095900"/>
+          </a:xfrm>
+          <a:prstGeom prst="rect">
+            <a:avLst/>
+          </a:prstGeom>
+        </p:spPr>
+        <p:txBody>
+          <a:bodyPr spcFirstLastPara="1" wrap="square" lIns="91425" tIns="91425" rIns="91425" bIns="91425" anchor="t" anchorCtr="0">
+            <a:noAutofit/>
+          </a:bodyPr>
+          <a:lstStyle/>
+          <a:p>
+            <a:pPr marL="0" lvl="0" indent="0" algn="l" rtl="0">
+              <a:spcBef>
+                <a:spcPts val="0"/>
+              </a:spcBef>
+              <a:spcAft>
+                <a:spcPts val="0"/>
+              </a:spcAft>
+              <a:buNone/>
+            </a:pPr>
+            <a:r>
+              <a:rPr lang="ru-RU" sz="2000" dirty="0"/>
+              <a:t>Анализ предсказательной силы: что кроме корреляции?</a:t>
+            </a:r>
+            <a:endParaRPr sz="2000" dirty="0"/>
+          </a:p>
+        </p:txBody>
+      </p:sp>
+      <p:sp>
+        <p:nvSpPr>
+          <p:cNvPr id="6" name="Прямоугольник 5">
+            <a:extLst>
+              <a:ext uri="{FF2B5EF4-FFF2-40B4-BE49-F238E27FC236}">
+                <a16:creationId xmlns:a16="http://schemas.microsoft.com/office/drawing/2014/main" id="{D9B17B36-7ADF-41EF-8C80-A644A611D985}"/>
+              </a:ext>
+            </a:extLst>
+          </p:cNvPr>
+          <p:cNvSpPr/>
+          <p:nvPr/>
+        </p:nvSpPr>
+        <p:spPr>
+          <a:xfrm>
+            <a:off x="500550" y="924452"/>
+            <a:ext cx="1890261" cy="338554"/>
+          </a:xfrm>
+          <a:prstGeom prst="rect">
+            <a:avLst/>
+          </a:prstGeom>
+        </p:spPr>
+        <p:txBody>
+          <a:bodyPr wrap="none">
+            <a:spAutoFit/>
+          </a:bodyPr>
+          <a:lstStyle/>
+          <a:p>
+            <a:r>
+              <a:rPr lang="en-US" sz="1600" b="1" dirty="0">
+                <a:solidFill>
+                  <a:srgbClr val="FF9900"/>
+                </a:solidFill>
+                <a:latin typeface="Roboto"/>
+                <a:ea typeface="Roboto"/>
+                <a:sym typeface="Roboto"/>
+              </a:rPr>
+              <a:t>Correlation Funnel</a:t>
+            </a:r>
+          </a:p>
+        </p:txBody>
+      </p:sp>
+      <p:grpSp>
+        <p:nvGrpSpPr>
+          <p:cNvPr id="20" name="Группа 19">
+            <a:extLst>
+              <a:ext uri="{FF2B5EF4-FFF2-40B4-BE49-F238E27FC236}">
+                <a16:creationId xmlns:a16="http://schemas.microsoft.com/office/drawing/2014/main" id="{1A5F08A5-5BF7-A5C7-8AF1-63C4BBF401FC}"/>
+              </a:ext>
+            </a:extLst>
+          </p:cNvPr>
+          <p:cNvGrpSpPr/>
+          <p:nvPr/>
+        </p:nvGrpSpPr>
+        <p:grpSpPr>
+          <a:xfrm>
+            <a:off x="500550" y="1391434"/>
+            <a:ext cx="6400542" cy="360000"/>
+            <a:chOff x="500550" y="2617559"/>
+            <a:chExt cx="6400542" cy="360000"/>
+          </a:xfrm>
+        </p:grpSpPr>
+        <p:pic>
+          <p:nvPicPr>
+            <p:cNvPr id="2050" name="Picture 2">
+              <a:extLst>
+                <a:ext uri="{FF2B5EF4-FFF2-40B4-BE49-F238E27FC236}">
+                  <a16:creationId xmlns:a16="http://schemas.microsoft.com/office/drawing/2014/main" id="{691CC8CC-982E-A14B-D359-0A3EFF5D6CDF}"/>
+                </a:ext>
+              </a:extLst>
+            </p:cNvPr>
+            <p:cNvPicPr>
+              <a:picLocks noChangeAspect="1" noChangeArrowheads="1"/>
+            </p:cNvPicPr>
+            <p:nvPr/>
+          </p:nvPicPr>
+          <p:blipFill>
+            <a:blip r:embed="rId3">
+              <a:extLst>
+                <a:ext uri="{28A0092B-C50C-407E-A947-70E740481C1C}">
+                  <a14:useLocalDpi xmlns:a14="http://schemas.microsoft.com/office/drawing/2010/main" val="0"/>
+                </a:ext>
+              </a:extLst>
+            </a:blip>
+            <a:srcRect/>
+            <a:stretch>
+              <a:fillRect/>
+            </a:stretch>
+          </p:blipFill>
+          <p:spPr bwMode="auto">
+            <a:xfrm>
+              <a:off x="500550" y="2617559"/>
+              <a:ext cx="360000" cy="360000"/>
+            </a:xfrm>
+            <a:prstGeom prst="rect">
+              <a:avLst/>
+            </a:prstGeom>
+            <a:noFill/>
+            <a:extLst>
+              <a:ext uri="{909E8E84-426E-40DD-AFC4-6F175D3DCCD1}">
+                <a14:hiddenFill xmlns:a14="http://schemas.microsoft.com/office/drawing/2010/main">
+                  <a:solidFill>
+                    <a:srgbClr val="FFFFFF"/>
+                  </a:solidFill>
+                </a14:hiddenFill>
+              </a:ext>
+            </a:extLst>
+          </p:spPr>
+        </p:pic>
+        <p:sp>
+          <p:nvSpPr>
+            <p:cNvPr id="10" name="Прямоугольник 9">
+              <a:extLst>
+                <a:ext uri="{FF2B5EF4-FFF2-40B4-BE49-F238E27FC236}">
+                  <a16:creationId xmlns:a16="http://schemas.microsoft.com/office/drawing/2014/main" id="{98E0C60F-1D74-965C-0C4D-62BE55C4963A}"/>
+                </a:ext>
+              </a:extLst>
+            </p:cNvPr>
+            <p:cNvSpPr/>
+            <p:nvPr/>
+          </p:nvSpPr>
+          <p:spPr>
+            <a:xfrm>
+              <a:off x="860656" y="2636041"/>
+              <a:ext cx="6040436" cy="323037"/>
+            </a:xfrm>
+            <a:prstGeom prst="rect">
+              <a:avLst/>
+            </a:prstGeom>
+          </p:spPr>
+          <p:txBody>
+            <a:bodyPr wrap="none">
+              <a:spAutoFit/>
+            </a:bodyPr>
+            <a:lstStyle/>
+            <a:p>
+              <a:pPr marL="0" lvl="0" indent="0" algn="l" rtl="0">
+                <a:lnSpc>
+                  <a:spcPct val="115000"/>
+                </a:lnSpc>
+                <a:spcBef>
+                  <a:spcPts val="0"/>
+                </a:spcBef>
+                <a:spcAft>
+                  <a:spcPts val="0"/>
+                </a:spcAft>
+                <a:buNone/>
+              </a:pPr>
+              <a:r>
+                <a:rPr lang="ru-RU" dirty="0">
+                  <a:solidFill>
+                    <a:schemeClr val="lt1"/>
+                  </a:solidFill>
+                  <a:latin typeface="Roboto"/>
+                  <a:ea typeface="Roboto"/>
+                  <a:cs typeface="Roboto"/>
+                  <a:sym typeface="Roboto"/>
+                </a:rPr>
+                <a:t>У</a:t>
+              </a:r>
+              <a:r>
+                <a:rPr lang="ru-RU" sz="1400" dirty="0">
+                  <a:solidFill>
+                    <a:schemeClr val="lt1"/>
+                  </a:solidFill>
+                  <a:latin typeface="Roboto"/>
+                  <a:ea typeface="Roboto"/>
+                  <a:cs typeface="Roboto"/>
+                  <a:sym typeface="Roboto"/>
+                </a:rPr>
+                <a:t>читывает нелинейную и потенциально немонотонную зависимость</a:t>
+              </a:r>
+            </a:p>
+          </p:txBody>
+        </p:sp>
+      </p:grpSp>
+      <p:grpSp>
+        <p:nvGrpSpPr>
+          <p:cNvPr id="21" name="Группа 20">
+            <a:extLst>
+              <a:ext uri="{FF2B5EF4-FFF2-40B4-BE49-F238E27FC236}">
+                <a16:creationId xmlns:a16="http://schemas.microsoft.com/office/drawing/2014/main" id="{AA4651B7-1F82-CEFD-DA77-F752A20DA5BB}"/>
+              </a:ext>
+            </a:extLst>
+          </p:cNvPr>
+          <p:cNvGrpSpPr/>
+          <p:nvPr/>
+        </p:nvGrpSpPr>
+        <p:grpSpPr>
+          <a:xfrm>
+            <a:off x="500550" y="1944180"/>
+            <a:ext cx="3282701" cy="360000"/>
+            <a:chOff x="500550" y="3356877"/>
+            <a:chExt cx="3282701" cy="360000"/>
+          </a:xfrm>
+        </p:grpSpPr>
+        <p:pic>
+          <p:nvPicPr>
+            <p:cNvPr id="11" name="Picture 2">
+              <a:extLst>
+                <a:ext uri="{FF2B5EF4-FFF2-40B4-BE49-F238E27FC236}">
+                  <a16:creationId xmlns:a16="http://schemas.microsoft.com/office/drawing/2014/main" id="{6ADDDEBC-547E-67A8-1CB8-5F4099735EA7}"/>
+                </a:ext>
+              </a:extLst>
+            </p:cNvPr>
+            <p:cNvPicPr>
+              <a:picLocks noChangeAspect="1" noChangeArrowheads="1"/>
+            </p:cNvPicPr>
+            <p:nvPr/>
+          </p:nvPicPr>
+          <p:blipFill>
+            <a:blip r:embed="rId3">
+              <a:extLst>
+                <a:ext uri="{28A0092B-C50C-407E-A947-70E740481C1C}">
+                  <a14:useLocalDpi xmlns:a14="http://schemas.microsoft.com/office/drawing/2010/main" val="0"/>
+                </a:ext>
+              </a:extLst>
+            </a:blip>
+            <a:srcRect/>
+            <a:stretch>
+              <a:fillRect/>
+            </a:stretch>
+          </p:blipFill>
+          <p:spPr bwMode="auto">
+            <a:xfrm>
+              <a:off x="500550" y="3356877"/>
+              <a:ext cx="360000" cy="360000"/>
+            </a:xfrm>
+            <a:prstGeom prst="rect">
+              <a:avLst/>
+            </a:prstGeom>
+            <a:noFill/>
+            <a:extLst>
+              <a:ext uri="{909E8E84-426E-40DD-AFC4-6F175D3DCCD1}">
+                <a14:hiddenFill xmlns:a14="http://schemas.microsoft.com/office/drawing/2010/main">
+                  <a:solidFill>
+                    <a:srgbClr val="FFFFFF"/>
+                  </a:solidFill>
+                </a14:hiddenFill>
+              </a:ext>
+            </a:extLst>
+          </p:spPr>
+        </p:pic>
+        <p:sp>
+          <p:nvSpPr>
+            <p:cNvPr id="12" name="Прямоугольник 11">
+              <a:extLst>
+                <a:ext uri="{FF2B5EF4-FFF2-40B4-BE49-F238E27FC236}">
+                  <a16:creationId xmlns:a16="http://schemas.microsoft.com/office/drawing/2014/main" id="{741FE823-4F28-5643-6E63-AEE5C5E6D4CF}"/>
+                </a:ext>
+              </a:extLst>
+            </p:cNvPr>
+            <p:cNvSpPr/>
+            <p:nvPr/>
+          </p:nvSpPr>
+          <p:spPr>
+            <a:xfrm>
+              <a:off x="860656" y="3375359"/>
+              <a:ext cx="2922595" cy="323037"/>
+            </a:xfrm>
+            <a:prstGeom prst="rect">
+              <a:avLst/>
+            </a:prstGeom>
+          </p:spPr>
+          <p:txBody>
+            <a:bodyPr wrap="none">
+              <a:spAutoFit/>
+            </a:bodyPr>
+            <a:lstStyle/>
+            <a:p>
+              <a:pPr marL="0" lvl="0" indent="0" algn="l" rtl="0">
+                <a:lnSpc>
+                  <a:spcPct val="115000"/>
+                </a:lnSpc>
+                <a:spcBef>
+                  <a:spcPts val="0"/>
+                </a:spcBef>
+                <a:spcAft>
+                  <a:spcPts val="0"/>
+                </a:spcAft>
+                <a:buNone/>
+              </a:pPr>
+              <a:r>
+                <a:rPr lang="ru-RU" sz="1400" dirty="0">
+                  <a:solidFill>
+                    <a:schemeClr val="lt1"/>
+                  </a:solidFill>
+                  <a:latin typeface="Roboto"/>
+                  <a:ea typeface="Roboto"/>
+                  <a:cs typeface="Roboto"/>
+                  <a:sym typeface="Roboto"/>
+                </a:rPr>
+                <a:t>Быстрее в вычислении, чем PPS</a:t>
+              </a:r>
+            </a:p>
+          </p:txBody>
+        </p:sp>
+      </p:grpSp>
+      <p:grpSp>
+        <p:nvGrpSpPr>
+          <p:cNvPr id="22" name="Группа 21">
+            <a:extLst>
+              <a:ext uri="{FF2B5EF4-FFF2-40B4-BE49-F238E27FC236}">
+                <a16:creationId xmlns:a16="http://schemas.microsoft.com/office/drawing/2014/main" id="{2AF58D61-265F-C656-83A8-450319581863}"/>
+              </a:ext>
+            </a:extLst>
+          </p:cNvPr>
+          <p:cNvGrpSpPr/>
+          <p:nvPr/>
+        </p:nvGrpSpPr>
+        <p:grpSpPr>
+          <a:xfrm>
+            <a:off x="500550" y="2496926"/>
+            <a:ext cx="6416572" cy="360000"/>
+            <a:chOff x="500550" y="3948994"/>
+            <a:chExt cx="6416572" cy="360000"/>
+          </a:xfrm>
+        </p:grpSpPr>
+        <p:pic>
+          <p:nvPicPr>
+            <p:cNvPr id="16" name="Picture 2">
+              <a:extLst>
+                <a:ext uri="{FF2B5EF4-FFF2-40B4-BE49-F238E27FC236}">
+                  <a16:creationId xmlns:a16="http://schemas.microsoft.com/office/drawing/2014/main" id="{E9784E95-26B5-E9E3-7952-A0102E2FF2ED}"/>
+                </a:ext>
+              </a:extLst>
+            </p:cNvPr>
+            <p:cNvPicPr>
+              <a:picLocks noChangeAspect="1" noChangeArrowheads="1"/>
+            </p:cNvPicPr>
+            <p:nvPr/>
+          </p:nvPicPr>
+          <p:blipFill>
+            <a:blip r:embed="rId3">
+              <a:extLst>
+                <a:ext uri="{28A0092B-C50C-407E-A947-70E740481C1C}">
+                  <a14:useLocalDpi xmlns:a14="http://schemas.microsoft.com/office/drawing/2010/main" val="0"/>
+                </a:ext>
+              </a:extLst>
+            </a:blip>
+            <a:srcRect/>
+            <a:stretch>
+              <a:fillRect/>
+            </a:stretch>
+          </p:blipFill>
+          <p:spPr bwMode="auto">
+            <a:xfrm>
+              <a:off x="500550" y="3948994"/>
+              <a:ext cx="360000" cy="360000"/>
+            </a:xfrm>
+            <a:prstGeom prst="rect">
+              <a:avLst/>
+            </a:prstGeom>
+            <a:noFill/>
+            <a:extLst>
+              <a:ext uri="{909E8E84-426E-40DD-AFC4-6F175D3DCCD1}">
+                <a14:hiddenFill xmlns:a14="http://schemas.microsoft.com/office/drawing/2010/main">
+                  <a:solidFill>
+                    <a:srgbClr val="FFFFFF"/>
+                  </a:solidFill>
+                </a14:hiddenFill>
+              </a:ext>
+            </a:extLst>
+          </p:spPr>
+        </p:pic>
+        <p:sp>
+          <p:nvSpPr>
+            <p:cNvPr id="17" name="Прямоугольник 16">
+              <a:extLst>
+                <a:ext uri="{FF2B5EF4-FFF2-40B4-BE49-F238E27FC236}">
+                  <a16:creationId xmlns:a16="http://schemas.microsoft.com/office/drawing/2014/main" id="{DA1CBFDA-5497-1A81-6584-7A364F2014B1}"/>
+                </a:ext>
+              </a:extLst>
+            </p:cNvPr>
+            <p:cNvSpPr/>
+            <p:nvPr/>
+          </p:nvSpPr>
+          <p:spPr>
+            <a:xfrm>
+              <a:off x="860656" y="3967476"/>
+              <a:ext cx="6056466" cy="323037"/>
+            </a:xfrm>
+            <a:prstGeom prst="rect">
+              <a:avLst/>
+            </a:prstGeom>
+          </p:spPr>
+          <p:txBody>
+            <a:bodyPr wrap="none">
+              <a:spAutoFit/>
+            </a:bodyPr>
+            <a:lstStyle/>
+            <a:p>
+              <a:pPr marL="0" lvl="0" indent="0" algn="l" rtl="0">
+                <a:lnSpc>
+                  <a:spcPct val="115000"/>
+                </a:lnSpc>
+                <a:spcBef>
+                  <a:spcPts val="0"/>
+                </a:spcBef>
+                <a:spcAft>
+                  <a:spcPts val="0"/>
+                </a:spcAft>
+                <a:buNone/>
+              </a:pPr>
+              <a:r>
+                <a:rPr lang="ru-RU" sz="1400" dirty="0">
+                  <a:solidFill>
+                    <a:schemeClr val="lt1"/>
+                  </a:solidFill>
+                  <a:latin typeface="Roboto"/>
+                  <a:ea typeface="Roboto"/>
+                  <a:cs typeface="Roboto"/>
+                  <a:sym typeface="Roboto"/>
+                </a:rPr>
+                <a:t>Одинаково трактует количественные и категориальные переменные</a:t>
+              </a:r>
+            </a:p>
+          </p:txBody>
+        </p:sp>
+      </p:grpSp>
+      <p:grpSp>
+        <p:nvGrpSpPr>
+          <p:cNvPr id="8" name="Группа 7">
+            <a:extLst>
+              <a:ext uri="{FF2B5EF4-FFF2-40B4-BE49-F238E27FC236}">
+                <a16:creationId xmlns:a16="http://schemas.microsoft.com/office/drawing/2014/main" id="{6AE80EFB-318B-CBA3-E500-78BE7380A0AB}"/>
+              </a:ext>
+            </a:extLst>
+          </p:cNvPr>
+          <p:cNvGrpSpPr/>
+          <p:nvPr/>
+        </p:nvGrpSpPr>
+        <p:grpSpPr>
+          <a:xfrm>
+            <a:off x="500550" y="3049671"/>
+            <a:ext cx="4456099" cy="360000"/>
+            <a:chOff x="500550" y="3049671"/>
+            <a:chExt cx="4456099" cy="360000"/>
+          </a:xfrm>
+        </p:grpSpPr>
+        <p:pic>
+          <p:nvPicPr>
+            <p:cNvPr id="18" name="Picture 2">
+              <a:extLst>
+                <a:ext uri="{FF2B5EF4-FFF2-40B4-BE49-F238E27FC236}">
+                  <a16:creationId xmlns:a16="http://schemas.microsoft.com/office/drawing/2014/main" id="{F8B5AEA6-6555-0AEA-00C1-9799AB258996}"/>
+                </a:ext>
+              </a:extLst>
+            </p:cNvPr>
+            <p:cNvPicPr>
+              <a:picLocks noChangeAspect="1" noChangeArrowheads="1"/>
+            </p:cNvPicPr>
+            <p:nvPr/>
+          </p:nvPicPr>
+          <p:blipFill>
+            <a:blip r:embed="rId3">
+              <a:extLst>
+                <a:ext uri="{28A0092B-C50C-407E-A947-70E740481C1C}">
+                  <a14:useLocalDpi xmlns:a14="http://schemas.microsoft.com/office/drawing/2010/main" val="0"/>
+                </a:ext>
+              </a:extLst>
+            </a:blip>
+            <a:srcRect/>
+            <a:stretch>
+              <a:fillRect/>
+            </a:stretch>
+          </p:blipFill>
+          <p:spPr bwMode="auto">
+            <a:xfrm>
+              <a:off x="500550" y="3049671"/>
+              <a:ext cx="360000" cy="360000"/>
+            </a:xfrm>
+            <a:prstGeom prst="rect">
+              <a:avLst/>
+            </a:prstGeom>
+            <a:noFill/>
+            <a:extLst>
+              <a:ext uri="{909E8E84-426E-40DD-AFC4-6F175D3DCCD1}">
+                <a14:hiddenFill xmlns:a14="http://schemas.microsoft.com/office/drawing/2010/main">
+                  <a:solidFill>
+                    <a:srgbClr val="FFFFFF"/>
+                  </a:solidFill>
+                </a14:hiddenFill>
+              </a:ext>
+            </a:extLst>
+          </p:spPr>
+        </p:pic>
+        <p:sp>
+          <p:nvSpPr>
+            <p:cNvPr id="19" name="Прямоугольник 18">
+              <a:extLst>
+                <a:ext uri="{FF2B5EF4-FFF2-40B4-BE49-F238E27FC236}">
+                  <a16:creationId xmlns:a16="http://schemas.microsoft.com/office/drawing/2014/main" id="{D467C0CA-7027-62BE-488B-B7E1041F929F}"/>
+                </a:ext>
+              </a:extLst>
+            </p:cNvPr>
+            <p:cNvSpPr/>
+            <p:nvPr/>
+          </p:nvSpPr>
+          <p:spPr>
+            <a:xfrm>
+              <a:off x="860656" y="3068153"/>
+              <a:ext cx="4095993" cy="323037"/>
+            </a:xfrm>
+            <a:prstGeom prst="rect">
+              <a:avLst/>
+            </a:prstGeom>
+          </p:spPr>
+          <p:txBody>
+            <a:bodyPr wrap="none">
+              <a:spAutoFit/>
+            </a:bodyPr>
+            <a:lstStyle/>
+            <a:p>
+              <a:pPr marL="0" lvl="0" indent="0" algn="l" rtl="0">
+                <a:lnSpc>
+                  <a:spcPct val="115000"/>
+                </a:lnSpc>
+                <a:spcBef>
+                  <a:spcPts val="0"/>
+                </a:spcBef>
+                <a:spcAft>
+                  <a:spcPts val="0"/>
+                </a:spcAft>
+                <a:buNone/>
+              </a:pPr>
+              <a:r>
+                <a:rPr lang="ru-RU" dirty="0">
+                  <a:solidFill>
+                    <a:schemeClr val="lt1"/>
+                  </a:solidFill>
+                  <a:latin typeface="Roboto"/>
+                  <a:ea typeface="Roboto"/>
+                  <a:cs typeface="Roboto"/>
+                  <a:sym typeface="Roboto"/>
+                </a:rPr>
+                <a:t>Показывает силу </a:t>
+              </a:r>
+              <a:r>
+                <a:rPr lang="ru-RU" u="sng" dirty="0">
+                  <a:solidFill>
+                    <a:schemeClr val="lt1"/>
+                  </a:solidFill>
+                  <a:latin typeface="Roboto"/>
+                  <a:ea typeface="Roboto"/>
+                  <a:cs typeface="Roboto"/>
+                  <a:sym typeface="Roboto"/>
+                </a:rPr>
+                <a:t>и направление</a:t>
+              </a:r>
+              <a:r>
+                <a:rPr lang="ru-RU" dirty="0">
+                  <a:solidFill>
+                    <a:schemeClr val="lt1"/>
+                  </a:solidFill>
+                  <a:latin typeface="Roboto"/>
+                  <a:ea typeface="Roboto"/>
+                  <a:cs typeface="Roboto"/>
+                  <a:sym typeface="Roboto"/>
+                </a:rPr>
+                <a:t> зависимости</a:t>
+              </a:r>
+              <a:endParaRPr lang="ru-RU" sz="1400" dirty="0">
+                <a:solidFill>
+                  <a:schemeClr val="lt1"/>
+                </a:solidFill>
+                <a:latin typeface="Roboto"/>
+                <a:ea typeface="Roboto"/>
+                <a:cs typeface="Roboto"/>
+                <a:sym typeface="Roboto"/>
+              </a:endParaRPr>
+            </a:p>
+          </p:txBody>
+        </p:sp>
+      </p:grpSp>
+      <p:grpSp>
+        <p:nvGrpSpPr>
+          <p:cNvPr id="4" name="Группа 3">
+            <a:extLst>
+              <a:ext uri="{FF2B5EF4-FFF2-40B4-BE49-F238E27FC236}">
+                <a16:creationId xmlns:a16="http://schemas.microsoft.com/office/drawing/2014/main" id="{892DA356-9659-7ADF-B468-17D7DDAEA0F6}"/>
+              </a:ext>
+            </a:extLst>
+          </p:cNvPr>
+          <p:cNvGrpSpPr/>
+          <p:nvPr/>
+        </p:nvGrpSpPr>
+        <p:grpSpPr>
+          <a:xfrm>
+            <a:off x="500550" y="3654315"/>
+            <a:ext cx="6883046" cy="360000"/>
+            <a:chOff x="500550" y="3654315"/>
+            <a:chExt cx="6883046" cy="360000"/>
+          </a:xfrm>
+        </p:grpSpPr>
+        <p:pic>
+          <p:nvPicPr>
+            <p:cNvPr id="2051" name="Picture 3">
+              <a:extLst>
+                <a:ext uri="{FF2B5EF4-FFF2-40B4-BE49-F238E27FC236}">
+                  <a16:creationId xmlns:a16="http://schemas.microsoft.com/office/drawing/2014/main" id="{BFEC9CE5-1146-C83B-A195-9BFDF327EDE2}"/>
+                </a:ext>
+              </a:extLst>
+            </p:cNvPr>
+            <p:cNvPicPr>
+              <a:picLocks noChangeAspect="1" noChangeArrowheads="1"/>
+            </p:cNvPicPr>
+            <p:nvPr/>
+          </p:nvPicPr>
+          <p:blipFill>
+            <a:blip r:embed="rId4">
+              <a:extLst>
+                <a:ext uri="{28A0092B-C50C-407E-A947-70E740481C1C}">
+                  <a14:useLocalDpi xmlns:a14="http://schemas.microsoft.com/office/drawing/2010/main" val="0"/>
+                </a:ext>
+              </a:extLst>
+            </a:blip>
+            <a:srcRect/>
+            <a:stretch>
+              <a:fillRect/>
+            </a:stretch>
+          </p:blipFill>
+          <p:spPr bwMode="auto">
+            <a:xfrm>
+              <a:off x="500550" y="3654315"/>
+              <a:ext cx="360000" cy="360000"/>
+            </a:xfrm>
+            <a:prstGeom prst="rect">
+              <a:avLst/>
+            </a:prstGeom>
+            <a:noFill/>
+            <a:extLst>
+              <a:ext uri="{909E8E84-426E-40DD-AFC4-6F175D3DCCD1}">
+                <a14:hiddenFill xmlns:a14="http://schemas.microsoft.com/office/drawing/2010/main">
+                  <a:solidFill>
+                    <a:srgbClr val="FFFFFF"/>
+                  </a:solidFill>
+                </a14:hiddenFill>
+              </a:ext>
+            </a:extLst>
+          </p:spPr>
+        </p:pic>
+        <p:sp>
+          <p:nvSpPr>
+            <p:cNvPr id="27" name="Прямоугольник 26">
+              <a:extLst>
+                <a:ext uri="{FF2B5EF4-FFF2-40B4-BE49-F238E27FC236}">
+                  <a16:creationId xmlns:a16="http://schemas.microsoft.com/office/drawing/2014/main" id="{820909E2-EA5C-5599-43D1-85B0F1174929}"/>
+                </a:ext>
+              </a:extLst>
+            </p:cNvPr>
+            <p:cNvSpPr/>
+            <p:nvPr/>
+          </p:nvSpPr>
+          <p:spPr>
+            <a:xfrm>
+              <a:off x="860656" y="3672797"/>
+              <a:ext cx="6522940" cy="323037"/>
+            </a:xfrm>
+            <a:prstGeom prst="rect">
+              <a:avLst/>
+            </a:prstGeom>
+          </p:spPr>
+          <p:txBody>
+            <a:bodyPr wrap="none">
+              <a:spAutoFit/>
+            </a:bodyPr>
+            <a:lstStyle/>
+            <a:p>
+              <a:pPr marL="0" lvl="0" indent="0" algn="l" rtl="0">
+                <a:lnSpc>
+                  <a:spcPct val="115000"/>
+                </a:lnSpc>
+                <a:spcBef>
+                  <a:spcPts val="0"/>
+                </a:spcBef>
+                <a:spcAft>
+                  <a:spcPts val="0"/>
+                </a:spcAft>
+                <a:buNone/>
+              </a:pPr>
+              <a:r>
+                <a:rPr lang="ru-RU" dirty="0" err="1">
+                  <a:solidFill>
+                    <a:schemeClr val="lt1"/>
+                  </a:solidFill>
+                  <a:latin typeface="Roboto"/>
+                  <a:ea typeface="Roboto"/>
+                  <a:cs typeface="Roboto"/>
+                  <a:sym typeface="Roboto"/>
+                </a:rPr>
+                <a:t>Дискретизирует</a:t>
+              </a:r>
+              <a:r>
+                <a:rPr lang="ru-RU" dirty="0">
+                  <a:solidFill>
+                    <a:schemeClr val="lt1"/>
+                  </a:solidFill>
+                  <a:latin typeface="Roboto"/>
+                  <a:ea typeface="Roboto"/>
+                  <a:cs typeface="Roboto"/>
+                  <a:sym typeface="Roboto"/>
+                </a:rPr>
+                <a:t> количественные переменные – теряет часть информации</a:t>
+              </a:r>
+              <a:endParaRPr lang="ru-RU" sz="1400" dirty="0">
+                <a:solidFill>
+                  <a:schemeClr val="lt1"/>
+                </a:solidFill>
+                <a:latin typeface="Roboto"/>
+                <a:ea typeface="Roboto"/>
+                <a:cs typeface="Roboto"/>
+                <a:sym typeface="Roboto"/>
+              </a:endParaRPr>
+            </a:p>
+          </p:txBody>
+        </p:sp>
+      </p:grpSp>
+      <p:grpSp>
+        <p:nvGrpSpPr>
+          <p:cNvPr id="5" name="Группа 4">
+            <a:extLst>
+              <a:ext uri="{FF2B5EF4-FFF2-40B4-BE49-F238E27FC236}">
+                <a16:creationId xmlns:a16="http://schemas.microsoft.com/office/drawing/2014/main" id="{0B550684-E508-337A-70D2-C62CCC5E82EE}"/>
+              </a:ext>
+            </a:extLst>
+          </p:cNvPr>
+          <p:cNvGrpSpPr/>
+          <p:nvPr/>
+        </p:nvGrpSpPr>
+        <p:grpSpPr>
+          <a:xfrm>
+            <a:off x="500550" y="4127201"/>
+            <a:ext cx="6963196" cy="360000"/>
+            <a:chOff x="500550" y="4085497"/>
+            <a:chExt cx="6963196" cy="360000"/>
+          </a:xfrm>
+        </p:grpSpPr>
+        <p:pic>
+          <p:nvPicPr>
+            <p:cNvPr id="30" name="Picture 3">
+              <a:extLst>
+                <a:ext uri="{FF2B5EF4-FFF2-40B4-BE49-F238E27FC236}">
+                  <a16:creationId xmlns:a16="http://schemas.microsoft.com/office/drawing/2014/main" id="{8BBED82A-B32B-CB60-3F56-6115D3F80882}"/>
+                </a:ext>
+              </a:extLst>
+            </p:cNvPr>
+            <p:cNvPicPr>
+              <a:picLocks noChangeAspect="1" noChangeArrowheads="1"/>
+            </p:cNvPicPr>
+            <p:nvPr/>
+          </p:nvPicPr>
+          <p:blipFill>
+            <a:blip r:embed="rId4">
+              <a:extLst>
+                <a:ext uri="{28A0092B-C50C-407E-A947-70E740481C1C}">
+                  <a14:useLocalDpi xmlns:a14="http://schemas.microsoft.com/office/drawing/2010/main" val="0"/>
+                </a:ext>
+              </a:extLst>
+            </a:blip>
+            <a:srcRect/>
+            <a:stretch>
+              <a:fillRect/>
+            </a:stretch>
+          </p:blipFill>
+          <p:spPr bwMode="auto">
+            <a:xfrm>
+              <a:off x="500550" y="4085497"/>
+              <a:ext cx="360000" cy="360000"/>
+            </a:xfrm>
+            <a:prstGeom prst="rect">
+              <a:avLst/>
+            </a:prstGeom>
+            <a:noFill/>
+            <a:extLst>
+              <a:ext uri="{909E8E84-426E-40DD-AFC4-6F175D3DCCD1}">
+                <a14:hiddenFill xmlns:a14="http://schemas.microsoft.com/office/drawing/2010/main">
+                  <a:solidFill>
+                    <a:srgbClr val="FFFFFF"/>
+                  </a:solidFill>
+                </a14:hiddenFill>
+              </a:ext>
+            </a:extLst>
+          </p:spPr>
+        </p:pic>
+        <p:sp>
+          <p:nvSpPr>
+            <p:cNvPr id="32" name="Прямоугольник 31">
+              <a:extLst>
+                <a:ext uri="{FF2B5EF4-FFF2-40B4-BE49-F238E27FC236}">
+                  <a16:creationId xmlns:a16="http://schemas.microsoft.com/office/drawing/2014/main" id="{D4D613F8-DAB0-F83D-CB5E-CE23DFEA25E7}"/>
+                </a:ext>
+              </a:extLst>
+            </p:cNvPr>
+            <p:cNvSpPr/>
+            <p:nvPr/>
+          </p:nvSpPr>
+          <p:spPr>
+            <a:xfrm>
+              <a:off x="860656" y="4103979"/>
+              <a:ext cx="6603090" cy="323037"/>
+            </a:xfrm>
+            <a:prstGeom prst="rect">
+              <a:avLst/>
+            </a:prstGeom>
+          </p:spPr>
+          <p:txBody>
+            <a:bodyPr wrap="none">
+              <a:spAutoFit/>
+            </a:bodyPr>
+            <a:lstStyle/>
+            <a:p>
+              <a:pPr marL="0" lvl="0" indent="0" algn="l" rtl="0">
+                <a:lnSpc>
+                  <a:spcPct val="115000"/>
+                </a:lnSpc>
+                <a:spcBef>
+                  <a:spcPts val="0"/>
+                </a:spcBef>
+                <a:spcAft>
+                  <a:spcPts val="0"/>
+                </a:spcAft>
+                <a:buNone/>
+              </a:pPr>
+              <a:r>
+                <a:rPr lang="ru-RU" dirty="0">
+                  <a:solidFill>
+                    <a:schemeClr val="lt1"/>
+                  </a:solidFill>
+                  <a:latin typeface="Roboto"/>
+                  <a:ea typeface="Roboto"/>
+                  <a:cs typeface="Roboto"/>
+                  <a:sym typeface="Roboto"/>
+                </a:rPr>
+                <a:t>Для скорости использует корреляцию Пирсона на дихотомических данных</a:t>
+              </a:r>
+              <a:endParaRPr lang="ru-RU" sz="1400" dirty="0">
+                <a:solidFill>
+                  <a:schemeClr val="lt1"/>
+                </a:solidFill>
+                <a:latin typeface="Roboto"/>
+                <a:ea typeface="Roboto"/>
+                <a:cs typeface="Roboto"/>
+                <a:sym typeface="Roboto"/>
+              </a:endParaRPr>
+            </a:p>
+          </p:txBody>
+        </p:sp>
+      </p:grpSp>
+      <p:grpSp>
+        <p:nvGrpSpPr>
+          <p:cNvPr id="7" name="Группа 6">
+            <a:extLst>
+              <a:ext uri="{FF2B5EF4-FFF2-40B4-BE49-F238E27FC236}">
+                <a16:creationId xmlns:a16="http://schemas.microsoft.com/office/drawing/2014/main" id="{EBDF100B-E773-BC43-C980-7D666B55333B}"/>
+              </a:ext>
+            </a:extLst>
+          </p:cNvPr>
+          <p:cNvGrpSpPr/>
+          <p:nvPr/>
+        </p:nvGrpSpPr>
+        <p:grpSpPr>
+          <a:xfrm>
+            <a:off x="500550" y="4600087"/>
+            <a:ext cx="6749997" cy="360000"/>
+            <a:chOff x="500550" y="4600087"/>
+            <a:chExt cx="6749997" cy="360000"/>
+          </a:xfrm>
+        </p:grpSpPr>
+        <p:pic>
+          <p:nvPicPr>
+            <p:cNvPr id="2" name="Picture 3">
+              <a:extLst>
+                <a:ext uri="{FF2B5EF4-FFF2-40B4-BE49-F238E27FC236}">
+                  <a16:creationId xmlns:a16="http://schemas.microsoft.com/office/drawing/2014/main" id="{AF1873CF-E973-2296-45D7-9FB8EB848FA8}"/>
+                </a:ext>
+              </a:extLst>
+            </p:cNvPr>
+            <p:cNvPicPr>
+              <a:picLocks noChangeAspect="1" noChangeArrowheads="1"/>
+            </p:cNvPicPr>
+            <p:nvPr/>
+          </p:nvPicPr>
+          <p:blipFill>
+            <a:blip r:embed="rId4">
+              <a:extLst>
+                <a:ext uri="{28A0092B-C50C-407E-A947-70E740481C1C}">
+                  <a14:useLocalDpi xmlns:a14="http://schemas.microsoft.com/office/drawing/2010/main" val="0"/>
+                </a:ext>
+              </a:extLst>
+            </a:blip>
+            <a:srcRect/>
+            <a:stretch>
+              <a:fillRect/>
+            </a:stretch>
+          </p:blipFill>
+          <p:spPr bwMode="auto">
+            <a:xfrm>
+              <a:off x="500550" y="4600087"/>
+              <a:ext cx="360000" cy="360000"/>
+            </a:xfrm>
+            <a:prstGeom prst="rect">
+              <a:avLst/>
+            </a:prstGeom>
+            <a:noFill/>
+            <a:extLst>
+              <a:ext uri="{909E8E84-426E-40DD-AFC4-6F175D3DCCD1}">
+                <a14:hiddenFill xmlns:a14="http://schemas.microsoft.com/office/drawing/2010/main">
+                  <a:solidFill>
+                    <a:srgbClr val="FFFFFF"/>
+                  </a:solidFill>
+                </a14:hiddenFill>
+              </a:ext>
+            </a:extLst>
+          </p:spPr>
+        </p:pic>
+        <p:sp>
+          <p:nvSpPr>
+            <p:cNvPr id="3" name="Прямоугольник 2">
+              <a:extLst>
+                <a:ext uri="{FF2B5EF4-FFF2-40B4-BE49-F238E27FC236}">
+                  <a16:creationId xmlns:a16="http://schemas.microsoft.com/office/drawing/2014/main" id="{372C5704-1C22-73FA-5F1C-85059F99EFB3}"/>
+                </a:ext>
+              </a:extLst>
+            </p:cNvPr>
+            <p:cNvSpPr/>
+            <p:nvPr/>
+          </p:nvSpPr>
+          <p:spPr>
+            <a:xfrm>
+              <a:off x="860656" y="4618569"/>
+              <a:ext cx="6389891" cy="323037"/>
+            </a:xfrm>
+            <a:prstGeom prst="rect">
+              <a:avLst/>
+            </a:prstGeom>
+          </p:spPr>
+          <p:txBody>
+            <a:bodyPr wrap="none">
+              <a:spAutoFit/>
+            </a:bodyPr>
+            <a:lstStyle/>
+            <a:p>
+              <a:pPr marL="0" lvl="0" indent="0" algn="l" rtl="0">
+                <a:lnSpc>
+                  <a:spcPct val="115000"/>
+                </a:lnSpc>
+                <a:spcBef>
+                  <a:spcPts val="0"/>
+                </a:spcBef>
+                <a:spcAft>
+                  <a:spcPts val="0"/>
+                </a:spcAft>
+                <a:buNone/>
+              </a:pPr>
+              <a:r>
+                <a:rPr lang="ru-RU" dirty="0">
+                  <a:solidFill>
+                    <a:schemeClr val="lt1"/>
+                  </a:solidFill>
+                  <a:latin typeface="Roboto"/>
+                  <a:ea typeface="Roboto"/>
+                  <a:cs typeface="Roboto"/>
+                  <a:sym typeface="Roboto"/>
+                </a:rPr>
+                <a:t>Результаты могут меняться в зависимости от алгоритма дискретизации</a:t>
+              </a:r>
+              <a:endParaRPr lang="ru-RU" sz="1400" dirty="0">
+                <a:solidFill>
+                  <a:schemeClr val="lt1"/>
+                </a:solidFill>
+                <a:latin typeface="Roboto"/>
+                <a:ea typeface="Roboto"/>
+                <a:cs typeface="Roboto"/>
+                <a:sym typeface="Roboto"/>
+              </a:endParaRPr>
+            </a:p>
+          </p:txBody>
+        </p:sp>
+      </p:grpSp>
+    </p:spTree>
+    <p:extLst>
+      <p:ext uri="{BB962C8B-B14F-4D97-AF65-F5344CB8AC3E}">
+        <p14:creationId xmlns:p14="http://schemas.microsoft.com/office/powerpoint/2010/main" val="1940908577"/>
+      </p:ext>
+    </p:extLst>
+  </p:cSld>
+  <p:clrMapOvr>
+    <a:masterClrMapping/>
+  </p:clrMapOvr>
+</p:sld>
+</file>
+
+<file path=ppt/slides/slide56.xml><?xml version="1.0" encoding="utf-8"?>
 <p:sld xmlns:a="http://schemas.openxmlformats.org/drawingml/2006/main" xmlns:r="http://schemas.openxmlformats.org/officeDocument/2006/relationships" xmlns:p="http://schemas.openxmlformats.org/presentationml/2006/main">
   <p:cSld>
     <p:spTree>
@@ -36395,7 +42233,7 @@
 </p:sld>
 </file>
 
-<file path=ppt/slides/slide52.xml><?xml version="1.0" encoding="utf-8"?>
+<file path=ppt/slides/slide57.xml><?xml version="1.0" encoding="utf-8"?>
 <p:sld xmlns:a="http://schemas.openxmlformats.org/drawingml/2006/main" xmlns:r="http://schemas.openxmlformats.org/officeDocument/2006/relationships" xmlns:p="http://schemas.openxmlformats.org/presentationml/2006/main">
   <p:cSld>
     <p:spTree>
@@ -36684,11 +42522,6 @@
         </p:txBody>
       </p:sp>
     </p:spTree>
-    <p:extLst>
-      <p:ext uri="{BB962C8B-B14F-4D97-AF65-F5344CB8AC3E}">
-        <p14:creationId xmlns:p14="http://schemas.microsoft.com/office/powerpoint/2010/main" val="3919423818"/>
-      </p:ext>
-    </p:extLst>
   </p:cSld>
   <p:clrMapOvr>
     <a:masterClrMapping/>
@@ -36696,7 +42529,7 @@
 </p:sld>
 </file>
 
-<file path=ppt/slides/slide53.xml><?xml version="1.0" encoding="utf-8"?>
+<file path=ppt/slides/slide58.xml><?xml version="1.0" encoding="utf-8"?>
 <p:sld xmlns:a="http://schemas.openxmlformats.org/drawingml/2006/main" xmlns:r="http://schemas.openxmlformats.org/officeDocument/2006/relationships" xmlns:p="http://schemas.openxmlformats.org/presentationml/2006/main">
   <p:cSld>
     <p:spTree>
@@ -36886,6 +42719,837 @@
     </p:spTree>
     <p:extLst>
       <p:ext uri="{BB962C8B-B14F-4D97-AF65-F5344CB8AC3E}">
+        <p14:creationId xmlns:p14="http://schemas.microsoft.com/office/powerpoint/2010/main" val="2384467824"/>
+      </p:ext>
+    </p:extLst>
+  </p:cSld>
+  <p:clrMapOvr>
+    <a:masterClrMapping/>
+  </p:clrMapOvr>
+</p:sld>
+</file>
+
+<file path=ppt/slides/slide59.xml><?xml version="1.0" encoding="utf-8"?>
+<p:sld xmlns:a="http://schemas.openxmlformats.org/drawingml/2006/main" xmlns:r="http://schemas.openxmlformats.org/officeDocument/2006/relationships" xmlns:p="http://schemas.openxmlformats.org/presentationml/2006/main">
+  <p:cSld>
+    <p:spTree>
+      <p:nvGrpSpPr>
+        <p:cNvPr id="1" name="Shape 244"/>
+        <p:cNvGrpSpPr/>
+        <p:nvPr/>
+      </p:nvGrpSpPr>
+      <p:grpSpPr>
+        <a:xfrm>
+          <a:off x="0" y="0"/>
+          <a:ext cx="0" cy="0"/>
+          <a:chOff x="0" y="0"/>
+          <a:chExt cx="0" cy="0"/>
+        </a:xfrm>
+      </p:grpSpPr>
+      <p:sp>
+        <p:nvSpPr>
+          <p:cNvPr id="245" name="Google Shape;245;p35"/>
+          <p:cNvSpPr txBox="1">
+            <a:spLocks noGrp="1"/>
+          </p:cNvSpPr>
+          <p:nvPr>
+            <p:ph type="title"/>
+          </p:nvPr>
+        </p:nvSpPr>
+        <p:spPr>
+          <a:xfrm>
+            <a:off x="651425" y="396403"/>
+            <a:ext cx="7706100" cy="4021200"/>
+          </a:xfrm>
+          <a:prstGeom prst="rect">
+            <a:avLst/>
+          </a:prstGeom>
+        </p:spPr>
+        <p:txBody>
+          <a:bodyPr spcFirstLastPara="1" wrap="square" lIns="91425" tIns="91425" rIns="91425" bIns="91425" anchor="ctr" anchorCtr="0">
+            <a:noAutofit/>
+          </a:bodyPr>
+          <a:lstStyle/>
+          <a:p>
+            <a:pPr marL="0" lvl="0" indent="0" algn="l" rtl="0">
+              <a:spcBef>
+                <a:spcPts val="0"/>
+              </a:spcBef>
+              <a:spcAft>
+                <a:spcPts val="0"/>
+              </a:spcAft>
+              <a:buNone/>
+            </a:pPr>
+            <a:r>
+              <a:rPr lang="ru"/>
+              <a:t>Вопросы?</a:t>
+            </a:r>
+            <a:br>
+              <a:rPr lang="ru"/>
+            </a:br>
+            <a:endParaRPr/>
+          </a:p>
+        </p:txBody>
+      </p:sp>
+      <p:pic>
+        <p:nvPicPr>
+          <p:cNvPr id="246" name="Google Shape;246;p35"/>
+          <p:cNvPicPr preferRelativeResize="0"/>
+          <p:nvPr/>
+        </p:nvPicPr>
+        <p:blipFill rotWithShape="1">
+          <a:blip r:embed="rId3">
+            <a:alphaModFix/>
+          </a:blip>
+          <a:srcRect/>
+          <a:stretch/>
+        </p:blipFill>
+        <p:spPr>
+          <a:xfrm>
+            <a:off x="765673" y="3385103"/>
+            <a:ext cx="620721" cy="620720"/>
+          </a:xfrm>
+          <a:prstGeom prst="rect">
+            <a:avLst/>
+          </a:prstGeom>
+          <a:noFill/>
+          <a:ln>
+            <a:noFill/>
+          </a:ln>
+        </p:spPr>
+      </p:pic>
+      <p:pic>
+        <p:nvPicPr>
+          <p:cNvPr id="247" name="Google Shape;247;p35"/>
+          <p:cNvPicPr preferRelativeResize="0"/>
+          <p:nvPr/>
+        </p:nvPicPr>
+        <p:blipFill rotWithShape="1">
+          <a:blip r:embed="rId4">
+            <a:alphaModFix/>
+          </a:blip>
+          <a:srcRect/>
+          <a:stretch/>
+        </p:blipFill>
+        <p:spPr>
+          <a:xfrm>
+            <a:off x="3748499" y="3385103"/>
+            <a:ext cx="620721" cy="620720"/>
+          </a:xfrm>
+          <a:prstGeom prst="rect">
+            <a:avLst/>
+          </a:prstGeom>
+          <a:noFill/>
+          <a:ln>
+            <a:noFill/>
+          </a:ln>
+        </p:spPr>
+      </p:pic>
+      <p:sp>
+        <p:nvSpPr>
+          <p:cNvPr id="248" name="Google Shape;248;p35"/>
+          <p:cNvSpPr txBox="1"/>
+          <p:nvPr/>
+        </p:nvSpPr>
+        <p:spPr>
+          <a:xfrm>
+            <a:off x="1386400" y="3372213"/>
+            <a:ext cx="3000000" cy="646500"/>
+          </a:xfrm>
+          <a:prstGeom prst="rect">
+            <a:avLst/>
+          </a:prstGeom>
+          <a:noFill/>
+          <a:ln>
+            <a:noFill/>
+          </a:ln>
+        </p:spPr>
+        <p:txBody>
+          <a:bodyPr spcFirstLastPara="1" wrap="square" lIns="91425" tIns="91425" rIns="91425" bIns="91425" anchor="t" anchorCtr="0">
+            <a:spAutoFit/>
+          </a:bodyPr>
+          <a:lstStyle/>
+          <a:p>
+            <a:pPr marL="0" lvl="0" indent="0" algn="l" rtl="0">
+              <a:spcBef>
+                <a:spcPts val="0"/>
+              </a:spcBef>
+              <a:spcAft>
+                <a:spcPts val="0"/>
+              </a:spcAft>
+              <a:buNone/>
+            </a:pPr>
+            <a:r>
+              <a:rPr lang="ru" sz="1500" dirty="0">
+                <a:solidFill>
+                  <a:schemeClr val="lt1"/>
+                </a:solidFill>
+                <a:latin typeface="Roboto"/>
+                <a:ea typeface="Roboto"/>
+                <a:cs typeface="Roboto"/>
+                <a:sym typeface="Roboto"/>
+              </a:rPr>
+              <a:t>Ставим “+”,</a:t>
+            </a:r>
+            <a:endParaRPr sz="1500" dirty="0">
+              <a:solidFill>
+                <a:schemeClr val="lt1"/>
+              </a:solidFill>
+              <a:latin typeface="Roboto"/>
+              <a:ea typeface="Roboto"/>
+              <a:cs typeface="Roboto"/>
+              <a:sym typeface="Roboto"/>
+            </a:endParaRPr>
+          </a:p>
+          <a:p>
+            <a:pPr marL="0" lvl="0" indent="0" algn="l" rtl="0">
+              <a:spcBef>
+                <a:spcPts val="0"/>
+              </a:spcBef>
+              <a:spcAft>
+                <a:spcPts val="0"/>
+              </a:spcAft>
+              <a:buNone/>
+            </a:pPr>
+            <a:r>
+              <a:rPr lang="ru" sz="1500" dirty="0">
+                <a:solidFill>
+                  <a:schemeClr val="lt1"/>
+                </a:solidFill>
+                <a:latin typeface="Roboto"/>
+                <a:ea typeface="Roboto"/>
+                <a:cs typeface="Roboto"/>
+                <a:sym typeface="Roboto"/>
+              </a:rPr>
+              <a:t>если вопросы есть</a:t>
+            </a:r>
+            <a:endParaRPr dirty="0"/>
+          </a:p>
+        </p:txBody>
+      </p:sp>
+      <p:sp>
+        <p:nvSpPr>
+          <p:cNvPr id="249" name="Google Shape;249;p35"/>
+          <p:cNvSpPr txBox="1"/>
+          <p:nvPr/>
+        </p:nvSpPr>
+        <p:spPr>
+          <a:xfrm>
+            <a:off x="4439300" y="3372213"/>
+            <a:ext cx="3000000" cy="646500"/>
+          </a:xfrm>
+          <a:prstGeom prst="rect">
+            <a:avLst/>
+          </a:prstGeom>
+          <a:noFill/>
+          <a:ln>
+            <a:noFill/>
+          </a:ln>
+        </p:spPr>
+        <p:txBody>
+          <a:bodyPr spcFirstLastPara="1" wrap="square" lIns="91425" tIns="91425" rIns="91425" bIns="91425" anchor="t" anchorCtr="0">
+            <a:spAutoFit/>
+          </a:bodyPr>
+          <a:lstStyle/>
+          <a:p>
+            <a:pPr marL="0" lvl="0" indent="0" algn="l" rtl="0">
+              <a:spcBef>
+                <a:spcPts val="0"/>
+              </a:spcBef>
+              <a:spcAft>
+                <a:spcPts val="0"/>
+              </a:spcAft>
+              <a:buNone/>
+            </a:pPr>
+            <a:r>
+              <a:rPr lang="ru" sz="1500">
+                <a:solidFill>
+                  <a:schemeClr val="lt1"/>
+                </a:solidFill>
+                <a:latin typeface="Roboto"/>
+                <a:ea typeface="Roboto"/>
+                <a:cs typeface="Roboto"/>
+                <a:sym typeface="Roboto"/>
+              </a:rPr>
+              <a:t>Ставим “–”,</a:t>
+            </a:r>
+            <a:endParaRPr sz="1500">
+              <a:solidFill>
+                <a:schemeClr val="lt1"/>
+              </a:solidFill>
+              <a:latin typeface="Roboto"/>
+              <a:ea typeface="Roboto"/>
+              <a:cs typeface="Roboto"/>
+              <a:sym typeface="Roboto"/>
+            </a:endParaRPr>
+          </a:p>
+          <a:p>
+            <a:pPr marL="0" lvl="0" indent="0" algn="l" rtl="0">
+              <a:spcBef>
+                <a:spcPts val="0"/>
+              </a:spcBef>
+              <a:spcAft>
+                <a:spcPts val="0"/>
+              </a:spcAft>
+              <a:buNone/>
+            </a:pPr>
+            <a:r>
+              <a:rPr lang="ru" sz="1500">
+                <a:solidFill>
+                  <a:schemeClr val="lt1"/>
+                </a:solidFill>
+                <a:latin typeface="Roboto"/>
+                <a:ea typeface="Roboto"/>
+                <a:cs typeface="Roboto"/>
+                <a:sym typeface="Roboto"/>
+              </a:rPr>
+              <a:t>если вопросов нет</a:t>
+            </a:r>
+            <a:endParaRPr sz="1500">
+              <a:solidFill>
+                <a:schemeClr val="lt1"/>
+              </a:solidFill>
+              <a:latin typeface="Roboto"/>
+              <a:ea typeface="Roboto"/>
+              <a:cs typeface="Roboto"/>
+              <a:sym typeface="Roboto"/>
+            </a:endParaRPr>
+          </a:p>
+        </p:txBody>
+      </p:sp>
+    </p:spTree>
+    <p:extLst>
+      <p:ext uri="{BB962C8B-B14F-4D97-AF65-F5344CB8AC3E}">
+        <p14:creationId xmlns:p14="http://schemas.microsoft.com/office/powerpoint/2010/main" val="3919423818"/>
+      </p:ext>
+    </p:extLst>
+  </p:cSld>
+  <p:clrMapOvr>
+    <a:masterClrMapping/>
+  </p:clrMapOvr>
+</p:sld>
+</file>
+
+<file path=ppt/slides/slide6.xml><?xml version="1.0" encoding="utf-8"?>
+<p:sld xmlns:a="http://schemas.openxmlformats.org/drawingml/2006/main" xmlns:r="http://schemas.openxmlformats.org/officeDocument/2006/relationships" xmlns:p="http://schemas.openxmlformats.org/presentationml/2006/main">
+  <p:cSld>
+    <p:spTree>
+      <p:nvGrpSpPr>
+        <p:cNvPr id="1" name="Shape 161"/>
+        <p:cNvGrpSpPr/>
+        <p:nvPr/>
+      </p:nvGrpSpPr>
+      <p:grpSpPr>
+        <a:xfrm>
+          <a:off x="0" y="0"/>
+          <a:ext cx="0" cy="0"/>
+          <a:chOff x="0" y="0"/>
+          <a:chExt cx="0" cy="0"/>
+        </a:xfrm>
+      </p:grpSpPr>
+      <p:sp>
+        <p:nvSpPr>
+          <p:cNvPr id="162" name="Google Shape;162;p23"/>
+          <p:cNvSpPr txBox="1">
+            <a:spLocks noGrp="1"/>
+          </p:cNvSpPr>
+          <p:nvPr>
+            <p:ph type="title"/>
+          </p:nvPr>
+        </p:nvSpPr>
+        <p:spPr>
+          <a:xfrm>
+            <a:off x="500550" y="330724"/>
+            <a:ext cx="8520600" cy="1095900"/>
+          </a:xfrm>
+          <a:prstGeom prst="rect">
+            <a:avLst/>
+          </a:prstGeom>
+        </p:spPr>
+        <p:txBody>
+          <a:bodyPr spcFirstLastPara="1" wrap="square" lIns="91425" tIns="91425" rIns="91425" bIns="91425" anchor="t" anchorCtr="0">
+            <a:noAutofit/>
+          </a:bodyPr>
+          <a:lstStyle/>
+          <a:p>
+            <a:pPr marL="0" lvl="0" indent="0" algn="l" rtl="0">
+              <a:spcBef>
+                <a:spcPts val="0"/>
+              </a:spcBef>
+              <a:spcAft>
+                <a:spcPts val="0"/>
+              </a:spcAft>
+              <a:buNone/>
+            </a:pPr>
+            <a:r>
+              <a:rPr lang="ru"/>
+              <a:t>Цели вебинара</a:t>
+            </a:r>
+            <a:endParaRPr/>
+          </a:p>
+        </p:txBody>
+      </p:sp>
+      <p:graphicFrame>
+        <p:nvGraphicFramePr>
+          <p:cNvPr id="163" name="Google Shape;163;p23"/>
+          <p:cNvGraphicFramePr/>
+          <p:nvPr>
+            <p:extLst>
+              <p:ext uri="{D42A27DB-BD31-4B8C-83A1-F6EECF244321}">
+                <p14:modId xmlns:p14="http://schemas.microsoft.com/office/powerpoint/2010/main" val="2361545609"/>
+              </p:ext>
+            </p:extLst>
+          </p:nvPr>
+        </p:nvGraphicFramePr>
+        <p:xfrm>
+          <a:off x="952500" y="1544194"/>
+          <a:ext cx="7239000" cy="349304"/>
+        </p:xfrm>
+        <a:graphic>
+          <a:graphicData uri="http://schemas.openxmlformats.org/drawingml/2006/table">
+            <a:tbl>
+              <a:tblPr>
+                <a:noFill/>
+                <a:tableStyleId>{897BA397-AA66-4ACA-B219-5C7939199CAB}</a:tableStyleId>
+              </a:tblPr>
+              <a:tblGrid>
+                <a:gridCol w="489425">
+                  <a:extLst>
+                    <a:ext uri="{9D8B030D-6E8A-4147-A177-3AD203B41FA5}">
+                      <a16:colId xmlns:a16="http://schemas.microsoft.com/office/drawing/2014/main" val="20000"/>
+                    </a:ext>
+                  </a:extLst>
+                </a:gridCol>
+                <a:gridCol w="6749575">
+                  <a:extLst>
+                    <a:ext uri="{9D8B030D-6E8A-4147-A177-3AD203B41FA5}">
+                      <a16:colId xmlns:a16="http://schemas.microsoft.com/office/drawing/2014/main" val="20001"/>
+                    </a:ext>
+                  </a:extLst>
+                </a:gridCol>
+              </a:tblGrid>
+              <a:tr h="285750">
+                <a:tc>
+                  <a:txBody>
+                    <a:bodyPr/>
+                    <a:lstStyle/>
+                    <a:p>
+                      <a:pPr marL="0" lvl="0" indent="0" algn="l" rtl="0">
+                        <a:spcBef>
+                          <a:spcPts val="0"/>
+                        </a:spcBef>
+                        <a:spcAft>
+                          <a:spcPts val="0"/>
+                        </a:spcAft>
+                        <a:buNone/>
+                      </a:pPr>
+                      <a:r>
+                        <a:rPr lang="ru" sz="1300" b="1" dirty="0">
+                          <a:solidFill>
+                            <a:srgbClr val="FF9900"/>
+                          </a:solidFill>
+                          <a:latin typeface="Roboto"/>
+                          <a:ea typeface="Roboto"/>
+                          <a:cs typeface="Roboto"/>
+                          <a:sym typeface="Roboto"/>
+                        </a:rPr>
+                        <a:t>1.</a:t>
+                      </a:r>
+                      <a:endParaRPr sz="1300" b="1" dirty="0">
+                        <a:solidFill>
+                          <a:srgbClr val="FF9900"/>
+                        </a:solidFill>
+                        <a:latin typeface="Roboto"/>
+                        <a:ea typeface="Roboto"/>
+                        <a:cs typeface="Roboto"/>
+                        <a:sym typeface="Roboto"/>
+                      </a:endParaRPr>
+                    </a:p>
+                  </a:txBody>
+                  <a:tcPr marL="198000" marR="91425" marT="68575" marB="68575">
+                    <a:lnL w="9525" cap="flat" cmpd="sng">
+                      <a:solidFill>
+                        <a:srgbClr val="BFC1F0">
+                          <a:alpha val="0"/>
+                        </a:srgbClr>
+                      </a:solidFill>
+                      <a:prstDash val="solid"/>
+                      <a:round/>
+                      <a:headEnd type="none" w="sm" len="sm"/>
+                      <a:tailEnd type="none" w="sm" len="sm"/>
+                    </a:lnL>
+                    <a:lnR w="9525" cap="flat" cmpd="sng">
+                      <a:solidFill>
+                        <a:schemeClr val="lt1"/>
+                      </a:solidFill>
+                      <a:prstDash val="solid"/>
+                      <a:round/>
+                      <a:headEnd type="none" w="sm" len="sm"/>
+                      <a:tailEnd type="none" w="sm" len="sm"/>
+                    </a:lnR>
+                    <a:lnT w="9525" cap="flat" cmpd="sng">
+                      <a:solidFill>
+                        <a:srgbClr val="BFC1F0">
+                          <a:alpha val="0"/>
+                        </a:srgbClr>
+                      </a:solidFill>
+                      <a:prstDash val="solid"/>
+                      <a:round/>
+                      <a:headEnd type="none" w="sm" len="sm"/>
+                      <a:tailEnd type="none" w="sm" len="sm"/>
+                    </a:lnT>
+                    <a:lnB w="9525" cap="flat" cmpd="sng">
+                      <a:solidFill>
+                        <a:srgbClr val="9E9E9E"/>
+                      </a:solidFill>
+                      <a:prstDash val="solid"/>
+                      <a:round/>
+                      <a:headEnd type="none" w="sm" len="sm"/>
+                      <a:tailEnd type="none" w="sm" len="sm"/>
+                    </a:lnB>
+                  </a:tcPr>
+                </a:tc>
+                <a:tc>
+                  <a:txBody>
+                    <a:bodyPr/>
+                    <a:lstStyle/>
+                    <a:p>
+                      <a:pPr marL="0" lvl="0" indent="0" algn="l" rtl="0">
+                        <a:lnSpc>
+                          <a:spcPct val="115000"/>
+                        </a:lnSpc>
+                        <a:spcBef>
+                          <a:spcPts val="0"/>
+                        </a:spcBef>
+                        <a:spcAft>
+                          <a:spcPts val="0"/>
+                        </a:spcAft>
+                        <a:buNone/>
+                      </a:pPr>
+                      <a:r>
+                        <a:rPr lang="ru" sz="1300" dirty="0">
+                          <a:solidFill>
+                            <a:schemeClr val="lt1"/>
+                          </a:solidFill>
+                          <a:latin typeface="Roboto"/>
+                          <a:ea typeface="Roboto"/>
+                          <a:cs typeface="Roboto"/>
+                          <a:sym typeface="Roboto"/>
+                        </a:rPr>
+                        <a:t>Оценивать качество данных и их адекватность задаче</a:t>
+                      </a:r>
+                      <a:endParaRPr sz="1300" dirty="0">
+                        <a:solidFill>
+                          <a:schemeClr val="lt1"/>
+                        </a:solidFill>
+                        <a:latin typeface="Roboto"/>
+                        <a:ea typeface="Roboto"/>
+                        <a:cs typeface="Roboto"/>
+                        <a:sym typeface="Roboto"/>
+                      </a:endParaRPr>
+                    </a:p>
+                  </a:txBody>
+                  <a:tcPr marL="198000" marR="91425" marT="68575" marB="68575">
+                    <a:lnL w="9525" cap="flat" cmpd="sng">
+                      <a:solidFill>
+                        <a:schemeClr val="lt1"/>
+                      </a:solidFill>
+                      <a:prstDash val="solid"/>
+                      <a:round/>
+                      <a:headEnd type="none" w="sm" len="sm"/>
+                      <a:tailEnd type="none" w="sm" len="sm"/>
+                    </a:lnL>
+                    <a:lnR w="9525" cap="flat" cmpd="sng">
+                      <a:solidFill>
+                        <a:srgbClr val="BFC1F0">
+                          <a:alpha val="0"/>
+                        </a:srgbClr>
+                      </a:solidFill>
+                      <a:prstDash val="solid"/>
+                      <a:round/>
+                      <a:headEnd type="none" w="sm" len="sm"/>
+                      <a:tailEnd type="none" w="sm" len="sm"/>
+                    </a:lnR>
+                    <a:lnT w="9525" cap="flat" cmpd="sng">
+                      <a:solidFill>
+                        <a:srgbClr val="BFC1F0">
+                          <a:alpha val="0"/>
+                        </a:srgbClr>
+                      </a:solidFill>
+                      <a:prstDash val="solid"/>
+                      <a:round/>
+                      <a:headEnd type="none" w="sm" len="sm"/>
+                      <a:tailEnd type="none" w="sm" len="sm"/>
+                    </a:lnT>
+                    <a:lnB w="9525" cap="flat" cmpd="sng">
+                      <a:solidFill>
+                        <a:srgbClr val="9E9E9E"/>
+                      </a:solidFill>
+                      <a:prstDash val="solid"/>
+                      <a:round/>
+                      <a:headEnd type="none" w="sm" len="sm"/>
+                      <a:tailEnd type="none" w="sm" len="sm"/>
+                    </a:lnB>
+                  </a:tcPr>
+                </a:tc>
+                <a:extLst>
+                  <a:ext uri="{0D108BD9-81ED-4DB2-BD59-A6C34878D82A}">
+                    <a16:rowId xmlns:a16="http://schemas.microsoft.com/office/drawing/2014/main" val="10000"/>
+                  </a:ext>
+                </a:extLst>
+              </a:tr>
+            </a:tbl>
+          </a:graphicData>
+        </a:graphic>
+      </p:graphicFrame>
+      <p:sp>
+        <p:nvSpPr>
+          <p:cNvPr id="165" name="Google Shape;165;p23"/>
+          <p:cNvSpPr txBox="1">
+            <a:spLocks noGrp="1"/>
+          </p:cNvSpPr>
+          <p:nvPr>
+            <p:ph type="subTitle" idx="4294967295"/>
+          </p:nvPr>
+        </p:nvSpPr>
+        <p:spPr>
+          <a:xfrm>
+            <a:off x="500550" y="857363"/>
+            <a:ext cx="7796700" cy="792600"/>
+          </a:xfrm>
+          <a:prstGeom prst="rect">
+            <a:avLst/>
+          </a:prstGeom>
+        </p:spPr>
+        <p:txBody>
+          <a:bodyPr spcFirstLastPara="1" wrap="square" lIns="91425" tIns="91425" rIns="91425" bIns="91425" anchor="t" anchorCtr="0">
+            <a:normAutofit/>
+          </a:bodyPr>
+          <a:lstStyle/>
+          <a:p>
+            <a:pPr marL="0" lvl="0" indent="0" algn="l" rtl="0">
+              <a:spcBef>
+                <a:spcPts val="0"/>
+              </a:spcBef>
+              <a:spcAft>
+                <a:spcPts val="0"/>
+              </a:spcAft>
+              <a:buNone/>
+            </a:pPr>
+            <a:r>
+              <a:rPr lang="ru" sz="1500" b="1">
+                <a:solidFill>
+                  <a:srgbClr val="FF9900"/>
+                </a:solidFill>
+              </a:rPr>
+              <a:t>К концу занятия вы сможете</a:t>
+            </a:r>
+            <a:endParaRPr sz="1500" b="1">
+              <a:solidFill>
+                <a:srgbClr val="FF9900"/>
+              </a:solidFill>
+            </a:endParaRPr>
+          </a:p>
+        </p:txBody>
+      </p:sp>
+    </p:spTree>
+  </p:cSld>
+  <p:clrMapOvr>
+    <a:masterClrMapping/>
+  </p:clrMapOvr>
+</p:sld>
+</file>
+
+<file path=ppt/slides/slide60.xml><?xml version="1.0" encoding="utf-8"?>
+<p:sld xmlns:a="http://schemas.openxmlformats.org/drawingml/2006/main" xmlns:r="http://schemas.openxmlformats.org/officeDocument/2006/relationships" xmlns:p="http://schemas.openxmlformats.org/presentationml/2006/main">
+  <p:cSld>
+    <p:spTree>
+      <p:nvGrpSpPr>
+        <p:cNvPr id="1" name="Shape 244"/>
+        <p:cNvGrpSpPr/>
+        <p:nvPr/>
+      </p:nvGrpSpPr>
+      <p:grpSpPr>
+        <a:xfrm>
+          <a:off x="0" y="0"/>
+          <a:ext cx="0" cy="0"/>
+          <a:chOff x="0" y="0"/>
+          <a:chExt cx="0" cy="0"/>
+        </a:xfrm>
+      </p:grpSpPr>
+      <p:sp>
+        <p:nvSpPr>
+          <p:cNvPr id="245" name="Google Shape;245;p35"/>
+          <p:cNvSpPr txBox="1">
+            <a:spLocks noGrp="1"/>
+          </p:cNvSpPr>
+          <p:nvPr>
+            <p:ph type="title"/>
+          </p:nvPr>
+        </p:nvSpPr>
+        <p:spPr>
+          <a:xfrm>
+            <a:off x="651425" y="396403"/>
+            <a:ext cx="7706100" cy="4021200"/>
+          </a:xfrm>
+          <a:prstGeom prst="rect">
+            <a:avLst/>
+          </a:prstGeom>
+        </p:spPr>
+        <p:txBody>
+          <a:bodyPr spcFirstLastPara="1" wrap="square" lIns="91425" tIns="91425" rIns="91425" bIns="91425" anchor="ctr" anchorCtr="0">
+            <a:noAutofit/>
+          </a:bodyPr>
+          <a:lstStyle/>
+          <a:p>
+            <a:pPr marL="0" lvl="0" indent="0" algn="l" rtl="0">
+              <a:spcBef>
+                <a:spcPts val="0"/>
+              </a:spcBef>
+              <a:spcAft>
+                <a:spcPts val="0"/>
+              </a:spcAft>
+              <a:buNone/>
+            </a:pPr>
+            <a:r>
+              <a:rPr lang="ru-RU" dirty="0"/>
+              <a:t>Что вы об этом думаете</a:t>
+            </a:r>
+            <a:r>
+              <a:rPr lang="ru" dirty="0"/>
+              <a:t>?</a:t>
+            </a:r>
+            <a:br>
+              <a:rPr lang="ru" dirty="0"/>
+            </a:br>
+            <a:endParaRPr dirty="0"/>
+          </a:p>
+        </p:txBody>
+      </p:sp>
+      <p:pic>
+        <p:nvPicPr>
+          <p:cNvPr id="246" name="Google Shape;246;p35"/>
+          <p:cNvPicPr preferRelativeResize="0"/>
+          <p:nvPr/>
+        </p:nvPicPr>
+        <p:blipFill rotWithShape="1">
+          <a:blip r:embed="rId3">
+            <a:alphaModFix/>
+          </a:blip>
+          <a:srcRect/>
+          <a:stretch/>
+        </p:blipFill>
+        <p:spPr>
+          <a:xfrm>
+            <a:off x="765673" y="3385003"/>
+            <a:ext cx="620721" cy="620720"/>
+          </a:xfrm>
+          <a:prstGeom prst="rect">
+            <a:avLst/>
+          </a:prstGeom>
+          <a:noFill/>
+          <a:ln>
+            <a:noFill/>
+          </a:ln>
+        </p:spPr>
+      </p:pic>
+      <p:sp>
+        <p:nvSpPr>
+          <p:cNvPr id="248" name="Google Shape;248;p35"/>
+          <p:cNvSpPr txBox="1"/>
+          <p:nvPr/>
+        </p:nvSpPr>
+        <p:spPr>
+          <a:xfrm>
+            <a:off x="1386399" y="3372213"/>
+            <a:ext cx="4635259" cy="646300"/>
+          </a:xfrm>
+          <a:prstGeom prst="rect">
+            <a:avLst/>
+          </a:prstGeom>
+          <a:noFill/>
+          <a:ln>
+            <a:noFill/>
+          </a:ln>
+        </p:spPr>
+        <p:txBody>
+          <a:bodyPr spcFirstLastPara="1" wrap="square" lIns="91425" tIns="91425" rIns="91425" bIns="91425" anchor="t" anchorCtr="0">
+            <a:spAutoFit/>
+          </a:bodyPr>
+          <a:lstStyle/>
+          <a:p>
+            <a:pPr marL="0" lvl="0" indent="0" algn="l" rtl="0">
+              <a:spcBef>
+                <a:spcPts val="0"/>
+              </a:spcBef>
+              <a:spcAft>
+                <a:spcPts val="0"/>
+              </a:spcAft>
+              <a:buNone/>
+            </a:pPr>
+            <a:r>
+              <a:rPr lang="ru" sz="1500" dirty="0">
+                <a:solidFill>
+                  <a:schemeClr val="lt1"/>
+                </a:solidFill>
+                <a:latin typeface="Roboto"/>
+                <a:ea typeface="Roboto"/>
+                <a:cs typeface="Roboto"/>
+                <a:sym typeface="Roboto"/>
+              </a:rPr>
+              <a:t>Ставим “+”,</a:t>
+            </a:r>
+            <a:endParaRPr sz="1500" dirty="0">
+              <a:solidFill>
+                <a:schemeClr val="lt1"/>
+              </a:solidFill>
+              <a:latin typeface="Roboto"/>
+              <a:ea typeface="Roboto"/>
+              <a:cs typeface="Roboto"/>
+              <a:sym typeface="Roboto"/>
+            </a:endParaRPr>
+          </a:p>
+          <a:p>
+            <a:pPr marL="0" lvl="0" indent="0" algn="l" rtl="0">
+              <a:spcBef>
+                <a:spcPts val="0"/>
+              </a:spcBef>
+              <a:spcAft>
+                <a:spcPts val="0"/>
+              </a:spcAft>
+              <a:buNone/>
+            </a:pPr>
+            <a:r>
+              <a:rPr lang="ru" sz="1500" dirty="0">
+                <a:solidFill>
+                  <a:schemeClr val="lt1"/>
+                </a:solidFill>
+                <a:latin typeface="Roboto"/>
+                <a:ea typeface="Roboto"/>
+                <a:cs typeface="Roboto"/>
+                <a:sym typeface="Roboto"/>
+              </a:rPr>
+              <a:t>если </a:t>
+            </a:r>
+            <a:r>
+              <a:rPr lang="ru-RU" sz="1500" dirty="0">
+                <a:solidFill>
+                  <a:schemeClr val="lt1"/>
+                </a:solidFill>
+                <a:latin typeface="Roboto"/>
+                <a:ea typeface="Roboto"/>
+                <a:cs typeface="Roboto"/>
+                <a:sym typeface="Roboto"/>
+              </a:rPr>
+              <a:t>готовы прокомментировать</a:t>
+            </a:r>
+            <a:endParaRPr dirty="0"/>
+          </a:p>
+        </p:txBody>
+      </p:sp>
+    </p:spTree>
+    <p:extLst>
+      <p:ext uri="{BB962C8B-B14F-4D97-AF65-F5344CB8AC3E}">
         <p14:creationId xmlns:p14="http://schemas.microsoft.com/office/powerpoint/2010/main" val="3814086639"/>
       </p:ext>
     </p:extLst>
@@ -36896,7 +43560,7 @@
 </p:sld>
 </file>
 
-<file path=ppt/slides/slide54.xml><?xml version="1.0" encoding="utf-8"?>
+<file path=ppt/slides/slide61.xml><?xml version="1.0" encoding="utf-8"?>
 <p:sld xmlns:a="http://schemas.openxmlformats.org/drawingml/2006/main" xmlns:r="http://schemas.openxmlformats.org/officeDocument/2006/relationships" xmlns:p="http://schemas.openxmlformats.org/presentationml/2006/main">
   <p:cSld>
     <p:spTree>
@@ -36963,7 +43627,7 @@
 </p:sld>
 </file>
 
-<file path=ppt/slides/slide55.xml><?xml version="1.0" encoding="utf-8"?>
+<file path=ppt/slides/slide62.xml><?xml version="1.0" encoding="utf-8"?>
 <p:sld xmlns:a="http://schemas.openxmlformats.org/drawingml/2006/main" xmlns:r="http://schemas.openxmlformats.org/officeDocument/2006/relationships" xmlns:p="http://schemas.openxmlformats.org/presentationml/2006/main">
   <p:cSld>
     <p:spTree>
@@ -37299,7 +43963,7 @@
 </p:sld>
 </file>
 
-<file path=ppt/slides/slide56.xml><?xml version="1.0" encoding="utf-8"?>
+<file path=ppt/slides/slide63.xml><?xml version="1.0" encoding="utf-8"?>
 <p:sld xmlns:a="http://schemas.openxmlformats.org/drawingml/2006/main" xmlns:r="http://schemas.openxmlformats.org/officeDocument/2006/relationships" xmlns:p="http://schemas.openxmlformats.org/presentationml/2006/main">
   <p:cSld>
     <p:spTree>
@@ -37806,7 +44470,7 @@
 </p:sld>
 </file>
 
-<file path=ppt/slides/slide57.xml><?xml version="1.0" encoding="utf-8"?>
+<file path=ppt/slides/slide64.xml><?xml version="1.0" encoding="utf-8"?>
 <p:sld xmlns:a="http://schemas.openxmlformats.org/drawingml/2006/main" xmlns:r="http://schemas.openxmlformats.org/officeDocument/2006/relationships" xmlns:p="http://schemas.openxmlformats.org/presentationml/2006/main">
   <p:cSld>
     <p:spTree>
@@ -38479,7 +45143,7 @@
 </p:sld>
 </file>
 
-<file path=ppt/slides/slide58.xml><?xml version="1.0" encoding="utf-8"?>
+<file path=ppt/slides/slide65.xml><?xml version="1.0" encoding="utf-8"?>
 <p:sld xmlns:a="http://schemas.openxmlformats.org/drawingml/2006/main" xmlns:r="http://schemas.openxmlformats.org/officeDocument/2006/relationships" xmlns:p="http://schemas.openxmlformats.org/presentationml/2006/main">
   <p:cSld>
     <p:spTree>
@@ -38629,336 +45293,6 @@
               <a:ea typeface="Roboto"/>
               <a:cs typeface="Roboto"/>
               <a:sym typeface="Roboto"/>
-            </a:endParaRPr>
-          </a:p>
-        </p:txBody>
-      </p:sp>
-    </p:spTree>
-  </p:cSld>
-  <p:clrMapOvr>
-    <a:masterClrMapping/>
-  </p:clrMapOvr>
-</p:sld>
-</file>
-
-<file path=ppt/slides/slide6.xml><?xml version="1.0" encoding="utf-8"?>
-<p:sld xmlns:a="http://schemas.openxmlformats.org/drawingml/2006/main" xmlns:r="http://schemas.openxmlformats.org/officeDocument/2006/relationships" xmlns:p="http://schemas.openxmlformats.org/presentationml/2006/main">
-  <p:cSld>
-    <p:spTree>
-      <p:nvGrpSpPr>
-        <p:cNvPr id="1" name="Shape 161"/>
-        <p:cNvGrpSpPr/>
-        <p:nvPr/>
-      </p:nvGrpSpPr>
-      <p:grpSpPr>
-        <a:xfrm>
-          <a:off x="0" y="0"/>
-          <a:ext cx="0" cy="0"/>
-          <a:chOff x="0" y="0"/>
-          <a:chExt cx="0" cy="0"/>
-        </a:xfrm>
-      </p:grpSpPr>
-      <p:sp>
-        <p:nvSpPr>
-          <p:cNvPr id="162" name="Google Shape;162;p23"/>
-          <p:cNvSpPr txBox="1">
-            <a:spLocks noGrp="1"/>
-          </p:cNvSpPr>
-          <p:nvPr>
-            <p:ph type="title"/>
-          </p:nvPr>
-        </p:nvSpPr>
-        <p:spPr>
-          <a:xfrm>
-            <a:off x="500550" y="330724"/>
-            <a:ext cx="8520600" cy="1095900"/>
-          </a:xfrm>
-          <a:prstGeom prst="rect">
-            <a:avLst/>
-          </a:prstGeom>
-        </p:spPr>
-        <p:txBody>
-          <a:bodyPr spcFirstLastPara="1" wrap="square" lIns="91425" tIns="91425" rIns="91425" bIns="91425" anchor="t" anchorCtr="0">
-            <a:noAutofit/>
-          </a:bodyPr>
-          <a:lstStyle/>
-          <a:p>
-            <a:pPr marL="0" lvl="0" indent="0" algn="l" rtl="0">
-              <a:spcBef>
-                <a:spcPts val="0"/>
-              </a:spcBef>
-              <a:spcAft>
-                <a:spcPts val="0"/>
-              </a:spcAft>
-              <a:buNone/>
-            </a:pPr>
-            <a:r>
-              <a:rPr lang="ru"/>
-              <a:t>Цели вебинара</a:t>
-            </a:r>
-            <a:endParaRPr/>
-          </a:p>
-        </p:txBody>
-      </p:sp>
-      <p:graphicFrame>
-        <p:nvGraphicFramePr>
-          <p:cNvPr id="163" name="Google Shape;163;p23"/>
-          <p:cNvGraphicFramePr/>
-          <p:nvPr>
-            <p:extLst>
-              <p:ext uri="{D42A27DB-BD31-4B8C-83A1-F6EECF244321}">
-                <p14:modId xmlns:p14="http://schemas.microsoft.com/office/powerpoint/2010/main" val="2361545609"/>
-              </p:ext>
-            </p:extLst>
-          </p:nvPr>
-        </p:nvGraphicFramePr>
-        <p:xfrm>
-          <a:off x="952500" y="1544194"/>
-          <a:ext cx="7239000" cy="349304"/>
-        </p:xfrm>
-        <a:graphic>
-          <a:graphicData uri="http://schemas.openxmlformats.org/drawingml/2006/table">
-            <a:tbl>
-              <a:tblPr>
-                <a:noFill/>
-                <a:tableStyleId>{897BA397-AA66-4ACA-B219-5C7939199CAB}</a:tableStyleId>
-              </a:tblPr>
-              <a:tblGrid>
-                <a:gridCol w="489425">
-                  <a:extLst>
-                    <a:ext uri="{9D8B030D-6E8A-4147-A177-3AD203B41FA5}">
-                      <a16:colId xmlns:a16="http://schemas.microsoft.com/office/drawing/2014/main" val="20000"/>
-                    </a:ext>
-                  </a:extLst>
-                </a:gridCol>
-                <a:gridCol w="6749575">
-                  <a:extLst>
-                    <a:ext uri="{9D8B030D-6E8A-4147-A177-3AD203B41FA5}">
-                      <a16:colId xmlns:a16="http://schemas.microsoft.com/office/drawing/2014/main" val="20001"/>
-                    </a:ext>
-                  </a:extLst>
-                </a:gridCol>
-              </a:tblGrid>
-              <a:tr h="285750">
-                <a:tc>
-                  <a:txBody>
-                    <a:bodyPr/>
-                    <a:lstStyle/>
-                    <a:p>
-                      <a:pPr marL="0" lvl="0" indent="0" algn="l" rtl="0">
-                        <a:spcBef>
-                          <a:spcPts val="0"/>
-                        </a:spcBef>
-                        <a:spcAft>
-                          <a:spcPts val="0"/>
-                        </a:spcAft>
-                        <a:buNone/>
-                      </a:pPr>
-                      <a:r>
-                        <a:rPr lang="ru" sz="1300" b="1" dirty="0">
-                          <a:solidFill>
-                            <a:srgbClr val="FF9900"/>
-                          </a:solidFill>
-                          <a:latin typeface="Roboto"/>
-                          <a:ea typeface="Roboto"/>
-                          <a:cs typeface="Roboto"/>
-                          <a:sym typeface="Roboto"/>
-                        </a:rPr>
-                        <a:t>1.</a:t>
-                      </a:r>
-                      <a:endParaRPr sz="1300" b="1" dirty="0">
-                        <a:solidFill>
-                          <a:srgbClr val="FF9900"/>
-                        </a:solidFill>
-                        <a:latin typeface="Roboto"/>
-                        <a:ea typeface="Roboto"/>
-                        <a:cs typeface="Roboto"/>
-                        <a:sym typeface="Roboto"/>
-                      </a:endParaRPr>
-                    </a:p>
-                  </a:txBody>
-                  <a:tcPr marL="198000" marR="91425" marT="68575" marB="68575">
-                    <a:lnL w="9525" cap="flat" cmpd="sng">
-                      <a:solidFill>
-                        <a:srgbClr val="BFC1F0">
-                          <a:alpha val="0"/>
-                        </a:srgbClr>
-                      </a:solidFill>
-                      <a:prstDash val="solid"/>
-                      <a:round/>
-                      <a:headEnd type="none" w="sm" len="sm"/>
-                      <a:tailEnd type="none" w="sm" len="sm"/>
-                    </a:lnL>
-                    <a:lnR w="9525" cap="flat" cmpd="sng">
-                      <a:solidFill>
-                        <a:schemeClr val="lt1"/>
-                      </a:solidFill>
-                      <a:prstDash val="solid"/>
-                      <a:round/>
-                      <a:headEnd type="none" w="sm" len="sm"/>
-                      <a:tailEnd type="none" w="sm" len="sm"/>
-                    </a:lnR>
-                    <a:lnT w="9525" cap="flat" cmpd="sng">
-                      <a:solidFill>
-                        <a:srgbClr val="BFC1F0">
-                          <a:alpha val="0"/>
-                        </a:srgbClr>
-                      </a:solidFill>
-                      <a:prstDash val="solid"/>
-                      <a:round/>
-                      <a:headEnd type="none" w="sm" len="sm"/>
-                      <a:tailEnd type="none" w="sm" len="sm"/>
-                    </a:lnT>
-                    <a:lnB w="9525" cap="flat" cmpd="sng">
-                      <a:solidFill>
-                        <a:srgbClr val="9E9E9E"/>
-                      </a:solidFill>
-                      <a:prstDash val="solid"/>
-                      <a:round/>
-                      <a:headEnd type="none" w="sm" len="sm"/>
-                      <a:tailEnd type="none" w="sm" len="sm"/>
-                    </a:lnB>
-                  </a:tcPr>
-                </a:tc>
-                <a:tc>
-                  <a:txBody>
-                    <a:bodyPr/>
-                    <a:lstStyle/>
-                    <a:p>
-                      <a:pPr marL="0" lvl="0" indent="0" algn="l" rtl="0">
-                        <a:lnSpc>
-                          <a:spcPct val="115000"/>
-                        </a:lnSpc>
-                        <a:spcBef>
-                          <a:spcPts val="0"/>
-                        </a:spcBef>
-                        <a:spcAft>
-                          <a:spcPts val="0"/>
-                        </a:spcAft>
-                        <a:buNone/>
-                      </a:pPr>
-                      <a:r>
-                        <a:rPr lang="ru" sz="1300" dirty="0">
-                          <a:solidFill>
-                            <a:schemeClr val="lt1"/>
-                          </a:solidFill>
-                          <a:latin typeface="Roboto"/>
-                          <a:ea typeface="Roboto"/>
-                          <a:cs typeface="Roboto"/>
-                          <a:sym typeface="Roboto"/>
-                        </a:rPr>
-                        <a:t>Оценивать качество данных и их адекватность задаче</a:t>
-                      </a:r>
-                      <a:endParaRPr sz="1300" dirty="0">
-                        <a:solidFill>
-                          <a:schemeClr val="lt1"/>
-                        </a:solidFill>
-                        <a:latin typeface="Roboto"/>
-                        <a:ea typeface="Roboto"/>
-                        <a:cs typeface="Roboto"/>
-                        <a:sym typeface="Roboto"/>
-                      </a:endParaRPr>
-                    </a:p>
-                  </a:txBody>
-                  <a:tcPr marL="198000" marR="91425" marT="68575" marB="68575">
-                    <a:lnL w="9525" cap="flat" cmpd="sng">
-                      <a:solidFill>
-                        <a:schemeClr val="lt1"/>
-                      </a:solidFill>
-                      <a:prstDash val="solid"/>
-                      <a:round/>
-                      <a:headEnd type="none" w="sm" len="sm"/>
-                      <a:tailEnd type="none" w="sm" len="sm"/>
-                    </a:lnL>
-                    <a:lnR w="9525" cap="flat" cmpd="sng">
-                      <a:solidFill>
-                        <a:srgbClr val="BFC1F0">
-                          <a:alpha val="0"/>
-                        </a:srgbClr>
-                      </a:solidFill>
-                      <a:prstDash val="solid"/>
-                      <a:round/>
-                      <a:headEnd type="none" w="sm" len="sm"/>
-                      <a:tailEnd type="none" w="sm" len="sm"/>
-                    </a:lnR>
-                    <a:lnT w="9525" cap="flat" cmpd="sng">
-                      <a:solidFill>
-                        <a:srgbClr val="BFC1F0">
-                          <a:alpha val="0"/>
-                        </a:srgbClr>
-                      </a:solidFill>
-                      <a:prstDash val="solid"/>
-                      <a:round/>
-                      <a:headEnd type="none" w="sm" len="sm"/>
-                      <a:tailEnd type="none" w="sm" len="sm"/>
-                    </a:lnT>
-                    <a:lnB w="9525" cap="flat" cmpd="sng">
-                      <a:solidFill>
-                        <a:srgbClr val="9E9E9E"/>
-                      </a:solidFill>
-                      <a:prstDash val="solid"/>
-                      <a:round/>
-                      <a:headEnd type="none" w="sm" len="sm"/>
-                      <a:tailEnd type="none" w="sm" len="sm"/>
-                    </a:lnB>
-                  </a:tcPr>
-                </a:tc>
-                <a:extLst>
-                  <a:ext uri="{0D108BD9-81ED-4DB2-BD59-A6C34878D82A}">
-                    <a16:rowId xmlns:a16="http://schemas.microsoft.com/office/drawing/2014/main" val="10000"/>
-                  </a:ext>
-                </a:extLst>
-              </a:tr>
-            </a:tbl>
-          </a:graphicData>
-        </a:graphic>
-      </p:graphicFrame>
-      <p:sp>
-        <p:nvSpPr>
-          <p:cNvPr id="165" name="Google Shape;165;p23"/>
-          <p:cNvSpPr txBox="1">
-            <a:spLocks noGrp="1"/>
-          </p:cNvSpPr>
-          <p:nvPr>
-            <p:ph type="subTitle" idx="4294967295"/>
-          </p:nvPr>
-        </p:nvSpPr>
-        <p:spPr>
-          <a:xfrm>
-            <a:off x="500550" y="857363"/>
-            <a:ext cx="7796700" cy="792600"/>
-          </a:xfrm>
-          <a:prstGeom prst="rect">
-            <a:avLst/>
-          </a:prstGeom>
-        </p:spPr>
-        <p:txBody>
-          <a:bodyPr spcFirstLastPara="1" wrap="square" lIns="91425" tIns="91425" rIns="91425" bIns="91425" anchor="t" anchorCtr="0">
-            <a:normAutofit/>
-          </a:bodyPr>
-          <a:lstStyle/>
-          <a:p>
-            <a:pPr marL="0" lvl="0" indent="0" algn="l" rtl="0">
-              <a:spcBef>
-                <a:spcPts val="0"/>
-              </a:spcBef>
-              <a:spcAft>
-                <a:spcPts val="0"/>
-              </a:spcAft>
-              <a:buNone/>
-            </a:pPr>
-            <a:r>
-              <a:rPr lang="ru" sz="1500" b="1">
-                <a:solidFill>
-                  <a:srgbClr val="FF9900"/>
-                </a:solidFill>
-              </a:rPr>
-              <a:t>К концу занятия вы сможете</a:t>
-            </a:r>
-            <a:endParaRPr sz="1500" b="1">
-              <a:solidFill>
-                <a:srgbClr val="FF9900"/>
-              </a:solidFill>
             </a:endParaRPr>
           </a:p>
         </p:txBody>

--- a/teaching/R4DA-EDA4ML.pptx
+++ b/teaching/R4DA-EDA4ML.pptx
@@ -23792,7 +23792,7 @@
         </p:nvSpPr>
         <p:spPr>
           <a:xfrm>
-            <a:off x="3225575" y="2563325"/>
+            <a:off x="3135423" y="2563325"/>
             <a:ext cx="3000000" cy="415500"/>
           </a:xfrm>
           <a:prstGeom prst="rect">

--- a/teaching/R4DA-EDA4ML.pptx
+++ b/teaching/R4DA-EDA4ML.pptx
@@ -5,7 +5,7 @@
     <p:sldMasterId id="2147483662" r:id="rId1"/>
   </p:sldMasterIdLst>
   <p:notesMasterIdLst>
-    <p:notesMasterId r:id="rId67"/>
+    <p:notesMasterId r:id="rId68"/>
   </p:notesMasterIdLst>
   <p:sldIdLst>
     <p:sldId id="256" r:id="rId2"/>
@@ -13,76 +13,77 @@
     <p:sldId id="258" r:id="rId4"/>
     <p:sldId id="259" r:id="rId5"/>
     <p:sldId id="262" r:id="rId6"/>
-    <p:sldId id="263" r:id="rId7"/>
-    <p:sldId id="300" r:id="rId8"/>
-    <p:sldId id="299" r:id="rId9"/>
-    <p:sldId id="298" r:id="rId10"/>
-    <p:sldId id="338" r:id="rId11"/>
-    <p:sldId id="341" r:id="rId12"/>
-    <p:sldId id="340" r:id="rId13"/>
-    <p:sldId id="339" r:id="rId14"/>
-    <p:sldId id="265" r:id="rId15"/>
-    <p:sldId id="266" r:id="rId16"/>
-    <p:sldId id="309" r:id="rId17"/>
-    <p:sldId id="310" r:id="rId18"/>
-    <p:sldId id="308" r:id="rId19"/>
-    <p:sldId id="307" r:id="rId20"/>
-    <p:sldId id="320" r:id="rId21"/>
-    <p:sldId id="311" r:id="rId22"/>
-    <p:sldId id="317" r:id="rId23"/>
-    <p:sldId id="316" r:id="rId24"/>
-    <p:sldId id="318" r:id="rId25"/>
-    <p:sldId id="319" r:id="rId26"/>
-    <p:sldId id="314" r:id="rId27"/>
-    <p:sldId id="321" r:id="rId28"/>
-    <p:sldId id="327" r:id="rId29"/>
-    <p:sldId id="329" r:id="rId30"/>
-    <p:sldId id="328" r:id="rId31"/>
-    <p:sldId id="322" r:id="rId32"/>
-    <p:sldId id="331" r:id="rId33"/>
-    <p:sldId id="330" r:id="rId34"/>
-    <p:sldId id="323" r:id="rId35"/>
-    <p:sldId id="332" r:id="rId36"/>
-    <p:sldId id="333" r:id="rId37"/>
-    <p:sldId id="324" r:id="rId38"/>
-    <p:sldId id="312" r:id="rId39"/>
-    <p:sldId id="334" r:id="rId40"/>
-    <p:sldId id="325" r:id="rId41"/>
-    <p:sldId id="335" r:id="rId42"/>
-    <p:sldId id="336" r:id="rId43"/>
-    <p:sldId id="326" r:id="rId44"/>
-    <p:sldId id="348" r:id="rId45"/>
-    <p:sldId id="349" r:id="rId46"/>
-    <p:sldId id="344" r:id="rId47"/>
-    <p:sldId id="354" r:id="rId48"/>
-    <p:sldId id="345" r:id="rId49"/>
-    <p:sldId id="353" r:id="rId50"/>
-    <p:sldId id="355" r:id="rId51"/>
-    <p:sldId id="346" r:id="rId52"/>
-    <p:sldId id="356" r:id="rId53"/>
-    <p:sldId id="357" r:id="rId54"/>
-    <p:sldId id="358" r:id="rId55"/>
-    <p:sldId id="359" r:id="rId56"/>
-    <p:sldId id="347" r:id="rId57"/>
-    <p:sldId id="275" r:id="rId58"/>
-    <p:sldId id="350" r:id="rId59"/>
-    <p:sldId id="351" r:id="rId60"/>
-    <p:sldId id="352" r:id="rId61"/>
-    <p:sldId id="283" r:id="rId62"/>
-    <p:sldId id="284" r:id="rId63"/>
-    <p:sldId id="343" r:id="rId64"/>
-    <p:sldId id="342" r:id="rId65"/>
-    <p:sldId id="295" r:id="rId66"/>
+    <p:sldId id="360" r:id="rId7"/>
+    <p:sldId id="263" r:id="rId8"/>
+    <p:sldId id="300" r:id="rId9"/>
+    <p:sldId id="299" r:id="rId10"/>
+    <p:sldId id="298" r:id="rId11"/>
+    <p:sldId id="338" r:id="rId12"/>
+    <p:sldId id="341" r:id="rId13"/>
+    <p:sldId id="340" r:id="rId14"/>
+    <p:sldId id="339" r:id="rId15"/>
+    <p:sldId id="265" r:id="rId16"/>
+    <p:sldId id="266" r:id="rId17"/>
+    <p:sldId id="309" r:id="rId18"/>
+    <p:sldId id="310" r:id="rId19"/>
+    <p:sldId id="308" r:id="rId20"/>
+    <p:sldId id="307" r:id="rId21"/>
+    <p:sldId id="320" r:id="rId22"/>
+    <p:sldId id="311" r:id="rId23"/>
+    <p:sldId id="317" r:id="rId24"/>
+    <p:sldId id="316" r:id="rId25"/>
+    <p:sldId id="318" r:id="rId26"/>
+    <p:sldId id="319" r:id="rId27"/>
+    <p:sldId id="314" r:id="rId28"/>
+    <p:sldId id="321" r:id="rId29"/>
+    <p:sldId id="327" r:id="rId30"/>
+    <p:sldId id="329" r:id="rId31"/>
+    <p:sldId id="328" r:id="rId32"/>
+    <p:sldId id="322" r:id="rId33"/>
+    <p:sldId id="331" r:id="rId34"/>
+    <p:sldId id="330" r:id="rId35"/>
+    <p:sldId id="323" r:id="rId36"/>
+    <p:sldId id="332" r:id="rId37"/>
+    <p:sldId id="333" r:id="rId38"/>
+    <p:sldId id="324" r:id="rId39"/>
+    <p:sldId id="312" r:id="rId40"/>
+    <p:sldId id="334" r:id="rId41"/>
+    <p:sldId id="325" r:id="rId42"/>
+    <p:sldId id="335" r:id="rId43"/>
+    <p:sldId id="336" r:id="rId44"/>
+    <p:sldId id="326" r:id="rId45"/>
+    <p:sldId id="348" r:id="rId46"/>
+    <p:sldId id="349" r:id="rId47"/>
+    <p:sldId id="344" r:id="rId48"/>
+    <p:sldId id="354" r:id="rId49"/>
+    <p:sldId id="345" r:id="rId50"/>
+    <p:sldId id="353" r:id="rId51"/>
+    <p:sldId id="355" r:id="rId52"/>
+    <p:sldId id="346" r:id="rId53"/>
+    <p:sldId id="356" r:id="rId54"/>
+    <p:sldId id="357" r:id="rId55"/>
+    <p:sldId id="358" r:id="rId56"/>
+    <p:sldId id="359" r:id="rId57"/>
+    <p:sldId id="347" r:id="rId58"/>
+    <p:sldId id="275" r:id="rId59"/>
+    <p:sldId id="350" r:id="rId60"/>
+    <p:sldId id="351" r:id="rId61"/>
+    <p:sldId id="352" r:id="rId62"/>
+    <p:sldId id="283" r:id="rId63"/>
+    <p:sldId id="284" r:id="rId64"/>
+    <p:sldId id="343" r:id="rId65"/>
+    <p:sldId id="342" r:id="rId66"/>
+    <p:sldId id="295" r:id="rId67"/>
   </p:sldIdLst>
   <p:sldSz cx="9144000" cy="5143500" type="screen16x9"/>
   <p:notesSz cx="6858000" cy="9144000"/>
   <p:embeddedFontLst>
     <p:embeddedFont>
       <p:font typeface="Roboto" panose="02000000000000000000" pitchFamily="2" charset="0"/>
-      <p:regular r:id="rId68"/>
-      <p:bold r:id="rId69"/>
-      <p:italic r:id="rId70"/>
-      <p:boldItalic r:id="rId71"/>
+      <p:regular r:id="rId69"/>
+      <p:bold r:id="rId70"/>
+      <p:italic r:id="rId71"/>
+      <p:boldItalic r:id="rId72"/>
     </p:embeddedFont>
   </p:embeddedFontLst>
   <p:defaultTextStyle>
@@ -898,7 +899,7 @@
   <p:cSld>
     <p:spTree>
       <p:nvGrpSpPr>
-        <p:cNvPr id="1" name="Shape 166"/>
+        <p:cNvPr id="1" name="Shape 158"/>
         <p:cNvGrpSpPr/>
         <p:nvPr/>
       </p:nvGrpSpPr>
@@ -912,7 +913,7 @@
       </p:grpSpPr>
       <p:sp>
         <p:nvSpPr>
-          <p:cNvPr id="167" name="Google Shape;167;gdf29b9fb24_0_61:notes"/>
+          <p:cNvPr id="159" name="Google Shape;159;gdf29b9fb24_0_34:notes"/>
           <p:cNvSpPr>
             <a:spLocks noGrp="1" noRot="1" noChangeAspect="1"/>
           </p:cNvSpPr>
@@ -953,7 +954,7 @@
       </p:sp>
       <p:sp>
         <p:nvSpPr>
-          <p:cNvPr id="168" name="Google Shape;168;gdf29b9fb24_0_61:notes"/>
+          <p:cNvPr id="160" name="Google Shape;160;gdf29b9fb24_0_34:notes"/>
           <p:cNvSpPr txBox="1">
             <a:spLocks noGrp="1"/>
           </p:cNvSpPr>
@@ -992,7 +993,7 @@
     </p:spTree>
     <p:extLst>
       <p:ext uri="{BB962C8B-B14F-4D97-AF65-F5344CB8AC3E}">
-        <p14:creationId xmlns:p14="http://schemas.microsoft.com/office/powerpoint/2010/main" val="2064893332"/>
+        <p14:creationId xmlns:p14="http://schemas.microsoft.com/office/powerpoint/2010/main" val="3217718675"/>
       </p:ext>
     </p:extLst>
   </p:cSld>
@@ -1101,7 +1102,7 @@
     </p:spTree>
     <p:extLst>
       <p:ext uri="{BB962C8B-B14F-4D97-AF65-F5344CB8AC3E}">
-        <p14:creationId xmlns:p14="http://schemas.microsoft.com/office/powerpoint/2010/main" val="2817578961"/>
+        <p14:creationId xmlns:p14="http://schemas.microsoft.com/office/powerpoint/2010/main" val="2064893332"/>
       </p:ext>
     </p:extLst>
   </p:cSld>
@@ -1210,7 +1211,7 @@
     </p:spTree>
     <p:extLst>
       <p:ext uri="{BB962C8B-B14F-4D97-AF65-F5344CB8AC3E}">
-        <p14:creationId xmlns:p14="http://schemas.microsoft.com/office/powerpoint/2010/main" val="3931146514"/>
+        <p14:creationId xmlns:p14="http://schemas.microsoft.com/office/powerpoint/2010/main" val="2817578961"/>
       </p:ext>
     </p:extLst>
   </p:cSld>
@@ -1319,6 +1320,115 @@
     </p:spTree>
     <p:extLst>
       <p:ext uri="{BB962C8B-B14F-4D97-AF65-F5344CB8AC3E}">
+        <p14:creationId xmlns:p14="http://schemas.microsoft.com/office/powerpoint/2010/main" val="3931146514"/>
+      </p:ext>
+    </p:extLst>
+  </p:cSld>
+  <p:clrMapOvr>
+    <a:masterClrMapping/>
+  </p:clrMapOvr>
+</p:notes>
+</file>
+
+<file path=ppt/notesSlides/notesSlide14.xml><?xml version="1.0" encoding="utf-8"?>
+<p:notes xmlns:a="http://schemas.openxmlformats.org/drawingml/2006/main" xmlns:r="http://schemas.openxmlformats.org/officeDocument/2006/relationships" xmlns:p="http://schemas.openxmlformats.org/presentationml/2006/main" showMasterSp="0" showMasterPhAnim="0">
+  <p:cSld>
+    <p:spTree>
+      <p:nvGrpSpPr>
+        <p:cNvPr id="1" name="Shape 166"/>
+        <p:cNvGrpSpPr/>
+        <p:nvPr/>
+      </p:nvGrpSpPr>
+      <p:grpSpPr>
+        <a:xfrm>
+          <a:off x="0" y="0"/>
+          <a:ext cx="0" cy="0"/>
+          <a:chOff x="0" y="0"/>
+          <a:chExt cx="0" cy="0"/>
+        </a:xfrm>
+      </p:grpSpPr>
+      <p:sp>
+        <p:nvSpPr>
+          <p:cNvPr id="167" name="Google Shape;167;gdf29b9fb24_0_61:notes"/>
+          <p:cNvSpPr>
+            <a:spLocks noGrp="1" noRot="1" noChangeAspect="1"/>
+          </p:cNvSpPr>
+          <p:nvPr>
+            <p:ph type="sldImg" idx="2"/>
+          </p:nvPr>
+        </p:nvSpPr>
+        <p:spPr>
+          <a:xfrm>
+            <a:off x="381000" y="685800"/>
+            <a:ext cx="6096000" cy="3429000"/>
+          </a:xfrm>
+          <a:custGeom>
+            <a:avLst/>
+            <a:gdLst/>
+            <a:ahLst/>
+            <a:cxnLst/>
+            <a:rect l="l" t="t" r="r" b="b"/>
+            <a:pathLst>
+              <a:path w="120000" h="120000" extrusionOk="0">
+                <a:moveTo>
+                  <a:pt x="0" y="0"/>
+                </a:moveTo>
+                <a:lnTo>
+                  <a:pt x="120000" y="0"/>
+                </a:lnTo>
+                <a:lnTo>
+                  <a:pt x="120000" y="120000"/>
+                </a:lnTo>
+                <a:lnTo>
+                  <a:pt x="0" y="120000"/>
+                </a:lnTo>
+                <a:close/>
+              </a:path>
+            </a:pathLst>
+          </a:custGeom>
+        </p:spPr>
+      </p:sp>
+      <p:sp>
+        <p:nvSpPr>
+          <p:cNvPr id="168" name="Google Shape;168;gdf29b9fb24_0_61:notes"/>
+          <p:cNvSpPr txBox="1">
+            <a:spLocks noGrp="1"/>
+          </p:cNvSpPr>
+          <p:nvPr>
+            <p:ph type="body" idx="1"/>
+          </p:nvPr>
+        </p:nvSpPr>
+        <p:spPr>
+          <a:xfrm>
+            <a:off x="685800" y="4343400"/>
+            <a:ext cx="5486400" cy="4114800"/>
+          </a:xfrm>
+          <a:prstGeom prst="rect">
+            <a:avLst/>
+          </a:prstGeom>
+        </p:spPr>
+        <p:txBody>
+          <a:bodyPr spcFirstLastPara="1" wrap="square" lIns="91425" tIns="91425" rIns="91425" bIns="91425" anchor="t" anchorCtr="0">
+            <a:noAutofit/>
+          </a:bodyPr>
+          <a:lstStyle/>
+          <a:p>
+            <a:pPr marL="0" lvl="0" indent="0" algn="l" rtl="0">
+              <a:spcBef>
+                <a:spcPts val="0"/>
+              </a:spcBef>
+              <a:spcAft>
+                <a:spcPts val="0"/>
+              </a:spcAft>
+              <a:buNone/>
+            </a:pPr>
+            <a:endParaRPr/>
+          </a:p>
+        </p:txBody>
+      </p:sp>
+    </p:spTree>
+    <p:extLst>
+      <p:ext uri="{BB962C8B-B14F-4D97-AF65-F5344CB8AC3E}">
         <p14:creationId xmlns:p14="http://schemas.microsoft.com/office/powerpoint/2010/main" val="2592816714"/>
       </p:ext>
     </p:extLst>
@@ -1329,7 +1439,7 @@
 </p:notes>
 </file>
 
-<file path=ppt/notesSlides/notesSlide14.xml><?xml version="1.0" encoding="utf-8"?>
+<file path=ppt/notesSlides/notesSlide15.xml><?xml version="1.0" encoding="utf-8"?>
 <p:notes xmlns:a="http://schemas.openxmlformats.org/drawingml/2006/main" xmlns:r="http://schemas.openxmlformats.org/officeDocument/2006/relationships" xmlns:p="http://schemas.openxmlformats.org/presentationml/2006/main" showMasterSp="0" showMasterPhAnim="0">
   <p:cSld>
     <p:spTree>
@@ -1433,7 +1543,7 @@
 </p:notes>
 </file>
 
-<file path=ppt/notesSlides/notesSlide15.xml><?xml version="1.0" encoding="utf-8"?>
+<file path=ppt/notesSlides/notesSlide16.xml><?xml version="1.0" encoding="utf-8"?>
 <p:notes xmlns:a="http://schemas.openxmlformats.org/drawingml/2006/main" xmlns:r="http://schemas.openxmlformats.org/officeDocument/2006/relationships" xmlns:p="http://schemas.openxmlformats.org/presentationml/2006/main" showMasterSp="0" showMasterPhAnim="0">
   <p:cSld>
     <p:spTree>
@@ -1530,115 +1640,6 @@
         </p:txBody>
       </p:sp>
     </p:spTree>
-  </p:cSld>
-  <p:clrMapOvr>
-    <a:masterClrMapping/>
-  </p:clrMapOvr>
-</p:notes>
-</file>
-
-<file path=ppt/notesSlides/notesSlide16.xml><?xml version="1.0" encoding="utf-8"?>
-<p:notes xmlns:a="http://schemas.openxmlformats.org/drawingml/2006/main" xmlns:r="http://schemas.openxmlformats.org/officeDocument/2006/relationships" xmlns:p="http://schemas.openxmlformats.org/presentationml/2006/main" showMasterSp="0" showMasterPhAnim="0">
-  <p:cSld>
-    <p:spTree>
-      <p:nvGrpSpPr>
-        <p:cNvPr id="1" name="Shape 186"/>
-        <p:cNvGrpSpPr/>
-        <p:nvPr/>
-      </p:nvGrpSpPr>
-      <p:grpSpPr>
-        <a:xfrm>
-          <a:off x="0" y="0"/>
-          <a:ext cx="0" cy="0"/>
-          <a:chOff x="0" y="0"/>
-          <a:chExt cx="0" cy="0"/>
-        </a:xfrm>
-      </p:grpSpPr>
-      <p:sp>
-        <p:nvSpPr>
-          <p:cNvPr id="187" name="Google Shape;187;gdf29b9fb24_0_69:notes"/>
-          <p:cNvSpPr>
-            <a:spLocks noGrp="1" noRot="1" noChangeAspect="1"/>
-          </p:cNvSpPr>
-          <p:nvPr>
-            <p:ph type="sldImg" idx="2"/>
-          </p:nvPr>
-        </p:nvSpPr>
-        <p:spPr>
-          <a:xfrm>
-            <a:off x="381000" y="685800"/>
-            <a:ext cx="6096000" cy="3429000"/>
-          </a:xfrm>
-          <a:custGeom>
-            <a:avLst/>
-            <a:gdLst/>
-            <a:ahLst/>
-            <a:cxnLst/>
-            <a:rect l="l" t="t" r="r" b="b"/>
-            <a:pathLst>
-              <a:path w="120000" h="120000" extrusionOk="0">
-                <a:moveTo>
-                  <a:pt x="0" y="0"/>
-                </a:moveTo>
-                <a:lnTo>
-                  <a:pt x="120000" y="0"/>
-                </a:lnTo>
-                <a:lnTo>
-                  <a:pt x="120000" y="120000"/>
-                </a:lnTo>
-                <a:lnTo>
-                  <a:pt x="0" y="120000"/>
-                </a:lnTo>
-                <a:close/>
-              </a:path>
-            </a:pathLst>
-          </a:custGeom>
-        </p:spPr>
-      </p:sp>
-      <p:sp>
-        <p:nvSpPr>
-          <p:cNvPr id="188" name="Google Shape;188;gdf29b9fb24_0_69:notes"/>
-          <p:cNvSpPr txBox="1">
-            <a:spLocks noGrp="1"/>
-          </p:cNvSpPr>
-          <p:nvPr>
-            <p:ph type="body" idx="1"/>
-          </p:nvPr>
-        </p:nvSpPr>
-        <p:spPr>
-          <a:xfrm>
-            <a:off x="685800" y="4343400"/>
-            <a:ext cx="5486400" cy="4114800"/>
-          </a:xfrm>
-          <a:prstGeom prst="rect">
-            <a:avLst/>
-          </a:prstGeom>
-        </p:spPr>
-        <p:txBody>
-          <a:bodyPr spcFirstLastPara="1" wrap="square" lIns="91425" tIns="91425" rIns="91425" bIns="91425" anchor="t" anchorCtr="0">
-            <a:noAutofit/>
-          </a:bodyPr>
-          <a:lstStyle/>
-          <a:p>
-            <a:pPr marL="0" lvl="0" indent="0" algn="l" rtl="0">
-              <a:spcBef>
-                <a:spcPts val="0"/>
-              </a:spcBef>
-              <a:spcAft>
-                <a:spcPts val="0"/>
-              </a:spcAft>
-              <a:buNone/>
-            </a:pPr>
-            <a:endParaRPr/>
-          </a:p>
-        </p:txBody>
-      </p:sp>
-    </p:spTree>
-    <p:extLst>
-      <p:ext uri="{BB962C8B-B14F-4D97-AF65-F5344CB8AC3E}">
-        <p14:creationId xmlns:p14="http://schemas.microsoft.com/office/powerpoint/2010/main" val="3829692191"/>
-      </p:ext>
-    </p:extLst>
   </p:cSld>
   <p:clrMapOvr>
     <a:masterClrMapping/>
@@ -1745,7 +1746,7 @@
     </p:spTree>
     <p:extLst>
       <p:ext uri="{BB962C8B-B14F-4D97-AF65-F5344CB8AC3E}">
-        <p14:creationId xmlns:p14="http://schemas.microsoft.com/office/powerpoint/2010/main" val="1434534078"/>
+        <p14:creationId xmlns:p14="http://schemas.microsoft.com/office/powerpoint/2010/main" val="3829692191"/>
       </p:ext>
     </p:extLst>
   </p:cSld>
@@ -1854,7 +1855,7 @@
     </p:spTree>
     <p:extLst>
       <p:ext uri="{BB962C8B-B14F-4D97-AF65-F5344CB8AC3E}">
-        <p14:creationId xmlns:p14="http://schemas.microsoft.com/office/powerpoint/2010/main" val="3153200477"/>
+        <p14:creationId xmlns:p14="http://schemas.microsoft.com/office/powerpoint/2010/main" val="1434534078"/>
       </p:ext>
     </p:extLst>
   </p:cSld>
@@ -1963,7 +1964,7 @@
     </p:spTree>
     <p:extLst>
       <p:ext uri="{BB962C8B-B14F-4D97-AF65-F5344CB8AC3E}">
-        <p14:creationId xmlns:p14="http://schemas.microsoft.com/office/powerpoint/2010/main" val="3771511648"/>
+        <p14:creationId xmlns:p14="http://schemas.microsoft.com/office/powerpoint/2010/main" val="3153200477"/>
       </p:ext>
     </p:extLst>
   </p:cSld>
@@ -2176,7 +2177,7 @@
     </p:spTree>
     <p:extLst>
       <p:ext uri="{BB962C8B-B14F-4D97-AF65-F5344CB8AC3E}">
-        <p14:creationId xmlns:p14="http://schemas.microsoft.com/office/powerpoint/2010/main" val="2616190549"/>
+        <p14:creationId xmlns:p14="http://schemas.microsoft.com/office/powerpoint/2010/main" val="3771511648"/>
       </p:ext>
     </p:extLst>
   </p:cSld>
@@ -2285,7 +2286,7 @@
     </p:spTree>
     <p:extLst>
       <p:ext uri="{BB962C8B-B14F-4D97-AF65-F5344CB8AC3E}">
-        <p14:creationId xmlns:p14="http://schemas.microsoft.com/office/powerpoint/2010/main" val="4167084477"/>
+        <p14:creationId xmlns:p14="http://schemas.microsoft.com/office/powerpoint/2010/main" val="2616190549"/>
       </p:ext>
     </p:extLst>
   </p:cSld>
@@ -2394,7 +2395,7 @@
     </p:spTree>
     <p:extLst>
       <p:ext uri="{BB962C8B-B14F-4D97-AF65-F5344CB8AC3E}">
-        <p14:creationId xmlns:p14="http://schemas.microsoft.com/office/powerpoint/2010/main" val="4094119288"/>
+        <p14:creationId xmlns:p14="http://schemas.microsoft.com/office/powerpoint/2010/main" val="4167084477"/>
       </p:ext>
     </p:extLst>
   </p:cSld>
@@ -2503,7 +2504,7 @@
     </p:spTree>
     <p:extLst>
       <p:ext uri="{BB962C8B-B14F-4D97-AF65-F5344CB8AC3E}">
-        <p14:creationId xmlns:p14="http://schemas.microsoft.com/office/powerpoint/2010/main" val="3720119605"/>
+        <p14:creationId xmlns:p14="http://schemas.microsoft.com/office/powerpoint/2010/main" val="4094119288"/>
       </p:ext>
     </p:extLst>
   </p:cSld>
@@ -2612,7 +2613,7 @@
     </p:spTree>
     <p:extLst>
       <p:ext uri="{BB962C8B-B14F-4D97-AF65-F5344CB8AC3E}">
-        <p14:creationId xmlns:p14="http://schemas.microsoft.com/office/powerpoint/2010/main" val="1747735238"/>
+        <p14:creationId xmlns:p14="http://schemas.microsoft.com/office/powerpoint/2010/main" val="3720119605"/>
       </p:ext>
     </p:extLst>
   </p:cSld>
@@ -2721,7 +2722,7 @@
     </p:spTree>
     <p:extLst>
       <p:ext uri="{BB962C8B-B14F-4D97-AF65-F5344CB8AC3E}">
-        <p14:creationId xmlns:p14="http://schemas.microsoft.com/office/powerpoint/2010/main" val="1107282810"/>
+        <p14:creationId xmlns:p14="http://schemas.microsoft.com/office/powerpoint/2010/main" val="1747735238"/>
       </p:ext>
     </p:extLst>
   </p:cSld>
@@ -2830,7 +2831,7 @@
     </p:spTree>
     <p:extLst>
       <p:ext uri="{BB962C8B-B14F-4D97-AF65-F5344CB8AC3E}">
-        <p14:creationId xmlns:p14="http://schemas.microsoft.com/office/powerpoint/2010/main" val="2015696558"/>
+        <p14:creationId xmlns:p14="http://schemas.microsoft.com/office/powerpoint/2010/main" val="1107282810"/>
       </p:ext>
     </p:extLst>
   </p:cSld>
@@ -2939,7 +2940,7 @@
     </p:spTree>
     <p:extLst>
       <p:ext uri="{BB962C8B-B14F-4D97-AF65-F5344CB8AC3E}">
-        <p14:creationId xmlns:p14="http://schemas.microsoft.com/office/powerpoint/2010/main" val="2335916655"/>
+        <p14:creationId xmlns:p14="http://schemas.microsoft.com/office/powerpoint/2010/main" val="2015696558"/>
       </p:ext>
     </p:extLst>
   </p:cSld>
@@ -3048,7 +3049,7 @@
     </p:spTree>
     <p:extLst>
       <p:ext uri="{BB962C8B-B14F-4D97-AF65-F5344CB8AC3E}">
-        <p14:creationId xmlns:p14="http://schemas.microsoft.com/office/powerpoint/2010/main" val="3483582357"/>
+        <p14:creationId xmlns:p14="http://schemas.microsoft.com/office/powerpoint/2010/main" val="2335916655"/>
       </p:ext>
     </p:extLst>
   </p:cSld>
@@ -3157,7 +3158,7 @@
     </p:spTree>
     <p:extLst>
       <p:ext uri="{BB962C8B-B14F-4D97-AF65-F5344CB8AC3E}">
-        <p14:creationId xmlns:p14="http://schemas.microsoft.com/office/powerpoint/2010/main" val="1371811005"/>
+        <p14:creationId xmlns:p14="http://schemas.microsoft.com/office/powerpoint/2010/main" val="3483582357"/>
       </p:ext>
     </p:extLst>
   </p:cSld>
@@ -3370,7 +3371,7 @@
     </p:spTree>
     <p:extLst>
       <p:ext uri="{BB962C8B-B14F-4D97-AF65-F5344CB8AC3E}">
-        <p14:creationId xmlns:p14="http://schemas.microsoft.com/office/powerpoint/2010/main" val="267478014"/>
+        <p14:creationId xmlns:p14="http://schemas.microsoft.com/office/powerpoint/2010/main" val="1371811005"/>
       </p:ext>
     </p:extLst>
   </p:cSld>
@@ -3479,7 +3480,7 @@
     </p:spTree>
     <p:extLst>
       <p:ext uri="{BB962C8B-B14F-4D97-AF65-F5344CB8AC3E}">
-        <p14:creationId xmlns:p14="http://schemas.microsoft.com/office/powerpoint/2010/main" val="2263367502"/>
+        <p14:creationId xmlns:p14="http://schemas.microsoft.com/office/powerpoint/2010/main" val="267478014"/>
       </p:ext>
     </p:extLst>
   </p:cSld>
@@ -3588,7 +3589,7 @@
     </p:spTree>
     <p:extLst>
       <p:ext uri="{BB962C8B-B14F-4D97-AF65-F5344CB8AC3E}">
-        <p14:creationId xmlns:p14="http://schemas.microsoft.com/office/powerpoint/2010/main" val="1326366084"/>
+        <p14:creationId xmlns:p14="http://schemas.microsoft.com/office/powerpoint/2010/main" val="2263367502"/>
       </p:ext>
     </p:extLst>
   </p:cSld>
@@ -3697,7 +3698,7 @@
     </p:spTree>
     <p:extLst>
       <p:ext uri="{BB962C8B-B14F-4D97-AF65-F5344CB8AC3E}">
-        <p14:creationId xmlns:p14="http://schemas.microsoft.com/office/powerpoint/2010/main" val="1998296008"/>
+        <p14:creationId xmlns:p14="http://schemas.microsoft.com/office/powerpoint/2010/main" val="1326366084"/>
       </p:ext>
     </p:extLst>
   </p:cSld>
@@ -3806,7 +3807,7 @@
     </p:spTree>
     <p:extLst>
       <p:ext uri="{BB962C8B-B14F-4D97-AF65-F5344CB8AC3E}">
-        <p14:creationId xmlns:p14="http://schemas.microsoft.com/office/powerpoint/2010/main" val="1189241218"/>
+        <p14:creationId xmlns:p14="http://schemas.microsoft.com/office/powerpoint/2010/main" val="1998296008"/>
       </p:ext>
     </p:extLst>
   </p:cSld>
@@ -3915,7 +3916,7 @@
     </p:spTree>
     <p:extLst>
       <p:ext uri="{BB962C8B-B14F-4D97-AF65-F5344CB8AC3E}">
-        <p14:creationId xmlns:p14="http://schemas.microsoft.com/office/powerpoint/2010/main" val="3211119407"/>
+        <p14:creationId xmlns:p14="http://schemas.microsoft.com/office/powerpoint/2010/main" val="1189241218"/>
       </p:ext>
     </p:extLst>
   </p:cSld>
@@ -4024,7 +4025,7 @@
     </p:spTree>
     <p:extLst>
       <p:ext uri="{BB962C8B-B14F-4D97-AF65-F5344CB8AC3E}">
-        <p14:creationId xmlns:p14="http://schemas.microsoft.com/office/powerpoint/2010/main" val="2705241415"/>
+        <p14:creationId xmlns:p14="http://schemas.microsoft.com/office/powerpoint/2010/main" val="3211119407"/>
       </p:ext>
     </p:extLst>
   </p:cSld>
@@ -4133,7 +4134,7 @@
     </p:spTree>
     <p:extLst>
       <p:ext uri="{BB962C8B-B14F-4D97-AF65-F5344CB8AC3E}">
-        <p14:creationId xmlns:p14="http://schemas.microsoft.com/office/powerpoint/2010/main" val="1209484023"/>
+        <p14:creationId xmlns:p14="http://schemas.microsoft.com/office/powerpoint/2010/main" val="2705241415"/>
       </p:ext>
     </p:extLst>
   </p:cSld>
@@ -4242,7 +4243,7 @@
     </p:spTree>
     <p:extLst>
       <p:ext uri="{BB962C8B-B14F-4D97-AF65-F5344CB8AC3E}">
-        <p14:creationId xmlns:p14="http://schemas.microsoft.com/office/powerpoint/2010/main" val="1530693142"/>
+        <p14:creationId xmlns:p14="http://schemas.microsoft.com/office/powerpoint/2010/main" val="1209484023"/>
       </p:ext>
     </p:extLst>
   </p:cSld>
@@ -4351,7 +4352,7 @@
     </p:spTree>
     <p:extLst>
       <p:ext uri="{BB962C8B-B14F-4D97-AF65-F5344CB8AC3E}">
-        <p14:creationId xmlns:p14="http://schemas.microsoft.com/office/powerpoint/2010/main" val="1154712756"/>
+        <p14:creationId xmlns:p14="http://schemas.microsoft.com/office/powerpoint/2010/main" val="1530693142"/>
       </p:ext>
     </p:extLst>
   </p:cSld>
@@ -4564,7 +4565,7 @@
     </p:spTree>
     <p:extLst>
       <p:ext uri="{BB962C8B-B14F-4D97-AF65-F5344CB8AC3E}">
-        <p14:creationId xmlns:p14="http://schemas.microsoft.com/office/powerpoint/2010/main" val="3429972689"/>
+        <p14:creationId xmlns:p14="http://schemas.microsoft.com/office/powerpoint/2010/main" val="1154712756"/>
       </p:ext>
     </p:extLst>
   </p:cSld>
@@ -4673,7 +4674,7 @@
     </p:spTree>
     <p:extLst>
       <p:ext uri="{BB962C8B-B14F-4D97-AF65-F5344CB8AC3E}">
-        <p14:creationId xmlns:p14="http://schemas.microsoft.com/office/powerpoint/2010/main" val="1311538827"/>
+        <p14:creationId xmlns:p14="http://schemas.microsoft.com/office/powerpoint/2010/main" val="3429972689"/>
       </p:ext>
     </p:extLst>
   </p:cSld>
@@ -4782,7 +4783,7 @@
     </p:spTree>
     <p:extLst>
       <p:ext uri="{BB962C8B-B14F-4D97-AF65-F5344CB8AC3E}">
-        <p14:creationId xmlns:p14="http://schemas.microsoft.com/office/powerpoint/2010/main" val="3033933718"/>
+        <p14:creationId xmlns:p14="http://schemas.microsoft.com/office/powerpoint/2010/main" val="1311538827"/>
       </p:ext>
     </p:extLst>
   </p:cSld>
@@ -4891,7 +4892,7 @@
     </p:spTree>
     <p:extLst>
       <p:ext uri="{BB962C8B-B14F-4D97-AF65-F5344CB8AC3E}">
-        <p14:creationId xmlns:p14="http://schemas.microsoft.com/office/powerpoint/2010/main" val="3592385663"/>
+        <p14:creationId xmlns:p14="http://schemas.microsoft.com/office/powerpoint/2010/main" val="3033933718"/>
       </p:ext>
     </p:extLst>
   </p:cSld>
@@ -4906,7 +4907,7 @@
   <p:cSld>
     <p:spTree>
       <p:nvGrpSpPr>
-        <p:cNvPr id="1" name="Shape 241"/>
+        <p:cNvPr id="1" name="Shape 186"/>
         <p:cNvGrpSpPr/>
         <p:nvPr/>
       </p:nvGrpSpPr>
@@ -4920,7 +4921,7 @@
       </p:grpSpPr>
       <p:sp>
         <p:nvSpPr>
-          <p:cNvPr id="242" name="Google Shape;242;g1ba2580c0f6_0_0:notes"/>
+          <p:cNvPr id="187" name="Google Shape;187;gdf29b9fb24_0_69:notes"/>
           <p:cNvSpPr>
             <a:spLocks noGrp="1" noRot="1" noChangeAspect="1"/>
           </p:cNvSpPr>
@@ -4961,7 +4962,7 @@
       </p:sp>
       <p:sp>
         <p:nvSpPr>
-          <p:cNvPr id="243" name="Google Shape;243;g1ba2580c0f6_0_0:notes"/>
+          <p:cNvPr id="188" name="Google Shape;188;gdf29b9fb24_0_69:notes"/>
           <p:cNvSpPr txBox="1">
             <a:spLocks noGrp="1"/>
           </p:cNvSpPr>
@@ -5000,7 +5001,7 @@
     </p:spTree>
     <p:extLst>
       <p:ext uri="{BB962C8B-B14F-4D97-AF65-F5344CB8AC3E}">
-        <p14:creationId xmlns:p14="http://schemas.microsoft.com/office/powerpoint/2010/main" val="1111717681"/>
+        <p14:creationId xmlns:p14="http://schemas.microsoft.com/office/powerpoint/2010/main" val="3592385663"/>
       </p:ext>
     </p:extLst>
   </p:cSld>
@@ -5109,6 +5110,115 @@
     </p:spTree>
     <p:extLst>
       <p:ext uri="{BB962C8B-B14F-4D97-AF65-F5344CB8AC3E}">
+        <p14:creationId xmlns:p14="http://schemas.microsoft.com/office/powerpoint/2010/main" val="1111717681"/>
+      </p:ext>
+    </p:extLst>
+  </p:cSld>
+  <p:clrMapOvr>
+    <a:masterClrMapping/>
+  </p:clrMapOvr>
+</p:notes>
+</file>
+
+<file path=ppt/notesSlides/notesSlide46.xml><?xml version="1.0" encoding="utf-8"?>
+<p:notes xmlns:a="http://schemas.openxmlformats.org/drawingml/2006/main" xmlns:r="http://schemas.openxmlformats.org/officeDocument/2006/relationships" xmlns:p="http://schemas.openxmlformats.org/presentationml/2006/main" showMasterSp="0" showMasterPhAnim="0">
+  <p:cSld>
+    <p:spTree>
+      <p:nvGrpSpPr>
+        <p:cNvPr id="1" name="Shape 241"/>
+        <p:cNvGrpSpPr/>
+        <p:nvPr/>
+      </p:nvGrpSpPr>
+      <p:grpSpPr>
+        <a:xfrm>
+          <a:off x="0" y="0"/>
+          <a:ext cx="0" cy="0"/>
+          <a:chOff x="0" y="0"/>
+          <a:chExt cx="0" cy="0"/>
+        </a:xfrm>
+      </p:grpSpPr>
+      <p:sp>
+        <p:nvSpPr>
+          <p:cNvPr id="242" name="Google Shape;242;g1ba2580c0f6_0_0:notes"/>
+          <p:cNvSpPr>
+            <a:spLocks noGrp="1" noRot="1" noChangeAspect="1"/>
+          </p:cNvSpPr>
+          <p:nvPr>
+            <p:ph type="sldImg" idx="2"/>
+          </p:nvPr>
+        </p:nvSpPr>
+        <p:spPr>
+          <a:xfrm>
+            <a:off x="381000" y="685800"/>
+            <a:ext cx="6096000" cy="3429000"/>
+          </a:xfrm>
+          <a:custGeom>
+            <a:avLst/>
+            <a:gdLst/>
+            <a:ahLst/>
+            <a:cxnLst/>
+            <a:rect l="l" t="t" r="r" b="b"/>
+            <a:pathLst>
+              <a:path w="120000" h="120000" extrusionOk="0">
+                <a:moveTo>
+                  <a:pt x="0" y="0"/>
+                </a:moveTo>
+                <a:lnTo>
+                  <a:pt x="120000" y="0"/>
+                </a:lnTo>
+                <a:lnTo>
+                  <a:pt x="120000" y="120000"/>
+                </a:lnTo>
+                <a:lnTo>
+                  <a:pt x="0" y="120000"/>
+                </a:lnTo>
+                <a:close/>
+              </a:path>
+            </a:pathLst>
+          </a:custGeom>
+        </p:spPr>
+      </p:sp>
+      <p:sp>
+        <p:nvSpPr>
+          <p:cNvPr id="243" name="Google Shape;243;g1ba2580c0f6_0_0:notes"/>
+          <p:cNvSpPr txBox="1">
+            <a:spLocks noGrp="1"/>
+          </p:cNvSpPr>
+          <p:nvPr>
+            <p:ph type="body" idx="1"/>
+          </p:nvPr>
+        </p:nvSpPr>
+        <p:spPr>
+          <a:xfrm>
+            <a:off x="685800" y="4343400"/>
+            <a:ext cx="5486400" cy="4114800"/>
+          </a:xfrm>
+          <a:prstGeom prst="rect">
+            <a:avLst/>
+          </a:prstGeom>
+        </p:spPr>
+        <p:txBody>
+          <a:bodyPr spcFirstLastPara="1" wrap="square" lIns="91425" tIns="91425" rIns="91425" bIns="91425" anchor="t" anchorCtr="0">
+            <a:noAutofit/>
+          </a:bodyPr>
+          <a:lstStyle/>
+          <a:p>
+            <a:pPr marL="0" lvl="0" indent="0" algn="l" rtl="0">
+              <a:spcBef>
+                <a:spcPts val="0"/>
+              </a:spcBef>
+              <a:spcAft>
+                <a:spcPts val="0"/>
+              </a:spcAft>
+              <a:buNone/>
+            </a:pPr>
+            <a:endParaRPr/>
+          </a:p>
+        </p:txBody>
+      </p:sp>
+    </p:spTree>
+    <p:extLst>
+      <p:ext uri="{BB962C8B-B14F-4D97-AF65-F5344CB8AC3E}">
         <p14:creationId xmlns:p14="http://schemas.microsoft.com/office/powerpoint/2010/main" val="4044814621"/>
       </p:ext>
     </p:extLst>
@@ -5119,7 +5229,7 @@
 </p:notes>
 </file>
 
-<file path=ppt/notesSlides/notesSlide46.xml><?xml version="1.0" encoding="utf-8"?>
+<file path=ppt/notesSlides/notesSlide47.xml><?xml version="1.0" encoding="utf-8"?>
 <p:notes xmlns:a="http://schemas.openxmlformats.org/drawingml/2006/main" xmlns:r="http://schemas.openxmlformats.org/officeDocument/2006/relationships" xmlns:p="http://schemas.openxmlformats.org/presentationml/2006/main" showMasterSp="0" showMasterPhAnim="0">
   <p:cSld>
     <p:spTree>
@@ -5219,115 +5329,6 @@
     <p:extLst>
       <p:ext uri="{BB962C8B-B14F-4D97-AF65-F5344CB8AC3E}">
         <p14:creationId xmlns:p14="http://schemas.microsoft.com/office/powerpoint/2010/main" val="1416713237"/>
-      </p:ext>
-    </p:extLst>
-  </p:cSld>
-  <p:clrMapOvr>
-    <a:masterClrMapping/>
-  </p:clrMapOvr>
-</p:notes>
-</file>
-
-<file path=ppt/notesSlides/notesSlide47.xml><?xml version="1.0" encoding="utf-8"?>
-<p:notes xmlns:a="http://schemas.openxmlformats.org/drawingml/2006/main" xmlns:r="http://schemas.openxmlformats.org/officeDocument/2006/relationships" xmlns:p="http://schemas.openxmlformats.org/presentationml/2006/main" showMasterSp="0" showMasterPhAnim="0">
-  <p:cSld>
-    <p:spTree>
-      <p:nvGrpSpPr>
-        <p:cNvPr id="1" name="Shape 186"/>
-        <p:cNvGrpSpPr/>
-        <p:nvPr/>
-      </p:nvGrpSpPr>
-      <p:grpSpPr>
-        <a:xfrm>
-          <a:off x="0" y="0"/>
-          <a:ext cx="0" cy="0"/>
-          <a:chOff x="0" y="0"/>
-          <a:chExt cx="0" cy="0"/>
-        </a:xfrm>
-      </p:grpSpPr>
-      <p:sp>
-        <p:nvSpPr>
-          <p:cNvPr id="187" name="Google Shape;187;gdf29b9fb24_0_69:notes"/>
-          <p:cNvSpPr>
-            <a:spLocks noGrp="1" noRot="1" noChangeAspect="1"/>
-          </p:cNvSpPr>
-          <p:nvPr>
-            <p:ph type="sldImg" idx="2"/>
-          </p:nvPr>
-        </p:nvSpPr>
-        <p:spPr>
-          <a:xfrm>
-            <a:off x="381000" y="685800"/>
-            <a:ext cx="6096000" cy="3429000"/>
-          </a:xfrm>
-          <a:custGeom>
-            <a:avLst/>
-            <a:gdLst/>
-            <a:ahLst/>
-            <a:cxnLst/>
-            <a:rect l="l" t="t" r="r" b="b"/>
-            <a:pathLst>
-              <a:path w="120000" h="120000" extrusionOk="0">
-                <a:moveTo>
-                  <a:pt x="0" y="0"/>
-                </a:moveTo>
-                <a:lnTo>
-                  <a:pt x="120000" y="0"/>
-                </a:lnTo>
-                <a:lnTo>
-                  <a:pt x="120000" y="120000"/>
-                </a:lnTo>
-                <a:lnTo>
-                  <a:pt x="0" y="120000"/>
-                </a:lnTo>
-                <a:close/>
-              </a:path>
-            </a:pathLst>
-          </a:custGeom>
-        </p:spPr>
-      </p:sp>
-      <p:sp>
-        <p:nvSpPr>
-          <p:cNvPr id="188" name="Google Shape;188;gdf29b9fb24_0_69:notes"/>
-          <p:cNvSpPr txBox="1">
-            <a:spLocks noGrp="1"/>
-          </p:cNvSpPr>
-          <p:nvPr>
-            <p:ph type="body" idx="1"/>
-          </p:nvPr>
-        </p:nvSpPr>
-        <p:spPr>
-          <a:xfrm>
-            <a:off x="685800" y="4343400"/>
-            <a:ext cx="5486400" cy="4114800"/>
-          </a:xfrm>
-          <a:prstGeom prst="rect">
-            <a:avLst/>
-          </a:prstGeom>
-        </p:spPr>
-        <p:txBody>
-          <a:bodyPr spcFirstLastPara="1" wrap="square" lIns="91425" tIns="91425" rIns="91425" bIns="91425" anchor="t" anchorCtr="0">
-            <a:noAutofit/>
-          </a:bodyPr>
-          <a:lstStyle/>
-          <a:p>
-            <a:pPr marL="0" lvl="0" indent="0" algn="l" rtl="0">
-              <a:spcBef>
-                <a:spcPts val="0"/>
-              </a:spcBef>
-              <a:spcAft>
-                <a:spcPts val="0"/>
-              </a:spcAft>
-              <a:buNone/>
-            </a:pPr>
-            <a:endParaRPr/>
-          </a:p>
-        </p:txBody>
-      </p:sp>
-    </p:spTree>
-    <p:extLst>
-      <p:ext uri="{BB962C8B-B14F-4D97-AF65-F5344CB8AC3E}">
-        <p14:creationId xmlns:p14="http://schemas.microsoft.com/office/powerpoint/2010/main" val="2572703397"/>
       </p:ext>
     </p:extLst>
   </p:cSld>
@@ -5436,7 +5437,7 @@
     </p:spTree>
     <p:extLst>
       <p:ext uri="{BB962C8B-B14F-4D97-AF65-F5344CB8AC3E}">
-        <p14:creationId xmlns:p14="http://schemas.microsoft.com/office/powerpoint/2010/main" val="2535795777"/>
+        <p14:creationId xmlns:p14="http://schemas.microsoft.com/office/powerpoint/2010/main" val="2572703397"/>
       </p:ext>
     </p:extLst>
   </p:cSld>
@@ -5545,7 +5546,7 @@
     </p:spTree>
     <p:extLst>
       <p:ext uri="{BB962C8B-B14F-4D97-AF65-F5344CB8AC3E}">
-        <p14:creationId xmlns:p14="http://schemas.microsoft.com/office/powerpoint/2010/main" val="3904831063"/>
+        <p14:creationId xmlns:p14="http://schemas.microsoft.com/office/powerpoint/2010/main" val="2535795777"/>
       </p:ext>
     </p:extLst>
   </p:cSld>
@@ -5758,6 +5759,115 @@
     </p:spTree>
     <p:extLst>
       <p:ext uri="{BB962C8B-B14F-4D97-AF65-F5344CB8AC3E}">
+        <p14:creationId xmlns:p14="http://schemas.microsoft.com/office/powerpoint/2010/main" val="3904831063"/>
+      </p:ext>
+    </p:extLst>
+  </p:cSld>
+  <p:clrMapOvr>
+    <a:masterClrMapping/>
+  </p:clrMapOvr>
+</p:notes>
+</file>
+
+<file path=ppt/notesSlides/notesSlide51.xml><?xml version="1.0" encoding="utf-8"?>
+<p:notes xmlns:a="http://schemas.openxmlformats.org/drawingml/2006/main" xmlns:r="http://schemas.openxmlformats.org/officeDocument/2006/relationships" xmlns:p="http://schemas.openxmlformats.org/presentationml/2006/main" showMasterSp="0" showMasterPhAnim="0">
+  <p:cSld>
+    <p:spTree>
+      <p:nvGrpSpPr>
+        <p:cNvPr id="1" name="Shape 186"/>
+        <p:cNvGrpSpPr/>
+        <p:nvPr/>
+      </p:nvGrpSpPr>
+      <p:grpSpPr>
+        <a:xfrm>
+          <a:off x="0" y="0"/>
+          <a:ext cx="0" cy="0"/>
+          <a:chOff x="0" y="0"/>
+          <a:chExt cx="0" cy="0"/>
+        </a:xfrm>
+      </p:grpSpPr>
+      <p:sp>
+        <p:nvSpPr>
+          <p:cNvPr id="187" name="Google Shape;187;gdf29b9fb24_0_69:notes"/>
+          <p:cNvSpPr>
+            <a:spLocks noGrp="1" noRot="1" noChangeAspect="1"/>
+          </p:cNvSpPr>
+          <p:nvPr>
+            <p:ph type="sldImg" idx="2"/>
+          </p:nvPr>
+        </p:nvSpPr>
+        <p:spPr>
+          <a:xfrm>
+            <a:off x="381000" y="685800"/>
+            <a:ext cx="6096000" cy="3429000"/>
+          </a:xfrm>
+          <a:custGeom>
+            <a:avLst/>
+            <a:gdLst/>
+            <a:ahLst/>
+            <a:cxnLst/>
+            <a:rect l="l" t="t" r="r" b="b"/>
+            <a:pathLst>
+              <a:path w="120000" h="120000" extrusionOk="0">
+                <a:moveTo>
+                  <a:pt x="0" y="0"/>
+                </a:moveTo>
+                <a:lnTo>
+                  <a:pt x="120000" y="0"/>
+                </a:lnTo>
+                <a:lnTo>
+                  <a:pt x="120000" y="120000"/>
+                </a:lnTo>
+                <a:lnTo>
+                  <a:pt x="0" y="120000"/>
+                </a:lnTo>
+                <a:close/>
+              </a:path>
+            </a:pathLst>
+          </a:custGeom>
+        </p:spPr>
+      </p:sp>
+      <p:sp>
+        <p:nvSpPr>
+          <p:cNvPr id="188" name="Google Shape;188;gdf29b9fb24_0_69:notes"/>
+          <p:cNvSpPr txBox="1">
+            <a:spLocks noGrp="1"/>
+          </p:cNvSpPr>
+          <p:nvPr>
+            <p:ph type="body" idx="1"/>
+          </p:nvPr>
+        </p:nvSpPr>
+        <p:spPr>
+          <a:xfrm>
+            <a:off x="685800" y="4343400"/>
+            <a:ext cx="5486400" cy="4114800"/>
+          </a:xfrm>
+          <a:prstGeom prst="rect">
+            <a:avLst/>
+          </a:prstGeom>
+        </p:spPr>
+        <p:txBody>
+          <a:bodyPr spcFirstLastPara="1" wrap="square" lIns="91425" tIns="91425" rIns="91425" bIns="91425" anchor="t" anchorCtr="0">
+            <a:noAutofit/>
+          </a:bodyPr>
+          <a:lstStyle/>
+          <a:p>
+            <a:pPr marL="0" lvl="0" indent="0" algn="l" rtl="0">
+              <a:spcBef>
+                <a:spcPts val="0"/>
+              </a:spcBef>
+              <a:spcAft>
+                <a:spcPts val="0"/>
+              </a:spcAft>
+              <a:buNone/>
+            </a:pPr>
+            <a:endParaRPr/>
+          </a:p>
+        </p:txBody>
+      </p:sp>
+    </p:spTree>
+    <p:extLst>
+      <p:ext uri="{BB962C8B-B14F-4D97-AF65-F5344CB8AC3E}">
         <p14:creationId xmlns:p14="http://schemas.microsoft.com/office/powerpoint/2010/main" val="2569955842"/>
       </p:ext>
     </p:extLst>
@@ -5768,7 +5878,7 @@
 </p:notes>
 </file>
 
-<file path=ppt/notesSlides/notesSlide51.xml><?xml version="1.0" encoding="utf-8"?>
+<file path=ppt/notesSlides/notesSlide52.xml><?xml version="1.0" encoding="utf-8"?>
 <p:notes xmlns:a="http://schemas.openxmlformats.org/drawingml/2006/main" xmlns:r="http://schemas.openxmlformats.org/officeDocument/2006/relationships" xmlns:p="http://schemas.openxmlformats.org/presentationml/2006/main" showMasterSp="0" showMasterPhAnim="0">
   <p:cSld>
     <p:spTree>
@@ -5868,115 +5978,6 @@
     <p:extLst>
       <p:ext uri="{BB962C8B-B14F-4D97-AF65-F5344CB8AC3E}">
         <p14:creationId xmlns:p14="http://schemas.microsoft.com/office/powerpoint/2010/main" val="3383073043"/>
-      </p:ext>
-    </p:extLst>
-  </p:cSld>
-  <p:clrMapOvr>
-    <a:masterClrMapping/>
-  </p:clrMapOvr>
-</p:notes>
-</file>
-
-<file path=ppt/notesSlides/notesSlide52.xml><?xml version="1.0" encoding="utf-8"?>
-<p:notes xmlns:a="http://schemas.openxmlformats.org/drawingml/2006/main" xmlns:r="http://schemas.openxmlformats.org/officeDocument/2006/relationships" xmlns:p="http://schemas.openxmlformats.org/presentationml/2006/main" showMasterSp="0" showMasterPhAnim="0">
-  <p:cSld>
-    <p:spTree>
-      <p:nvGrpSpPr>
-        <p:cNvPr id="1" name="Shape 186"/>
-        <p:cNvGrpSpPr/>
-        <p:nvPr/>
-      </p:nvGrpSpPr>
-      <p:grpSpPr>
-        <a:xfrm>
-          <a:off x="0" y="0"/>
-          <a:ext cx="0" cy="0"/>
-          <a:chOff x="0" y="0"/>
-          <a:chExt cx="0" cy="0"/>
-        </a:xfrm>
-      </p:grpSpPr>
-      <p:sp>
-        <p:nvSpPr>
-          <p:cNvPr id="187" name="Google Shape;187;gdf29b9fb24_0_69:notes"/>
-          <p:cNvSpPr>
-            <a:spLocks noGrp="1" noRot="1" noChangeAspect="1"/>
-          </p:cNvSpPr>
-          <p:nvPr>
-            <p:ph type="sldImg" idx="2"/>
-          </p:nvPr>
-        </p:nvSpPr>
-        <p:spPr>
-          <a:xfrm>
-            <a:off x="381000" y="685800"/>
-            <a:ext cx="6096000" cy="3429000"/>
-          </a:xfrm>
-          <a:custGeom>
-            <a:avLst/>
-            <a:gdLst/>
-            <a:ahLst/>
-            <a:cxnLst/>
-            <a:rect l="l" t="t" r="r" b="b"/>
-            <a:pathLst>
-              <a:path w="120000" h="120000" extrusionOk="0">
-                <a:moveTo>
-                  <a:pt x="0" y="0"/>
-                </a:moveTo>
-                <a:lnTo>
-                  <a:pt x="120000" y="0"/>
-                </a:lnTo>
-                <a:lnTo>
-                  <a:pt x="120000" y="120000"/>
-                </a:lnTo>
-                <a:lnTo>
-                  <a:pt x="0" y="120000"/>
-                </a:lnTo>
-                <a:close/>
-              </a:path>
-            </a:pathLst>
-          </a:custGeom>
-        </p:spPr>
-      </p:sp>
-      <p:sp>
-        <p:nvSpPr>
-          <p:cNvPr id="188" name="Google Shape;188;gdf29b9fb24_0_69:notes"/>
-          <p:cNvSpPr txBox="1">
-            <a:spLocks noGrp="1"/>
-          </p:cNvSpPr>
-          <p:nvPr>
-            <p:ph type="body" idx="1"/>
-          </p:nvPr>
-        </p:nvSpPr>
-        <p:spPr>
-          <a:xfrm>
-            <a:off x="685800" y="4343400"/>
-            <a:ext cx="5486400" cy="4114800"/>
-          </a:xfrm>
-          <a:prstGeom prst="rect">
-            <a:avLst/>
-          </a:prstGeom>
-        </p:spPr>
-        <p:txBody>
-          <a:bodyPr spcFirstLastPara="1" wrap="square" lIns="91425" tIns="91425" rIns="91425" bIns="91425" anchor="t" anchorCtr="0">
-            <a:noAutofit/>
-          </a:bodyPr>
-          <a:lstStyle/>
-          <a:p>
-            <a:pPr marL="0" lvl="0" indent="0" algn="l" rtl="0">
-              <a:spcBef>
-                <a:spcPts val="0"/>
-              </a:spcBef>
-              <a:spcAft>
-                <a:spcPts val="0"/>
-              </a:spcAft>
-              <a:buNone/>
-            </a:pPr>
-            <a:endParaRPr/>
-          </a:p>
-        </p:txBody>
-      </p:sp>
-    </p:spTree>
-    <p:extLst>
-      <p:ext uri="{BB962C8B-B14F-4D97-AF65-F5344CB8AC3E}">
-        <p14:creationId xmlns:p14="http://schemas.microsoft.com/office/powerpoint/2010/main" val="1101980471"/>
       </p:ext>
     </p:extLst>
   </p:cSld>
@@ -6085,7 +6086,7 @@
     </p:spTree>
     <p:extLst>
       <p:ext uri="{BB962C8B-B14F-4D97-AF65-F5344CB8AC3E}">
-        <p14:creationId xmlns:p14="http://schemas.microsoft.com/office/powerpoint/2010/main" val="898708587"/>
+        <p14:creationId xmlns:p14="http://schemas.microsoft.com/office/powerpoint/2010/main" val="1101980471"/>
       </p:ext>
     </p:extLst>
   </p:cSld>
@@ -6194,7 +6195,7 @@
     </p:spTree>
     <p:extLst>
       <p:ext uri="{BB962C8B-B14F-4D97-AF65-F5344CB8AC3E}">
-        <p14:creationId xmlns:p14="http://schemas.microsoft.com/office/powerpoint/2010/main" val="1783777276"/>
+        <p14:creationId xmlns:p14="http://schemas.microsoft.com/office/powerpoint/2010/main" val="898708587"/>
       </p:ext>
     </p:extLst>
   </p:cSld>
@@ -6303,7 +6304,7 @@
     </p:spTree>
     <p:extLst>
       <p:ext uri="{BB962C8B-B14F-4D97-AF65-F5344CB8AC3E}">
-        <p14:creationId xmlns:p14="http://schemas.microsoft.com/office/powerpoint/2010/main" val="3929969615"/>
+        <p14:creationId xmlns:p14="http://schemas.microsoft.com/office/powerpoint/2010/main" val="1783777276"/>
       </p:ext>
     </p:extLst>
   </p:cSld>
@@ -6412,7 +6413,7 @@
     </p:spTree>
     <p:extLst>
       <p:ext uri="{BB962C8B-B14F-4D97-AF65-F5344CB8AC3E}">
-        <p14:creationId xmlns:p14="http://schemas.microsoft.com/office/powerpoint/2010/main" val="1634030739"/>
+        <p14:creationId xmlns:p14="http://schemas.microsoft.com/office/powerpoint/2010/main" val="3929969615"/>
       </p:ext>
     </p:extLst>
   </p:cSld>
@@ -6427,7 +6428,7 @@
   <p:cSld>
     <p:spTree>
       <p:nvGrpSpPr>
-        <p:cNvPr id="1" name="Shape 241"/>
+        <p:cNvPr id="1" name="Shape 186"/>
         <p:cNvGrpSpPr/>
         <p:nvPr/>
       </p:nvGrpSpPr>
@@ -6441,7 +6442,7 @@
       </p:grpSpPr>
       <p:sp>
         <p:nvSpPr>
-          <p:cNvPr id="242" name="Google Shape;242;g1ba2580c0f6_0_0:notes"/>
+          <p:cNvPr id="187" name="Google Shape;187;gdf29b9fb24_0_69:notes"/>
           <p:cNvSpPr>
             <a:spLocks noGrp="1" noRot="1" noChangeAspect="1"/>
           </p:cNvSpPr>
@@ -6482,7 +6483,7 @@
       </p:sp>
       <p:sp>
         <p:nvSpPr>
-          <p:cNvPr id="243" name="Google Shape;243;g1ba2580c0f6_0_0:notes"/>
+          <p:cNvPr id="188" name="Google Shape;188;gdf29b9fb24_0_69:notes"/>
           <p:cNvSpPr txBox="1">
             <a:spLocks noGrp="1"/>
           </p:cNvSpPr>
@@ -6519,6 +6520,11 @@
         </p:txBody>
       </p:sp>
     </p:spTree>
+    <p:extLst>
+      <p:ext uri="{BB962C8B-B14F-4D97-AF65-F5344CB8AC3E}">
+        <p14:creationId xmlns:p14="http://schemas.microsoft.com/office/powerpoint/2010/main" val="1634030739"/>
+      </p:ext>
+    </p:extLst>
   </p:cSld>
   <p:clrMapOvr>
     <a:masterClrMapping/>
@@ -6623,11 +6629,6 @@
         </p:txBody>
       </p:sp>
     </p:spTree>
-    <p:extLst>
-      <p:ext uri="{BB962C8B-B14F-4D97-AF65-F5344CB8AC3E}">
-        <p14:creationId xmlns:p14="http://schemas.microsoft.com/office/powerpoint/2010/main" val="2681194447"/>
-      </p:ext>
-    </p:extLst>
   </p:cSld>
   <p:clrMapOvr>
     <a:masterClrMapping/>
@@ -6734,7 +6735,7 @@
     </p:spTree>
     <p:extLst>
       <p:ext uri="{BB962C8B-B14F-4D97-AF65-F5344CB8AC3E}">
-        <p14:creationId xmlns:p14="http://schemas.microsoft.com/office/powerpoint/2010/main" val="4100608620"/>
+        <p14:creationId xmlns:p14="http://schemas.microsoft.com/office/powerpoint/2010/main" val="2681194447"/>
       </p:ext>
     </p:extLst>
   </p:cSld>
@@ -6749,7 +6750,7 @@
   <p:cSld>
     <p:spTree>
       <p:nvGrpSpPr>
-        <p:cNvPr id="1" name="Shape 158"/>
+        <p:cNvPr id="1" name="Shape 142"/>
         <p:cNvGrpSpPr/>
         <p:nvPr/>
       </p:nvGrpSpPr>
@@ -6763,7 +6764,7 @@
       </p:grpSpPr>
       <p:sp>
         <p:nvSpPr>
-          <p:cNvPr id="159" name="Google Shape;159;gdf29b9fb24_0_34:notes"/>
+          <p:cNvPr id="143" name="Google Shape;143;gde823becd0_0_54:notes"/>
           <p:cNvSpPr>
             <a:spLocks noGrp="1" noRot="1" noChangeAspect="1"/>
           </p:cNvSpPr>
@@ -6804,7 +6805,7 @@
       </p:sp>
       <p:sp>
         <p:nvSpPr>
-          <p:cNvPr id="160" name="Google Shape;160;gdf29b9fb24_0_34:notes"/>
+          <p:cNvPr id="144" name="Google Shape;144;gde823becd0_0_54:notes"/>
           <p:cNvSpPr txBox="1">
             <a:spLocks noGrp="1"/>
           </p:cNvSpPr>
@@ -6841,6 +6842,11 @@
         </p:txBody>
       </p:sp>
     </p:spTree>
+    <p:extLst>
+      <p:ext uri="{BB962C8B-B14F-4D97-AF65-F5344CB8AC3E}">
+        <p14:creationId xmlns:p14="http://schemas.microsoft.com/office/powerpoint/2010/main" val="1959429455"/>
+      </p:ext>
+    </p:extLst>
   </p:cSld>
   <p:clrMapOvr>
     <a:masterClrMapping/>
@@ -6947,6 +6953,115 @@
     </p:spTree>
     <p:extLst>
       <p:ext uri="{BB962C8B-B14F-4D97-AF65-F5344CB8AC3E}">
+        <p14:creationId xmlns:p14="http://schemas.microsoft.com/office/powerpoint/2010/main" val="4100608620"/>
+      </p:ext>
+    </p:extLst>
+  </p:cSld>
+  <p:clrMapOvr>
+    <a:masterClrMapping/>
+  </p:clrMapOvr>
+</p:notes>
+</file>
+
+<file path=ppt/notesSlides/notesSlide61.xml><?xml version="1.0" encoding="utf-8"?>
+<p:notes xmlns:a="http://schemas.openxmlformats.org/drawingml/2006/main" xmlns:r="http://schemas.openxmlformats.org/officeDocument/2006/relationships" xmlns:p="http://schemas.openxmlformats.org/presentationml/2006/main" showMasterSp="0" showMasterPhAnim="0">
+  <p:cSld>
+    <p:spTree>
+      <p:nvGrpSpPr>
+        <p:cNvPr id="1" name="Shape 241"/>
+        <p:cNvGrpSpPr/>
+        <p:nvPr/>
+      </p:nvGrpSpPr>
+      <p:grpSpPr>
+        <a:xfrm>
+          <a:off x="0" y="0"/>
+          <a:ext cx="0" cy="0"/>
+          <a:chOff x="0" y="0"/>
+          <a:chExt cx="0" cy="0"/>
+        </a:xfrm>
+      </p:grpSpPr>
+      <p:sp>
+        <p:nvSpPr>
+          <p:cNvPr id="242" name="Google Shape;242;g1ba2580c0f6_0_0:notes"/>
+          <p:cNvSpPr>
+            <a:spLocks noGrp="1" noRot="1" noChangeAspect="1"/>
+          </p:cNvSpPr>
+          <p:nvPr>
+            <p:ph type="sldImg" idx="2"/>
+          </p:nvPr>
+        </p:nvSpPr>
+        <p:spPr>
+          <a:xfrm>
+            <a:off x="381000" y="685800"/>
+            <a:ext cx="6096000" cy="3429000"/>
+          </a:xfrm>
+          <a:custGeom>
+            <a:avLst/>
+            <a:gdLst/>
+            <a:ahLst/>
+            <a:cxnLst/>
+            <a:rect l="l" t="t" r="r" b="b"/>
+            <a:pathLst>
+              <a:path w="120000" h="120000" extrusionOk="0">
+                <a:moveTo>
+                  <a:pt x="0" y="0"/>
+                </a:moveTo>
+                <a:lnTo>
+                  <a:pt x="120000" y="0"/>
+                </a:lnTo>
+                <a:lnTo>
+                  <a:pt x="120000" y="120000"/>
+                </a:lnTo>
+                <a:lnTo>
+                  <a:pt x="0" y="120000"/>
+                </a:lnTo>
+                <a:close/>
+              </a:path>
+            </a:pathLst>
+          </a:custGeom>
+        </p:spPr>
+      </p:sp>
+      <p:sp>
+        <p:nvSpPr>
+          <p:cNvPr id="243" name="Google Shape;243;g1ba2580c0f6_0_0:notes"/>
+          <p:cNvSpPr txBox="1">
+            <a:spLocks noGrp="1"/>
+          </p:cNvSpPr>
+          <p:nvPr>
+            <p:ph type="body" idx="1"/>
+          </p:nvPr>
+        </p:nvSpPr>
+        <p:spPr>
+          <a:xfrm>
+            <a:off x="685800" y="4343400"/>
+            <a:ext cx="5486400" cy="4114800"/>
+          </a:xfrm>
+          <a:prstGeom prst="rect">
+            <a:avLst/>
+          </a:prstGeom>
+        </p:spPr>
+        <p:txBody>
+          <a:bodyPr spcFirstLastPara="1" wrap="square" lIns="91425" tIns="91425" rIns="91425" bIns="91425" anchor="t" anchorCtr="0">
+            <a:noAutofit/>
+          </a:bodyPr>
+          <a:lstStyle/>
+          <a:p>
+            <a:pPr marL="0" lvl="0" indent="0" algn="l" rtl="0">
+              <a:spcBef>
+                <a:spcPts val="0"/>
+              </a:spcBef>
+              <a:spcAft>
+                <a:spcPts val="0"/>
+              </a:spcAft>
+              <a:buNone/>
+            </a:pPr>
+            <a:endParaRPr/>
+          </a:p>
+        </p:txBody>
+      </p:sp>
+    </p:spTree>
+    <p:extLst>
+      <p:ext uri="{BB962C8B-B14F-4D97-AF65-F5344CB8AC3E}">
         <p14:creationId xmlns:p14="http://schemas.microsoft.com/office/powerpoint/2010/main" val="3747253100"/>
       </p:ext>
     </p:extLst>
@@ -6957,7 +7072,7 @@
 </p:notes>
 </file>
 
-<file path=ppt/notesSlides/notesSlide61.xml><?xml version="1.0" encoding="utf-8"?>
+<file path=ppt/notesSlides/notesSlide62.xml><?xml version="1.0" encoding="utf-8"?>
 <p:notes xmlns:a="http://schemas.openxmlformats.org/drawingml/2006/main" xmlns:r="http://schemas.openxmlformats.org/officeDocument/2006/relationships" xmlns:p="http://schemas.openxmlformats.org/presentationml/2006/main" showMasterSp="0" showMasterPhAnim="0">
   <p:cSld>
     <p:spTree>
@@ -7018,110 +7133,6 @@
       <p:sp>
         <p:nvSpPr>
           <p:cNvPr id="301" name="Google Shape;301;gdf6222e6af_0_23:notes"/>
-          <p:cNvSpPr txBox="1">
-            <a:spLocks noGrp="1"/>
-          </p:cNvSpPr>
-          <p:nvPr>
-            <p:ph type="body" idx="1"/>
-          </p:nvPr>
-        </p:nvSpPr>
-        <p:spPr>
-          <a:xfrm>
-            <a:off x="685800" y="4343400"/>
-            <a:ext cx="5486400" cy="4114800"/>
-          </a:xfrm>
-          <a:prstGeom prst="rect">
-            <a:avLst/>
-          </a:prstGeom>
-        </p:spPr>
-        <p:txBody>
-          <a:bodyPr spcFirstLastPara="1" wrap="square" lIns="91425" tIns="91425" rIns="91425" bIns="91425" anchor="t" anchorCtr="0">
-            <a:noAutofit/>
-          </a:bodyPr>
-          <a:lstStyle/>
-          <a:p>
-            <a:pPr marL="0" lvl="0" indent="0" algn="l" rtl="0">
-              <a:spcBef>
-                <a:spcPts val="0"/>
-              </a:spcBef>
-              <a:spcAft>
-                <a:spcPts val="0"/>
-              </a:spcAft>
-              <a:buNone/>
-            </a:pPr>
-            <a:endParaRPr/>
-          </a:p>
-        </p:txBody>
-      </p:sp>
-    </p:spTree>
-  </p:cSld>
-  <p:clrMapOvr>
-    <a:masterClrMapping/>
-  </p:clrMapOvr>
-</p:notes>
-</file>
-
-<file path=ppt/notesSlides/notesSlide62.xml><?xml version="1.0" encoding="utf-8"?>
-<p:notes xmlns:a="http://schemas.openxmlformats.org/drawingml/2006/main" xmlns:r="http://schemas.openxmlformats.org/officeDocument/2006/relationships" xmlns:p="http://schemas.openxmlformats.org/presentationml/2006/main" showMasterSp="0" showMasterPhAnim="0">
-  <p:cSld>
-    <p:spTree>
-      <p:nvGrpSpPr>
-        <p:cNvPr id="1" name="Shape 304"/>
-        <p:cNvGrpSpPr/>
-        <p:nvPr/>
-      </p:nvGrpSpPr>
-      <p:grpSpPr>
-        <a:xfrm>
-          <a:off x="0" y="0"/>
-          <a:ext cx="0" cy="0"/>
-          <a:chOff x="0" y="0"/>
-          <a:chExt cx="0" cy="0"/>
-        </a:xfrm>
-      </p:grpSpPr>
-      <p:sp>
-        <p:nvSpPr>
-          <p:cNvPr id="305" name="Google Shape;305;gdf6222e6af_0_28:notes"/>
-          <p:cNvSpPr>
-            <a:spLocks noGrp="1" noRot="1" noChangeAspect="1"/>
-          </p:cNvSpPr>
-          <p:nvPr>
-            <p:ph type="sldImg" idx="2"/>
-          </p:nvPr>
-        </p:nvSpPr>
-        <p:spPr>
-          <a:xfrm>
-            <a:off x="381000" y="685800"/>
-            <a:ext cx="6096000" cy="3429000"/>
-          </a:xfrm>
-          <a:custGeom>
-            <a:avLst/>
-            <a:gdLst/>
-            <a:ahLst/>
-            <a:cxnLst/>
-            <a:rect l="l" t="t" r="r" b="b"/>
-            <a:pathLst>
-              <a:path w="120000" h="120000" extrusionOk="0">
-                <a:moveTo>
-                  <a:pt x="0" y="0"/>
-                </a:moveTo>
-                <a:lnTo>
-                  <a:pt x="120000" y="0"/>
-                </a:lnTo>
-                <a:lnTo>
-                  <a:pt x="120000" y="120000"/>
-                </a:lnTo>
-                <a:lnTo>
-                  <a:pt x="0" y="120000"/>
-                </a:lnTo>
-                <a:close/>
-              </a:path>
-            </a:pathLst>
-          </a:custGeom>
-        </p:spPr>
-      </p:sp>
-      <p:sp>
-        <p:nvSpPr>
-          <p:cNvPr id="306" name="Google Shape;306;gdf6222e6af_0_28:notes"/>
           <p:cNvSpPr txBox="1">
             <a:spLocks noGrp="1"/>
           </p:cNvSpPr>
@@ -7262,11 +7273,6 @@
         </p:txBody>
       </p:sp>
     </p:spTree>
-    <p:extLst>
-      <p:ext uri="{BB962C8B-B14F-4D97-AF65-F5344CB8AC3E}">
-        <p14:creationId xmlns:p14="http://schemas.microsoft.com/office/powerpoint/2010/main" val="2630834211"/>
-      </p:ext>
-    </p:extLst>
   </p:cSld>
   <p:clrMapOvr>
     <a:masterClrMapping/>
@@ -7373,6 +7379,115 @@
     </p:spTree>
     <p:extLst>
       <p:ext uri="{BB962C8B-B14F-4D97-AF65-F5344CB8AC3E}">
+        <p14:creationId xmlns:p14="http://schemas.microsoft.com/office/powerpoint/2010/main" val="2630834211"/>
+      </p:ext>
+    </p:extLst>
+  </p:cSld>
+  <p:clrMapOvr>
+    <a:masterClrMapping/>
+  </p:clrMapOvr>
+</p:notes>
+</file>
+
+<file path=ppt/notesSlides/notesSlide65.xml><?xml version="1.0" encoding="utf-8"?>
+<p:notes xmlns:a="http://schemas.openxmlformats.org/drawingml/2006/main" xmlns:r="http://schemas.openxmlformats.org/officeDocument/2006/relationships" xmlns:p="http://schemas.openxmlformats.org/presentationml/2006/main" showMasterSp="0" showMasterPhAnim="0">
+  <p:cSld>
+    <p:spTree>
+      <p:nvGrpSpPr>
+        <p:cNvPr id="1" name="Shape 304"/>
+        <p:cNvGrpSpPr/>
+        <p:nvPr/>
+      </p:nvGrpSpPr>
+      <p:grpSpPr>
+        <a:xfrm>
+          <a:off x="0" y="0"/>
+          <a:ext cx="0" cy="0"/>
+          <a:chOff x="0" y="0"/>
+          <a:chExt cx="0" cy="0"/>
+        </a:xfrm>
+      </p:grpSpPr>
+      <p:sp>
+        <p:nvSpPr>
+          <p:cNvPr id="305" name="Google Shape;305;gdf6222e6af_0_28:notes"/>
+          <p:cNvSpPr>
+            <a:spLocks noGrp="1" noRot="1" noChangeAspect="1"/>
+          </p:cNvSpPr>
+          <p:nvPr>
+            <p:ph type="sldImg" idx="2"/>
+          </p:nvPr>
+        </p:nvSpPr>
+        <p:spPr>
+          <a:xfrm>
+            <a:off x="381000" y="685800"/>
+            <a:ext cx="6096000" cy="3429000"/>
+          </a:xfrm>
+          <a:custGeom>
+            <a:avLst/>
+            <a:gdLst/>
+            <a:ahLst/>
+            <a:cxnLst/>
+            <a:rect l="l" t="t" r="r" b="b"/>
+            <a:pathLst>
+              <a:path w="120000" h="120000" extrusionOk="0">
+                <a:moveTo>
+                  <a:pt x="0" y="0"/>
+                </a:moveTo>
+                <a:lnTo>
+                  <a:pt x="120000" y="0"/>
+                </a:lnTo>
+                <a:lnTo>
+                  <a:pt x="120000" y="120000"/>
+                </a:lnTo>
+                <a:lnTo>
+                  <a:pt x="0" y="120000"/>
+                </a:lnTo>
+                <a:close/>
+              </a:path>
+            </a:pathLst>
+          </a:custGeom>
+        </p:spPr>
+      </p:sp>
+      <p:sp>
+        <p:nvSpPr>
+          <p:cNvPr id="306" name="Google Shape;306;gdf6222e6af_0_28:notes"/>
+          <p:cNvSpPr txBox="1">
+            <a:spLocks noGrp="1"/>
+          </p:cNvSpPr>
+          <p:nvPr>
+            <p:ph type="body" idx="1"/>
+          </p:nvPr>
+        </p:nvSpPr>
+        <p:spPr>
+          <a:xfrm>
+            <a:off x="685800" y="4343400"/>
+            <a:ext cx="5486400" cy="4114800"/>
+          </a:xfrm>
+          <a:prstGeom prst="rect">
+            <a:avLst/>
+          </a:prstGeom>
+        </p:spPr>
+        <p:txBody>
+          <a:bodyPr spcFirstLastPara="1" wrap="square" lIns="91425" tIns="91425" rIns="91425" bIns="91425" anchor="t" anchorCtr="0">
+            <a:noAutofit/>
+          </a:bodyPr>
+          <a:lstStyle/>
+          <a:p>
+            <a:pPr marL="0" lvl="0" indent="0" algn="l" rtl="0">
+              <a:spcBef>
+                <a:spcPts val="0"/>
+              </a:spcBef>
+              <a:spcAft>
+                <a:spcPts val="0"/>
+              </a:spcAft>
+              <a:buNone/>
+            </a:pPr>
+            <a:endParaRPr/>
+          </a:p>
+        </p:txBody>
+      </p:sp>
+    </p:spTree>
+    <p:extLst>
+      <p:ext uri="{BB962C8B-B14F-4D97-AF65-F5344CB8AC3E}">
         <p14:creationId xmlns:p14="http://schemas.microsoft.com/office/powerpoint/2010/main" val="1861476207"/>
       </p:ext>
     </p:extLst>
@@ -7383,7 +7498,7 @@
 </p:notes>
 </file>
 
-<file path=ppt/notesSlides/notesSlide65.xml><?xml version="1.0" encoding="utf-8"?>
+<file path=ppt/notesSlides/notesSlide66.xml><?xml version="1.0" encoding="utf-8"?>
 <p:notes xmlns:a="http://schemas.openxmlformats.org/drawingml/2006/main" xmlns:r="http://schemas.openxmlformats.org/officeDocument/2006/relationships" xmlns:p="http://schemas.openxmlformats.org/presentationml/2006/main" showMasterSp="0" showMasterPhAnim="0">
   <p:cSld>
     <p:spTree>
@@ -7584,11 +7699,6 @@
         </p:txBody>
       </p:sp>
     </p:spTree>
-    <p:extLst>
-      <p:ext uri="{BB962C8B-B14F-4D97-AF65-F5344CB8AC3E}">
-        <p14:creationId xmlns:p14="http://schemas.microsoft.com/office/powerpoint/2010/main" val="2188711503"/>
-      </p:ext>
-    </p:extLst>
   </p:cSld>
   <p:clrMapOvr>
     <a:masterClrMapping/>
@@ -7695,7 +7805,7 @@
     </p:spTree>
     <p:extLst>
       <p:ext uri="{BB962C8B-B14F-4D97-AF65-F5344CB8AC3E}">
-        <p14:creationId xmlns:p14="http://schemas.microsoft.com/office/powerpoint/2010/main" val="1912638393"/>
+        <p14:creationId xmlns:p14="http://schemas.microsoft.com/office/powerpoint/2010/main" val="2188711503"/>
       </p:ext>
     </p:extLst>
   </p:cSld>
@@ -7804,7 +7914,7 @@
     </p:spTree>
     <p:extLst>
       <p:ext uri="{BB962C8B-B14F-4D97-AF65-F5344CB8AC3E}">
-        <p14:creationId xmlns:p14="http://schemas.microsoft.com/office/powerpoint/2010/main" val="3217718675"/>
+        <p14:creationId xmlns:p14="http://schemas.microsoft.com/office/powerpoint/2010/main" val="1912638393"/>
       </p:ext>
     </p:extLst>
   </p:cSld>
@@ -13178,6 +13288,829 @@
   <p:cSld>
     <p:spTree>
       <p:nvGrpSpPr>
+        <p:cNvPr id="1" name="Shape 161"/>
+        <p:cNvGrpSpPr/>
+        <p:nvPr/>
+      </p:nvGrpSpPr>
+      <p:grpSpPr>
+        <a:xfrm>
+          <a:off x="0" y="0"/>
+          <a:ext cx="0" cy="0"/>
+          <a:chOff x="0" y="0"/>
+          <a:chExt cx="0" cy="0"/>
+        </a:xfrm>
+      </p:grpSpPr>
+      <p:sp>
+        <p:nvSpPr>
+          <p:cNvPr id="162" name="Google Shape;162;p23"/>
+          <p:cNvSpPr txBox="1">
+            <a:spLocks noGrp="1"/>
+          </p:cNvSpPr>
+          <p:nvPr>
+            <p:ph type="title"/>
+          </p:nvPr>
+        </p:nvSpPr>
+        <p:spPr>
+          <a:xfrm>
+            <a:off x="500550" y="330724"/>
+            <a:ext cx="8520600" cy="1095900"/>
+          </a:xfrm>
+          <a:prstGeom prst="rect">
+            <a:avLst/>
+          </a:prstGeom>
+        </p:spPr>
+        <p:txBody>
+          <a:bodyPr spcFirstLastPara="1" wrap="square" lIns="91425" tIns="91425" rIns="91425" bIns="91425" anchor="t" anchorCtr="0">
+            <a:noAutofit/>
+          </a:bodyPr>
+          <a:lstStyle/>
+          <a:p>
+            <a:pPr marL="0" lvl="0" indent="0" algn="l" rtl="0">
+              <a:spcBef>
+                <a:spcPts val="0"/>
+              </a:spcBef>
+              <a:spcAft>
+                <a:spcPts val="0"/>
+              </a:spcAft>
+              <a:buNone/>
+            </a:pPr>
+            <a:r>
+              <a:rPr lang="ru"/>
+              <a:t>Цели вебинара</a:t>
+            </a:r>
+            <a:endParaRPr/>
+          </a:p>
+        </p:txBody>
+      </p:sp>
+      <p:graphicFrame>
+        <p:nvGraphicFramePr>
+          <p:cNvPr id="163" name="Google Shape;163;p23"/>
+          <p:cNvGraphicFramePr/>
+          <p:nvPr/>
+        </p:nvGraphicFramePr>
+        <p:xfrm>
+          <a:off x="952500" y="1544194"/>
+          <a:ext cx="7239000" cy="1397216"/>
+        </p:xfrm>
+        <a:graphic>
+          <a:graphicData uri="http://schemas.openxmlformats.org/drawingml/2006/table">
+            <a:tbl>
+              <a:tblPr>
+                <a:noFill/>
+                <a:tableStyleId>{897BA397-AA66-4ACA-B219-5C7939199CAB}</a:tableStyleId>
+              </a:tblPr>
+              <a:tblGrid>
+                <a:gridCol w="489425">
+                  <a:extLst>
+                    <a:ext uri="{9D8B030D-6E8A-4147-A177-3AD203B41FA5}">
+                      <a16:colId xmlns:a16="http://schemas.microsoft.com/office/drawing/2014/main" val="20000"/>
+                    </a:ext>
+                  </a:extLst>
+                </a:gridCol>
+                <a:gridCol w="6749575">
+                  <a:extLst>
+                    <a:ext uri="{9D8B030D-6E8A-4147-A177-3AD203B41FA5}">
+                      <a16:colId xmlns:a16="http://schemas.microsoft.com/office/drawing/2014/main" val="20001"/>
+                    </a:ext>
+                  </a:extLst>
+                </a:gridCol>
+              </a:tblGrid>
+              <a:tr h="285750">
+                <a:tc>
+                  <a:txBody>
+                    <a:bodyPr/>
+                    <a:lstStyle/>
+                    <a:p>
+                      <a:pPr marL="0" lvl="0" indent="0" algn="l" rtl="0">
+                        <a:spcBef>
+                          <a:spcPts val="0"/>
+                        </a:spcBef>
+                        <a:spcAft>
+                          <a:spcPts val="0"/>
+                        </a:spcAft>
+                        <a:buNone/>
+                      </a:pPr>
+                      <a:r>
+                        <a:rPr lang="ru" sz="1300" b="1">
+                          <a:solidFill>
+                            <a:srgbClr val="FF9900"/>
+                          </a:solidFill>
+                          <a:latin typeface="Roboto"/>
+                          <a:ea typeface="Roboto"/>
+                          <a:cs typeface="Roboto"/>
+                          <a:sym typeface="Roboto"/>
+                        </a:rPr>
+                        <a:t>1.</a:t>
+                      </a:r>
+                      <a:endParaRPr sz="1300" b="1">
+                        <a:solidFill>
+                          <a:srgbClr val="FF9900"/>
+                        </a:solidFill>
+                        <a:latin typeface="Roboto"/>
+                        <a:ea typeface="Roboto"/>
+                        <a:cs typeface="Roboto"/>
+                        <a:sym typeface="Roboto"/>
+                      </a:endParaRPr>
+                    </a:p>
+                  </a:txBody>
+                  <a:tcPr marL="198000" marR="91425" marT="68575" marB="68575">
+                    <a:lnL w="9525" cap="flat" cmpd="sng">
+                      <a:solidFill>
+                        <a:srgbClr val="BFC1F0">
+                          <a:alpha val="0"/>
+                        </a:srgbClr>
+                      </a:solidFill>
+                      <a:prstDash val="solid"/>
+                      <a:round/>
+                      <a:headEnd type="none" w="sm" len="sm"/>
+                      <a:tailEnd type="none" w="sm" len="sm"/>
+                    </a:lnL>
+                    <a:lnR w="9525" cap="flat" cmpd="sng">
+                      <a:solidFill>
+                        <a:schemeClr val="lt1"/>
+                      </a:solidFill>
+                      <a:prstDash val="solid"/>
+                      <a:round/>
+                      <a:headEnd type="none" w="sm" len="sm"/>
+                      <a:tailEnd type="none" w="sm" len="sm"/>
+                    </a:lnR>
+                    <a:lnT w="9525" cap="flat" cmpd="sng">
+                      <a:solidFill>
+                        <a:srgbClr val="BFC1F0">
+                          <a:alpha val="0"/>
+                        </a:srgbClr>
+                      </a:solidFill>
+                      <a:prstDash val="solid"/>
+                      <a:round/>
+                      <a:headEnd type="none" w="sm" len="sm"/>
+                      <a:tailEnd type="none" w="sm" len="sm"/>
+                    </a:lnT>
+                    <a:lnB w="9525" cap="flat" cmpd="sng">
+                      <a:solidFill>
+                        <a:srgbClr val="9E9E9E"/>
+                      </a:solidFill>
+                      <a:prstDash val="solid"/>
+                      <a:round/>
+                      <a:headEnd type="none" w="sm" len="sm"/>
+                      <a:tailEnd type="none" w="sm" len="sm"/>
+                    </a:lnB>
+                  </a:tcPr>
+                </a:tc>
+                <a:tc>
+                  <a:txBody>
+                    <a:bodyPr/>
+                    <a:lstStyle/>
+                    <a:p>
+                      <a:pPr marL="0" lvl="0" indent="0" algn="l" rtl="0">
+                        <a:lnSpc>
+                          <a:spcPct val="115000"/>
+                        </a:lnSpc>
+                        <a:spcBef>
+                          <a:spcPts val="0"/>
+                        </a:spcBef>
+                        <a:spcAft>
+                          <a:spcPts val="0"/>
+                        </a:spcAft>
+                        <a:buNone/>
+                      </a:pPr>
+                      <a:r>
+                        <a:rPr lang="ru" sz="1300" dirty="0">
+                          <a:solidFill>
+                            <a:schemeClr val="lt1"/>
+                          </a:solidFill>
+                          <a:latin typeface="Roboto"/>
+                          <a:ea typeface="Roboto"/>
+                          <a:cs typeface="Roboto"/>
+                          <a:sym typeface="Roboto"/>
+                        </a:rPr>
+                        <a:t>Оценивать качество данных и их адекватность задаче</a:t>
+                      </a:r>
+                      <a:endParaRPr sz="1300" dirty="0">
+                        <a:solidFill>
+                          <a:schemeClr val="lt1"/>
+                        </a:solidFill>
+                        <a:latin typeface="Roboto"/>
+                        <a:ea typeface="Roboto"/>
+                        <a:cs typeface="Roboto"/>
+                        <a:sym typeface="Roboto"/>
+                      </a:endParaRPr>
+                    </a:p>
+                  </a:txBody>
+                  <a:tcPr marL="198000" marR="91425" marT="68575" marB="68575">
+                    <a:lnL w="9525" cap="flat" cmpd="sng">
+                      <a:solidFill>
+                        <a:schemeClr val="lt1"/>
+                      </a:solidFill>
+                      <a:prstDash val="solid"/>
+                      <a:round/>
+                      <a:headEnd type="none" w="sm" len="sm"/>
+                      <a:tailEnd type="none" w="sm" len="sm"/>
+                    </a:lnL>
+                    <a:lnR w="9525" cap="flat" cmpd="sng">
+                      <a:solidFill>
+                        <a:srgbClr val="BFC1F0">
+                          <a:alpha val="0"/>
+                        </a:srgbClr>
+                      </a:solidFill>
+                      <a:prstDash val="solid"/>
+                      <a:round/>
+                      <a:headEnd type="none" w="sm" len="sm"/>
+                      <a:tailEnd type="none" w="sm" len="sm"/>
+                    </a:lnR>
+                    <a:lnT w="9525" cap="flat" cmpd="sng">
+                      <a:solidFill>
+                        <a:srgbClr val="BFC1F0">
+                          <a:alpha val="0"/>
+                        </a:srgbClr>
+                      </a:solidFill>
+                      <a:prstDash val="solid"/>
+                      <a:round/>
+                      <a:headEnd type="none" w="sm" len="sm"/>
+                      <a:tailEnd type="none" w="sm" len="sm"/>
+                    </a:lnT>
+                    <a:lnB w="9525" cap="flat" cmpd="sng">
+                      <a:solidFill>
+                        <a:srgbClr val="9E9E9E"/>
+                      </a:solidFill>
+                      <a:prstDash val="solid"/>
+                      <a:round/>
+                      <a:headEnd type="none" w="sm" len="sm"/>
+                      <a:tailEnd type="none" w="sm" len="sm"/>
+                    </a:lnB>
+                  </a:tcPr>
+                </a:tc>
+                <a:extLst>
+                  <a:ext uri="{0D108BD9-81ED-4DB2-BD59-A6C34878D82A}">
+                    <a16:rowId xmlns:a16="http://schemas.microsoft.com/office/drawing/2014/main" val="10000"/>
+                  </a:ext>
+                </a:extLst>
+              </a:tr>
+              <a:tr h="285750">
+                <a:tc>
+                  <a:txBody>
+                    <a:bodyPr/>
+                    <a:lstStyle/>
+                    <a:p>
+                      <a:pPr marL="0" lvl="0" indent="0" algn="l" rtl="0">
+                        <a:spcBef>
+                          <a:spcPts val="0"/>
+                        </a:spcBef>
+                        <a:spcAft>
+                          <a:spcPts val="0"/>
+                        </a:spcAft>
+                        <a:buNone/>
+                      </a:pPr>
+                      <a:r>
+                        <a:rPr lang="ru" sz="1300" b="1">
+                          <a:solidFill>
+                            <a:srgbClr val="FF9900"/>
+                          </a:solidFill>
+                          <a:latin typeface="Roboto"/>
+                          <a:ea typeface="Roboto"/>
+                          <a:cs typeface="Roboto"/>
+                          <a:sym typeface="Roboto"/>
+                        </a:rPr>
+                        <a:t>2.</a:t>
+                      </a:r>
+                      <a:endParaRPr sz="1300" b="1">
+                        <a:solidFill>
+                          <a:srgbClr val="FF9900"/>
+                        </a:solidFill>
+                        <a:latin typeface="Roboto"/>
+                        <a:ea typeface="Roboto"/>
+                        <a:cs typeface="Roboto"/>
+                        <a:sym typeface="Roboto"/>
+                      </a:endParaRPr>
+                    </a:p>
+                  </a:txBody>
+                  <a:tcPr marL="198000" marR="91425" marT="68575" marB="68575">
+                    <a:lnL w="9525" cap="flat" cmpd="sng">
+                      <a:solidFill>
+                        <a:srgbClr val="BFC1F0">
+                          <a:alpha val="0"/>
+                        </a:srgbClr>
+                      </a:solidFill>
+                      <a:prstDash val="solid"/>
+                      <a:round/>
+                      <a:headEnd type="none" w="sm" len="sm"/>
+                      <a:tailEnd type="none" w="sm" len="sm"/>
+                    </a:lnL>
+                    <a:lnR w="9525" cap="flat" cmpd="sng">
+                      <a:solidFill>
+                        <a:schemeClr val="lt1"/>
+                      </a:solidFill>
+                      <a:prstDash val="solid"/>
+                      <a:round/>
+                      <a:headEnd type="none" w="sm" len="sm"/>
+                      <a:tailEnd type="none" w="sm" len="sm"/>
+                    </a:lnR>
+                    <a:lnT w="9525" cap="flat" cmpd="sng">
+                      <a:solidFill>
+                        <a:srgbClr val="9E9E9E"/>
+                      </a:solidFill>
+                      <a:prstDash val="solid"/>
+                      <a:round/>
+                      <a:headEnd type="none" w="sm" len="sm"/>
+                      <a:tailEnd type="none" w="sm" len="sm"/>
+                    </a:lnT>
+                    <a:lnB w="9525" cap="flat" cmpd="sng">
+                      <a:solidFill>
+                        <a:srgbClr val="9E9E9E"/>
+                      </a:solidFill>
+                      <a:prstDash val="solid"/>
+                      <a:round/>
+                      <a:headEnd type="none" w="sm" len="sm"/>
+                      <a:tailEnd type="none" w="sm" len="sm"/>
+                    </a:lnB>
+                  </a:tcPr>
+                </a:tc>
+                <a:tc>
+                  <a:txBody>
+                    <a:bodyPr/>
+                    <a:lstStyle/>
+                    <a:p>
+                      <a:pPr marL="0" lvl="0" indent="0" algn="l" rtl="0">
+                        <a:lnSpc>
+                          <a:spcPct val="115000"/>
+                        </a:lnSpc>
+                        <a:spcBef>
+                          <a:spcPts val="0"/>
+                        </a:spcBef>
+                        <a:spcAft>
+                          <a:spcPts val="0"/>
+                        </a:spcAft>
+                        <a:buNone/>
+                      </a:pPr>
+                      <a:r>
+                        <a:rPr lang="ru-RU" sz="1300" dirty="0">
+                          <a:solidFill>
+                            <a:schemeClr val="lt1"/>
+                          </a:solidFill>
+                          <a:latin typeface="Roboto"/>
+                          <a:ea typeface="Roboto"/>
+                          <a:cs typeface="Roboto"/>
+                          <a:sym typeface="Roboto"/>
+                        </a:rPr>
+                        <a:t>Предварительно выявлять закономерности и связи между признаками</a:t>
+                      </a:r>
+                      <a:endParaRPr sz="1300" dirty="0">
+                        <a:solidFill>
+                          <a:schemeClr val="lt1"/>
+                        </a:solidFill>
+                        <a:latin typeface="Roboto"/>
+                        <a:ea typeface="Roboto"/>
+                        <a:cs typeface="Roboto"/>
+                        <a:sym typeface="Roboto"/>
+                      </a:endParaRPr>
+                    </a:p>
+                  </a:txBody>
+                  <a:tcPr marL="198000" marR="91425" marT="68575" marB="68575">
+                    <a:lnL w="9525" cap="flat" cmpd="sng">
+                      <a:solidFill>
+                        <a:schemeClr val="lt1"/>
+                      </a:solidFill>
+                      <a:prstDash val="solid"/>
+                      <a:round/>
+                      <a:headEnd type="none" w="sm" len="sm"/>
+                      <a:tailEnd type="none" w="sm" len="sm"/>
+                    </a:lnL>
+                    <a:lnR w="9525" cap="flat" cmpd="sng">
+                      <a:solidFill>
+                        <a:srgbClr val="BFC1F0">
+                          <a:alpha val="0"/>
+                        </a:srgbClr>
+                      </a:solidFill>
+                      <a:prstDash val="solid"/>
+                      <a:round/>
+                      <a:headEnd type="none" w="sm" len="sm"/>
+                      <a:tailEnd type="none" w="sm" len="sm"/>
+                    </a:lnR>
+                    <a:lnT w="9525" cap="flat" cmpd="sng">
+                      <a:solidFill>
+                        <a:srgbClr val="9E9E9E"/>
+                      </a:solidFill>
+                      <a:prstDash val="solid"/>
+                      <a:round/>
+                      <a:headEnd type="none" w="sm" len="sm"/>
+                      <a:tailEnd type="none" w="sm" len="sm"/>
+                    </a:lnT>
+                    <a:lnB w="9525" cap="flat" cmpd="sng">
+                      <a:solidFill>
+                        <a:srgbClr val="9E9E9E"/>
+                      </a:solidFill>
+                      <a:prstDash val="solid"/>
+                      <a:round/>
+                      <a:headEnd type="none" w="sm" len="sm"/>
+                      <a:tailEnd type="none" w="sm" len="sm"/>
+                    </a:lnB>
+                  </a:tcPr>
+                </a:tc>
+                <a:extLst>
+                  <a:ext uri="{0D108BD9-81ED-4DB2-BD59-A6C34878D82A}">
+                    <a16:rowId xmlns:a16="http://schemas.microsoft.com/office/drawing/2014/main" val="10001"/>
+                  </a:ext>
+                </a:extLst>
+              </a:tr>
+              <a:tr h="285750">
+                <a:tc>
+                  <a:txBody>
+                    <a:bodyPr/>
+                    <a:lstStyle/>
+                    <a:p>
+                      <a:pPr marL="0" lvl="0" indent="0" algn="l" rtl="0">
+                        <a:spcBef>
+                          <a:spcPts val="0"/>
+                        </a:spcBef>
+                        <a:spcAft>
+                          <a:spcPts val="0"/>
+                        </a:spcAft>
+                        <a:buNone/>
+                      </a:pPr>
+                      <a:r>
+                        <a:rPr lang="ru" sz="1300" b="1">
+                          <a:solidFill>
+                            <a:srgbClr val="FF9900"/>
+                          </a:solidFill>
+                          <a:latin typeface="Roboto"/>
+                          <a:ea typeface="Roboto"/>
+                          <a:cs typeface="Roboto"/>
+                          <a:sym typeface="Roboto"/>
+                        </a:rPr>
+                        <a:t>3.</a:t>
+                      </a:r>
+                      <a:endParaRPr sz="1300" b="1">
+                        <a:solidFill>
+                          <a:srgbClr val="FF9900"/>
+                        </a:solidFill>
+                        <a:latin typeface="Roboto"/>
+                        <a:ea typeface="Roboto"/>
+                        <a:cs typeface="Roboto"/>
+                        <a:sym typeface="Roboto"/>
+                      </a:endParaRPr>
+                    </a:p>
+                  </a:txBody>
+                  <a:tcPr marL="198000" marR="91425" marT="68575" marB="68575">
+                    <a:lnL w="9525" cap="flat" cmpd="sng">
+                      <a:solidFill>
+                        <a:srgbClr val="BFC1F0">
+                          <a:alpha val="0"/>
+                        </a:srgbClr>
+                      </a:solidFill>
+                      <a:prstDash val="solid"/>
+                      <a:round/>
+                      <a:headEnd type="none" w="sm" len="sm"/>
+                      <a:tailEnd type="none" w="sm" len="sm"/>
+                    </a:lnL>
+                    <a:lnR w="9525" cap="flat" cmpd="sng">
+                      <a:solidFill>
+                        <a:schemeClr val="lt1"/>
+                      </a:solidFill>
+                      <a:prstDash val="solid"/>
+                      <a:round/>
+                      <a:headEnd type="none" w="sm" len="sm"/>
+                      <a:tailEnd type="none" w="sm" len="sm"/>
+                    </a:lnR>
+                    <a:lnT w="9525" cap="flat" cmpd="sng">
+                      <a:solidFill>
+                        <a:srgbClr val="9E9E9E"/>
+                      </a:solidFill>
+                      <a:prstDash val="solid"/>
+                      <a:round/>
+                      <a:headEnd type="none" w="sm" len="sm"/>
+                      <a:tailEnd type="none" w="sm" len="sm"/>
+                    </a:lnT>
+                    <a:lnB w="9525" cap="flat" cmpd="sng">
+                      <a:solidFill>
+                        <a:srgbClr val="9E9E9E"/>
+                      </a:solidFill>
+                      <a:prstDash val="solid"/>
+                      <a:round/>
+                      <a:headEnd type="none" w="sm" len="sm"/>
+                      <a:tailEnd type="none" w="sm" len="sm"/>
+                    </a:lnB>
+                  </a:tcPr>
+                </a:tc>
+                <a:tc>
+                  <a:txBody>
+                    <a:bodyPr/>
+                    <a:lstStyle/>
+                    <a:p>
+                      <a:pPr marL="0" marR="0" lvl="0" indent="0" algn="l" defTabSz="914400" rtl="0" eaLnBrk="1" fontAlgn="auto" latinLnBrk="0" hangingPunct="1">
+                        <a:lnSpc>
+                          <a:spcPct val="115000"/>
+                        </a:lnSpc>
+                        <a:spcBef>
+                          <a:spcPts val="0"/>
+                        </a:spcBef>
+                        <a:spcAft>
+                          <a:spcPts val="0"/>
+                        </a:spcAft>
+                        <a:buClr>
+                          <a:srgbClr val="000000"/>
+                        </a:buClr>
+                        <a:buSzTx/>
+                        <a:buFont typeface="Arial"/>
+                        <a:buNone/>
+                        <a:tabLst/>
+                        <a:defRPr/>
+                      </a:pPr>
+                      <a:r>
+                        <a:rPr lang="ru-RU" sz="1300" dirty="0">
+                          <a:solidFill>
+                            <a:schemeClr val="lt1"/>
+                          </a:solidFill>
+                          <a:latin typeface="Roboto"/>
+                          <a:ea typeface="Roboto"/>
+                          <a:cs typeface="Roboto"/>
+                          <a:sym typeface="Roboto"/>
+                        </a:rPr>
+                        <a:t>Использовать библиотеки, ускоряющие пункты 1 и 2 в разы</a:t>
+                      </a:r>
+                    </a:p>
+                  </a:txBody>
+                  <a:tcPr marL="198000" marR="91425" marT="68575" marB="68575">
+                    <a:lnL w="9525" cap="flat" cmpd="sng">
+                      <a:solidFill>
+                        <a:schemeClr val="lt1"/>
+                      </a:solidFill>
+                      <a:prstDash val="solid"/>
+                      <a:round/>
+                      <a:headEnd type="none" w="sm" len="sm"/>
+                      <a:tailEnd type="none" w="sm" len="sm"/>
+                    </a:lnL>
+                    <a:lnR w="9525" cap="flat" cmpd="sng">
+                      <a:solidFill>
+                        <a:srgbClr val="BFC1F0">
+                          <a:alpha val="0"/>
+                        </a:srgbClr>
+                      </a:solidFill>
+                      <a:prstDash val="solid"/>
+                      <a:round/>
+                      <a:headEnd type="none" w="sm" len="sm"/>
+                      <a:tailEnd type="none" w="sm" len="sm"/>
+                    </a:lnR>
+                    <a:lnT w="9525" cap="flat" cmpd="sng">
+                      <a:solidFill>
+                        <a:srgbClr val="9E9E9E"/>
+                      </a:solidFill>
+                      <a:prstDash val="solid"/>
+                      <a:round/>
+                      <a:headEnd type="none" w="sm" len="sm"/>
+                      <a:tailEnd type="none" w="sm" len="sm"/>
+                    </a:lnT>
+                    <a:lnB w="9525" cap="flat" cmpd="sng">
+                      <a:solidFill>
+                        <a:srgbClr val="9E9E9E"/>
+                      </a:solidFill>
+                      <a:prstDash val="solid"/>
+                      <a:round/>
+                      <a:headEnd type="none" w="sm" len="sm"/>
+                      <a:tailEnd type="none" w="sm" len="sm"/>
+                    </a:lnB>
+                  </a:tcPr>
+                </a:tc>
+                <a:extLst>
+                  <a:ext uri="{0D108BD9-81ED-4DB2-BD59-A6C34878D82A}">
+                    <a16:rowId xmlns:a16="http://schemas.microsoft.com/office/drawing/2014/main" val="10002"/>
+                  </a:ext>
+                </a:extLst>
+              </a:tr>
+              <a:tr h="285750">
+                <a:tc>
+                  <a:txBody>
+                    <a:bodyPr/>
+                    <a:lstStyle/>
+                    <a:p>
+                      <a:pPr marL="0" lvl="0" indent="0" algn="l" rtl="0">
+                        <a:spcBef>
+                          <a:spcPts val="0"/>
+                        </a:spcBef>
+                        <a:spcAft>
+                          <a:spcPts val="0"/>
+                        </a:spcAft>
+                        <a:buNone/>
+                      </a:pPr>
+                      <a:r>
+                        <a:rPr lang="ru" sz="1300" b="1">
+                          <a:solidFill>
+                            <a:srgbClr val="FF9900"/>
+                          </a:solidFill>
+                          <a:latin typeface="Roboto"/>
+                          <a:ea typeface="Roboto"/>
+                          <a:cs typeface="Roboto"/>
+                          <a:sym typeface="Roboto"/>
+                        </a:rPr>
+                        <a:t>4.</a:t>
+                      </a:r>
+                      <a:endParaRPr sz="1300" b="1">
+                        <a:solidFill>
+                          <a:srgbClr val="FF9900"/>
+                        </a:solidFill>
+                        <a:latin typeface="Roboto"/>
+                        <a:ea typeface="Roboto"/>
+                        <a:cs typeface="Roboto"/>
+                        <a:sym typeface="Roboto"/>
+                      </a:endParaRPr>
+                    </a:p>
+                  </a:txBody>
+                  <a:tcPr marL="198000" marR="91425" marT="68575" marB="68575">
+                    <a:lnL w="9525" cap="flat" cmpd="sng">
+                      <a:solidFill>
+                        <a:srgbClr val="BFC1F0">
+                          <a:alpha val="0"/>
+                        </a:srgbClr>
+                      </a:solidFill>
+                      <a:prstDash val="solid"/>
+                      <a:round/>
+                      <a:headEnd type="none" w="sm" len="sm"/>
+                      <a:tailEnd type="none" w="sm" len="sm"/>
+                    </a:lnL>
+                    <a:lnR w="9525" cap="flat" cmpd="sng">
+                      <a:solidFill>
+                        <a:schemeClr val="lt1"/>
+                      </a:solidFill>
+                      <a:prstDash val="solid"/>
+                      <a:round/>
+                      <a:headEnd type="none" w="sm" len="sm"/>
+                      <a:tailEnd type="none" w="sm" len="sm"/>
+                    </a:lnR>
+                    <a:lnT w="9525" cap="flat" cmpd="sng">
+                      <a:solidFill>
+                        <a:srgbClr val="9E9E9E"/>
+                      </a:solidFill>
+                      <a:prstDash val="solid"/>
+                      <a:round/>
+                      <a:headEnd type="none" w="sm" len="sm"/>
+                      <a:tailEnd type="none" w="sm" len="sm"/>
+                    </a:lnT>
+                    <a:lnB w="9525" cap="flat" cmpd="sng">
+                      <a:solidFill>
+                        <a:srgbClr val="9E9E9E"/>
+                      </a:solidFill>
+                      <a:prstDash val="solid"/>
+                      <a:round/>
+                      <a:headEnd type="none" w="sm" len="sm"/>
+                      <a:tailEnd type="none" w="sm" len="sm"/>
+                    </a:lnB>
+                  </a:tcPr>
+                </a:tc>
+                <a:tc>
+                  <a:txBody>
+                    <a:bodyPr/>
+                    <a:lstStyle/>
+                    <a:p>
+                      <a:pPr marL="0" marR="0" lvl="0" indent="0" algn="l" defTabSz="914400" rtl="0" eaLnBrk="1" fontAlgn="auto" latinLnBrk="0" hangingPunct="1">
+                        <a:lnSpc>
+                          <a:spcPct val="115000"/>
+                        </a:lnSpc>
+                        <a:spcBef>
+                          <a:spcPts val="0"/>
+                        </a:spcBef>
+                        <a:spcAft>
+                          <a:spcPts val="0"/>
+                        </a:spcAft>
+                        <a:buClr>
+                          <a:srgbClr val="000000"/>
+                        </a:buClr>
+                        <a:buSzTx/>
+                        <a:buFont typeface="Arial"/>
+                        <a:buNone/>
+                        <a:tabLst/>
+                        <a:defRPr/>
+                      </a:pPr>
+                      <a:r>
+                        <a:rPr lang="ru-RU" sz="1300" dirty="0">
+                          <a:solidFill>
+                            <a:schemeClr val="lt1"/>
+                          </a:solidFill>
+                          <a:latin typeface="Roboto"/>
+                          <a:ea typeface="Roboto"/>
+                          <a:cs typeface="Roboto"/>
+                          <a:sym typeface="Roboto"/>
+                        </a:rPr>
+                        <a:t>Принимать решения на основе разведывательного анализа</a:t>
+                      </a:r>
+                    </a:p>
+                  </a:txBody>
+                  <a:tcPr marL="198000" marR="91425" marT="68575" marB="68575">
+                    <a:lnL w="9525" cap="flat" cmpd="sng">
+                      <a:solidFill>
+                        <a:schemeClr val="lt1"/>
+                      </a:solidFill>
+                      <a:prstDash val="solid"/>
+                      <a:round/>
+                      <a:headEnd type="none" w="sm" len="sm"/>
+                      <a:tailEnd type="none" w="sm" len="sm"/>
+                    </a:lnL>
+                    <a:lnR w="9525" cap="flat" cmpd="sng">
+                      <a:solidFill>
+                        <a:srgbClr val="BFC1F0">
+                          <a:alpha val="0"/>
+                        </a:srgbClr>
+                      </a:solidFill>
+                      <a:prstDash val="solid"/>
+                      <a:round/>
+                      <a:headEnd type="none" w="sm" len="sm"/>
+                      <a:tailEnd type="none" w="sm" len="sm"/>
+                    </a:lnR>
+                    <a:lnT w="9525" cap="flat" cmpd="sng">
+                      <a:solidFill>
+                        <a:srgbClr val="9E9E9E"/>
+                      </a:solidFill>
+                      <a:prstDash val="solid"/>
+                      <a:round/>
+                      <a:headEnd type="none" w="sm" len="sm"/>
+                      <a:tailEnd type="none" w="sm" len="sm"/>
+                    </a:lnT>
+                    <a:lnB w="9525" cap="flat" cmpd="sng">
+                      <a:solidFill>
+                        <a:srgbClr val="9E9E9E"/>
+                      </a:solidFill>
+                      <a:prstDash val="solid"/>
+                      <a:round/>
+                      <a:headEnd type="none" w="sm" len="sm"/>
+                      <a:tailEnd type="none" w="sm" len="sm"/>
+                    </a:lnB>
+                  </a:tcPr>
+                </a:tc>
+                <a:extLst>
+                  <a:ext uri="{0D108BD9-81ED-4DB2-BD59-A6C34878D82A}">
+                    <a16:rowId xmlns:a16="http://schemas.microsoft.com/office/drawing/2014/main" val="10003"/>
+                  </a:ext>
+                </a:extLst>
+              </a:tr>
+            </a:tbl>
+          </a:graphicData>
+        </a:graphic>
+      </p:graphicFrame>
+      <p:sp>
+        <p:nvSpPr>
+          <p:cNvPr id="165" name="Google Shape;165;p23"/>
+          <p:cNvSpPr txBox="1">
+            <a:spLocks noGrp="1"/>
+          </p:cNvSpPr>
+          <p:nvPr>
+            <p:ph type="subTitle" idx="4294967295"/>
+          </p:nvPr>
+        </p:nvSpPr>
+        <p:spPr>
+          <a:xfrm>
+            <a:off x="500550" y="857363"/>
+            <a:ext cx="7796700" cy="792600"/>
+          </a:xfrm>
+          <a:prstGeom prst="rect">
+            <a:avLst/>
+          </a:prstGeom>
+        </p:spPr>
+        <p:txBody>
+          <a:bodyPr spcFirstLastPara="1" wrap="square" lIns="91425" tIns="91425" rIns="91425" bIns="91425" anchor="t" anchorCtr="0">
+            <a:normAutofit/>
+          </a:bodyPr>
+          <a:lstStyle/>
+          <a:p>
+            <a:pPr marL="0" lvl="0" indent="0" algn="l" rtl="0">
+              <a:spcBef>
+                <a:spcPts val="0"/>
+              </a:spcBef>
+              <a:spcAft>
+                <a:spcPts val="0"/>
+              </a:spcAft>
+              <a:buNone/>
+            </a:pPr>
+            <a:r>
+              <a:rPr lang="ru" sz="1500" b="1">
+                <a:solidFill>
+                  <a:srgbClr val="FF9900"/>
+                </a:solidFill>
+              </a:rPr>
+              <a:t>К концу занятия вы сможете</a:t>
+            </a:r>
+            <a:endParaRPr sz="1500" b="1">
+              <a:solidFill>
+                <a:srgbClr val="FF9900"/>
+              </a:solidFill>
+            </a:endParaRPr>
+          </a:p>
+        </p:txBody>
+      </p:sp>
+    </p:spTree>
+    <p:extLst>
+      <p:ext uri="{BB962C8B-B14F-4D97-AF65-F5344CB8AC3E}">
+        <p14:creationId xmlns:p14="http://schemas.microsoft.com/office/powerpoint/2010/main" val="3747912469"/>
+      </p:ext>
+    </p:extLst>
+  </p:cSld>
+  <p:clrMapOvr>
+    <a:masterClrMapping/>
+  </p:clrMapOvr>
+</p:sld>
+</file>
+
+<file path=ppt/slides/slide11.xml><?xml version="1.0" encoding="utf-8"?>
+<p:sld xmlns:a="http://schemas.openxmlformats.org/drawingml/2006/main" xmlns:r="http://schemas.openxmlformats.org/officeDocument/2006/relationships" xmlns:p="http://schemas.openxmlformats.org/presentationml/2006/main">
+  <p:cSld>
+    <p:spTree>
+      <p:nvGrpSpPr>
         <p:cNvPr id="1" name="Shape 169"/>
         <p:cNvGrpSpPr/>
         <p:nvPr/>
@@ -13295,7 +14228,7 @@
 </p:sld>
 </file>
 
-<file path=ppt/slides/slide11.xml><?xml version="1.0" encoding="utf-8"?>
+<file path=ppt/slides/slide12.xml><?xml version="1.0" encoding="utf-8"?>
 <p:sld xmlns:a="http://schemas.openxmlformats.org/drawingml/2006/main" xmlns:r="http://schemas.openxmlformats.org/officeDocument/2006/relationships" xmlns:p="http://schemas.openxmlformats.org/presentationml/2006/main">
   <p:cSld>
     <p:spTree>
@@ -13542,7 +14475,7 @@
 </p:sld>
 </file>
 
-<file path=ppt/slides/slide12.xml><?xml version="1.0" encoding="utf-8"?>
+<file path=ppt/slides/slide13.xml><?xml version="1.0" encoding="utf-8"?>
 <p:sld xmlns:a="http://schemas.openxmlformats.org/drawingml/2006/main" xmlns:r="http://schemas.openxmlformats.org/officeDocument/2006/relationships" xmlns:p="http://schemas.openxmlformats.org/presentationml/2006/main">
   <p:cSld>
     <p:spTree>
@@ -13890,7 +14823,7 @@
 </p:sld>
 </file>
 
-<file path=ppt/slides/slide13.xml><?xml version="1.0" encoding="utf-8"?>
+<file path=ppt/slides/slide14.xml><?xml version="1.0" encoding="utf-8"?>
 <p:sld xmlns:a="http://schemas.openxmlformats.org/drawingml/2006/main" xmlns:r="http://schemas.openxmlformats.org/officeDocument/2006/relationships" xmlns:p="http://schemas.openxmlformats.org/presentationml/2006/main">
   <p:cSld>
     <p:spTree>
@@ -14340,7 +15273,7 @@
 </p:sld>
 </file>
 
-<file path=ppt/slides/slide14.xml><?xml version="1.0" encoding="utf-8"?>
+<file path=ppt/slides/slide15.xml><?xml version="1.0" encoding="utf-8"?>
 <p:sld xmlns:a="http://schemas.openxmlformats.org/drawingml/2006/main" xmlns:r="http://schemas.openxmlformats.org/officeDocument/2006/relationships" xmlns:p="http://schemas.openxmlformats.org/presentationml/2006/main">
   <p:cSld>
     <p:spTree>
@@ -14779,7 +15712,7 @@
 </p:sld>
 </file>
 
-<file path=ppt/slides/slide15.xml><?xml version="1.0" encoding="utf-8"?>
+<file path=ppt/slides/slide16.xml><?xml version="1.0" encoding="utf-8"?>
 <p:sld xmlns:a="http://schemas.openxmlformats.org/drawingml/2006/main" xmlns:r="http://schemas.openxmlformats.org/officeDocument/2006/relationships" xmlns:p="http://schemas.openxmlformats.org/presentationml/2006/main">
   <p:cSld>
     <p:spTree>
@@ -14871,7 +15804,7 @@
 </p:sld>
 </file>
 
-<file path=ppt/slides/slide16.xml><?xml version="1.0" encoding="utf-8"?>
+<file path=ppt/slides/slide17.xml><?xml version="1.0" encoding="utf-8"?>
 <p:sld xmlns:a="http://schemas.openxmlformats.org/drawingml/2006/main" xmlns:r="http://schemas.openxmlformats.org/officeDocument/2006/relationships" xmlns:p="http://schemas.openxmlformats.org/presentationml/2006/main">
   <p:cSld>
     <p:spTree>
@@ -15156,7 +16089,7 @@
 </p:sld>
 </file>
 
-<file path=ppt/slides/slide17.xml><?xml version="1.0" encoding="utf-8"?>
+<file path=ppt/slides/slide18.xml><?xml version="1.0" encoding="utf-8"?>
 <p:sld xmlns:a="http://schemas.openxmlformats.org/drawingml/2006/main" xmlns:r="http://schemas.openxmlformats.org/officeDocument/2006/relationships" xmlns:p="http://schemas.openxmlformats.org/presentationml/2006/main">
   <p:cSld>
     <p:spTree>
@@ -15470,7 +16403,7 @@
 </p:sld>
 </file>
 
-<file path=ppt/slides/slide18.xml><?xml version="1.0" encoding="utf-8"?>
+<file path=ppt/slides/slide19.xml><?xml version="1.0" encoding="utf-8"?>
 <p:sld xmlns:a="http://schemas.openxmlformats.org/drawingml/2006/main" xmlns:r="http://schemas.openxmlformats.org/officeDocument/2006/relationships" xmlns:p="http://schemas.openxmlformats.org/presentationml/2006/main">
   <p:cSld>
     <p:spTree>
@@ -15834,7 +16767,272 @@
 </p:sld>
 </file>
 
-<file path=ppt/slides/slide19.xml><?xml version="1.0" encoding="utf-8"?>
+<file path=ppt/slides/slide2.xml><?xml version="1.0" encoding="utf-8"?>
+<p:sld xmlns:a="http://schemas.openxmlformats.org/drawingml/2006/main" xmlns:r="http://schemas.openxmlformats.org/officeDocument/2006/relationships" xmlns:p="http://schemas.openxmlformats.org/presentationml/2006/main">
+  <p:cSld>
+    <p:spTree>
+      <p:nvGrpSpPr>
+        <p:cNvPr id="1" name="Shape 74"/>
+        <p:cNvGrpSpPr/>
+        <p:nvPr/>
+      </p:nvGrpSpPr>
+      <p:grpSpPr>
+        <a:xfrm>
+          <a:off x="0" y="0"/>
+          <a:ext cx="0" cy="0"/>
+          <a:chOff x="0" y="0"/>
+          <a:chExt cx="0" cy="0"/>
+        </a:xfrm>
+      </p:grpSpPr>
+      <p:sp>
+        <p:nvSpPr>
+          <p:cNvPr id="75" name="Google Shape;75;p17"/>
+          <p:cNvSpPr txBox="1">
+            <a:spLocks noGrp="1"/>
+          </p:cNvSpPr>
+          <p:nvPr>
+            <p:ph type="title"/>
+          </p:nvPr>
+        </p:nvSpPr>
+        <p:spPr>
+          <a:xfrm>
+            <a:off x="1635875" y="772125"/>
+            <a:ext cx="7935300" cy="841800"/>
+          </a:xfrm>
+          <a:prstGeom prst="rect">
+            <a:avLst/>
+          </a:prstGeom>
+        </p:spPr>
+        <p:txBody>
+          <a:bodyPr spcFirstLastPara="1" wrap="square" lIns="91425" tIns="91425" rIns="91425" bIns="91425" anchor="ctr" anchorCtr="0">
+            <a:noAutofit/>
+          </a:bodyPr>
+          <a:lstStyle/>
+          <a:p>
+            <a:pPr marL="0" lvl="0" indent="0" algn="l" rtl="0">
+              <a:spcBef>
+                <a:spcPts val="0"/>
+              </a:spcBef>
+              <a:spcAft>
+                <a:spcPts val="0"/>
+              </a:spcAft>
+              <a:buNone/>
+            </a:pPr>
+            <a:r>
+              <a:rPr lang="ru" sz="2100"/>
+              <a:t>Проверить, идет ли запись</a:t>
+            </a:r>
+            <a:endParaRPr sz="2100"/>
+          </a:p>
+        </p:txBody>
+      </p:sp>
+      <p:sp>
+        <p:nvSpPr>
+          <p:cNvPr id="76" name="Google Shape;76;p17"/>
+          <p:cNvSpPr txBox="1">
+            <a:spLocks noGrp="1"/>
+          </p:cNvSpPr>
+          <p:nvPr>
+            <p:ph type="title"/>
+          </p:nvPr>
+        </p:nvSpPr>
+        <p:spPr>
+          <a:xfrm>
+            <a:off x="766725" y="1805199"/>
+            <a:ext cx="7935300" cy="1295700"/>
+          </a:xfrm>
+          <a:prstGeom prst="rect">
+            <a:avLst/>
+          </a:prstGeom>
+        </p:spPr>
+        <p:txBody>
+          <a:bodyPr spcFirstLastPara="1" wrap="square" lIns="91425" tIns="91425" rIns="91425" bIns="91425" anchor="ctr" anchorCtr="0">
+            <a:noAutofit/>
+          </a:bodyPr>
+          <a:lstStyle/>
+          <a:p>
+            <a:pPr marL="0" lvl="0" indent="0" algn="l" rtl="0">
+              <a:spcBef>
+                <a:spcPts val="0"/>
+              </a:spcBef>
+              <a:spcAft>
+                <a:spcPts val="0"/>
+              </a:spcAft>
+              <a:buClr>
+                <a:schemeClr val="dk1"/>
+              </a:buClr>
+              <a:buSzPts val="1100"/>
+              <a:buFont typeface="Arial"/>
+              <a:buNone/>
+            </a:pPr>
+            <a:r>
+              <a:rPr lang="ru" sz="4000" dirty="0"/>
+              <a:t>Меня хорошо видно</a:t>
+            </a:r>
+            <a:endParaRPr sz="4000" dirty="0"/>
+          </a:p>
+          <a:p>
+            <a:pPr marL="0" lvl="0" indent="0" algn="l" rtl="0">
+              <a:spcBef>
+                <a:spcPts val="0"/>
+              </a:spcBef>
+              <a:spcAft>
+                <a:spcPts val="0"/>
+              </a:spcAft>
+              <a:buNone/>
+            </a:pPr>
+            <a:r>
+              <a:rPr lang="ru" sz="4000" dirty="0"/>
+              <a:t>&amp; слышно?</a:t>
+            </a:r>
+            <a:endParaRPr sz="4000" dirty="0"/>
+          </a:p>
+        </p:txBody>
+      </p:sp>
+      <p:pic>
+        <p:nvPicPr>
+          <p:cNvPr id="77" name="Google Shape;77;p17"/>
+          <p:cNvPicPr preferRelativeResize="0"/>
+          <p:nvPr/>
+        </p:nvPicPr>
+        <p:blipFill rotWithShape="1">
+          <a:blip r:embed="rId3">
+            <a:alphaModFix/>
+          </a:blip>
+          <a:srcRect l="99" r="99"/>
+          <a:stretch/>
+        </p:blipFill>
+        <p:spPr>
+          <a:xfrm>
+            <a:off x="880825" y="1032408"/>
+            <a:ext cx="642317" cy="321159"/>
+          </a:xfrm>
+          <a:prstGeom prst="rect">
+            <a:avLst/>
+          </a:prstGeom>
+          <a:noFill/>
+          <a:ln>
+            <a:noFill/>
+          </a:ln>
+        </p:spPr>
+      </p:pic>
+      <p:pic>
+        <p:nvPicPr>
+          <p:cNvPr id="78" name="Google Shape;78;p17"/>
+          <p:cNvPicPr preferRelativeResize="0"/>
+          <p:nvPr/>
+        </p:nvPicPr>
+        <p:blipFill rotWithShape="1">
+          <a:blip r:embed="rId4">
+            <a:alphaModFix/>
+          </a:blip>
+          <a:srcRect/>
+          <a:stretch/>
+        </p:blipFill>
+        <p:spPr>
+          <a:xfrm>
+            <a:off x="872375" y="3520050"/>
+            <a:ext cx="525600" cy="525600"/>
+          </a:xfrm>
+          <a:prstGeom prst="rect">
+            <a:avLst/>
+          </a:prstGeom>
+          <a:noFill/>
+          <a:ln>
+            <a:noFill/>
+          </a:ln>
+        </p:spPr>
+      </p:pic>
+      <p:sp>
+        <p:nvSpPr>
+          <p:cNvPr id="79" name="Google Shape;79;p17"/>
+          <p:cNvSpPr txBox="1"/>
+          <p:nvPr/>
+        </p:nvSpPr>
+        <p:spPr>
+          <a:xfrm>
+            <a:off x="1514225" y="3459600"/>
+            <a:ext cx="3000000" cy="646500"/>
+          </a:xfrm>
+          <a:prstGeom prst="rect">
+            <a:avLst/>
+          </a:prstGeom>
+          <a:noFill/>
+          <a:ln>
+            <a:noFill/>
+          </a:ln>
+        </p:spPr>
+        <p:txBody>
+          <a:bodyPr spcFirstLastPara="1" wrap="square" lIns="91425" tIns="91425" rIns="91425" bIns="91425" anchor="t" anchorCtr="0">
+            <a:spAutoFit/>
+          </a:bodyPr>
+          <a:lstStyle/>
+          <a:p>
+            <a:pPr marL="0" lvl="0" indent="0" algn="l" rtl="0">
+              <a:spcBef>
+                <a:spcPts val="0"/>
+              </a:spcBef>
+              <a:spcAft>
+                <a:spcPts val="0"/>
+              </a:spcAft>
+              <a:buNone/>
+            </a:pPr>
+            <a:r>
+              <a:rPr lang="ru" sz="1500">
+                <a:solidFill>
+                  <a:srgbClr val="FFFFFF"/>
+                </a:solidFill>
+                <a:latin typeface="Roboto"/>
+                <a:ea typeface="Roboto"/>
+                <a:cs typeface="Roboto"/>
+                <a:sym typeface="Roboto"/>
+              </a:rPr>
+              <a:t>Ставим “+”, если все хорошо</a:t>
+            </a:r>
+            <a:br>
+              <a:rPr lang="ru" sz="1500">
+                <a:solidFill>
+                  <a:srgbClr val="FFFFFF"/>
+                </a:solidFill>
+                <a:latin typeface="Roboto"/>
+                <a:ea typeface="Roboto"/>
+                <a:cs typeface="Roboto"/>
+                <a:sym typeface="Roboto"/>
+              </a:rPr>
+            </a:br>
+            <a:r>
+              <a:rPr lang="ru" sz="1500">
+                <a:solidFill>
+                  <a:srgbClr val="FFFFFF"/>
+                </a:solidFill>
+                <a:latin typeface="Roboto"/>
+                <a:ea typeface="Roboto"/>
+                <a:cs typeface="Roboto"/>
+                <a:sym typeface="Roboto"/>
+              </a:rPr>
+              <a:t>“-”, если есть проблемы</a:t>
+            </a:r>
+            <a:endParaRPr sz="1500">
+              <a:solidFill>
+                <a:srgbClr val="FFFFFF"/>
+              </a:solidFill>
+              <a:latin typeface="Roboto"/>
+              <a:ea typeface="Roboto"/>
+              <a:cs typeface="Roboto"/>
+              <a:sym typeface="Roboto"/>
+            </a:endParaRPr>
+          </a:p>
+        </p:txBody>
+      </p:sp>
+    </p:spTree>
+  </p:cSld>
+  <p:clrMapOvr>
+    <a:masterClrMapping/>
+  </p:clrMapOvr>
+</p:sld>
+</file>
+
+<file path=ppt/slides/slide20.xml><?xml version="1.0" encoding="utf-8"?>
 <p:sld xmlns:a="http://schemas.openxmlformats.org/drawingml/2006/main" xmlns:r="http://schemas.openxmlformats.org/officeDocument/2006/relationships" xmlns:p="http://schemas.openxmlformats.org/presentationml/2006/main">
   <p:cSld>
     <p:spTree>
@@ -16363,272 +17561,7 @@
 </p:sld>
 </file>
 
-<file path=ppt/slides/slide2.xml><?xml version="1.0" encoding="utf-8"?>
-<p:sld xmlns:a="http://schemas.openxmlformats.org/drawingml/2006/main" xmlns:r="http://schemas.openxmlformats.org/officeDocument/2006/relationships" xmlns:p="http://schemas.openxmlformats.org/presentationml/2006/main">
-  <p:cSld>
-    <p:spTree>
-      <p:nvGrpSpPr>
-        <p:cNvPr id="1" name="Shape 74"/>
-        <p:cNvGrpSpPr/>
-        <p:nvPr/>
-      </p:nvGrpSpPr>
-      <p:grpSpPr>
-        <a:xfrm>
-          <a:off x="0" y="0"/>
-          <a:ext cx="0" cy="0"/>
-          <a:chOff x="0" y="0"/>
-          <a:chExt cx="0" cy="0"/>
-        </a:xfrm>
-      </p:grpSpPr>
-      <p:sp>
-        <p:nvSpPr>
-          <p:cNvPr id="75" name="Google Shape;75;p17"/>
-          <p:cNvSpPr txBox="1">
-            <a:spLocks noGrp="1"/>
-          </p:cNvSpPr>
-          <p:nvPr>
-            <p:ph type="title"/>
-          </p:nvPr>
-        </p:nvSpPr>
-        <p:spPr>
-          <a:xfrm>
-            <a:off x="1635875" y="772125"/>
-            <a:ext cx="7935300" cy="841800"/>
-          </a:xfrm>
-          <a:prstGeom prst="rect">
-            <a:avLst/>
-          </a:prstGeom>
-        </p:spPr>
-        <p:txBody>
-          <a:bodyPr spcFirstLastPara="1" wrap="square" lIns="91425" tIns="91425" rIns="91425" bIns="91425" anchor="ctr" anchorCtr="0">
-            <a:noAutofit/>
-          </a:bodyPr>
-          <a:lstStyle/>
-          <a:p>
-            <a:pPr marL="0" lvl="0" indent="0" algn="l" rtl="0">
-              <a:spcBef>
-                <a:spcPts val="0"/>
-              </a:spcBef>
-              <a:spcAft>
-                <a:spcPts val="0"/>
-              </a:spcAft>
-              <a:buNone/>
-            </a:pPr>
-            <a:r>
-              <a:rPr lang="ru" sz="2100"/>
-              <a:t>Проверить, идет ли запись</a:t>
-            </a:r>
-            <a:endParaRPr sz="2100"/>
-          </a:p>
-        </p:txBody>
-      </p:sp>
-      <p:sp>
-        <p:nvSpPr>
-          <p:cNvPr id="76" name="Google Shape;76;p17"/>
-          <p:cNvSpPr txBox="1">
-            <a:spLocks noGrp="1"/>
-          </p:cNvSpPr>
-          <p:nvPr>
-            <p:ph type="title"/>
-          </p:nvPr>
-        </p:nvSpPr>
-        <p:spPr>
-          <a:xfrm>
-            <a:off x="766725" y="1805199"/>
-            <a:ext cx="7935300" cy="1295700"/>
-          </a:xfrm>
-          <a:prstGeom prst="rect">
-            <a:avLst/>
-          </a:prstGeom>
-        </p:spPr>
-        <p:txBody>
-          <a:bodyPr spcFirstLastPara="1" wrap="square" lIns="91425" tIns="91425" rIns="91425" bIns="91425" anchor="ctr" anchorCtr="0">
-            <a:noAutofit/>
-          </a:bodyPr>
-          <a:lstStyle/>
-          <a:p>
-            <a:pPr marL="0" lvl="0" indent="0" algn="l" rtl="0">
-              <a:spcBef>
-                <a:spcPts val="0"/>
-              </a:spcBef>
-              <a:spcAft>
-                <a:spcPts val="0"/>
-              </a:spcAft>
-              <a:buClr>
-                <a:schemeClr val="dk1"/>
-              </a:buClr>
-              <a:buSzPts val="1100"/>
-              <a:buFont typeface="Arial"/>
-              <a:buNone/>
-            </a:pPr>
-            <a:r>
-              <a:rPr lang="ru" sz="4000" dirty="0"/>
-              <a:t>Меня хорошо видно</a:t>
-            </a:r>
-            <a:endParaRPr sz="4000" dirty="0"/>
-          </a:p>
-          <a:p>
-            <a:pPr marL="0" lvl="0" indent="0" algn="l" rtl="0">
-              <a:spcBef>
-                <a:spcPts val="0"/>
-              </a:spcBef>
-              <a:spcAft>
-                <a:spcPts val="0"/>
-              </a:spcAft>
-              <a:buNone/>
-            </a:pPr>
-            <a:r>
-              <a:rPr lang="ru" sz="4000" dirty="0"/>
-              <a:t>&amp; слышно?</a:t>
-            </a:r>
-            <a:endParaRPr sz="4000" dirty="0"/>
-          </a:p>
-        </p:txBody>
-      </p:sp>
-      <p:pic>
-        <p:nvPicPr>
-          <p:cNvPr id="77" name="Google Shape;77;p17"/>
-          <p:cNvPicPr preferRelativeResize="0"/>
-          <p:nvPr/>
-        </p:nvPicPr>
-        <p:blipFill rotWithShape="1">
-          <a:blip r:embed="rId3">
-            <a:alphaModFix/>
-          </a:blip>
-          <a:srcRect l="99" r="99"/>
-          <a:stretch/>
-        </p:blipFill>
-        <p:spPr>
-          <a:xfrm>
-            <a:off x="880825" y="1032408"/>
-            <a:ext cx="642317" cy="321159"/>
-          </a:xfrm>
-          <a:prstGeom prst="rect">
-            <a:avLst/>
-          </a:prstGeom>
-          <a:noFill/>
-          <a:ln>
-            <a:noFill/>
-          </a:ln>
-        </p:spPr>
-      </p:pic>
-      <p:pic>
-        <p:nvPicPr>
-          <p:cNvPr id="78" name="Google Shape;78;p17"/>
-          <p:cNvPicPr preferRelativeResize="0"/>
-          <p:nvPr/>
-        </p:nvPicPr>
-        <p:blipFill rotWithShape="1">
-          <a:blip r:embed="rId4">
-            <a:alphaModFix/>
-          </a:blip>
-          <a:srcRect/>
-          <a:stretch/>
-        </p:blipFill>
-        <p:spPr>
-          <a:xfrm>
-            <a:off x="872375" y="3520050"/>
-            <a:ext cx="525600" cy="525600"/>
-          </a:xfrm>
-          <a:prstGeom prst="rect">
-            <a:avLst/>
-          </a:prstGeom>
-          <a:noFill/>
-          <a:ln>
-            <a:noFill/>
-          </a:ln>
-        </p:spPr>
-      </p:pic>
-      <p:sp>
-        <p:nvSpPr>
-          <p:cNvPr id="79" name="Google Shape;79;p17"/>
-          <p:cNvSpPr txBox="1"/>
-          <p:nvPr/>
-        </p:nvSpPr>
-        <p:spPr>
-          <a:xfrm>
-            <a:off x="1514225" y="3459600"/>
-            <a:ext cx="3000000" cy="646500"/>
-          </a:xfrm>
-          <a:prstGeom prst="rect">
-            <a:avLst/>
-          </a:prstGeom>
-          <a:noFill/>
-          <a:ln>
-            <a:noFill/>
-          </a:ln>
-        </p:spPr>
-        <p:txBody>
-          <a:bodyPr spcFirstLastPara="1" wrap="square" lIns="91425" tIns="91425" rIns="91425" bIns="91425" anchor="t" anchorCtr="0">
-            <a:spAutoFit/>
-          </a:bodyPr>
-          <a:lstStyle/>
-          <a:p>
-            <a:pPr marL="0" lvl="0" indent="0" algn="l" rtl="0">
-              <a:spcBef>
-                <a:spcPts val="0"/>
-              </a:spcBef>
-              <a:spcAft>
-                <a:spcPts val="0"/>
-              </a:spcAft>
-              <a:buNone/>
-            </a:pPr>
-            <a:r>
-              <a:rPr lang="ru" sz="1500">
-                <a:solidFill>
-                  <a:srgbClr val="FFFFFF"/>
-                </a:solidFill>
-                <a:latin typeface="Roboto"/>
-                <a:ea typeface="Roboto"/>
-                <a:cs typeface="Roboto"/>
-                <a:sym typeface="Roboto"/>
-              </a:rPr>
-              <a:t>Ставим “+”, если все хорошо</a:t>
-            </a:r>
-            <a:br>
-              <a:rPr lang="ru" sz="1500">
-                <a:solidFill>
-                  <a:srgbClr val="FFFFFF"/>
-                </a:solidFill>
-                <a:latin typeface="Roboto"/>
-                <a:ea typeface="Roboto"/>
-                <a:cs typeface="Roboto"/>
-                <a:sym typeface="Roboto"/>
-              </a:rPr>
-            </a:br>
-            <a:r>
-              <a:rPr lang="ru" sz="1500">
-                <a:solidFill>
-                  <a:srgbClr val="FFFFFF"/>
-                </a:solidFill>
-                <a:latin typeface="Roboto"/>
-                <a:ea typeface="Roboto"/>
-                <a:cs typeface="Roboto"/>
-                <a:sym typeface="Roboto"/>
-              </a:rPr>
-              <a:t>“-”, если есть проблемы</a:t>
-            </a:r>
-            <a:endParaRPr sz="1500">
-              <a:solidFill>
-                <a:srgbClr val="FFFFFF"/>
-              </a:solidFill>
-              <a:latin typeface="Roboto"/>
-              <a:ea typeface="Roboto"/>
-              <a:cs typeface="Roboto"/>
-              <a:sym typeface="Roboto"/>
-            </a:endParaRPr>
-          </a:p>
-        </p:txBody>
-      </p:sp>
-    </p:spTree>
-  </p:cSld>
-  <p:clrMapOvr>
-    <a:masterClrMapping/>
-  </p:clrMapOvr>
-</p:sld>
-</file>
-
-<file path=ppt/slides/slide20.xml><?xml version="1.0" encoding="utf-8"?>
+<file path=ppt/slides/slide21.xml><?xml version="1.0" encoding="utf-8"?>
 <p:sld xmlns:a="http://schemas.openxmlformats.org/drawingml/2006/main" xmlns:r="http://schemas.openxmlformats.org/officeDocument/2006/relationships" xmlns:p="http://schemas.openxmlformats.org/presentationml/2006/main">
   <p:cSld>
     <p:spTree>
@@ -17079,7 +18012,7 @@
 </p:sld>
 </file>
 
-<file path=ppt/slides/slide21.xml><?xml version="1.0" encoding="utf-8"?>
+<file path=ppt/slides/slide22.xml><?xml version="1.0" encoding="utf-8"?>
 <p:sld xmlns:a="http://schemas.openxmlformats.org/drawingml/2006/main" xmlns:r="http://schemas.openxmlformats.org/officeDocument/2006/relationships" xmlns:p="http://schemas.openxmlformats.org/presentationml/2006/main">
   <p:cSld>
     <p:spTree>
@@ -17623,7 +18556,7 @@
 </p:sld>
 </file>
 
-<file path=ppt/slides/slide22.xml><?xml version="1.0" encoding="utf-8"?>
+<file path=ppt/slides/slide23.xml><?xml version="1.0" encoding="utf-8"?>
 <p:sld xmlns:a="http://schemas.openxmlformats.org/drawingml/2006/main" xmlns:r="http://schemas.openxmlformats.org/officeDocument/2006/relationships" xmlns:p="http://schemas.openxmlformats.org/presentationml/2006/main">
   <p:cSld>
     <p:spTree>
@@ -18213,7 +19146,7 @@
 </p:sld>
 </file>
 
-<file path=ppt/slides/slide23.xml><?xml version="1.0" encoding="utf-8"?>
+<file path=ppt/slides/slide24.xml><?xml version="1.0" encoding="utf-8"?>
 <p:sld xmlns:a="http://schemas.openxmlformats.org/drawingml/2006/main" xmlns:r="http://schemas.openxmlformats.org/officeDocument/2006/relationships" xmlns:p="http://schemas.openxmlformats.org/presentationml/2006/main">
   <p:cSld>
     <p:spTree>
@@ -18988,7 +19921,7 @@
 </p:sld>
 </file>
 
-<file path=ppt/slides/slide24.xml><?xml version="1.0" encoding="utf-8"?>
+<file path=ppt/slides/slide25.xml><?xml version="1.0" encoding="utf-8"?>
 <p:sld xmlns:a="http://schemas.openxmlformats.org/drawingml/2006/main" xmlns:r="http://schemas.openxmlformats.org/officeDocument/2006/relationships" xmlns:p="http://schemas.openxmlformats.org/presentationml/2006/main">
   <p:cSld>
     <p:spTree>
@@ -19821,7 +20754,7 @@
 </p:sld>
 </file>
 
-<file path=ppt/slides/slide25.xml><?xml version="1.0" encoding="utf-8"?>
+<file path=ppt/slides/slide26.xml><?xml version="1.0" encoding="utf-8"?>
 <p:sld xmlns:a="http://schemas.openxmlformats.org/drawingml/2006/main" xmlns:r="http://schemas.openxmlformats.org/officeDocument/2006/relationships" xmlns:p="http://schemas.openxmlformats.org/presentationml/2006/main">
   <p:cSld>
     <p:spTree>
@@ -20712,7 +21645,7 @@
 </p:sld>
 </file>
 
-<file path=ppt/slides/slide26.xml><?xml version="1.0" encoding="utf-8"?>
+<file path=ppt/slides/slide27.xml><?xml version="1.0" encoding="utf-8"?>
 <p:sld xmlns:a="http://schemas.openxmlformats.org/drawingml/2006/main" xmlns:r="http://schemas.openxmlformats.org/officeDocument/2006/relationships" xmlns:p="http://schemas.openxmlformats.org/presentationml/2006/main">
   <p:cSld>
     <p:spTree>
@@ -21661,7 +22594,7 @@
 </p:sld>
 </file>
 
-<file path=ppt/slides/slide27.xml><?xml version="1.0" encoding="utf-8"?>
+<file path=ppt/slides/slide28.xml><?xml version="1.0" encoding="utf-8"?>
 <p:sld xmlns:a="http://schemas.openxmlformats.org/drawingml/2006/main" xmlns:r="http://schemas.openxmlformats.org/officeDocument/2006/relationships" xmlns:p="http://schemas.openxmlformats.org/presentationml/2006/main">
   <p:cSld>
     <p:spTree>
@@ -22118,7 +23051,7 @@
 </p:sld>
 </file>
 
-<file path=ppt/slides/slide28.xml><?xml version="1.0" encoding="utf-8"?>
+<file path=ppt/slides/slide29.xml><?xml version="1.0" encoding="utf-8"?>
 <p:sld xmlns:a="http://schemas.openxmlformats.org/drawingml/2006/main" xmlns:r="http://schemas.openxmlformats.org/officeDocument/2006/relationships" xmlns:p="http://schemas.openxmlformats.org/presentationml/2006/main">
   <p:cSld>
     <p:spTree>
@@ -22714,7 +23647,502 @@
 </p:sld>
 </file>
 
-<file path=ppt/slides/slide29.xml><?xml version="1.0" encoding="utf-8"?>
+<file path=ppt/slides/slide3.xml><?xml version="1.0" encoding="utf-8"?>
+<p:sld xmlns:a="http://schemas.openxmlformats.org/drawingml/2006/main" xmlns:r="http://schemas.openxmlformats.org/officeDocument/2006/relationships" xmlns:p="http://schemas.openxmlformats.org/presentationml/2006/main">
+  <p:cSld>
+    <p:spTree>
+      <p:nvGrpSpPr>
+        <p:cNvPr id="1" name="Shape 83"/>
+        <p:cNvGrpSpPr/>
+        <p:nvPr/>
+      </p:nvGrpSpPr>
+      <p:grpSpPr>
+        <a:xfrm>
+          <a:off x="0" y="0"/>
+          <a:ext cx="0" cy="0"/>
+          <a:chOff x="0" y="0"/>
+          <a:chExt cx="0" cy="0"/>
+        </a:xfrm>
+      </p:grpSpPr>
+      <p:sp>
+        <p:nvSpPr>
+          <p:cNvPr id="84" name="Google Shape;84;p18"/>
+          <p:cNvSpPr/>
+          <p:nvPr/>
+        </p:nvSpPr>
+        <p:spPr>
+          <a:xfrm>
+            <a:off x="630000" y="2716325"/>
+            <a:ext cx="1033800" cy="1983600"/>
+          </a:xfrm>
+          <a:prstGeom prst="rect">
+            <a:avLst/>
+          </a:prstGeom>
+          <a:solidFill>
+            <a:schemeClr val="accent4"/>
+          </a:solidFill>
+          <a:ln>
+            <a:noFill/>
+          </a:ln>
+        </p:spPr>
+        <p:txBody>
+          <a:bodyPr spcFirstLastPara="1" wrap="square" lIns="91425" tIns="91425" rIns="91425" bIns="91425" anchor="ctr" anchorCtr="0">
+            <a:noAutofit/>
+          </a:bodyPr>
+          <a:lstStyle/>
+          <a:p>
+            <a:pPr marL="0" lvl="0" indent="0" algn="l" rtl="0">
+              <a:spcBef>
+                <a:spcPts val="0"/>
+              </a:spcBef>
+              <a:spcAft>
+                <a:spcPts val="0"/>
+              </a:spcAft>
+              <a:buNone/>
+            </a:pPr>
+            <a:endParaRPr/>
+          </a:p>
+        </p:txBody>
+      </p:sp>
+      <p:pic>
+        <p:nvPicPr>
+          <p:cNvPr id="85" name="Google Shape;85;p18"/>
+          <p:cNvPicPr preferRelativeResize="0"/>
+          <p:nvPr/>
+        </p:nvPicPr>
+        <p:blipFill>
+          <a:blip r:embed="rId3"/>
+          <a:srcRect t="11848" b="11848"/>
+          <a:stretch/>
+        </p:blipFill>
+        <p:spPr>
+          <a:xfrm>
+            <a:off x="1069674" y="2963889"/>
+            <a:ext cx="1508400" cy="1488600"/>
+          </a:xfrm>
+          <a:prstGeom prst="ellipse">
+            <a:avLst/>
+          </a:prstGeom>
+          <a:noFill/>
+          <a:ln>
+            <a:noFill/>
+          </a:ln>
+        </p:spPr>
+      </p:pic>
+      <p:sp>
+        <p:nvSpPr>
+          <p:cNvPr id="86" name="Google Shape;86;p18"/>
+          <p:cNvSpPr txBox="1">
+            <a:spLocks noGrp="1"/>
+          </p:cNvSpPr>
+          <p:nvPr>
+            <p:ph type="title"/>
+          </p:nvPr>
+        </p:nvSpPr>
+        <p:spPr>
+          <a:xfrm>
+            <a:off x="500550" y="821220"/>
+            <a:ext cx="8520600" cy="1188300"/>
+          </a:xfrm>
+          <a:prstGeom prst="rect">
+            <a:avLst/>
+          </a:prstGeom>
+        </p:spPr>
+        <p:txBody>
+          <a:bodyPr spcFirstLastPara="1" wrap="square" lIns="91425" tIns="91425" rIns="91425" bIns="91425" anchor="t" anchorCtr="0">
+            <a:noAutofit/>
+          </a:bodyPr>
+          <a:lstStyle/>
+          <a:p>
+            <a:pPr marL="0" lvl="0" indent="0" algn="l" rtl="0">
+              <a:spcBef>
+                <a:spcPts val="0"/>
+              </a:spcBef>
+              <a:spcAft>
+                <a:spcPts val="0"/>
+              </a:spcAft>
+              <a:buClr>
+                <a:schemeClr val="dk1"/>
+              </a:buClr>
+              <a:buSzPts val="1100"/>
+              <a:buFont typeface="Arial"/>
+              <a:buNone/>
+            </a:pPr>
+            <a:r>
+              <a:rPr lang="ru-RU" sz="3200" dirty="0"/>
+              <a:t>Разведывательный анализ данных для целей машинного обучения</a:t>
+            </a:r>
+            <a:endParaRPr dirty="0"/>
+          </a:p>
+          <a:p>
+            <a:pPr marL="0" lvl="0" indent="0" algn="l" rtl="0">
+              <a:spcBef>
+                <a:spcPts val="0"/>
+              </a:spcBef>
+              <a:spcAft>
+                <a:spcPts val="0"/>
+              </a:spcAft>
+              <a:buNone/>
+            </a:pPr>
+            <a:endParaRPr dirty="0"/>
+          </a:p>
+        </p:txBody>
+      </p:sp>
+      <p:sp>
+        <p:nvSpPr>
+          <p:cNvPr id="87" name="Google Shape;87;p18"/>
+          <p:cNvSpPr txBox="1">
+            <a:spLocks noGrp="1"/>
+          </p:cNvSpPr>
+          <p:nvPr>
+            <p:ph type="subTitle" idx="1"/>
+          </p:nvPr>
+        </p:nvSpPr>
+        <p:spPr>
+          <a:xfrm>
+            <a:off x="500550" y="457313"/>
+            <a:ext cx="7796700" cy="792600"/>
+          </a:xfrm>
+          <a:prstGeom prst="rect">
+            <a:avLst/>
+          </a:prstGeom>
+        </p:spPr>
+        <p:txBody>
+          <a:bodyPr spcFirstLastPara="1" wrap="square" lIns="91425" tIns="91425" rIns="91425" bIns="91425" anchor="t" anchorCtr="0">
+            <a:normAutofit/>
+          </a:bodyPr>
+          <a:lstStyle/>
+          <a:p>
+            <a:pPr marL="0" lvl="0" indent="0" algn="l" rtl="0">
+              <a:spcBef>
+                <a:spcPts val="0"/>
+              </a:spcBef>
+              <a:spcAft>
+                <a:spcPts val="0"/>
+              </a:spcAft>
+              <a:buNone/>
+            </a:pPr>
+            <a:r>
+              <a:rPr lang="ru"/>
+              <a:t>Тема вебинара</a:t>
+            </a:r>
+            <a:endParaRPr/>
+          </a:p>
+        </p:txBody>
+      </p:sp>
+      <p:sp>
+        <p:nvSpPr>
+          <p:cNvPr id="88" name="Google Shape;88;p18"/>
+          <p:cNvSpPr txBox="1">
+            <a:spLocks noGrp="1"/>
+          </p:cNvSpPr>
+          <p:nvPr>
+            <p:ph type="subTitle" idx="2"/>
+          </p:nvPr>
+        </p:nvSpPr>
+        <p:spPr>
+          <a:xfrm>
+            <a:off x="3135423" y="2978825"/>
+            <a:ext cx="5648215" cy="1721100"/>
+          </a:xfrm>
+          <a:prstGeom prst="rect">
+            <a:avLst/>
+          </a:prstGeom>
+        </p:spPr>
+        <p:txBody>
+          <a:bodyPr spcFirstLastPara="1" wrap="square" lIns="91425" tIns="91425" rIns="91425" bIns="91425" anchor="t" anchorCtr="0">
+            <a:normAutofit fontScale="92500" lnSpcReduction="10000"/>
+          </a:bodyPr>
+          <a:lstStyle/>
+          <a:p>
+            <a:pPr marL="0" lvl="0" indent="0" algn="l" rtl="0">
+              <a:spcBef>
+                <a:spcPts val="0"/>
+              </a:spcBef>
+              <a:spcAft>
+                <a:spcPts val="0"/>
+              </a:spcAft>
+              <a:buClr>
+                <a:schemeClr val="dk1"/>
+              </a:buClr>
+              <a:buSzPts val="1100"/>
+              <a:buFont typeface="Arial"/>
+              <a:buNone/>
+            </a:pPr>
+            <a:r>
+              <a:rPr lang="ru-RU" sz="1250" dirty="0"/>
+              <a:t>Старший аналитик, </a:t>
+            </a:r>
+            <a:r>
+              <a:rPr lang="en-US" sz="1250" dirty="0"/>
+              <a:t>RSpectr</a:t>
+            </a:r>
+            <a:endParaRPr sz="1250" dirty="0"/>
+          </a:p>
+          <a:p>
+            <a:pPr marL="0" lvl="0" indent="0" algn="l" rtl="0">
+              <a:spcBef>
+                <a:spcPts val="0"/>
+              </a:spcBef>
+              <a:spcAft>
+                <a:spcPts val="0"/>
+              </a:spcAft>
+              <a:buClr>
+                <a:schemeClr val="dk1"/>
+              </a:buClr>
+              <a:buSzPts val="1100"/>
+              <a:buFont typeface="Arial"/>
+              <a:buNone/>
+            </a:pPr>
+            <a:endParaRPr sz="1250" b="0" dirty="0"/>
+          </a:p>
+          <a:p>
+            <a:pPr marL="0" lvl="0" indent="0" algn="l" rtl="0">
+              <a:spcBef>
+                <a:spcPts val="0"/>
+              </a:spcBef>
+              <a:spcAft>
+                <a:spcPts val="0"/>
+              </a:spcAft>
+              <a:buClr>
+                <a:schemeClr val="dk1"/>
+              </a:buClr>
+              <a:buSzPts val="1100"/>
+              <a:buFont typeface="Arial"/>
+              <a:buNone/>
+            </a:pPr>
+            <a:r>
+              <a:rPr lang="ru" sz="1250" dirty="0"/>
+              <a:t>Об опыте:</a:t>
+            </a:r>
+            <a:endParaRPr sz="1250" dirty="0"/>
+          </a:p>
+          <a:p>
+            <a:pPr marL="0" lvl="0" indent="0" algn="l" rtl="0">
+              <a:spcBef>
+                <a:spcPts val="0"/>
+              </a:spcBef>
+              <a:spcAft>
+                <a:spcPts val="0"/>
+              </a:spcAft>
+              <a:buClr>
+                <a:schemeClr val="dk1"/>
+              </a:buClr>
+              <a:buSzPts val="1100"/>
+              <a:buFont typeface="Arial"/>
+              <a:buNone/>
+            </a:pPr>
+            <a:endParaRPr sz="1250" b="0" dirty="0"/>
+          </a:p>
+          <a:p>
+            <a:pPr marL="0" lvl="0" indent="0" algn="l" rtl="0">
+              <a:spcBef>
+                <a:spcPts val="0"/>
+              </a:spcBef>
+              <a:spcAft>
+                <a:spcPts val="0"/>
+              </a:spcAft>
+              <a:buClr>
+                <a:schemeClr val="dk1"/>
+              </a:buClr>
+              <a:buSzPts val="1100"/>
+              <a:buFont typeface="Arial"/>
+              <a:buNone/>
+            </a:pPr>
+            <a:r>
+              <a:rPr lang="ru" sz="1250" b="0" dirty="0"/>
+              <a:t>Мониторинг и исследования медиа (</a:t>
+            </a:r>
+            <a:r>
+              <a:rPr lang="en-US" sz="1250" b="0" dirty="0"/>
+              <a:t>Brand Analytics, </a:t>
+            </a:r>
+            <a:r>
+              <a:rPr lang="ru-RU" sz="1250" b="0" dirty="0"/>
+              <a:t>Медиалогия</a:t>
+            </a:r>
+            <a:r>
+              <a:rPr lang="ru" sz="1250" b="0" dirty="0"/>
+              <a:t>, R, </a:t>
+            </a:r>
+            <a:r>
+              <a:rPr lang="en-US" sz="1250" b="0" dirty="0"/>
+              <a:t>Python</a:t>
+            </a:r>
+            <a:r>
+              <a:rPr lang="ru" sz="1250" b="0" dirty="0"/>
+              <a:t>)</a:t>
+            </a:r>
+            <a:endParaRPr sz="1250" b="0" dirty="0"/>
+          </a:p>
+          <a:p>
+            <a:pPr marL="0" lvl="0" indent="0" algn="l" rtl="0">
+              <a:spcBef>
+                <a:spcPts val="0"/>
+              </a:spcBef>
+              <a:spcAft>
+                <a:spcPts val="0"/>
+              </a:spcAft>
+              <a:buClr>
+                <a:schemeClr val="dk1"/>
+              </a:buClr>
+              <a:buSzPts val="1100"/>
+              <a:buFont typeface="Arial"/>
+              <a:buNone/>
+            </a:pPr>
+            <a:endParaRPr sz="1250" b="0" dirty="0"/>
+          </a:p>
+          <a:p>
+            <a:pPr marL="0" lvl="0" indent="0" algn="l" rtl="0">
+              <a:spcBef>
+                <a:spcPts val="0"/>
+              </a:spcBef>
+              <a:spcAft>
+                <a:spcPts val="0"/>
+              </a:spcAft>
+              <a:buClr>
+                <a:schemeClr val="dk1"/>
+              </a:buClr>
+              <a:buSzPts val="1100"/>
+              <a:buFont typeface="Arial"/>
+              <a:buNone/>
+            </a:pPr>
+            <a:r>
+              <a:rPr lang="ru" sz="1250" b="0" dirty="0"/>
+              <a:t>Люблю делать: </a:t>
+            </a:r>
+            <a:r>
+              <a:rPr lang="en-US" sz="1250" b="0" dirty="0"/>
+              <a:t>Text Mining, </a:t>
+            </a:r>
+            <a:r>
+              <a:rPr lang="ru-RU" sz="1250" b="0" dirty="0" err="1"/>
+              <a:t>графовый</a:t>
+            </a:r>
+            <a:r>
+              <a:rPr lang="ru-RU" sz="1250" b="0" dirty="0"/>
+              <a:t> анализ, интерактивные </a:t>
+            </a:r>
+            <a:r>
+              <a:rPr lang="ru-RU" sz="1250" b="0" dirty="0" err="1"/>
+              <a:t>дэшборды</a:t>
+            </a:r>
+            <a:endParaRPr sz="1250" b="0" dirty="0"/>
+          </a:p>
+          <a:p>
+            <a:pPr marL="0" lvl="0" indent="0" algn="l" rtl="0">
+              <a:spcBef>
+                <a:spcPts val="0"/>
+              </a:spcBef>
+              <a:spcAft>
+                <a:spcPts val="0"/>
+              </a:spcAft>
+              <a:buClr>
+                <a:schemeClr val="dk1"/>
+              </a:buClr>
+              <a:buSzPts val="1100"/>
+              <a:buFont typeface="Arial"/>
+              <a:buNone/>
+            </a:pPr>
+            <a:endParaRPr sz="1250" b="0" dirty="0"/>
+          </a:p>
+          <a:p>
+            <a:pPr marL="0" lvl="0" indent="0" algn="l" rtl="0">
+              <a:spcBef>
+                <a:spcPts val="0"/>
+              </a:spcBef>
+              <a:spcAft>
+                <a:spcPts val="0"/>
+              </a:spcAft>
+              <a:buNone/>
+            </a:pPr>
+            <a:r>
+              <a:rPr lang="ru" sz="1250" b="0" dirty="0"/>
+              <a:t>+7 915 254-87-83 / </a:t>
+            </a:r>
+            <a:r>
+              <a:rPr lang="en-US" sz="1250" b="0" dirty="0"/>
+              <a:t>a.pawluczenko@gmail.com </a:t>
+            </a:r>
+            <a:r>
+              <a:rPr lang="ru" sz="1250" b="0" dirty="0"/>
+              <a:t>/ </a:t>
+            </a:r>
+            <a:r>
+              <a:rPr lang="en-US" sz="1250" b="0" dirty="0"/>
+              <a:t>@a.pawluczenko</a:t>
+            </a:r>
+            <a:endParaRPr b="0" dirty="0"/>
+          </a:p>
+        </p:txBody>
+      </p:sp>
+      <p:sp>
+        <p:nvSpPr>
+          <p:cNvPr id="89" name="Google Shape;89;p18"/>
+          <p:cNvSpPr txBox="1"/>
+          <p:nvPr/>
+        </p:nvSpPr>
+        <p:spPr>
+          <a:xfrm>
+            <a:off x="3135423" y="2563325"/>
+            <a:ext cx="3000000" cy="415500"/>
+          </a:xfrm>
+          <a:prstGeom prst="rect">
+            <a:avLst/>
+          </a:prstGeom>
+          <a:noFill/>
+          <a:ln>
+            <a:noFill/>
+          </a:ln>
+        </p:spPr>
+        <p:txBody>
+          <a:bodyPr spcFirstLastPara="1" wrap="square" lIns="91425" tIns="91425" rIns="91425" bIns="91425" anchor="t" anchorCtr="0">
+            <a:spAutoFit/>
+          </a:bodyPr>
+          <a:lstStyle/>
+          <a:p>
+            <a:pPr marL="0" lvl="0" indent="0" algn="l" rtl="0">
+              <a:spcBef>
+                <a:spcPts val="0"/>
+              </a:spcBef>
+              <a:spcAft>
+                <a:spcPts val="0"/>
+              </a:spcAft>
+              <a:buNone/>
+            </a:pPr>
+            <a:r>
+              <a:rPr lang="ru" sz="1500" b="1" dirty="0">
+                <a:solidFill>
+                  <a:schemeClr val="lt1"/>
+                </a:solidFill>
+                <a:latin typeface="Roboto"/>
+                <a:ea typeface="Roboto"/>
+                <a:cs typeface="Roboto"/>
+                <a:sym typeface="Roboto"/>
+              </a:rPr>
+              <a:t>Андрей Павлюченко</a:t>
+            </a:r>
+            <a:endParaRPr sz="1500" b="1" dirty="0">
+              <a:solidFill>
+                <a:schemeClr val="lt1"/>
+              </a:solidFill>
+              <a:latin typeface="Roboto"/>
+              <a:ea typeface="Roboto"/>
+              <a:cs typeface="Roboto"/>
+              <a:sym typeface="Roboto"/>
+            </a:endParaRPr>
+          </a:p>
+        </p:txBody>
+      </p:sp>
+    </p:spTree>
+  </p:cSld>
+  <p:clrMapOvr>
+    <a:masterClrMapping/>
+  </p:clrMapOvr>
+</p:sld>
+</file>
+
+<file path=ppt/slides/slide30.xml><?xml version="1.0" encoding="utf-8"?>
 <p:sld xmlns:a="http://schemas.openxmlformats.org/drawingml/2006/main" xmlns:r="http://schemas.openxmlformats.org/officeDocument/2006/relationships" xmlns:p="http://schemas.openxmlformats.org/presentationml/2006/main">
   <p:cSld>
     <p:spTree>
@@ -23355,502 +24783,7 @@
 </p:sld>
 </file>
 
-<file path=ppt/slides/slide3.xml><?xml version="1.0" encoding="utf-8"?>
-<p:sld xmlns:a="http://schemas.openxmlformats.org/drawingml/2006/main" xmlns:r="http://schemas.openxmlformats.org/officeDocument/2006/relationships" xmlns:p="http://schemas.openxmlformats.org/presentationml/2006/main">
-  <p:cSld>
-    <p:spTree>
-      <p:nvGrpSpPr>
-        <p:cNvPr id="1" name="Shape 83"/>
-        <p:cNvGrpSpPr/>
-        <p:nvPr/>
-      </p:nvGrpSpPr>
-      <p:grpSpPr>
-        <a:xfrm>
-          <a:off x="0" y="0"/>
-          <a:ext cx="0" cy="0"/>
-          <a:chOff x="0" y="0"/>
-          <a:chExt cx="0" cy="0"/>
-        </a:xfrm>
-      </p:grpSpPr>
-      <p:sp>
-        <p:nvSpPr>
-          <p:cNvPr id="84" name="Google Shape;84;p18"/>
-          <p:cNvSpPr/>
-          <p:nvPr/>
-        </p:nvSpPr>
-        <p:spPr>
-          <a:xfrm>
-            <a:off x="630000" y="2716325"/>
-            <a:ext cx="1033800" cy="1983600"/>
-          </a:xfrm>
-          <a:prstGeom prst="rect">
-            <a:avLst/>
-          </a:prstGeom>
-          <a:solidFill>
-            <a:schemeClr val="accent4"/>
-          </a:solidFill>
-          <a:ln>
-            <a:noFill/>
-          </a:ln>
-        </p:spPr>
-        <p:txBody>
-          <a:bodyPr spcFirstLastPara="1" wrap="square" lIns="91425" tIns="91425" rIns="91425" bIns="91425" anchor="ctr" anchorCtr="0">
-            <a:noAutofit/>
-          </a:bodyPr>
-          <a:lstStyle/>
-          <a:p>
-            <a:pPr marL="0" lvl="0" indent="0" algn="l" rtl="0">
-              <a:spcBef>
-                <a:spcPts val="0"/>
-              </a:spcBef>
-              <a:spcAft>
-                <a:spcPts val="0"/>
-              </a:spcAft>
-              <a:buNone/>
-            </a:pPr>
-            <a:endParaRPr/>
-          </a:p>
-        </p:txBody>
-      </p:sp>
-      <p:pic>
-        <p:nvPicPr>
-          <p:cNvPr id="85" name="Google Shape;85;p18"/>
-          <p:cNvPicPr preferRelativeResize="0"/>
-          <p:nvPr/>
-        </p:nvPicPr>
-        <p:blipFill>
-          <a:blip r:embed="rId3"/>
-          <a:srcRect t="11848" b="11848"/>
-          <a:stretch/>
-        </p:blipFill>
-        <p:spPr>
-          <a:xfrm>
-            <a:off x="1069674" y="2963889"/>
-            <a:ext cx="1508400" cy="1488600"/>
-          </a:xfrm>
-          <a:prstGeom prst="ellipse">
-            <a:avLst/>
-          </a:prstGeom>
-          <a:noFill/>
-          <a:ln>
-            <a:noFill/>
-          </a:ln>
-        </p:spPr>
-      </p:pic>
-      <p:sp>
-        <p:nvSpPr>
-          <p:cNvPr id="86" name="Google Shape;86;p18"/>
-          <p:cNvSpPr txBox="1">
-            <a:spLocks noGrp="1"/>
-          </p:cNvSpPr>
-          <p:nvPr>
-            <p:ph type="title"/>
-          </p:nvPr>
-        </p:nvSpPr>
-        <p:spPr>
-          <a:xfrm>
-            <a:off x="500550" y="821220"/>
-            <a:ext cx="8520600" cy="1188300"/>
-          </a:xfrm>
-          <a:prstGeom prst="rect">
-            <a:avLst/>
-          </a:prstGeom>
-        </p:spPr>
-        <p:txBody>
-          <a:bodyPr spcFirstLastPara="1" wrap="square" lIns="91425" tIns="91425" rIns="91425" bIns="91425" anchor="t" anchorCtr="0">
-            <a:noAutofit/>
-          </a:bodyPr>
-          <a:lstStyle/>
-          <a:p>
-            <a:pPr marL="0" lvl="0" indent="0" algn="l" rtl="0">
-              <a:spcBef>
-                <a:spcPts val="0"/>
-              </a:spcBef>
-              <a:spcAft>
-                <a:spcPts val="0"/>
-              </a:spcAft>
-              <a:buClr>
-                <a:schemeClr val="dk1"/>
-              </a:buClr>
-              <a:buSzPts val="1100"/>
-              <a:buFont typeface="Arial"/>
-              <a:buNone/>
-            </a:pPr>
-            <a:r>
-              <a:rPr lang="ru-RU" sz="3200" dirty="0"/>
-              <a:t>Разведывательный анализ данных для целей машинного обучения</a:t>
-            </a:r>
-            <a:endParaRPr dirty="0"/>
-          </a:p>
-          <a:p>
-            <a:pPr marL="0" lvl="0" indent="0" algn="l" rtl="0">
-              <a:spcBef>
-                <a:spcPts val="0"/>
-              </a:spcBef>
-              <a:spcAft>
-                <a:spcPts val="0"/>
-              </a:spcAft>
-              <a:buNone/>
-            </a:pPr>
-            <a:endParaRPr dirty="0"/>
-          </a:p>
-        </p:txBody>
-      </p:sp>
-      <p:sp>
-        <p:nvSpPr>
-          <p:cNvPr id="87" name="Google Shape;87;p18"/>
-          <p:cNvSpPr txBox="1">
-            <a:spLocks noGrp="1"/>
-          </p:cNvSpPr>
-          <p:nvPr>
-            <p:ph type="subTitle" idx="1"/>
-          </p:nvPr>
-        </p:nvSpPr>
-        <p:spPr>
-          <a:xfrm>
-            <a:off x="500550" y="457313"/>
-            <a:ext cx="7796700" cy="792600"/>
-          </a:xfrm>
-          <a:prstGeom prst="rect">
-            <a:avLst/>
-          </a:prstGeom>
-        </p:spPr>
-        <p:txBody>
-          <a:bodyPr spcFirstLastPara="1" wrap="square" lIns="91425" tIns="91425" rIns="91425" bIns="91425" anchor="t" anchorCtr="0">
-            <a:normAutofit/>
-          </a:bodyPr>
-          <a:lstStyle/>
-          <a:p>
-            <a:pPr marL="0" lvl="0" indent="0" algn="l" rtl="0">
-              <a:spcBef>
-                <a:spcPts val="0"/>
-              </a:spcBef>
-              <a:spcAft>
-                <a:spcPts val="0"/>
-              </a:spcAft>
-              <a:buNone/>
-            </a:pPr>
-            <a:r>
-              <a:rPr lang="ru"/>
-              <a:t>Тема вебинара</a:t>
-            </a:r>
-            <a:endParaRPr/>
-          </a:p>
-        </p:txBody>
-      </p:sp>
-      <p:sp>
-        <p:nvSpPr>
-          <p:cNvPr id="88" name="Google Shape;88;p18"/>
-          <p:cNvSpPr txBox="1">
-            <a:spLocks noGrp="1"/>
-          </p:cNvSpPr>
-          <p:nvPr>
-            <p:ph type="subTitle" idx="2"/>
-          </p:nvPr>
-        </p:nvSpPr>
-        <p:spPr>
-          <a:xfrm>
-            <a:off x="3135423" y="2978825"/>
-            <a:ext cx="5648215" cy="1721100"/>
-          </a:xfrm>
-          <a:prstGeom prst="rect">
-            <a:avLst/>
-          </a:prstGeom>
-        </p:spPr>
-        <p:txBody>
-          <a:bodyPr spcFirstLastPara="1" wrap="square" lIns="91425" tIns="91425" rIns="91425" bIns="91425" anchor="t" anchorCtr="0">
-            <a:normAutofit fontScale="92500" lnSpcReduction="10000"/>
-          </a:bodyPr>
-          <a:lstStyle/>
-          <a:p>
-            <a:pPr marL="0" lvl="0" indent="0" algn="l" rtl="0">
-              <a:spcBef>
-                <a:spcPts val="0"/>
-              </a:spcBef>
-              <a:spcAft>
-                <a:spcPts val="0"/>
-              </a:spcAft>
-              <a:buClr>
-                <a:schemeClr val="dk1"/>
-              </a:buClr>
-              <a:buSzPts val="1100"/>
-              <a:buFont typeface="Arial"/>
-              <a:buNone/>
-            </a:pPr>
-            <a:r>
-              <a:rPr lang="ru-RU" sz="1250" dirty="0"/>
-              <a:t>Старший аналитик, </a:t>
-            </a:r>
-            <a:r>
-              <a:rPr lang="en-US" sz="1250" dirty="0"/>
-              <a:t>RSpectr</a:t>
-            </a:r>
-            <a:endParaRPr sz="1250" dirty="0"/>
-          </a:p>
-          <a:p>
-            <a:pPr marL="0" lvl="0" indent="0" algn="l" rtl="0">
-              <a:spcBef>
-                <a:spcPts val="0"/>
-              </a:spcBef>
-              <a:spcAft>
-                <a:spcPts val="0"/>
-              </a:spcAft>
-              <a:buClr>
-                <a:schemeClr val="dk1"/>
-              </a:buClr>
-              <a:buSzPts val="1100"/>
-              <a:buFont typeface="Arial"/>
-              <a:buNone/>
-            </a:pPr>
-            <a:endParaRPr sz="1250" b="0" dirty="0"/>
-          </a:p>
-          <a:p>
-            <a:pPr marL="0" lvl="0" indent="0" algn="l" rtl="0">
-              <a:spcBef>
-                <a:spcPts val="0"/>
-              </a:spcBef>
-              <a:spcAft>
-                <a:spcPts val="0"/>
-              </a:spcAft>
-              <a:buClr>
-                <a:schemeClr val="dk1"/>
-              </a:buClr>
-              <a:buSzPts val="1100"/>
-              <a:buFont typeface="Arial"/>
-              <a:buNone/>
-            </a:pPr>
-            <a:r>
-              <a:rPr lang="ru" sz="1250" dirty="0"/>
-              <a:t>Об опыте:</a:t>
-            </a:r>
-            <a:endParaRPr sz="1250" dirty="0"/>
-          </a:p>
-          <a:p>
-            <a:pPr marL="0" lvl="0" indent="0" algn="l" rtl="0">
-              <a:spcBef>
-                <a:spcPts val="0"/>
-              </a:spcBef>
-              <a:spcAft>
-                <a:spcPts val="0"/>
-              </a:spcAft>
-              <a:buClr>
-                <a:schemeClr val="dk1"/>
-              </a:buClr>
-              <a:buSzPts val="1100"/>
-              <a:buFont typeface="Arial"/>
-              <a:buNone/>
-            </a:pPr>
-            <a:endParaRPr sz="1250" b="0" dirty="0"/>
-          </a:p>
-          <a:p>
-            <a:pPr marL="0" lvl="0" indent="0" algn="l" rtl="0">
-              <a:spcBef>
-                <a:spcPts val="0"/>
-              </a:spcBef>
-              <a:spcAft>
-                <a:spcPts val="0"/>
-              </a:spcAft>
-              <a:buClr>
-                <a:schemeClr val="dk1"/>
-              </a:buClr>
-              <a:buSzPts val="1100"/>
-              <a:buFont typeface="Arial"/>
-              <a:buNone/>
-            </a:pPr>
-            <a:r>
-              <a:rPr lang="ru" sz="1250" b="0" dirty="0"/>
-              <a:t>Мониторинг и исследования медиа (</a:t>
-            </a:r>
-            <a:r>
-              <a:rPr lang="en-US" sz="1250" b="0" dirty="0"/>
-              <a:t>Brand Analytics, </a:t>
-            </a:r>
-            <a:r>
-              <a:rPr lang="ru-RU" sz="1250" b="0" dirty="0"/>
-              <a:t>Медиалогия</a:t>
-            </a:r>
-            <a:r>
-              <a:rPr lang="ru" sz="1250" b="0" dirty="0"/>
-              <a:t>, R, </a:t>
-            </a:r>
-            <a:r>
-              <a:rPr lang="en-US" sz="1250" b="0" dirty="0"/>
-              <a:t>Python</a:t>
-            </a:r>
-            <a:r>
-              <a:rPr lang="ru" sz="1250" b="0" dirty="0"/>
-              <a:t>)</a:t>
-            </a:r>
-            <a:endParaRPr sz="1250" b="0" dirty="0"/>
-          </a:p>
-          <a:p>
-            <a:pPr marL="0" lvl="0" indent="0" algn="l" rtl="0">
-              <a:spcBef>
-                <a:spcPts val="0"/>
-              </a:spcBef>
-              <a:spcAft>
-                <a:spcPts val="0"/>
-              </a:spcAft>
-              <a:buClr>
-                <a:schemeClr val="dk1"/>
-              </a:buClr>
-              <a:buSzPts val="1100"/>
-              <a:buFont typeface="Arial"/>
-              <a:buNone/>
-            </a:pPr>
-            <a:endParaRPr sz="1250" b="0" dirty="0"/>
-          </a:p>
-          <a:p>
-            <a:pPr marL="0" lvl="0" indent="0" algn="l" rtl="0">
-              <a:spcBef>
-                <a:spcPts val="0"/>
-              </a:spcBef>
-              <a:spcAft>
-                <a:spcPts val="0"/>
-              </a:spcAft>
-              <a:buClr>
-                <a:schemeClr val="dk1"/>
-              </a:buClr>
-              <a:buSzPts val="1100"/>
-              <a:buFont typeface="Arial"/>
-              <a:buNone/>
-            </a:pPr>
-            <a:r>
-              <a:rPr lang="ru" sz="1250" b="0" dirty="0"/>
-              <a:t>Люблю делать: </a:t>
-            </a:r>
-            <a:r>
-              <a:rPr lang="en-US" sz="1250" b="0" dirty="0"/>
-              <a:t>Text Mining, </a:t>
-            </a:r>
-            <a:r>
-              <a:rPr lang="ru-RU" sz="1250" b="0" dirty="0" err="1"/>
-              <a:t>графовый</a:t>
-            </a:r>
-            <a:r>
-              <a:rPr lang="ru-RU" sz="1250" b="0" dirty="0"/>
-              <a:t> анализ, интерактивные </a:t>
-            </a:r>
-            <a:r>
-              <a:rPr lang="ru-RU" sz="1250" b="0" dirty="0" err="1"/>
-              <a:t>дэшборды</a:t>
-            </a:r>
-            <a:endParaRPr sz="1250" b="0" dirty="0"/>
-          </a:p>
-          <a:p>
-            <a:pPr marL="0" lvl="0" indent="0" algn="l" rtl="0">
-              <a:spcBef>
-                <a:spcPts val="0"/>
-              </a:spcBef>
-              <a:spcAft>
-                <a:spcPts val="0"/>
-              </a:spcAft>
-              <a:buClr>
-                <a:schemeClr val="dk1"/>
-              </a:buClr>
-              <a:buSzPts val="1100"/>
-              <a:buFont typeface="Arial"/>
-              <a:buNone/>
-            </a:pPr>
-            <a:endParaRPr sz="1250" b="0" dirty="0"/>
-          </a:p>
-          <a:p>
-            <a:pPr marL="0" lvl="0" indent="0" algn="l" rtl="0">
-              <a:spcBef>
-                <a:spcPts val="0"/>
-              </a:spcBef>
-              <a:spcAft>
-                <a:spcPts val="0"/>
-              </a:spcAft>
-              <a:buNone/>
-            </a:pPr>
-            <a:r>
-              <a:rPr lang="ru" sz="1250" b="0" dirty="0"/>
-              <a:t>+7 915 254-87-83 / </a:t>
-            </a:r>
-            <a:r>
-              <a:rPr lang="en-US" sz="1250" b="0" dirty="0"/>
-              <a:t>a.pawluczenko@gmail.com </a:t>
-            </a:r>
-            <a:r>
-              <a:rPr lang="ru" sz="1250" b="0" dirty="0"/>
-              <a:t>/ </a:t>
-            </a:r>
-            <a:r>
-              <a:rPr lang="en-US" sz="1250" b="0" dirty="0"/>
-              <a:t>@a.pawluczenko</a:t>
-            </a:r>
-            <a:endParaRPr b="0" dirty="0"/>
-          </a:p>
-        </p:txBody>
-      </p:sp>
-      <p:sp>
-        <p:nvSpPr>
-          <p:cNvPr id="89" name="Google Shape;89;p18"/>
-          <p:cNvSpPr txBox="1"/>
-          <p:nvPr/>
-        </p:nvSpPr>
-        <p:spPr>
-          <a:xfrm>
-            <a:off x="3135423" y="2563325"/>
-            <a:ext cx="3000000" cy="415500"/>
-          </a:xfrm>
-          <a:prstGeom prst="rect">
-            <a:avLst/>
-          </a:prstGeom>
-          <a:noFill/>
-          <a:ln>
-            <a:noFill/>
-          </a:ln>
-        </p:spPr>
-        <p:txBody>
-          <a:bodyPr spcFirstLastPara="1" wrap="square" lIns="91425" tIns="91425" rIns="91425" bIns="91425" anchor="t" anchorCtr="0">
-            <a:spAutoFit/>
-          </a:bodyPr>
-          <a:lstStyle/>
-          <a:p>
-            <a:pPr marL="0" lvl="0" indent="0" algn="l" rtl="0">
-              <a:spcBef>
-                <a:spcPts val="0"/>
-              </a:spcBef>
-              <a:spcAft>
-                <a:spcPts val="0"/>
-              </a:spcAft>
-              <a:buNone/>
-            </a:pPr>
-            <a:r>
-              <a:rPr lang="ru" sz="1500" b="1" dirty="0">
-                <a:solidFill>
-                  <a:schemeClr val="lt1"/>
-                </a:solidFill>
-                <a:latin typeface="Roboto"/>
-                <a:ea typeface="Roboto"/>
-                <a:cs typeface="Roboto"/>
-                <a:sym typeface="Roboto"/>
-              </a:rPr>
-              <a:t>Андрей Павлюченко</a:t>
-            </a:r>
-            <a:endParaRPr sz="1500" b="1" dirty="0">
-              <a:solidFill>
-                <a:schemeClr val="lt1"/>
-              </a:solidFill>
-              <a:latin typeface="Roboto"/>
-              <a:ea typeface="Roboto"/>
-              <a:cs typeface="Roboto"/>
-              <a:sym typeface="Roboto"/>
-            </a:endParaRPr>
-          </a:p>
-        </p:txBody>
-      </p:sp>
-    </p:spTree>
-  </p:cSld>
-  <p:clrMapOvr>
-    <a:masterClrMapping/>
-  </p:clrMapOvr>
-</p:sld>
-</file>
-
-<file path=ppt/slides/slide30.xml><?xml version="1.0" encoding="utf-8"?>
+<file path=ppt/slides/slide31.xml><?xml version="1.0" encoding="utf-8"?>
 <p:sld xmlns:a="http://schemas.openxmlformats.org/drawingml/2006/main" xmlns:r="http://schemas.openxmlformats.org/officeDocument/2006/relationships" xmlns:p="http://schemas.openxmlformats.org/presentationml/2006/main">
   <p:cSld>
     <p:spTree>
@@ -24607,7 +25540,7 @@
 </p:sld>
 </file>
 
-<file path=ppt/slides/slide31.xml><?xml version="1.0" encoding="utf-8"?>
+<file path=ppt/slides/slide32.xml><?xml version="1.0" encoding="utf-8"?>
 <p:sld xmlns:a="http://schemas.openxmlformats.org/drawingml/2006/main" xmlns:r="http://schemas.openxmlformats.org/officeDocument/2006/relationships" xmlns:p="http://schemas.openxmlformats.org/presentationml/2006/main">
   <p:cSld>
     <p:spTree>
@@ -25224,7 +26157,7 @@
 </p:sld>
 </file>
 
-<file path=ppt/slides/slide32.xml><?xml version="1.0" encoding="utf-8"?>
+<file path=ppt/slides/slide33.xml><?xml version="1.0" encoding="utf-8"?>
 <p:sld xmlns:a="http://schemas.openxmlformats.org/drawingml/2006/main" xmlns:r="http://schemas.openxmlformats.org/officeDocument/2006/relationships" xmlns:p="http://schemas.openxmlformats.org/presentationml/2006/main">
   <p:cSld>
     <p:spTree>
@@ -25886,7 +26819,7 @@
 </p:sld>
 </file>
 
-<file path=ppt/slides/slide33.xml><?xml version="1.0" encoding="utf-8"?>
+<file path=ppt/slides/slide34.xml><?xml version="1.0" encoding="utf-8"?>
 <p:sld xmlns:a="http://schemas.openxmlformats.org/drawingml/2006/main" xmlns:r="http://schemas.openxmlformats.org/officeDocument/2006/relationships" xmlns:p="http://schemas.openxmlformats.org/presentationml/2006/main">
   <p:cSld>
     <p:spTree>
@@ -26606,7 +27539,7 @@
 </p:sld>
 </file>
 
-<file path=ppt/slides/slide34.xml><?xml version="1.0" encoding="utf-8"?>
+<file path=ppt/slides/slide35.xml><?xml version="1.0" encoding="utf-8"?>
 <p:sld xmlns:a="http://schemas.openxmlformats.org/drawingml/2006/main" xmlns:r="http://schemas.openxmlformats.org/officeDocument/2006/relationships" xmlns:p="http://schemas.openxmlformats.org/presentationml/2006/main">
   <p:cSld>
     <p:spTree>
@@ -27245,7 +28178,7 @@
 </p:sld>
 </file>
 
-<file path=ppt/slides/slide35.xml><?xml version="1.0" encoding="utf-8"?>
+<file path=ppt/slides/slide36.xml><?xml version="1.0" encoding="utf-8"?>
 <p:sld xmlns:a="http://schemas.openxmlformats.org/drawingml/2006/main" xmlns:r="http://schemas.openxmlformats.org/officeDocument/2006/relationships" xmlns:p="http://schemas.openxmlformats.org/presentationml/2006/main">
   <p:cSld>
     <p:spTree>
@@ -27913,7 +28846,7 @@
 </p:sld>
 </file>
 
-<file path=ppt/slides/slide36.xml><?xml version="1.0" encoding="utf-8"?>
+<file path=ppt/slides/slide37.xml><?xml version="1.0" encoding="utf-8"?>
 <p:sld xmlns:a="http://schemas.openxmlformats.org/drawingml/2006/main" xmlns:r="http://schemas.openxmlformats.org/officeDocument/2006/relationships" xmlns:p="http://schemas.openxmlformats.org/presentationml/2006/main">
   <p:cSld>
     <p:spTree>
@@ -28622,7 +29555,7 @@
 </p:sld>
 </file>
 
-<file path=ppt/slides/slide37.xml><?xml version="1.0" encoding="utf-8"?>
+<file path=ppt/slides/slide38.xml><?xml version="1.0" encoding="utf-8"?>
 <p:sld xmlns:a="http://schemas.openxmlformats.org/drawingml/2006/main" xmlns:r="http://schemas.openxmlformats.org/officeDocument/2006/relationships" xmlns:p="http://schemas.openxmlformats.org/presentationml/2006/main">
   <p:cSld>
     <p:spTree>
@@ -29261,7 +30194,7 @@
 </p:sld>
 </file>
 
-<file path=ppt/slides/slide38.xml><?xml version="1.0" encoding="utf-8"?>
+<file path=ppt/slides/slide39.xml><?xml version="1.0" encoding="utf-8"?>
 <p:sld xmlns:a="http://schemas.openxmlformats.org/drawingml/2006/main" xmlns:r="http://schemas.openxmlformats.org/officeDocument/2006/relationships" xmlns:p="http://schemas.openxmlformats.org/presentationml/2006/main">
   <p:cSld>
     <p:spTree>
@@ -29864,664 +30797,6 @@
     <p:extLst>
       <p:ext uri="{BB962C8B-B14F-4D97-AF65-F5344CB8AC3E}">
         <p14:creationId xmlns:p14="http://schemas.microsoft.com/office/powerpoint/2010/main" val="3727766959"/>
-      </p:ext>
-    </p:extLst>
-  </p:cSld>
-  <p:clrMapOvr>
-    <a:masterClrMapping/>
-  </p:clrMapOvr>
-</p:sld>
-</file>
-
-<file path=ppt/slides/slide39.xml><?xml version="1.0" encoding="utf-8"?>
-<p:sld xmlns:a="http://schemas.openxmlformats.org/drawingml/2006/main" xmlns:r="http://schemas.openxmlformats.org/officeDocument/2006/relationships" xmlns:p="http://schemas.openxmlformats.org/presentationml/2006/main">
-  <p:cSld>
-    <p:spTree>
-      <p:nvGrpSpPr>
-        <p:cNvPr id="1" name="Shape 189"/>
-        <p:cNvGrpSpPr/>
-        <p:nvPr/>
-      </p:nvGrpSpPr>
-      <p:grpSpPr>
-        <a:xfrm>
-          <a:off x="0" y="0"/>
-          <a:ext cx="0" cy="0"/>
-          <a:chOff x="0" y="0"/>
-          <a:chExt cx="0" cy="0"/>
-        </a:xfrm>
-      </p:grpSpPr>
-      <p:sp>
-        <p:nvSpPr>
-          <p:cNvPr id="190" name="Google Shape;190;p27"/>
-          <p:cNvSpPr txBox="1">
-            <a:spLocks noGrp="1"/>
-          </p:cNvSpPr>
-          <p:nvPr>
-            <p:ph type="title"/>
-          </p:nvPr>
-        </p:nvSpPr>
-        <p:spPr>
-          <a:xfrm>
-            <a:off x="500550" y="330724"/>
-            <a:ext cx="8520600" cy="1095900"/>
-          </a:xfrm>
-          <a:prstGeom prst="rect">
-            <a:avLst/>
-          </a:prstGeom>
-        </p:spPr>
-        <p:txBody>
-          <a:bodyPr spcFirstLastPara="1" wrap="square" lIns="91425" tIns="91425" rIns="91425" bIns="91425" anchor="t" anchorCtr="0">
-            <a:noAutofit/>
-          </a:bodyPr>
-          <a:lstStyle/>
-          <a:p>
-            <a:pPr marL="0" lvl="0" indent="0" algn="l" rtl="0">
-              <a:spcBef>
-                <a:spcPts val="0"/>
-              </a:spcBef>
-              <a:spcAft>
-                <a:spcPts val="0"/>
-              </a:spcAft>
-              <a:buNone/>
-            </a:pPr>
-            <a:r>
-              <a:rPr lang="ru-RU" dirty="0"/>
-              <a:t>Зачем анализировать до анализа?</a:t>
-            </a:r>
-            <a:endParaRPr dirty="0"/>
-          </a:p>
-        </p:txBody>
-      </p:sp>
-      <p:graphicFrame>
-        <p:nvGraphicFramePr>
-          <p:cNvPr id="6" name="Google Shape;163;p23">
-            <a:extLst>
-              <a:ext uri="{FF2B5EF4-FFF2-40B4-BE49-F238E27FC236}">
-                <a16:creationId xmlns:a16="http://schemas.microsoft.com/office/drawing/2014/main" id="{0D23CE40-4520-4BB1-9AA0-4C21EB6D275F}"/>
-              </a:ext>
-            </a:extLst>
-          </p:cNvPr>
-          <p:cNvGraphicFramePr/>
-          <p:nvPr/>
-        </p:nvGraphicFramePr>
-        <p:xfrm>
-          <a:off x="952500" y="1023804"/>
-          <a:ext cx="7239000" cy="1047912"/>
-        </p:xfrm>
-        <a:graphic>
-          <a:graphicData uri="http://schemas.openxmlformats.org/drawingml/2006/table">
-            <a:tbl>
-              <a:tblPr>
-                <a:noFill/>
-                <a:tableStyleId>{897BA397-AA66-4ACA-B219-5C7939199CAB}</a:tableStyleId>
-              </a:tblPr>
-              <a:tblGrid>
-                <a:gridCol w="489425">
-                  <a:extLst>
-                    <a:ext uri="{9D8B030D-6E8A-4147-A177-3AD203B41FA5}">
-                      <a16:colId xmlns:a16="http://schemas.microsoft.com/office/drawing/2014/main" val="20000"/>
-                    </a:ext>
-                  </a:extLst>
-                </a:gridCol>
-                <a:gridCol w="6749575">
-                  <a:extLst>
-                    <a:ext uri="{9D8B030D-6E8A-4147-A177-3AD203B41FA5}">
-                      <a16:colId xmlns:a16="http://schemas.microsoft.com/office/drawing/2014/main" val="20001"/>
-                    </a:ext>
-                  </a:extLst>
-                </a:gridCol>
-              </a:tblGrid>
-              <a:tr h="285750">
-                <a:tc>
-                  <a:txBody>
-                    <a:bodyPr/>
-                    <a:lstStyle/>
-                    <a:p>
-                      <a:pPr marL="0" lvl="0" indent="0" algn="l" rtl="0">
-                        <a:spcBef>
-                          <a:spcPts val="0"/>
-                        </a:spcBef>
-                        <a:spcAft>
-                          <a:spcPts val="0"/>
-                        </a:spcAft>
-                        <a:buNone/>
-                      </a:pPr>
-                      <a:r>
-                        <a:rPr lang="ru" sz="1300" b="1" dirty="0">
-                          <a:solidFill>
-                            <a:srgbClr val="FF9900"/>
-                          </a:solidFill>
-                          <a:latin typeface="Roboto"/>
-                          <a:ea typeface="Roboto"/>
-                          <a:cs typeface="Roboto"/>
-                          <a:sym typeface="Roboto"/>
-                        </a:rPr>
-                        <a:t>1.</a:t>
-                      </a:r>
-                      <a:endParaRPr sz="1300" b="1" dirty="0">
-                        <a:solidFill>
-                          <a:srgbClr val="FF9900"/>
-                        </a:solidFill>
-                        <a:latin typeface="Roboto"/>
-                        <a:ea typeface="Roboto"/>
-                        <a:cs typeface="Roboto"/>
-                        <a:sym typeface="Roboto"/>
-                      </a:endParaRPr>
-                    </a:p>
-                  </a:txBody>
-                  <a:tcPr marL="198000" marR="91425" marT="68575" marB="68575">
-                    <a:lnL w="9525" cap="flat" cmpd="sng">
-                      <a:solidFill>
-                        <a:srgbClr val="BFC1F0">
-                          <a:alpha val="0"/>
-                        </a:srgbClr>
-                      </a:solidFill>
-                      <a:prstDash val="solid"/>
-                      <a:round/>
-                      <a:headEnd type="none" w="sm" len="sm"/>
-                      <a:tailEnd type="none" w="sm" len="sm"/>
-                    </a:lnL>
-                    <a:lnR w="9525" cap="flat" cmpd="sng">
-                      <a:solidFill>
-                        <a:schemeClr val="lt1"/>
-                      </a:solidFill>
-                      <a:prstDash val="solid"/>
-                      <a:round/>
-                      <a:headEnd type="none" w="sm" len="sm"/>
-                      <a:tailEnd type="none" w="sm" len="sm"/>
-                    </a:lnR>
-                    <a:lnT w="9525" cap="flat" cmpd="sng">
-                      <a:solidFill>
-                        <a:srgbClr val="BFC1F0">
-                          <a:alpha val="0"/>
-                        </a:srgbClr>
-                      </a:solidFill>
-                      <a:prstDash val="solid"/>
-                      <a:round/>
-                      <a:headEnd type="none" w="sm" len="sm"/>
-                      <a:tailEnd type="none" w="sm" len="sm"/>
-                    </a:lnT>
-                    <a:lnB w="9525" cap="flat" cmpd="sng">
-                      <a:solidFill>
-                        <a:srgbClr val="9E9E9E"/>
-                      </a:solidFill>
-                      <a:prstDash val="solid"/>
-                      <a:round/>
-                      <a:headEnd type="none" w="sm" len="sm"/>
-                      <a:tailEnd type="none" w="sm" len="sm"/>
-                    </a:lnB>
-                  </a:tcPr>
-                </a:tc>
-                <a:tc>
-                  <a:txBody>
-                    <a:bodyPr/>
-                    <a:lstStyle/>
-                    <a:p>
-                      <a:pPr marL="0" lvl="0" indent="0" algn="l" rtl="0">
-                        <a:lnSpc>
-                          <a:spcPct val="115000"/>
-                        </a:lnSpc>
-                        <a:spcBef>
-                          <a:spcPts val="0"/>
-                        </a:spcBef>
-                        <a:spcAft>
-                          <a:spcPts val="0"/>
-                        </a:spcAft>
-                        <a:buNone/>
-                      </a:pPr>
-                      <a:r>
-                        <a:rPr lang="ru-RU" sz="1300" dirty="0">
-                          <a:solidFill>
-                            <a:schemeClr val="lt1"/>
-                          </a:solidFill>
-                          <a:latin typeface="Roboto"/>
-                          <a:ea typeface="Roboto"/>
-                          <a:cs typeface="Roboto"/>
-                          <a:sym typeface="Roboto"/>
-                        </a:rPr>
-                        <a:t>Оценка объема данных и знакомство с их структурой</a:t>
-                      </a:r>
-                      <a:endParaRPr sz="1300" dirty="0">
-                        <a:solidFill>
-                          <a:schemeClr val="lt1"/>
-                        </a:solidFill>
-                        <a:latin typeface="Roboto"/>
-                        <a:ea typeface="Roboto"/>
-                        <a:cs typeface="Roboto"/>
-                        <a:sym typeface="Roboto"/>
-                      </a:endParaRPr>
-                    </a:p>
-                  </a:txBody>
-                  <a:tcPr marL="198000" marR="91425" marT="68575" marB="68575">
-                    <a:lnL w="9525" cap="flat" cmpd="sng">
-                      <a:solidFill>
-                        <a:schemeClr val="lt1"/>
-                      </a:solidFill>
-                      <a:prstDash val="solid"/>
-                      <a:round/>
-                      <a:headEnd type="none" w="sm" len="sm"/>
-                      <a:tailEnd type="none" w="sm" len="sm"/>
-                    </a:lnL>
-                    <a:lnR w="9525" cap="flat" cmpd="sng">
-                      <a:solidFill>
-                        <a:srgbClr val="BFC1F0">
-                          <a:alpha val="0"/>
-                        </a:srgbClr>
-                      </a:solidFill>
-                      <a:prstDash val="solid"/>
-                      <a:round/>
-                      <a:headEnd type="none" w="sm" len="sm"/>
-                      <a:tailEnd type="none" w="sm" len="sm"/>
-                    </a:lnR>
-                    <a:lnT w="9525" cap="flat" cmpd="sng">
-                      <a:solidFill>
-                        <a:srgbClr val="BFC1F0">
-                          <a:alpha val="0"/>
-                        </a:srgbClr>
-                      </a:solidFill>
-                      <a:prstDash val="solid"/>
-                      <a:round/>
-                      <a:headEnd type="none" w="sm" len="sm"/>
-                      <a:tailEnd type="none" w="sm" len="sm"/>
-                    </a:lnT>
-                    <a:lnB w="9525" cap="flat" cmpd="sng">
-                      <a:solidFill>
-                        <a:srgbClr val="9E9E9E"/>
-                      </a:solidFill>
-                      <a:prstDash val="solid"/>
-                      <a:round/>
-                      <a:headEnd type="none" w="sm" len="sm"/>
-                      <a:tailEnd type="none" w="sm" len="sm"/>
-                    </a:lnB>
-                  </a:tcPr>
-                </a:tc>
-                <a:extLst>
-                  <a:ext uri="{0D108BD9-81ED-4DB2-BD59-A6C34878D82A}">
-                    <a16:rowId xmlns:a16="http://schemas.microsoft.com/office/drawing/2014/main" val="10000"/>
-                  </a:ext>
-                </a:extLst>
-              </a:tr>
-              <a:tr h="285750">
-                <a:tc>
-                  <a:txBody>
-                    <a:bodyPr/>
-                    <a:lstStyle/>
-                    <a:p>
-                      <a:pPr marL="0" lvl="0" indent="0" algn="l" rtl="0">
-                        <a:spcBef>
-                          <a:spcPts val="0"/>
-                        </a:spcBef>
-                        <a:spcAft>
-                          <a:spcPts val="0"/>
-                        </a:spcAft>
-                        <a:buNone/>
-                      </a:pPr>
-                      <a:r>
-                        <a:rPr lang="ru" sz="1300" b="1">
-                          <a:solidFill>
-                            <a:srgbClr val="FF9900"/>
-                          </a:solidFill>
-                          <a:latin typeface="Roboto"/>
-                          <a:ea typeface="Roboto"/>
-                          <a:cs typeface="Roboto"/>
-                          <a:sym typeface="Roboto"/>
-                        </a:rPr>
-                        <a:t>2.</a:t>
-                      </a:r>
-                      <a:endParaRPr sz="1300" b="1">
-                        <a:solidFill>
-                          <a:srgbClr val="FF9900"/>
-                        </a:solidFill>
-                        <a:latin typeface="Roboto"/>
-                        <a:ea typeface="Roboto"/>
-                        <a:cs typeface="Roboto"/>
-                        <a:sym typeface="Roboto"/>
-                      </a:endParaRPr>
-                    </a:p>
-                  </a:txBody>
-                  <a:tcPr marL="198000" marR="91425" marT="68575" marB="68575">
-                    <a:lnL w="9525" cap="flat" cmpd="sng">
-                      <a:solidFill>
-                        <a:srgbClr val="BFC1F0">
-                          <a:alpha val="0"/>
-                        </a:srgbClr>
-                      </a:solidFill>
-                      <a:prstDash val="solid"/>
-                      <a:round/>
-                      <a:headEnd type="none" w="sm" len="sm"/>
-                      <a:tailEnd type="none" w="sm" len="sm"/>
-                    </a:lnL>
-                    <a:lnR w="9525" cap="flat" cmpd="sng">
-                      <a:solidFill>
-                        <a:schemeClr val="lt1"/>
-                      </a:solidFill>
-                      <a:prstDash val="solid"/>
-                      <a:round/>
-                      <a:headEnd type="none" w="sm" len="sm"/>
-                      <a:tailEnd type="none" w="sm" len="sm"/>
-                    </a:lnR>
-                    <a:lnT w="9525" cap="flat" cmpd="sng">
-                      <a:solidFill>
-                        <a:srgbClr val="9E9E9E"/>
-                      </a:solidFill>
-                      <a:prstDash val="solid"/>
-                      <a:round/>
-                      <a:headEnd type="none" w="sm" len="sm"/>
-                      <a:tailEnd type="none" w="sm" len="sm"/>
-                    </a:lnT>
-                    <a:lnB w="9525" cap="flat" cmpd="sng">
-                      <a:solidFill>
-                        <a:srgbClr val="9E9E9E"/>
-                      </a:solidFill>
-                      <a:prstDash val="solid"/>
-                      <a:round/>
-                      <a:headEnd type="none" w="sm" len="sm"/>
-                      <a:tailEnd type="none" w="sm" len="sm"/>
-                    </a:lnB>
-                  </a:tcPr>
-                </a:tc>
-                <a:tc>
-                  <a:txBody>
-                    <a:bodyPr/>
-                    <a:lstStyle/>
-                    <a:p>
-                      <a:pPr marL="0" lvl="0" indent="0" algn="l" rtl="0">
-                        <a:lnSpc>
-                          <a:spcPct val="115000"/>
-                        </a:lnSpc>
-                        <a:spcBef>
-                          <a:spcPts val="0"/>
-                        </a:spcBef>
-                        <a:spcAft>
-                          <a:spcPts val="0"/>
-                        </a:spcAft>
-                        <a:buNone/>
-                      </a:pPr>
-                      <a:r>
-                        <a:rPr lang="ru-RU" sz="1300" dirty="0">
-                          <a:solidFill>
-                            <a:schemeClr val="lt1"/>
-                          </a:solidFill>
-                          <a:latin typeface="Roboto"/>
-                          <a:ea typeface="Roboto"/>
-                          <a:cs typeface="Roboto"/>
-                          <a:sym typeface="Roboto"/>
-                        </a:rPr>
-                        <a:t>Оценка качества данных и их соответствия задаче</a:t>
-                      </a:r>
-                    </a:p>
-                  </a:txBody>
-                  <a:tcPr marL="198000" marR="91425" marT="68575" marB="68575">
-                    <a:lnL w="9525" cap="flat" cmpd="sng">
-                      <a:solidFill>
-                        <a:schemeClr val="lt1"/>
-                      </a:solidFill>
-                      <a:prstDash val="solid"/>
-                      <a:round/>
-                      <a:headEnd type="none" w="sm" len="sm"/>
-                      <a:tailEnd type="none" w="sm" len="sm"/>
-                    </a:lnL>
-                    <a:lnR w="9525" cap="flat" cmpd="sng">
-                      <a:solidFill>
-                        <a:srgbClr val="BFC1F0">
-                          <a:alpha val="0"/>
-                        </a:srgbClr>
-                      </a:solidFill>
-                      <a:prstDash val="solid"/>
-                      <a:round/>
-                      <a:headEnd type="none" w="sm" len="sm"/>
-                      <a:tailEnd type="none" w="sm" len="sm"/>
-                    </a:lnR>
-                    <a:lnT w="9525" cap="flat" cmpd="sng">
-                      <a:solidFill>
-                        <a:srgbClr val="9E9E9E"/>
-                      </a:solidFill>
-                      <a:prstDash val="solid"/>
-                      <a:round/>
-                      <a:headEnd type="none" w="sm" len="sm"/>
-                      <a:tailEnd type="none" w="sm" len="sm"/>
-                    </a:lnT>
-                    <a:lnB w="9525" cap="flat" cmpd="sng">
-                      <a:solidFill>
-                        <a:srgbClr val="9E9E9E"/>
-                      </a:solidFill>
-                      <a:prstDash val="solid"/>
-                      <a:round/>
-                      <a:headEnd type="none" w="sm" len="sm"/>
-                      <a:tailEnd type="none" w="sm" len="sm"/>
-                    </a:lnB>
-                  </a:tcPr>
-                </a:tc>
-                <a:extLst>
-                  <a:ext uri="{0D108BD9-81ED-4DB2-BD59-A6C34878D82A}">
-                    <a16:rowId xmlns:a16="http://schemas.microsoft.com/office/drawing/2014/main" val="10001"/>
-                  </a:ext>
-                </a:extLst>
-              </a:tr>
-              <a:tr h="285750">
-                <a:tc>
-                  <a:txBody>
-                    <a:bodyPr/>
-                    <a:lstStyle/>
-                    <a:p>
-                      <a:pPr marL="0" lvl="0" indent="0" algn="l" rtl="0">
-                        <a:spcBef>
-                          <a:spcPts val="0"/>
-                        </a:spcBef>
-                        <a:spcAft>
-                          <a:spcPts val="0"/>
-                        </a:spcAft>
-                        <a:buNone/>
-                      </a:pPr>
-                      <a:r>
-                        <a:rPr lang="ru" sz="1300" b="1">
-                          <a:solidFill>
-                            <a:srgbClr val="FF9900"/>
-                          </a:solidFill>
-                          <a:latin typeface="Roboto"/>
-                          <a:ea typeface="Roboto"/>
-                          <a:cs typeface="Roboto"/>
-                          <a:sym typeface="Roboto"/>
-                        </a:rPr>
-                        <a:t>3.</a:t>
-                      </a:r>
-                      <a:endParaRPr sz="1300" b="1">
-                        <a:solidFill>
-                          <a:srgbClr val="FF9900"/>
-                        </a:solidFill>
-                        <a:latin typeface="Roboto"/>
-                        <a:ea typeface="Roboto"/>
-                        <a:cs typeface="Roboto"/>
-                        <a:sym typeface="Roboto"/>
-                      </a:endParaRPr>
-                    </a:p>
-                  </a:txBody>
-                  <a:tcPr marL="198000" marR="91425" marT="68575" marB="68575">
-                    <a:lnL w="9525" cap="flat" cmpd="sng">
-                      <a:solidFill>
-                        <a:srgbClr val="BFC1F0">
-                          <a:alpha val="0"/>
-                        </a:srgbClr>
-                      </a:solidFill>
-                      <a:prstDash val="solid"/>
-                      <a:round/>
-                      <a:headEnd type="none" w="sm" len="sm"/>
-                      <a:tailEnd type="none" w="sm" len="sm"/>
-                    </a:lnL>
-                    <a:lnR w="9525" cap="flat" cmpd="sng">
-                      <a:solidFill>
-                        <a:schemeClr val="lt1"/>
-                      </a:solidFill>
-                      <a:prstDash val="solid"/>
-                      <a:round/>
-                      <a:headEnd type="none" w="sm" len="sm"/>
-                      <a:tailEnd type="none" w="sm" len="sm"/>
-                    </a:lnR>
-                    <a:lnT w="9525" cap="flat" cmpd="sng">
-                      <a:solidFill>
-                        <a:srgbClr val="9E9E9E"/>
-                      </a:solidFill>
-                      <a:prstDash val="solid"/>
-                      <a:round/>
-                      <a:headEnd type="none" w="sm" len="sm"/>
-                      <a:tailEnd type="none" w="sm" len="sm"/>
-                    </a:lnT>
-                    <a:lnB w="9525" cap="flat" cmpd="sng">
-                      <a:solidFill>
-                        <a:srgbClr val="9E9E9E"/>
-                      </a:solidFill>
-                      <a:prstDash val="solid"/>
-                      <a:round/>
-                      <a:headEnd type="none" w="sm" len="sm"/>
-                      <a:tailEnd type="none" w="sm" len="sm"/>
-                    </a:lnB>
-                  </a:tcPr>
-                </a:tc>
-                <a:tc>
-                  <a:txBody>
-                    <a:bodyPr/>
-                    <a:lstStyle/>
-                    <a:p>
-                      <a:pPr marL="0" marR="0" lvl="0" indent="0" algn="l" defTabSz="914400" rtl="0" eaLnBrk="1" fontAlgn="auto" latinLnBrk="0" hangingPunct="1">
-                        <a:lnSpc>
-                          <a:spcPct val="115000"/>
-                        </a:lnSpc>
-                        <a:spcBef>
-                          <a:spcPts val="0"/>
-                        </a:spcBef>
-                        <a:spcAft>
-                          <a:spcPts val="0"/>
-                        </a:spcAft>
-                        <a:buClr>
-                          <a:srgbClr val="000000"/>
-                        </a:buClr>
-                        <a:buSzTx/>
-                        <a:buFont typeface="Arial"/>
-                        <a:buNone/>
-                        <a:tabLst/>
-                        <a:defRPr/>
-                      </a:pPr>
-                      <a:r>
-                        <a:rPr lang="ru-RU" sz="1300" dirty="0">
-                          <a:solidFill>
-                            <a:schemeClr val="lt1"/>
-                          </a:solidFill>
-                          <a:latin typeface="Roboto"/>
-                          <a:ea typeface="Roboto"/>
-                          <a:cs typeface="Roboto"/>
-                          <a:sym typeface="Roboto"/>
-                        </a:rPr>
-                        <a:t>Анализ распределения признаков и выявление выбросов</a:t>
-                      </a:r>
-                    </a:p>
-                  </a:txBody>
-                  <a:tcPr marL="198000" marR="91425" marT="68575" marB="68575">
-                    <a:lnL w="9525" cap="flat" cmpd="sng">
-                      <a:solidFill>
-                        <a:schemeClr val="lt1"/>
-                      </a:solidFill>
-                      <a:prstDash val="solid"/>
-                      <a:round/>
-                      <a:headEnd type="none" w="sm" len="sm"/>
-                      <a:tailEnd type="none" w="sm" len="sm"/>
-                    </a:lnL>
-                    <a:lnR w="9525" cap="flat" cmpd="sng">
-                      <a:solidFill>
-                        <a:srgbClr val="BFC1F0">
-                          <a:alpha val="0"/>
-                        </a:srgbClr>
-                      </a:solidFill>
-                      <a:prstDash val="solid"/>
-                      <a:round/>
-                      <a:headEnd type="none" w="sm" len="sm"/>
-                      <a:tailEnd type="none" w="sm" len="sm"/>
-                    </a:lnR>
-                    <a:lnT w="9525" cap="flat" cmpd="sng">
-                      <a:solidFill>
-                        <a:srgbClr val="9E9E9E"/>
-                      </a:solidFill>
-                      <a:prstDash val="solid"/>
-                      <a:round/>
-                      <a:headEnd type="none" w="sm" len="sm"/>
-                      <a:tailEnd type="none" w="sm" len="sm"/>
-                    </a:lnT>
-                    <a:lnB w="9525" cap="flat" cmpd="sng">
-                      <a:solidFill>
-                        <a:srgbClr val="9E9E9E"/>
-                      </a:solidFill>
-                      <a:prstDash val="solid"/>
-                      <a:round/>
-                      <a:headEnd type="none" w="sm" len="sm"/>
-                      <a:tailEnd type="none" w="sm" len="sm"/>
-                    </a:lnB>
-                  </a:tcPr>
-                </a:tc>
-                <a:extLst>
-                  <a:ext uri="{0D108BD9-81ED-4DB2-BD59-A6C34878D82A}">
-                    <a16:rowId xmlns:a16="http://schemas.microsoft.com/office/drawing/2014/main" val="10002"/>
-                  </a:ext>
-                </a:extLst>
-              </a:tr>
-            </a:tbl>
-          </a:graphicData>
-        </a:graphic>
-      </p:graphicFrame>
-      <p:pic>
-        <p:nvPicPr>
-          <p:cNvPr id="4098" name="Picture 2" descr="STATS4STEM">
-            <a:extLst>
-              <a:ext uri="{FF2B5EF4-FFF2-40B4-BE49-F238E27FC236}">
-                <a16:creationId xmlns:a16="http://schemas.microsoft.com/office/drawing/2014/main" id="{0D15B514-A426-4E3C-A84C-5FE9D173C3E3}"/>
-              </a:ext>
-            </a:extLst>
-          </p:cNvPr>
-          <p:cNvPicPr>
-            <a:picLocks noChangeAspect="1" noChangeArrowheads="1"/>
-          </p:cNvPicPr>
-          <p:nvPr/>
-        </p:nvPicPr>
-        <p:blipFill rotWithShape="1">
-          <a:blip r:embed="rId3">
-            <a:duotone>
-              <a:prstClr val="black"/>
-              <a:srgbClr val="212121">
-                <a:tint val="45000"/>
-                <a:satMod val="400000"/>
-              </a:srgbClr>
-            </a:duotone>
-            <a:extLst>
-              <a:ext uri="{28A0092B-C50C-407E-A947-70E740481C1C}">
-                <a14:useLocalDpi xmlns:a14="http://schemas.microsoft.com/office/drawing/2010/main" val="0"/>
-              </a:ext>
-            </a:extLst>
-          </a:blip>
-          <a:srcRect l="6715" t="16562" r="6885" b="12570"/>
-          <a:stretch/>
-        </p:blipFill>
-        <p:spPr bwMode="auto">
-          <a:xfrm>
-            <a:off x="991738" y="2207942"/>
-            <a:ext cx="3769112" cy="2787805"/>
-          </a:xfrm>
-          <a:prstGeom prst="rect">
-            <a:avLst/>
-          </a:prstGeom>
-          <a:noFill/>
-          <a:extLst>
-            <a:ext uri="{909E8E84-426E-40DD-AFC4-6F175D3DCCD1}">
-              <a14:hiddenFill xmlns:a14="http://schemas.microsoft.com/office/drawing/2010/main">
-                <a:solidFill>
-                  <a:srgbClr val="FFFFFF"/>
-                </a:solidFill>
-              </a14:hiddenFill>
-            </a:ext>
-          </a:extLst>
-        </p:spPr>
-      </p:pic>
-    </p:spTree>
-    <p:extLst>
-      <p:ext uri="{BB962C8B-B14F-4D97-AF65-F5344CB8AC3E}">
-        <p14:creationId xmlns:p14="http://schemas.microsoft.com/office/powerpoint/2010/main" val="3754183669"/>
       </p:ext>
     </p:extLst>
   </p:cSld>
@@ -31381,6 +31656,664 @@
             </a:extLst>
           </p:cNvPr>
           <p:cNvGraphicFramePr/>
+          <p:nvPr/>
+        </p:nvGraphicFramePr>
+        <p:xfrm>
+          <a:off x="952500" y="1023804"/>
+          <a:ext cx="7239000" cy="1047912"/>
+        </p:xfrm>
+        <a:graphic>
+          <a:graphicData uri="http://schemas.openxmlformats.org/drawingml/2006/table">
+            <a:tbl>
+              <a:tblPr>
+                <a:noFill/>
+                <a:tableStyleId>{897BA397-AA66-4ACA-B219-5C7939199CAB}</a:tableStyleId>
+              </a:tblPr>
+              <a:tblGrid>
+                <a:gridCol w="489425">
+                  <a:extLst>
+                    <a:ext uri="{9D8B030D-6E8A-4147-A177-3AD203B41FA5}">
+                      <a16:colId xmlns:a16="http://schemas.microsoft.com/office/drawing/2014/main" val="20000"/>
+                    </a:ext>
+                  </a:extLst>
+                </a:gridCol>
+                <a:gridCol w="6749575">
+                  <a:extLst>
+                    <a:ext uri="{9D8B030D-6E8A-4147-A177-3AD203B41FA5}">
+                      <a16:colId xmlns:a16="http://schemas.microsoft.com/office/drawing/2014/main" val="20001"/>
+                    </a:ext>
+                  </a:extLst>
+                </a:gridCol>
+              </a:tblGrid>
+              <a:tr h="285750">
+                <a:tc>
+                  <a:txBody>
+                    <a:bodyPr/>
+                    <a:lstStyle/>
+                    <a:p>
+                      <a:pPr marL="0" lvl="0" indent="0" algn="l" rtl="0">
+                        <a:spcBef>
+                          <a:spcPts val="0"/>
+                        </a:spcBef>
+                        <a:spcAft>
+                          <a:spcPts val="0"/>
+                        </a:spcAft>
+                        <a:buNone/>
+                      </a:pPr>
+                      <a:r>
+                        <a:rPr lang="ru" sz="1300" b="1" dirty="0">
+                          <a:solidFill>
+                            <a:srgbClr val="FF9900"/>
+                          </a:solidFill>
+                          <a:latin typeface="Roboto"/>
+                          <a:ea typeface="Roboto"/>
+                          <a:cs typeface="Roboto"/>
+                          <a:sym typeface="Roboto"/>
+                        </a:rPr>
+                        <a:t>1.</a:t>
+                      </a:r>
+                      <a:endParaRPr sz="1300" b="1" dirty="0">
+                        <a:solidFill>
+                          <a:srgbClr val="FF9900"/>
+                        </a:solidFill>
+                        <a:latin typeface="Roboto"/>
+                        <a:ea typeface="Roboto"/>
+                        <a:cs typeface="Roboto"/>
+                        <a:sym typeface="Roboto"/>
+                      </a:endParaRPr>
+                    </a:p>
+                  </a:txBody>
+                  <a:tcPr marL="198000" marR="91425" marT="68575" marB="68575">
+                    <a:lnL w="9525" cap="flat" cmpd="sng">
+                      <a:solidFill>
+                        <a:srgbClr val="BFC1F0">
+                          <a:alpha val="0"/>
+                        </a:srgbClr>
+                      </a:solidFill>
+                      <a:prstDash val="solid"/>
+                      <a:round/>
+                      <a:headEnd type="none" w="sm" len="sm"/>
+                      <a:tailEnd type="none" w="sm" len="sm"/>
+                    </a:lnL>
+                    <a:lnR w="9525" cap="flat" cmpd="sng">
+                      <a:solidFill>
+                        <a:schemeClr val="lt1"/>
+                      </a:solidFill>
+                      <a:prstDash val="solid"/>
+                      <a:round/>
+                      <a:headEnd type="none" w="sm" len="sm"/>
+                      <a:tailEnd type="none" w="sm" len="sm"/>
+                    </a:lnR>
+                    <a:lnT w="9525" cap="flat" cmpd="sng">
+                      <a:solidFill>
+                        <a:srgbClr val="BFC1F0">
+                          <a:alpha val="0"/>
+                        </a:srgbClr>
+                      </a:solidFill>
+                      <a:prstDash val="solid"/>
+                      <a:round/>
+                      <a:headEnd type="none" w="sm" len="sm"/>
+                      <a:tailEnd type="none" w="sm" len="sm"/>
+                    </a:lnT>
+                    <a:lnB w="9525" cap="flat" cmpd="sng">
+                      <a:solidFill>
+                        <a:srgbClr val="9E9E9E"/>
+                      </a:solidFill>
+                      <a:prstDash val="solid"/>
+                      <a:round/>
+                      <a:headEnd type="none" w="sm" len="sm"/>
+                      <a:tailEnd type="none" w="sm" len="sm"/>
+                    </a:lnB>
+                  </a:tcPr>
+                </a:tc>
+                <a:tc>
+                  <a:txBody>
+                    <a:bodyPr/>
+                    <a:lstStyle/>
+                    <a:p>
+                      <a:pPr marL="0" lvl="0" indent="0" algn="l" rtl="0">
+                        <a:lnSpc>
+                          <a:spcPct val="115000"/>
+                        </a:lnSpc>
+                        <a:spcBef>
+                          <a:spcPts val="0"/>
+                        </a:spcBef>
+                        <a:spcAft>
+                          <a:spcPts val="0"/>
+                        </a:spcAft>
+                        <a:buNone/>
+                      </a:pPr>
+                      <a:r>
+                        <a:rPr lang="ru-RU" sz="1300" dirty="0">
+                          <a:solidFill>
+                            <a:schemeClr val="lt1"/>
+                          </a:solidFill>
+                          <a:latin typeface="Roboto"/>
+                          <a:ea typeface="Roboto"/>
+                          <a:cs typeface="Roboto"/>
+                          <a:sym typeface="Roboto"/>
+                        </a:rPr>
+                        <a:t>Оценка объема данных и знакомство с их структурой</a:t>
+                      </a:r>
+                      <a:endParaRPr sz="1300" dirty="0">
+                        <a:solidFill>
+                          <a:schemeClr val="lt1"/>
+                        </a:solidFill>
+                        <a:latin typeface="Roboto"/>
+                        <a:ea typeface="Roboto"/>
+                        <a:cs typeface="Roboto"/>
+                        <a:sym typeface="Roboto"/>
+                      </a:endParaRPr>
+                    </a:p>
+                  </a:txBody>
+                  <a:tcPr marL="198000" marR="91425" marT="68575" marB="68575">
+                    <a:lnL w="9525" cap="flat" cmpd="sng">
+                      <a:solidFill>
+                        <a:schemeClr val="lt1"/>
+                      </a:solidFill>
+                      <a:prstDash val="solid"/>
+                      <a:round/>
+                      <a:headEnd type="none" w="sm" len="sm"/>
+                      <a:tailEnd type="none" w="sm" len="sm"/>
+                    </a:lnL>
+                    <a:lnR w="9525" cap="flat" cmpd="sng">
+                      <a:solidFill>
+                        <a:srgbClr val="BFC1F0">
+                          <a:alpha val="0"/>
+                        </a:srgbClr>
+                      </a:solidFill>
+                      <a:prstDash val="solid"/>
+                      <a:round/>
+                      <a:headEnd type="none" w="sm" len="sm"/>
+                      <a:tailEnd type="none" w="sm" len="sm"/>
+                    </a:lnR>
+                    <a:lnT w="9525" cap="flat" cmpd="sng">
+                      <a:solidFill>
+                        <a:srgbClr val="BFC1F0">
+                          <a:alpha val="0"/>
+                        </a:srgbClr>
+                      </a:solidFill>
+                      <a:prstDash val="solid"/>
+                      <a:round/>
+                      <a:headEnd type="none" w="sm" len="sm"/>
+                      <a:tailEnd type="none" w="sm" len="sm"/>
+                    </a:lnT>
+                    <a:lnB w="9525" cap="flat" cmpd="sng">
+                      <a:solidFill>
+                        <a:srgbClr val="9E9E9E"/>
+                      </a:solidFill>
+                      <a:prstDash val="solid"/>
+                      <a:round/>
+                      <a:headEnd type="none" w="sm" len="sm"/>
+                      <a:tailEnd type="none" w="sm" len="sm"/>
+                    </a:lnB>
+                  </a:tcPr>
+                </a:tc>
+                <a:extLst>
+                  <a:ext uri="{0D108BD9-81ED-4DB2-BD59-A6C34878D82A}">
+                    <a16:rowId xmlns:a16="http://schemas.microsoft.com/office/drawing/2014/main" val="10000"/>
+                  </a:ext>
+                </a:extLst>
+              </a:tr>
+              <a:tr h="285750">
+                <a:tc>
+                  <a:txBody>
+                    <a:bodyPr/>
+                    <a:lstStyle/>
+                    <a:p>
+                      <a:pPr marL="0" lvl="0" indent="0" algn="l" rtl="0">
+                        <a:spcBef>
+                          <a:spcPts val="0"/>
+                        </a:spcBef>
+                        <a:spcAft>
+                          <a:spcPts val="0"/>
+                        </a:spcAft>
+                        <a:buNone/>
+                      </a:pPr>
+                      <a:r>
+                        <a:rPr lang="ru" sz="1300" b="1">
+                          <a:solidFill>
+                            <a:srgbClr val="FF9900"/>
+                          </a:solidFill>
+                          <a:latin typeface="Roboto"/>
+                          <a:ea typeface="Roboto"/>
+                          <a:cs typeface="Roboto"/>
+                          <a:sym typeface="Roboto"/>
+                        </a:rPr>
+                        <a:t>2.</a:t>
+                      </a:r>
+                      <a:endParaRPr sz="1300" b="1">
+                        <a:solidFill>
+                          <a:srgbClr val="FF9900"/>
+                        </a:solidFill>
+                        <a:latin typeface="Roboto"/>
+                        <a:ea typeface="Roboto"/>
+                        <a:cs typeface="Roboto"/>
+                        <a:sym typeface="Roboto"/>
+                      </a:endParaRPr>
+                    </a:p>
+                  </a:txBody>
+                  <a:tcPr marL="198000" marR="91425" marT="68575" marB="68575">
+                    <a:lnL w="9525" cap="flat" cmpd="sng">
+                      <a:solidFill>
+                        <a:srgbClr val="BFC1F0">
+                          <a:alpha val="0"/>
+                        </a:srgbClr>
+                      </a:solidFill>
+                      <a:prstDash val="solid"/>
+                      <a:round/>
+                      <a:headEnd type="none" w="sm" len="sm"/>
+                      <a:tailEnd type="none" w="sm" len="sm"/>
+                    </a:lnL>
+                    <a:lnR w="9525" cap="flat" cmpd="sng">
+                      <a:solidFill>
+                        <a:schemeClr val="lt1"/>
+                      </a:solidFill>
+                      <a:prstDash val="solid"/>
+                      <a:round/>
+                      <a:headEnd type="none" w="sm" len="sm"/>
+                      <a:tailEnd type="none" w="sm" len="sm"/>
+                    </a:lnR>
+                    <a:lnT w="9525" cap="flat" cmpd="sng">
+                      <a:solidFill>
+                        <a:srgbClr val="9E9E9E"/>
+                      </a:solidFill>
+                      <a:prstDash val="solid"/>
+                      <a:round/>
+                      <a:headEnd type="none" w="sm" len="sm"/>
+                      <a:tailEnd type="none" w="sm" len="sm"/>
+                    </a:lnT>
+                    <a:lnB w="9525" cap="flat" cmpd="sng">
+                      <a:solidFill>
+                        <a:srgbClr val="9E9E9E"/>
+                      </a:solidFill>
+                      <a:prstDash val="solid"/>
+                      <a:round/>
+                      <a:headEnd type="none" w="sm" len="sm"/>
+                      <a:tailEnd type="none" w="sm" len="sm"/>
+                    </a:lnB>
+                  </a:tcPr>
+                </a:tc>
+                <a:tc>
+                  <a:txBody>
+                    <a:bodyPr/>
+                    <a:lstStyle/>
+                    <a:p>
+                      <a:pPr marL="0" lvl="0" indent="0" algn="l" rtl="0">
+                        <a:lnSpc>
+                          <a:spcPct val="115000"/>
+                        </a:lnSpc>
+                        <a:spcBef>
+                          <a:spcPts val="0"/>
+                        </a:spcBef>
+                        <a:spcAft>
+                          <a:spcPts val="0"/>
+                        </a:spcAft>
+                        <a:buNone/>
+                      </a:pPr>
+                      <a:r>
+                        <a:rPr lang="ru-RU" sz="1300" dirty="0">
+                          <a:solidFill>
+                            <a:schemeClr val="lt1"/>
+                          </a:solidFill>
+                          <a:latin typeface="Roboto"/>
+                          <a:ea typeface="Roboto"/>
+                          <a:cs typeface="Roboto"/>
+                          <a:sym typeface="Roboto"/>
+                        </a:rPr>
+                        <a:t>Оценка качества данных и их соответствия задаче</a:t>
+                      </a:r>
+                    </a:p>
+                  </a:txBody>
+                  <a:tcPr marL="198000" marR="91425" marT="68575" marB="68575">
+                    <a:lnL w="9525" cap="flat" cmpd="sng">
+                      <a:solidFill>
+                        <a:schemeClr val="lt1"/>
+                      </a:solidFill>
+                      <a:prstDash val="solid"/>
+                      <a:round/>
+                      <a:headEnd type="none" w="sm" len="sm"/>
+                      <a:tailEnd type="none" w="sm" len="sm"/>
+                    </a:lnL>
+                    <a:lnR w="9525" cap="flat" cmpd="sng">
+                      <a:solidFill>
+                        <a:srgbClr val="BFC1F0">
+                          <a:alpha val="0"/>
+                        </a:srgbClr>
+                      </a:solidFill>
+                      <a:prstDash val="solid"/>
+                      <a:round/>
+                      <a:headEnd type="none" w="sm" len="sm"/>
+                      <a:tailEnd type="none" w="sm" len="sm"/>
+                    </a:lnR>
+                    <a:lnT w="9525" cap="flat" cmpd="sng">
+                      <a:solidFill>
+                        <a:srgbClr val="9E9E9E"/>
+                      </a:solidFill>
+                      <a:prstDash val="solid"/>
+                      <a:round/>
+                      <a:headEnd type="none" w="sm" len="sm"/>
+                      <a:tailEnd type="none" w="sm" len="sm"/>
+                    </a:lnT>
+                    <a:lnB w="9525" cap="flat" cmpd="sng">
+                      <a:solidFill>
+                        <a:srgbClr val="9E9E9E"/>
+                      </a:solidFill>
+                      <a:prstDash val="solid"/>
+                      <a:round/>
+                      <a:headEnd type="none" w="sm" len="sm"/>
+                      <a:tailEnd type="none" w="sm" len="sm"/>
+                    </a:lnB>
+                  </a:tcPr>
+                </a:tc>
+                <a:extLst>
+                  <a:ext uri="{0D108BD9-81ED-4DB2-BD59-A6C34878D82A}">
+                    <a16:rowId xmlns:a16="http://schemas.microsoft.com/office/drawing/2014/main" val="10001"/>
+                  </a:ext>
+                </a:extLst>
+              </a:tr>
+              <a:tr h="285750">
+                <a:tc>
+                  <a:txBody>
+                    <a:bodyPr/>
+                    <a:lstStyle/>
+                    <a:p>
+                      <a:pPr marL="0" lvl="0" indent="0" algn="l" rtl="0">
+                        <a:spcBef>
+                          <a:spcPts val="0"/>
+                        </a:spcBef>
+                        <a:spcAft>
+                          <a:spcPts val="0"/>
+                        </a:spcAft>
+                        <a:buNone/>
+                      </a:pPr>
+                      <a:r>
+                        <a:rPr lang="ru" sz="1300" b="1">
+                          <a:solidFill>
+                            <a:srgbClr val="FF9900"/>
+                          </a:solidFill>
+                          <a:latin typeface="Roboto"/>
+                          <a:ea typeface="Roboto"/>
+                          <a:cs typeface="Roboto"/>
+                          <a:sym typeface="Roboto"/>
+                        </a:rPr>
+                        <a:t>3.</a:t>
+                      </a:r>
+                      <a:endParaRPr sz="1300" b="1">
+                        <a:solidFill>
+                          <a:srgbClr val="FF9900"/>
+                        </a:solidFill>
+                        <a:latin typeface="Roboto"/>
+                        <a:ea typeface="Roboto"/>
+                        <a:cs typeface="Roboto"/>
+                        <a:sym typeface="Roboto"/>
+                      </a:endParaRPr>
+                    </a:p>
+                  </a:txBody>
+                  <a:tcPr marL="198000" marR="91425" marT="68575" marB="68575">
+                    <a:lnL w="9525" cap="flat" cmpd="sng">
+                      <a:solidFill>
+                        <a:srgbClr val="BFC1F0">
+                          <a:alpha val="0"/>
+                        </a:srgbClr>
+                      </a:solidFill>
+                      <a:prstDash val="solid"/>
+                      <a:round/>
+                      <a:headEnd type="none" w="sm" len="sm"/>
+                      <a:tailEnd type="none" w="sm" len="sm"/>
+                    </a:lnL>
+                    <a:lnR w="9525" cap="flat" cmpd="sng">
+                      <a:solidFill>
+                        <a:schemeClr val="lt1"/>
+                      </a:solidFill>
+                      <a:prstDash val="solid"/>
+                      <a:round/>
+                      <a:headEnd type="none" w="sm" len="sm"/>
+                      <a:tailEnd type="none" w="sm" len="sm"/>
+                    </a:lnR>
+                    <a:lnT w="9525" cap="flat" cmpd="sng">
+                      <a:solidFill>
+                        <a:srgbClr val="9E9E9E"/>
+                      </a:solidFill>
+                      <a:prstDash val="solid"/>
+                      <a:round/>
+                      <a:headEnd type="none" w="sm" len="sm"/>
+                      <a:tailEnd type="none" w="sm" len="sm"/>
+                    </a:lnT>
+                    <a:lnB w="9525" cap="flat" cmpd="sng">
+                      <a:solidFill>
+                        <a:srgbClr val="9E9E9E"/>
+                      </a:solidFill>
+                      <a:prstDash val="solid"/>
+                      <a:round/>
+                      <a:headEnd type="none" w="sm" len="sm"/>
+                      <a:tailEnd type="none" w="sm" len="sm"/>
+                    </a:lnB>
+                  </a:tcPr>
+                </a:tc>
+                <a:tc>
+                  <a:txBody>
+                    <a:bodyPr/>
+                    <a:lstStyle/>
+                    <a:p>
+                      <a:pPr marL="0" marR="0" lvl="0" indent="0" algn="l" defTabSz="914400" rtl="0" eaLnBrk="1" fontAlgn="auto" latinLnBrk="0" hangingPunct="1">
+                        <a:lnSpc>
+                          <a:spcPct val="115000"/>
+                        </a:lnSpc>
+                        <a:spcBef>
+                          <a:spcPts val="0"/>
+                        </a:spcBef>
+                        <a:spcAft>
+                          <a:spcPts val="0"/>
+                        </a:spcAft>
+                        <a:buClr>
+                          <a:srgbClr val="000000"/>
+                        </a:buClr>
+                        <a:buSzTx/>
+                        <a:buFont typeface="Arial"/>
+                        <a:buNone/>
+                        <a:tabLst/>
+                        <a:defRPr/>
+                      </a:pPr>
+                      <a:r>
+                        <a:rPr lang="ru-RU" sz="1300" dirty="0">
+                          <a:solidFill>
+                            <a:schemeClr val="lt1"/>
+                          </a:solidFill>
+                          <a:latin typeface="Roboto"/>
+                          <a:ea typeface="Roboto"/>
+                          <a:cs typeface="Roboto"/>
+                          <a:sym typeface="Roboto"/>
+                        </a:rPr>
+                        <a:t>Анализ распределения признаков и выявление выбросов</a:t>
+                      </a:r>
+                    </a:p>
+                  </a:txBody>
+                  <a:tcPr marL="198000" marR="91425" marT="68575" marB="68575">
+                    <a:lnL w="9525" cap="flat" cmpd="sng">
+                      <a:solidFill>
+                        <a:schemeClr val="lt1"/>
+                      </a:solidFill>
+                      <a:prstDash val="solid"/>
+                      <a:round/>
+                      <a:headEnd type="none" w="sm" len="sm"/>
+                      <a:tailEnd type="none" w="sm" len="sm"/>
+                    </a:lnL>
+                    <a:lnR w="9525" cap="flat" cmpd="sng">
+                      <a:solidFill>
+                        <a:srgbClr val="BFC1F0">
+                          <a:alpha val="0"/>
+                        </a:srgbClr>
+                      </a:solidFill>
+                      <a:prstDash val="solid"/>
+                      <a:round/>
+                      <a:headEnd type="none" w="sm" len="sm"/>
+                      <a:tailEnd type="none" w="sm" len="sm"/>
+                    </a:lnR>
+                    <a:lnT w="9525" cap="flat" cmpd="sng">
+                      <a:solidFill>
+                        <a:srgbClr val="9E9E9E"/>
+                      </a:solidFill>
+                      <a:prstDash val="solid"/>
+                      <a:round/>
+                      <a:headEnd type="none" w="sm" len="sm"/>
+                      <a:tailEnd type="none" w="sm" len="sm"/>
+                    </a:lnT>
+                    <a:lnB w="9525" cap="flat" cmpd="sng">
+                      <a:solidFill>
+                        <a:srgbClr val="9E9E9E"/>
+                      </a:solidFill>
+                      <a:prstDash val="solid"/>
+                      <a:round/>
+                      <a:headEnd type="none" w="sm" len="sm"/>
+                      <a:tailEnd type="none" w="sm" len="sm"/>
+                    </a:lnB>
+                  </a:tcPr>
+                </a:tc>
+                <a:extLst>
+                  <a:ext uri="{0D108BD9-81ED-4DB2-BD59-A6C34878D82A}">
+                    <a16:rowId xmlns:a16="http://schemas.microsoft.com/office/drawing/2014/main" val="10002"/>
+                  </a:ext>
+                </a:extLst>
+              </a:tr>
+            </a:tbl>
+          </a:graphicData>
+        </a:graphic>
+      </p:graphicFrame>
+      <p:pic>
+        <p:nvPicPr>
+          <p:cNvPr id="4098" name="Picture 2" descr="STATS4STEM">
+            <a:extLst>
+              <a:ext uri="{FF2B5EF4-FFF2-40B4-BE49-F238E27FC236}">
+                <a16:creationId xmlns:a16="http://schemas.microsoft.com/office/drawing/2014/main" id="{0D15B514-A426-4E3C-A84C-5FE9D173C3E3}"/>
+              </a:ext>
+            </a:extLst>
+          </p:cNvPr>
+          <p:cNvPicPr>
+            <a:picLocks noChangeAspect="1" noChangeArrowheads="1"/>
+          </p:cNvPicPr>
+          <p:nvPr/>
+        </p:nvPicPr>
+        <p:blipFill rotWithShape="1">
+          <a:blip r:embed="rId3">
+            <a:duotone>
+              <a:prstClr val="black"/>
+              <a:srgbClr val="212121">
+                <a:tint val="45000"/>
+                <a:satMod val="400000"/>
+              </a:srgbClr>
+            </a:duotone>
+            <a:extLst>
+              <a:ext uri="{28A0092B-C50C-407E-A947-70E740481C1C}">
+                <a14:useLocalDpi xmlns:a14="http://schemas.microsoft.com/office/drawing/2010/main" val="0"/>
+              </a:ext>
+            </a:extLst>
+          </a:blip>
+          <a:srcRect l="6715" t="16562" r="6885" b="12570"/>
+          <a:stretch/>
+        </p:blipFill>
+        <p:spPr bwMode="auto">
+          <a:xfrm>
+            <a:off x="991738" y="2207942"/>
+            <a:ext cx="3769112" cy="2787805"/>
+          </a:xfrm>
+          <a:prstGeom prst="rect">
+            <a:avLst/>
+          </a:prstGeom>
+          <a:noFill/>
+          <a:extLst>
+            <a:ext uri="{909E8E84-426E-40DD-AFC4-6F175D3DCCD1}">
+              <a14:hiddenFill xmlns:a14="http://schemas.microsoft.com/office/drawing/2010/main">
+                <a:solidFill>
+                  <a:srgbClr val="FFFFFF"/>
+                </a:solidFill>
+              </a14:hiddenFill>
+            </a:ext>
+          </a:extLst>
+        </p:spPr>
+      </p:pic>
+    </p:spTree>
+    <p:extLst>
+      <p:ext uri="{BB962C8B-B14F-4D97-AF65-F5344CB8AC3E}">
+        <p14:creationId xmlns:p14="http://schemas.microsoft.com/office/powerpoint/2010/main" val="3754183669"/>
+      </p:ext>
+    </p:extLst>
+  </p:cSld>
+  <p:clrMapOvr>
+    <a:masterClrMapping/>
+  </p:clrMapOvr>
+</p:sld>
+</file>
+
+<file path=ppt/slides/slide41.xml><?xml version="1.0" encoding="utf-8"?>
+<p:sld xmlns:a="http://schemas.openxmlformats.org/drawingml/2006/main" xmlns:r="http://schemas.openxmlformats.org/officeDocument/2006/relationships" xmlns:p="http://schemas.openxmlformats.org/presentationml/2006/main">
+  <p:cSld>
+    <p:spTree>
+      <p:nvGrpSpPr>
+        <p:cNvPr id="1" name="Shape 189"/>
+        <p:cNvGrpSpPr/>
+        <p:nvPr/>
+      </p:nvGrpSpPr>
+      <p:grpSpPr>
+        <a:xfrm>
+          <a:off x="0" y="0"/>
+          <a:ext cx="0" cy="0"/>
+          <a:chOff x="0" y="0"/>
+          <a:chExt cx="0" cy="0"/>
+        </a:xfrm>
+      </p:grpSpPr>
+      <p:sp>
+        <p:nvSpPr>
+          <p:cNvPr id="190" name="Google Shape;190;p27"/>
+          <p:cNvSpPr txBox="1">
+            <a:spLocks noGrp="1"/>
+          </p:cNvSpPr>
+          <p:nvPr>
+            <p:ph type="title"/>
+          </p:nvPr>
+        </p:nvSpPr>
+        <p:spPr>
+          <a:xfrm>
+            <a:off x="500550" y="330724"/>
+            <a:ext cx="8520600" cy="1095900"/>
+          </a:xfrm>
+          <a:prstGeom prst="rect">
+            <a:avLst/>
+          </a:prstGeom>
+        </p:spPr>
+        <p:txBody>
+          <a:bodyPr spcFirstLastPara="1" wrap="square" lIns="91425" tIns="91425" rIns="91425" bIns="91425" anchor="t" anchorCtr="0">
+            <a:noAutofit/>
+          </a:bodyPr>
+          <a:lstStyle/>
+          <a:p>
+            <a:pPr marL="0" lvl="0" indent="0" algn="l" rtl="0">
+              <a:spcBef>
+                <a:spcPts val="0"/>
+              </a:spcBef>
+              <a:spcAft>
+                <a:spcPts val="0"/>
+              </a:spcAft>
+              <a:buNone/>
+            </a:pPr>
+            <a:r>
+              <a:rPr lang="ru-RU" dirty="0"/>
+              <a:t>Зачем анализировать до анализа?</a:t>
+            </a:r>
+            <a:endParaRPr dirty="0"/>
+          </a:p>
+        </p:txBody>
+      </p:sp>
+      <p:graphicFrame>
+        <p:nvGraphicFramePr>
+          <p:cNvPr id="6" name="Google Shape;163;p23">
+            <a:extLst>
+              <a:ext uri="{FF2B5EF4-FFF2-40B4-BE49-F238E27FC236}">
+                <a16:creationId xmlns:a16="http://schemas.microsoft.com/office/drawing/2014/main" id="{0D23CE40-4520-4BB1-9AA0-4C21EB6D275F}"/>
+              </a:ext>
+            </a:extLst>
+          </p:cNvPr>
+          <p:cNvGraphicFramePr/>
           <p:nvPr>
             <p:extLst>
               <p:ext uri="{D42A27DB-BD31-4B8C-83A1-F6EECF244321}">
@@ -32088,7 +33021,7 @@
 </p:sld>
 </file>
 
-<file path=ppt/slides/slide41.xml><?xml version="1.0" encoding="utf-8"?>
+<file path=ppt/slides/slide42.xml><?xml version="1.0" encoding="utf-8"?>
 <p:sld xmlns:a="http://schemas.openxmlformats.org/drawingml/2006/main" xmlns:r="http://schemas.openxmlformats.org/officeDocument/2006/relationships" xmlns:p="http://schemas.openxmlformats.org/presentationml/2006/main">
   <p:cSld>
     <p:spTree>
@@ -32905,7 +33838,7 @@
 </p:sld>
 </file>
 
-<file path=ppt/slides/slide42.xml><?xml version="1.0" encoding="utf-8"?>
+<file path=ppt/slides/slide43.xml><?xml version="1.0" encoding="utf-8"?>
 <p:sld xmlns:a="http://schemas.openxmlformats.org/drawingml/2006/main" xmlns:r="http://schemas.openxmlformats.org/officeDocument/2006/relationships" xmlns:p="http://schemas.openxmlformats.org/presentationml/2006/main">
   <p:cSld>
     <p:spTree>
@@ -33769,7 +34702,7 @@
 </p:sld>
 </file>
 
-<file path=ppt/slides/slide43.xml><?xml version="1.0" encoding="utf-8"?>
+<file path=ppt/slides/slide44.xml><?xml version="1.0" encoding="utf-8"?>
 <p:sld xmlns:a="http://schemas.openxmlformats.org/drawingml/2006/main" xmlns:r="http://schemas.openxmlformats.org/officeDocument/2006/relationships" xmlns:p="http://schemas.openxmlformats.org/presentationml/2006/main">
   <p:cSld>
     <p:spTree>
@@ -34721,7 +35654,7 @@
 </p:sld>
 </file>
 
-<file path=ppt/slides/slide44.xml><?xml version="1.0" encoding="utf-8"?>
+<file path=ppt/slides/slide45.xml><?xml version="1.0" encoding="utf-8"?>
 <p:sld xmlns:a="http://schemas.openxmlformats.org/drawingml/2006/main" xmlns:r="http://schemas.openxmlformats.org/officeDocument/2006/relationships" xmlns:p="http://schemas.openxmlformats.org/presentationml/2006/main">
   <p:cSld>
     <p:spTree>
@@ -35022,7 +35955,7 @@
 </p:sld>
 </file>
 
-<file path=ppt/slides/slide45.xml><?xml version="1.0" encoding="utf-8"?>
+<file path=ppt/slides/slide46.xml><?xml version="1.0" encoding="utf-8"?>
 <p:sld xmlns:a="http://schemas.openxmlformats.org/drawingml/2006/main" xmlns:r="http://schemas.openxmlformats.org/officeDocument/2006/relationships" xmlns:p="http://schemas.openxmlformats.org/presentationml/2006/main">
   <p:cSld>
     <p:spTree>
@@ -35222,7 +36155,7 @@
 </p:sld>
 </file>
 
-<file path=ppt/slides/slide46.xml><?xml version="1.0" encoding="utf-8"?>
+<file path=ppt/slides/slide47.xml><?xml version="1.0" encoding="utf-8"?>
 <p:sld xmlns:a="http://schemas.openxmlformats.org/drawingml/2006/main" xmlns:r="http://schemas.openxmlformats.org/officeDocument/2006/relationships" xmlns:p="http://schemas.openxmlformats.org/presentationml/2006/main">
   <p:cSld>
     <p:spTree>
@@ -35319,7 +36252,7 @@
 </p:sld>
 </file>
 
-<file path=ppt/slides/slide47.xml><?xml version="1.0" encoding="utf-8"?>
+<file path=ppt/slides/slide48.xml><?xml version="1.0" encoding="utf-8"?>
 <p:sld xmlns:a="http://schemas.openxmlformats.org/drawingml/2006/main" xmlns:r="http://schemas.openxmlformats.org/officeDocument/2006/relationships" xmlns:p="http://schemas.openxmlformats.org/presentationml/2006/main">
   <p:cSld>
     <p:spTree>
@@ -35646,7 +36579,7 @@
 </p:sld>
 </file>
 
-<file path=ppt/slides/slide48.xml><?xml version="1.0" encoding="utf-8"?>
+<file path=ppt/slides/slide49.xml><?xml version="1.0" encoding="utf-8"?>
 <p:sld xmlns:a="http://schemas.openxmlformats.org/drawingml/2006/main" xmlns:r="http://schemas.openxmlformats.org/officeDocument/2006/relationships" xmlns:p="http://schemas.openxmlformats.org/presentationml/2006/main">
   <p:cSld>
     <p:spTree>
@@ -36228,7 +37161,530 @@
 </p:sld>
 </file>
 
-<file path=ppt/slides/slide49.xml><?xml version="1.0" encoding="utf-8"?>
+<file path=ppt/slides/slide5.xml><?xml version="1.0" encoding="utf-8"?>
+<p:sld xmlns:a="http://schemas.openxmlformats.org/drawingml/2006/main" xmlns:r="http://schemas.openxmlformats.org/officeDocument/2006/relationships" xmlns:p="http://schemas.openxmlformats.org/presentationml/2006/main">
+  <p:cSld>
+    <p:spTree>
+      <p:nvGrpSpPr>
+        <p:cNvPr id="1" name="Shape 145"/>
+        <p:cNvGrpSpPr/>
+        <p:nvPr/>
+      </p:nvGrpSpPr>
+      <p:grpSpPr>
+        <a:xfrm>
+          <a:off x="0" y="0"/>
+          <a:ext cx="0" cy="0"/>
+          <a:chOff x="0" y="0"/>
+          <a:chExt cx="0" cy="0"/>
+        </a:xfrm>
+      </p:grpSpPr>
+      <p:sp>
+        <p:nvSpPr>
+          <p:cNvPr id="146" name="Google Shape;146;p22"/>
+          <p:cNvSpPr txBox="1">
+            <a:spLocks noGrp="1"/>
+          </p:cNvSpPr>
+          <p:nvPr>
+            <p:ph type="title"/>
+          </p:nvPr>
+        </p:nvSpPr>
+        <p:spPr>
+          <a:xfrm>
+            <a:off x="500550" y="330724"/>
+            <a:ext cx="8520600" cy="1095900"/>
+          </a:xfrm>
+          <a:prstGeom prst="rect">
+            <a:avLst/>
+          </a:prstGeom>
+        </p:spPr>
+        <p:txBody>
+          <a:bodyPr spcFirstLastPara="1" wrap="square" lIns="91425" tIns="91425" rIns="91425" bIns="91425" anchor="t" anchorCtr="0">
+            <a:noAutofit/>
+          </a:bodyPr>
+          <a:lstStyle/>
+          <a:p>
+            <a:pPr marL="0" lvl="0" indent="0" algn="l" rtl="0">
+              <a:spcBef>
+                <a:spcPts val="0"/>
+              </a:spcBef>
+              <a:spcAft>
+                <a:spcPts val="0"/>
+              </a:spcAft>
+              <a:buNone/>
+            </a:pPr>
+            <a:r>
+              <a:rPr lang="ru"/>
+              <a:t>Маршрут вебинара</a:t>
+            </a:r>
+            <a:endParaRPr/>
+          </a:p>
+        </p:txBody>
+      </p:sp>
+      <p:sp>
+        <p:nvSpPr>
+          <p:cNvPr id="147" name="Google Shape;147;p22"/>
+          <p:cNvSpPr/>
+          <p:nvPr/>
+        </p:nvSpPr>
+        <p:spPr>
+          <a:xfrm>
+            <a:off x="786525" y="1205525"/>
+            <a:ext cx="3384900" cy="376200"/>
+          </a:xfrm>
+          <a:prstGeom prst="roundRect">
+            <a:avLst>
+              <a:gd name="adj" fmla="val 16667"/>
+            </a:avLst>
+          </a:prstGeom>
+          <a:solidFill>
+            <a:srgbClr val="FFD966"/>
+          </a:solidFill>
+          <a:ln>
+            <a:noFill/>
+          </a:ln>
+        </p:spPr>
+        <p:txBody>
+          <a:bodyPr spcFirstLastPara="1" wrap="square" lIns="162000" tIns="91425" rIns="162000" bIns="91425" anchor="ctr" anchorCtr="0">
+            <a:noAutofit/>
+          </a:bodyPr>
+          <a:lstStyle/>
+          <a:p>
+            <a:pPr marL="0" lvl="0" indent="0" algn="l" rtl="0">
+              <a:spcBef>
+                <a:spcPts val="0"/>
+              </a:spcBef>
+              <a:spcAft>
+                <a:spcPts val="0"/>
+              </a:spcAft>
+              <a:buNone/>
+            </a:pPr>
+            <a:r>
+              <a:rPr lang="ru" sz="1300" dirty="0">
+                <a:solidFill>
+                  <a:schemeClr val="dk1"/>
+                </a:solidFill>
+                <a:latin typeface="Roboto"/>
+                <a:ea typeface="Roboto"/>
+                <a:cs typeface="Roboto"/>
+                <a:sym typeface="Roboto"/>
+              </a:rPr>
+              <a:t>Знакомство</a:t>
+            </a:r>
+            <a:endParaRPr sz="1300" dirty="0">
+              <a:solidFill>
+                <a:schemeClr val="dk1"/>
+              </a:solidFill>
+              <a:latin typeface="Roboto"/>
+              <a:ea typeface="Roboto"/>
+              <a:cs typeface="Roboto"/>
+              <a:sym typeface="Roboto"/>
+            </a:endParaRPr>
+          </a:p>
+        </p:txBody>
+      </p:sp>
+      <p:sp>
+        <p:nvSpPr>
+          <p:cNvPr id="148" name="Google Shape;148;p22"/>
+          <p:cNvSpPr/>
+          <p:nvPr/>
+        </p:nvSpPr>
+        <p:spPr>
+          <a:xfrm>
+            <a:off x="787125" y="1795027"/>
+            <a:ext cx="3384900" cy="376200"/>
+          </a:xfrm>
+          <a:prstGeom prst="roundRect">
+            <a:avLst>
+              <a:gd name="adj" fmla="val 16667"/>
+            </a:avLst>
+          </a:prstGeom>
+          <a:solidFill>
+            <a:srgbClr val="FFD966"/>
+          </a:solidFill>
+          <a:ln>
+            <a:noFill/>
+          </a:ln>
+        </p:spPr>
+        <p:txBody>
+          <a:bodyPr spcFirstLastPara="1" wrap="square" lIns="162000" tIns="91425" rIns="162000" bIns="91425" anchor="ctr" anchorCtr="0">
+            <a:noAutofit/>
+          </a:bodyPr>
+          <a:lstStyle/>
+          <a:p>
+            <a:pPr marL="0" lvl="0" indent="0" algn="l" rtl="0">
+              <a:spcBef>
+                <a:spcPts val="0"/>
+              </a:spcBef>
+              <a:spcAft>
+                <a:spcPts val="0"/>
+              </a:spcAft>
+              <a:buNone/>
+            </a:pPr>
+            <a:r>
+              <a:rPr lang="ru" sz="1300" dirty="0">
+                <a:solidFill>
+                  <a:schemeClr val="dk1"/>
+                </a:solidFill>
+                <a:latin typeface="Roboto"/>
+                <a:ea typeface="Roboto"/>
+                <a:cs typeface="Roboto"/>
+                <a:sym typeface="Roboto"/>
+              </a:rPr>
+              <a:t>Зачем нам это нужно?</a:t>
+            </a:r>
+            <a:endParaRPr sz="1300" dirty="0">
+              <a:solidFill>
+                <a:schemeClr val="dk1"/>
+              </a:solidFill>
+              <a:latin typeface="Roboto"/>
+              <a:ea typeface="Roboto"/>
+              <a:cs typeface="Roboto"/>
+              <a:sym typeface="Roboto"/>
+            </a:endParaRPr>
+          </a:p>
+        </p:txBody>
+      </p:sp>
+      <p:sp>
+        <p:nvSpPr>
+          <p:cNvPr id="149" name="Google Shape;149;p22"/>
+          <p:cNvSpPr/>
+          <p:nvPr/>
+        </p:nvSpPr>
+        <p:spPr>
+          <a:xfrm>
+            <a:off x="787125" y="2372042"/>
+            <a:ext cx="3384900" cy="376200"/>
+          </a:xfrm>
+          <a:prstGeom prst="roundRect">
+            <a:avLst>
+              <a:gd name="adj" fmla="val 16667"/>
+            </a:avLst>
+          </a:prstGeom>
+          <a:solidFill>
+            <a:srgbClr val="FFD966"/>
+          </a:solidFill>
+          <a:ln>
+            <a:noFill/>
+          </a:ln>
+        </p:spPr>
+        <p:txBody>
+          <a:bodyPr spcFirstLastPara="1" wrap="square" lIns="162000" tIns="91425" rIns="162000" bIns="91425" anchor="ctr" anchorCtr="0">
+            <a:noAutofit/>
+          </a:bodyPr>
+          <a:lstStyle/>
+          <a:p>
+            <a:pPr marL="0" lvl="0" indent="0" algn="l" rtl="0">
+              <a:spcBef>
+                <a:spcPts val="0"/>
+              </a:spcBef>
+              <a:spcAft>
+                <a:spcPts val="0"/>
+              </a:spcAft>
+              <a:buNone/>
+            </a:pPr>
+            <a:r>
+              <a:rPr lang="ru" sz="1300" dirty="0">
+                <a:solidFill>
+                  <a:schemeClr val="dk1"/>
+                </a:solidFill>
+                <a:latin typeface="Roboto"/>
+                <a:ea typeface="Roboto"/>
+                <a:cs typeface="Roboto"/>
+                <a:sym typeface="Roboto"/>
+              </a:rPr>
+              <a:t>Решения по автоматизации РАД</a:t>
+            </a:r>
+            <a:endParaRPr sz="1300" dirty="0">
+              <a:solidFill>
+                <a:schemeClr val="dk1"/>
+              </a:solidFill>
+              <a:latin typeface="Roboto"/>
+              <a:ea typeface="Roboto"/>
+              <a:cs typeface="Roboto"/>
+              <a:sym typeface="Roboto"/>
+            </a:endParaRPr>
+          </a:p>
+        </p:txBody>
+      </p:sp>
+      <p:sp>
+        <p:nvSpPr>
+          <p:cNvPr id="150" name="Google Shape;150;p22"/>
+          <p:cNvSpPr/>
+          <p:nvPr/>
+        </p:nvSpPr>
+        <p:spPr>
+          <a:xfrm>
+            <a:off x="786525" y="2949064"/>
+            <a:ext cx="3384900" cy="376200"/>
+          </a:xfrm>
+          <a:prstGeom prst="roundRect">
+            <a:avLst>
+              <a:gd name="adj" fmla="val 16667"/>
+            </a:avLst>
+          </a:prstGeom>
+          <a:solidFill>
+            <a:srgbClr val="FFD966"/>
+          </a:solidFill>
+          <a:ln>
+            <a:noFill/>
+          </a:ln>
+        </p:spPr>
+        <p:txBody>
+          <a:bodyPr spcFirstLastPara="1" wrap="square" lIns="162000" tIns="91425" rIns="162000" bIns="91425" anchor="ctr" anchorCtr="0">
+            <a:noAutofit/>
+          </a:bodyPr>
+          <a:lstStyle/>
+          <a:p>
+            <a:pPr marL="0" lvl="0" indent="0" algn="l" rtl="0">
+              <a:spcBef>
+                <a:spcPts val="0"/>
+              </a:spcBef>
+              <a:spcAft>
+                <a:spcPts val="0"/>
+              </a:spcAft>
+              <a:buNone/>
+            </a:pPr>
+            <a:r>
+              <a:rPr lang="ru" sz="1300" dirty="0">
+                <a:solidFill>
+                  <a:srgbClr val="050505"/>
+                </a:solidFill>
+                <a:latin typeface="Roboto"/>
+                <a:ea typeface="Roboto"/>
+                <a:cs typeface="Roboto"/>
+                <a:sym typeface="Roboto"/>
+              </a:rPr>
+              <a:t>Работа в </a:t>
+            </a:r>
+            <a:r>
+              <a:rPr lang="en-US" sz="1300" dirty="0">
+                <a:solidFill>
+                  <a:srgbClr val="050505"/>
+                </a:solidFill>
+                <a:latin typeface="Roboto"/>
+                <a:ea typeface="Roboto"/>
+                <a:cs typeface="Roboto"/>
+                <a:sym typeface="Roboto"/>
+              </a:rPr>
+              <a:t>R</a:t>
+            </a:r>
+            <a:r>
+              <a:rPr lang="ru-RU" sz="1300" dirty="0">
+                <a:solidFill>
+                  <a:srgbClr val="050505"/>
+                </a:solidFill>
+                <a:latin typeface="Roboto"/>
+                <a:ea typeface="Roboto"/>
+                <a:cs typeface="Roboto"/>
+                <a:sym typeface="Roboto"/>
+              </a:rPr>
+              <a:t>: смотрим и сравниваем</a:t>
+            </a:r>
+            <a:endParaRPr sz="1300" dirty="0">
+              <a:solidFill>
+                <a:srgbClr val="050505"/>
+              </a:solidFill>
+              <a:latin typeface="Roboto"/>
+              <a:ea typeface="Roboto"/>
+              <a:cs typeface="Roboto"/>
+              <a:sym typeface="Roboto"/>
+            </a:endParaRPr>
+          </a:p>
+        </p:txBody>
+      </p:sp>
+      <p:sp>
+        <p:nvSpPr>
+          <p:cNvPr id="151" name="Google Shape;151;p22"/>
+          <p:cNvSpPr/>
+          <p:nvPr/>
+        </p:nvSpPr>
+        <p:spPr>
+          <a:xfrm>
+            <a:off x="786525" y="3526100"/>
+            <a:ext cx="3384900" cy="376200"/>
+          </a:xfrm>
+          <a:prstGeom prst="roundRect">
+            <a:avLst>
+              <a:gd name="adj" fmla="val 16667"/>
+            </a:avLst>
+          </a:prstGeom>
+          <a:solidFill>
+            <a:srgbClr val="FFD966"/>
+          </a:solidFill>
+          <a:ln>
+            <a:noFill/>
+          </a:ln>
+        </p:spPr>
+        <p:txBody>
+          <a:bodyPr spcFirstLastPara="1" wrap="square" lIns="162000" tIns="91425" rIns="162000" bIns="91425" anchor="ctr" anchorCtr="0">
+            <a:noAutofit/>
+          </a:bodyPr>
+          <a:lstStyle/>
+          <a:p>
+            <a:pPr marL="0" lvl="0" indent="0" algn="l" rtl="0">
+              <a:spcBef>
+                <a:spcPts val="0"/>
+              </a:spcBef>
+              <a:spcAft>
+                <a:spcPts val="0"/>
+              </a:spcAft>
+              <a:buNone/>
+            </a:pPr>
+            <a:r>
+              <a:rPr lang="ru" sz="1300" dirty="0">
+                <a:solidFill>
+                  <a:schemeClr val="dk1"/>
+                </a:solidFill>
+                <a:latin typeface="Roboto"/>
+                <a:ea typeface="Roboto"/>
+                <a:cs typeface="Roboto"/>
+                <a:sym typeface="Roboto"/>
+              </a:rPr>
+              <a:t>Рефлексия</a:t>
+            </a:r>
+            <a:endParaRPr sz="1300" dirty="0">
+              <a:latin typeface="Roboto"/>
+              <a:ea typeface="Roboto"/>
+              <a:cs typeface="Roboto"/>
+              <a:sym typeface="Roboto"/>
+            </a:endParaRPr>
+          </a:p>
+        </p:txBody>
+      </p:sp>
+      <p:cxnSp>
+        <p:nvCxnSpPr>
+          <p:cNvPr id="153" name="Google Shape;153;p22"/>
+          <p:cNvCxnSpPr>
+            <a:stCxn id="147" idx="1"/>
+            <a:endCxn id="148" idx="1"/>
+          </p:cNvCxnSpPr>
+          <p:nvPr/>
+        </p:nvCxnSpPr>
+        <p:spPr>
+          <a:xfrm>
+            <a:off x="786525" y="1393625"/>
+            <a:ext cx="600" cy="589500"/>
+          </a:xfrm>
+          <a:prstGeom prst="curvedConnector3">
+            <a:avLst>
+              <a:gd name="adj1" fmla="val -39687500"/>
+            </a:avLst>
+          </a:prstGeom>
+          <a:noFill/>
+          <a:ln w="9525" cap="flat" cmpd="sng">
+            <a:solidFill>
+              <a:schemeClr val="lt1"/>
+            </a:solidFill>
+            <a:prstDash val="dash"/>
+            <a:round/>
+            <a:headEnd type="none" w="med" len="med"/>
+            <a:tailEnd type="none" w="med" len="med"/>
+          </a:ln>
+        </p:spPr>
+      </p:cxnSp>
+      <p:cxnSp>
+        <p:nvCxnSpPr>
+          <p:cNvPr id="154" name="Google Shape;154;p22"/>
+          <p:cNvCxnSpPr>
+            <a:stCxn id="148" idx="1"/>
+            <a:endCxn id="149" idx="1"/>
+          </p:cNvCxnSpPr>
+          <p:nvPr/>
+        </p:nvCxnSpPr>
+        <p:spPr>
+          <a:xfrm>
+            <a:off x="787125" y="1983127"/>
+            <a:ext cx="600" cy="576900"/>
+          </a:xfrm>
+          <a:prstGeom prst="curvedConnector3">
+            <a:avLst>
+              <a:gd name="adj1" fmla="val -39687500"/>
+            </a:avLst>
+          </a:prstGeom>
+          <a:noFill/>
+          <a:ln w="9525" cap="flat" cmpd="sng">
+            <a:solidFill>
+              <a:schemeClr val="lt1"/>
+            </a:solidFill>
+            <a:prstDash val="dash"/>
+            <a:round/>
+            <a:headEnd type="none" w="med" len="med"/>
+            <a:tailEnd type="none" w="med" len="med"/>
+          </a:ln>
+        </p:spPr>
+      </p:cxnSp>
+      <p:cxnSp>
+        <p:nvCxnSpPr>
+          <p:cNvPr id="155" name="Google Shape;155;p22"/>
+          <p:cNvCxnSpPr>
+            <a:stCxn id="149" idx="1"/>
+            <a:endCxn id="150" idx="1"/>
+          </p:cNvCxnSpPr>
+          <p:nvPr/>
+        </p:nvCxnSpPr>
+        <p:spPr>
+          <a:xfrm flipH="1">
+            <a:off x="786525" y="2560142"/>
+            <a:ext cx="600" cy="576900"/>
+          </a:xfrm>
+          <a:prstGeom prst="curvedConnector3">
+            <a:avLst>
+              <a:gd name="adj1" fmla="val 39787500"/>
+            </a:avLst>
+          </a:prstGeom>
+          <a:noFill/>
+          <a:ln w="9525" cap="flat" cmpd="sng">
+            <a:solidFill>
+              <a:schemeClr val="lt1"/>
+            </a:solidFill>
+            <a:prstDash val="dash"/>
+            <a:round/>
+            <a:headEnd type="none" w="med" len="med"/>
+            <a:tailEnd type="none" w="med" len="med"/>
+          </a:ln>
+        </p:spPr>
+      </p:cxnSp>
+      <p:cxnSp>
+        <p:nvCxnSpPr>
+          <p:cNvPr id="156" name="Google Shape;156;p22"/>
+          <p:cNvCxnSpPr>
+            <a:cxnSpLocks/>
+            <a:stCxn id="150" idx="1"/>
+            <a:endCxn id="151" idx="1"/>
+          </p:cNvCxnSpPr>
+          <p:nvPr/>
+        </p:nvCxnSpPr>
+        <p:spPr>
+          <a:xfrm>
+            <a:off x="786525" y="3137164"/>
+            <a:ext cx="600" cy="576900"/>
+          </a:xfrm>
+          <a:prstGeom prst="curvedConnector3">
+            <a:avLst>
+              <a:gd name="adj1" fmla="val -39687500"/>
+            </a:avLst>
+          </a:prstGeom>
+          <a:noFill/>
+          <a:ln w="9525" cap="flat" cmpd="sng">
+            <a:solidFill>
+              <a:schemeClr val="lt1"/>
+            </a:solidFill>
+            <a:prstDash val="dash"/>
+            <a:round/>
+            <a:headEnd type="none" w="med" len="med"/>
+            <a:tailEnd type="none" w="med" len="med"/>
+          </a:ln>
+        </p:spPr>
+      </p:cxnSp>
+    </p:spTree>
+  </p:cSld>
+  <p:clrMapOvr>
+    <a:masterClrMapping/>
+  </p:clrMapOvr>
+</p:sld>
+</file>
+
+<file path=ppt/slides/slide50.xml><?xml version="1.0" encoding="utf-8"?>
 <p:sld xmlns:a="http://schemas.openxmlformats.org/drawingml/2006/main" xmlns:r="http://schemas.openxmlformats.org/officeDocument/2006/relationships" xmlns:p="http://schemas.openxmlformats.org/presentationml/2006/main">
   <p:cSld>
     <p:spTree>
@@ -37054,530 +38510,7 @@
 </p:sld>
 </file>
 
-<file path=ppt/slides/slide5.xml><?xml version="1.0" encoding="utf-8"?>
-<p:sld xmlns:a="http://schemas.openxmlformats.org/drawingml/2006/main" xmlns:r="http://schemas.openxmlformats.org/officeDocument/2006/relationships" xmlns:p="http://schemas.openxmlformats.org/presentationml/2006/main">
-  <p:cSld>
-    <p:spTree>
-      <p:nvGrpSpPr>
-        <p:cNvPr id="1" name="Shape 145"/>
-        <p:cNvGrpSpPr/>
-        <p:nvPr/>
-      </p:nvGrpSpPr>
-      <p:grpSpPr>
-        <a:xfrm>
-          <a:off x="0" y="0"/>
-          <a:ext cx="0" cy="0"/>
-          <a:chOff x="0" y="0"/>
-          <a:chExt cx="0" cy="0"/>
-        </a:xfrm>
-      </p:grpSpPr>
-      <p:sp>
-        <p:nvSpPr>
-          <p:cNvPr id="146" name="Google Shape;146;p22"/>
-          <p:cNvSpPr txBox="1">
-            <a:spLocks noGrp="1"/>
-          </p:cNvSpPr>
-          <p:nvPr>
-            <p:ph type="title"/>
-          </p:nvPr>
-        </p:nvSpPr>
-        <p:spPr>
-          <a:xfrm>
-            <a:off x="500550" y="330724"/>
-            <a:ext cx="8520600" cy="1095900"/>
-          </a:xfrm>
-          <a:prstGeom prst="rect">
-            <a:avLst/>
-          </a:prstGeom>
-        </p:spPr>
-        <p:txBody>
-          <a:bodyPr spcFirstLastPara="1" wrap="square" lIns="91425" tIns="91425" rIns="91425" bIns="91425" anchor="t" anchorCtr="0">
-            <a:noAutofit/>
-          </a:bodyPr>
-          <a:lstStyle/>
-          <a:p>
-            <a:pPr marL="0" lvl="0" indent="0" algn="l" rtl="0">
-              <a:spcBef>
-                <a:spcPts val="0"/>
-              </a:spcBef>
-              <a:spcAft>
-                <a:spcPts val="0"/>
-              </a:spcAft>
-              <a:buNone/>
-            </a:pPr>
-            <a:r>
-              <a:rPr lang="ru"/>
-              <a:t>Маршрут вебинара</a:t>
-            </a:r>
-            <a:endParaRPr/>
-          </a:p>
-        </p:txBody>
-      </p:sp>
-      <p:sp>
-        <p:nvSpPr>
-          <p:cNvPr id="147" name="Google Shape;147;p22"/>
-          <p:cNvSpPr/>
-          <p:nvPr/>
-        </p:nvSpPr>
-        <p:spPr>
-          <a:xfrm>
-            <a:off x="786525" y="1205525"/>
-            <a:ext cx="3384900" cy="376200"/>
-          </a:xfrm>
-          <a:prstGeom prst="roundRect">
-            <a:avLst>
-              <a:gd name="adj" fmla="val 16667"/>
-            </a:avLst>
-          </a:prstGeom>
-          <a:solidFill>
-            <a:srgbClr val="FFD966"/>
-          </a:solidFill>
-          <a:ln>
-            <a:noFill/>
-          </a:ln>
-        </p:spPr>
-        <p:txBody>
-          <a:bodyPr spcFirstLastPara="1" wrap="square" lIns="162000" tIns="91425" rIns="162000" bIns="91425" anchor="ctr" anchorCtr="0">
-            <a:noAutofit/>
-          </a:bodyPr>
-          <a:lstStyle/>
-          <a:p>
-            <a:pPr marL="0" lvl="0" indent="0" algn="l" rtl="0">
-              <a:spcBef>
-                <a:spcPts val="0"/>
-              </a:spcBef>
-              <a:spcAft>
-                <a:spcPts val="0"/>
-              </a:spcAft>
-              <a:buNone/>
-            </a:pPr>
-            <a:r>
-              <a:rPr lang="ru" sz="1300" dirty="0">
-                <a:solidFill>
-                  <a:schemeClr val="dk1"/>
-                </a:solidFill>
-                <a:latin typeface="Roboto"/>
-                <a:ea typeface="Roboto"/>
-                <a:cs typeface="Roboto"/>
-                <a:sym typeface="Roboto"/>
-              </a:rPr>
-              <a:t>Знакомство</a:t>
-            </a:r>
-            <a:endParaRPr sz="1300" dirty="0">
-              <a:solidFill>
-                <a:schemeClr val="dk1"/>
-              </a:solidFill>
-              <a:latin typeface="Roboto"/>
-              <a:ea typeface="Roboto"/>
-              <a:cs typeface="Roboto"/>
-              <a:sym typeface="Roboto"/>
-            </a:endParaRPr>
-          </a:p>
-        </p:txBody>
-      </p:sp>
-      <p:sp>
-        <p:nvSpPr>
-          <p:cNvPr id="148" name="Google Shape;148;p22"/>
-          <p:cNvSpPr/>
-          <p:nvPr/>
-        </p:nvSpPr>
-        <p:spPr>
-          <a:xfrm>
-            <a:off x="787125" y="1795027"/>
-            <a:ext cx="3384900" cy="376200"/>
-          </a:xfrm>
-          <a:prstGeom prst="roundRect">
-            <a:avLst>
-              <a:gd name="adj" fmla="val 16667"/>
-            </a:avLst>
-          </a:prstGeom>
-          <a:solidFill>
-            <a:srgbClr val="FFD966"/>
-          </a:solidFill>
-          <a:ln>
-            <a:noFill/>
-          </a:ln>
-        </p:spPr>
-        <p:txBody>
-          <a:bodyPr spcFirstLastPara="1" wrap="square" lIns="162000" tIns="91425" rIns="162000" bIns="91425" anchor="ctr" anchorCtr="0">
-            <a:noAutofit/>
-          </a:bodyPr>
-          <a:lstStyle/>
-          <a:p>
-            <a:pPr marL="0" lvl="0" indent="0" algn="l" rtl="0">
-              <a:spcBef>
-                <a:spcPts val="0"/>
-              </a:spcBef>
-              <a:spcAft>
-                <a:spcPts val="0"/>
-              </a:spcAft>
-              <a:buNone/>
-            </a:pPr>
-            <a:r>
-              <a:rPr lang="ru" sz="1300" dirty="0">
-                <a:solidFill>
-                  <a:schemeClr val="dk1"/>
-                </a:solidFill>
-                <a:latin typeface="Roboto"/>
-                <a:ea typeface="Roboto"/>
-                <a:cs typeface="Roboto"/>
-                <a:sym typeface="Roboto"/>
-              </a:rPr>
-              <a:t>Зачем нам это нужно?</a:t>
-            </a:r>
-            <a:endParaRPr sz="1300" dirty="0">
-              <a:solidFill>
-                <a:schemeClr val="dk1"/>
-              </a:solidFill>
-              <a:latin typeface="Roboto"/>
-              <a:ea typeface="Roboto"/>
-              <a:cs typeface="Roboto"/>
-              <a:sym typeface="Roboto"/>
-            </a:endParaRPr>
-          </a:p>
-        </p:txBody>
-      </p:sp>
-      <p:sp>
-        <p:nvSpPr>
-          <p:cNvPr id="149" name="Google Shape;149;p22"/>
-          <p:cNvSpPr/>
-          <p:nvPr/>
-        </p:nvSpPr>
-        <p:spPr>
-          <a:xfrm>
-            <a:off x="787125" y="2372042"/>
-            <a:ext cx="3384900" cy="376200"/>
-          </a:xfrm>
-          <a:prstGeom prst="roundRect">
-            <a:avLst>
-              <a:gd name="adj" fmla="val 16667"/>
-            </a:avLst>
-          </a:prstGeom>
-          <a:solidFill>
-            <a:srgbClr val="FFD966"/>
-          </a:solidFill>
-          <a:ln>
-            <a:noFill/>
-          </a:ln>
-        </p:spPr>
-        <p:txBody>
-          <a:bodyPr spcFirstLastPara="1" wrap="square" lIns="162000" tIns="91425" rIns="162000" bIns="91425" anchor="ctr" anchorCtr="0">
-            <a:noAutofit/>
-          </a:bodyPr>
-          <a:lstStyle/>
-          <a:p>
-            <a:pPr marL="0" lvl="0" indent="0" algn="l" rtl="0">
-              <a:spcBef>
-                <a:spcPts val="0"/>
-              </a:spcBef>
-              <a:spcAft>
-                <a:spcPts val="0"/>
-              </a:spcAft>
-              <a:buNone/>
-            </a:pPr>
-            <a:r>
-              <a:rPr lang="ru" sz="1300" dirty="0">
-                <a:solidFill>
-                  <a:schemeClr val="dk1"/>
-                </a:solidFill>
-                <a:latin typeface="Roboto"/>
-                <a:ea typeface="Roboto"/>
-                <a:cs typeface="Roboto"/>
-                <a:sym typeface="Roboto"/>
-              </a:rPr>
-              <a:t>Решения по автоматизации РАД</a:t>
-            </a:r>
-            <a:endParaRPr sz="1300" dirty="0">
-              <a:solidFill>
-                <a:schemeClr val="dk1"/>
-              </a:solidFill>
-              <a:latin typeface="Roboto"/>
-              <a:ea typeface="Roboto"/>
-              <a:cs typeface="Roboto"/>
-              <a:sym typeface="Roboto"/>
-            </a:endParaRPr>
-          </a:p>
-        </p:txBody>
-      </p:sp>
-      <p:sp>
-        <p:nvSpPr>
-          <p:cNvPr id="150" name="Google Shape;150;p22"/>
-          <p:cNvSpPr/>
-          <p:nvPr/>
-        </p:nvSpPr>
-        <p:spPr>
-          <a:xfrm>
-            <a:off x="786525" y="2949064"/>
-            <a:ext cx="3384900" cy="376200"/>
-          </a:xfrm>
-          <a:prstGeom prst="roundRect">
-            <a:avLst>
-              <a:gd name="adj" fmla="val 16667"/>
-            </a:avLst>
-          </a:prstGeom>
-          <a:solidFill>
-            <a:srgbClr val="FFD966"/>
-          </a:solidFill>
-          <a:ln>
-            <a:noFill/>
-          </a:ln>
-        </p:spPr>
-        <p:txBody>
-          <a:bodyPr spcFirstLastPara="1" wrap="square" lIns="162000" tIns="91425" rIns="162000" bIns="91425" anchor="ctr" anchorCtr="0">
-            <a:noAutofit/>
-          </a:bodyPr>
-          <a:lstStyle/>
-          <a:p>
-            <a:pPr marL="0" lvl="0" indent="0" algn="l" rtl="0">
-              <a:spcBef>
-                <a:spcPts val="0"/>
-              </a:spcBef>
-              <a:spcAft>
-                <a:spcPts val="0"/>
-              </a:spcAft>
-              <a:buNone/>
-            </a:pPr>
-            <a:r>
-              <a:rPr lang="ru" sz="1300" dirty="0">
-                <a:solidFill>
-                  <a:srgbClr val="050505"/>
-                </a:solidFill>
-                <a:latin typeface="Roboto"/>
-                <a:ea typeface="Roboto"/>
-                <a:cs typeface="Roboto"/>
-                <a:sym typeface="Roboto"/>
-              </a:rPr>
-              <a:t>Работа в </a:t>
-            </a:r>
-            <a:r>
-              <a:rPr lang="en-US" sz="1300" dirty="0">
-                <a:solidFill>
-                  <a:srgbClr val="050505"/>
-                </a:solidFill>
-                <a:latin typeface="Roboto"/>
-                <a:ea typeface="Roboto"/>
-                <a:cs typeface="Roboto"/>
-                <a:sym typeface="Roboto"/>
-              </a:rPr>
-              <a:t>R</a:t>
-            </a:r>
-            <a:r>
-              <a:rPr lang="ru-RU" sz="1300" dirty="0">
-                <a:solidFill>
-                  <a:srgbClr val="050505"/>
-                </a:solidFill>
-                <a:latin typeface="Roboto"/>
-                <a:ea typeface="Roboto"/>
-                <a:cs typeface="Roboto"/>
-                <a:sym typeface="Roboto"/>
-              </a:rPr>
-              <a:t>: смотрим и сравниваем</a:t>
-            </a:r>
-            <a:endParaRPr sz="1300" dirty="0">
-              <a:solidFill>
-                <a:srgbClr val="050505"/>
-              </a:solidFill>
-              <a:latin typeface="Roboto"/>
-              <a:ea typeface="Roboto"/>
-              <a:cs typeface="Roboto"/>
-              <a:sym typeface="Roboto"/>
-            </a:endParaRPr>
-          </a:p>
-        </p:txBody>
-      </p:sp>
-      <p:sp>
-        <p:nvSpPr>
-          <p:cNvPr id="151" name="Google Shape;151;p22"/>
-          <p:cNvSpPr/>
-          <p:nvPr/>
-        </p:nvSpPr>
-        <p:spPr>
-          <a:xfrm>
-            <a:off x="786525" y="3526100"/>
-            <a:ext cx="3384900" cy="376200"/>
-          </a:xfrm>
-          <a:prstGeom prst="roundRect">
-            <a:avLst>
-              <a:gd name="adj" fmla="val 16667"/>
-            </a:avLst>
-          </a:prstGeom>
-          <a:solidFill>
-            <a:srgbClr val="FFD966"/>
-          </a:solidFill>
-          <a:ln>
-            <a:noFill/>
-          </a:ln>
-        </p:spPr>
-        <p:txBody>
-          <a:bodyPr spcFirstLastPara="1" wrap="square" lIns="162000" tIns="91425" rIns="162000" bIns="91425" anchor="ctr" anchorCtr="0">
-            <a:noAutofit/>
-          </a:bodyPr>
-          <a:lstStyle/>
-          <a:p>
-            <a:pPr marL="0" lvl="0" indent="0" algn="l" rtl="0">
-              <a:spcBef>
-                <a:spcPts val="0"/>
-              </a:spcBef>
-              <a:spcAft>
-                <a:spcPts val="0"/>
-              </a:spcAft>
-              <a:buNone/>
-            </a:pPr>
-            <a:r>
-              <a:rPr lang="ru" sz="1300" dirty="0">
-                <a:solidFill>
-                  <a:schemeClr val="dk1"/>
-                </a:solidFill>
-                <a:latin typeface="Roboto"/>
-                <a:ea typeface="Roboto"/>
-                <a:cs typeface="Roboto"/>
-                <a:sym typeface="Roboto"/>
-              </a:rPr>
-              <a:t>Рефлексия</a:t>
-            </a:r>
-            <a:endParaRPr sz="1300" dirty="0">
-              <a:latin typeface="Roboto"/>
-              <a:ea typeface="Roboto"/>
-              <a:cs typeface="Roboto"/>
-              <a:sym typeface="Roboto"/>
-            </a:endParaRPr>
-          </a:p>
-        </p:txBody>
-      </p:sp>
-      <p:cxnSp>
-        <p:nvCxnSpPr>
-          <p:cNvPr id="153" name="Google Shape;153;p22"/>
-          <p:cNvCxnSpPr>
-            <a:stCxn id="147" idx="1"/>
-            <a:endCxn id="148" idx="1"/>
-          </p:cNvCxnSpPr>
-          <p:nvPr/>
-        </p:nvCxnSpPr>
-        <p:spPr>
-          <a:xfrm>
-            <a:off x="786525" y="1393625"/>
-            <a:ext cx="600" cy="589500"/>
-          </a:xfrm>
-          <a:prstGeom prst="curvedConnector3">
-            <a:avLst>
-              <a:gd name="adj1" fmla="val -39687500"/>
-            </a:avLst>
-          </a:prstGeom>
-          <a:noFill/>
-          <a:ln w="9525" cap="flat" cmpd="sng">
-            <a:solidFill>
-              <a:schemeClr val="lt1"/>
-            </a:solidFill>
-            <a:prstDash val="dash"/>
-            <a:round/>
-            <a:headEnd type="none" w="med" len="med"/>
-            <a:tailEnd type="none" w="med" len="med"/>
-          </a:ln>
-        </p:spPr>
-      </p:cxnSp>
-      <p:cxnSp>
-        <p:nvCxnSpPr>
-          <p:cNvPr id="154" name="Google Shape;154;p22"/>
-          <p:cNvCxnSpPr>
-            <a:stCxn id="148" idx="1"/>
-            <a:endCxn id="149" idx="1"/>
-          </p:cNvCxnSpPr>
-          <p:nvPr/>
-        </p:nvCxnSpPr>
-        <p:spPr>
-          <a:xfrm>
-            <a:off x="787125" y="1983127"/>
-            <a:ext cx="600" cy="576900"/>
-          </a:xfrm>
-          <a:prstGeom prst="curvedConnector3">
-            <a:avLst>
-              <a:gd name="adj1" fmla="val -39687500"/>
-            </a:avLst>
-          </a:prstGeom>
-          <a:noFill/>
-          <a:ln w="9525" cap="flat" cmpd="sng">
-            <a:solidFill>
-              <a:schemeClr val="lt1"/>
-            </a:solidFill>
-            <a:prstDash val="dash"/>
-            <a:round/>
-            <a:headEnd type="none" w="med" len="med"/>
-            <a:tailEnd type="none" w="med" len="med"/>
-          </a:ln>
-        </p:spPr>
-      </p:cxnSp>
-      <p:cxnSp>
-        <p:nvCxnSpPr>
-          <p:cNvPr id="155" name="Google Shape;155;p22"/>
-          <p:cNvCxnSpPr>
-            <a:stCxn id="149" idx="1"/>
-            <a:endCxn id="150" idx="1"/>
-          </p:cNvCxnSpPr>
-          <p:nvPr/>
-        </p:nvCxnSpPr>
-        <p:spPr>
-          <a:xfrm flipH="1">
-            <a:off x="786525" y="2560142"/>
-            <a:ext cx="600" cy="576900"/>
-          </a:xfrm>
-          <a:prstGeom prst="curvedConnector3">
-            <a:avLst>
-              <a:gd name="adj1" fmla="val 39787500"/>
-            </a:avLst>
-          </a:prstGeom>
-          <a:noFill/>
-          <a:ln w="9525" cap="flat" cmpd="sng">
-            <a:solidFill>
-              <a:schemeClr val="lt1"/>
-            </a:solidFill>
-            <a:prstDash val="dash"/>
-            <a:round/>
-            <a:headEnd type="none" w="med" len="med"/>
-            <a:tailEnd type="none" w="med" len="med"/>
-          </a:ln>
-        </p:spPr>
-      </p:cxnSp>
-      <p:cxnSp>
-        <p:nvCxnSpPr>
-          <p:cNvPr id="156" name="Google Shape;156;p22"/>
-          <p:cNvCxnSpPr>
-            <a:cxnSpLocks/>
-            <a:stCxn id="150" idx="1"/>
-            <a:endCxn id="151" idx="1"/>
-          </p:cNvCxnSpPr>
-          <p:nvPr/>
-        </p:nvCxnSpPr>
-        <p:spPr>
-          <a:xfrm>
-            <a:off x="786525" y="3137164"/>
-            <a:ext cx="600" cy="576900"/>
-          </a:xfrm>
-          <a:prstGeom prst="curvedConnector3">
-            <a:avLst>
-              <a:gd name="adj1" fmla="val -39687500"/>
-            </a:avLst>
-          </a:prstGeom>
-          <a:noFill/>
-          <a:ln w="9525" cap="flat" cmpd="sng">
-            <a:solidFill>
-              <a:schemeClr val="lt1"/>
-            </a:solidFill>
-            <a:prstDash val="dash"/>
-            <a:round/>
-            <a:headEnd type="none" w="med" len="med"/>
-            <a:tailEnd type="none" w="med" len="med"/>
-          </a:ln>
-        </p:spPr>
-      </p:cxnSp>
-    </p:spTree>
-  </p:cSld>
-  <p:clrMapOvr>
-    <a:masterClrMapping/>
-  </p:clrMapOvr>
-</p:sld>
-</file>
-
-<file path=ppt/slides/slide50.xml><?xml version="1.0" encoding="utf-8"?>
+<file path=ppt/slides/slide51.xml><?xml version="1.0" encoding="utf-8"?>
 <p:sld xmlns:a="http://schemas.openxmlformats.org/drawingml/2006/main" xmlns:r="http://schemas.openxmlformats.org/officeDocument/2006/relationships" xmlns:p="http://schemas.openxmlformats.org/presentationml/2006/main">
   <p:cSld>
     <p:spTree>
@@ -38630,7 +39563,7 @@
 </p:sld>
 </file>
 
-<file path=ppt/slides/slide51.xml><?xml version="1.0" encoding="utf-8"?>
+<file path=ppt/slides/slide52.xml><?xml version="1.0" encoding="utf-8"?>
 <p:sld xmlns:a="http://schemas.openxmlformats.org/drawingml/2006/main" xmlns:r="http://schemas.openxmlformats.org/officeDocument/2006/relationships" xmlns:p="http://schemas.openxmlformats.org/presentationml/2006/main">
   <p:cSld>
     <p:spTree>
@@ -38727,7 +39660,7 @@
 </p:sld>
 </file>
 
-<file path=ppt/slides/slide52.xml><?xml version="1.0" encoding="utf-8"?>
+<file path=ppt/slides/slide53.xml><?xml version="1.0" encoding="utf-8"?>
 <p:sld xmlns:a="http://schemas.openxmlformats.org/drawingml/2006/main" xmlns:r="http://schemas.openxmlformats.org/officeDocument/2006/relationships" xmlns:p="http://schemas.openxmlformats.org/presentationml/2006/main">
   <p:cSld>
     <p:spTree>
@@ -39319,7 +40252,7 @@
 </p:sld>
 </file>
 
-<file path=ppt/slides/slide53.xml><?xml version="1.0" encoding="utf-8"?>
+<file path=ppt/slides/slide54.xml><?xml version="1.0" encoding="utf-8"?>
 <p:sld xmlns:a="http://schemas.openxmlformats.org/drawingml/2006/main" xmlns:r="http://schemas.openxmlformats.org/officeDocument/2006/relationships" xmlns:p="http://schemas.openxmlformats.org/presentationml/2006/main">
   <p:cSld>
     <p:spTree>
@@ -40131,7 +41064,7 @@
 </p:sld>
 </file>
 
-<file path=ppt/slides/slide54.xml><?xml version="1.0" encoding="utf-8"?>
+<file path=ppt/slides/slide55.xml><?xml version="1.0" encoding="utf-8"?>
 <p:sld xmlns:a="http://schemas.openxmlformats.org/drawingml/2006/main" xmlns:r="http://schemas.openxmlformats.org/officeDocument/2006/relationships" xmlns:p="http://schemas.openxmlformats.org/presentationml/2006/main">
   <p:cSld>
     <p:spTree>
@@ -40777,7 +41710,7 @@
 </p:sld>
 </file>
 
-<file path=ppt/slides/slide55.xml><?xml version="1.0" encoding="utf-8"?>
+<file path=ppt/slides/slide56.xml><?xml version="1.0" encoding="utf-8"?>
 <p:sld xmlns:a="http://schemas.openxmlformats.org/drawingml/2006/main" xmlns:r="http://schemas.openxmlformats.org/officeDocument/2006/relationships" xmlns:p="http://schemas.openxmlformats.org/presentationml/2006/main">
   <p:cSld>
     <p:spTree>
@@ -41828,7 +42761,7 @@
 </p:sld>
 </file>
 
-<file path=ppt/slides/slide56.xml><?xml version="1.0" encoding="utf-8"?>
+<file path=ppt/slides/slide57.xml><?xml version="1.0" encoding="utf-8"?>
 <p:sld xmlns:a="http://schemas.openxmlformats.org/drawingml/2006/main" xmlns:r="http://schemas.openxmlformats.org/officeDocument/2006/relationships" xmlns:p="http://schemas.openxmlformats.org/presentationml/2006/main">
   <p:cSld>
     <p:spTree>
@@ -42233,7 +43166,7 @@
 </p:sld>
 </file>
 
-<file path=ppt/slides/slide57.xml><?xml version="1.0" encoding="utf-8"?>
+<file path=ppt/slides/slide58.xml><?xml version="1.0" encoding="utf-8"?>
 <p:sld xmlns:a="http://schemas.openxmlformats.org/drawingml/2006/main" xmlns:r="http://schemas.openxmlformats.org/officeDocument/2006/relationships" xmlns:p="http://schemas.openxmlformats.org/presentationml/2006/main">
   <p:cSld>
     <p:spTree>
@@ -42529,7 +43462,7 @@
 </p:sld>
 </file>
 
-<file path=ppt/slides/slide58.xml><?xml version="1.0" encoding="utf-8"?>
+<file path=ppt/slides/slide59.xml><?xml version="1.0" encoding="utf-8"?>
 <p:sld xmlns:a="http://schemas.openxmlformats.org/drawingml/2006/main" xmlns:r="http://schemas.openxmlformats.org/officeDocument/2006/relationships" xmlns:p="http://schemas.openxmlformats.org/presentationml/2006/main">
   <p:cSld>
     <p:spTree>
@@ -42729,7 +43662,798 @@
 </p:sld>
 </file>
 
-<file path=ppt/slides/slide59.xml><?xml version="1.0" encoding="utf-8"?>
+<file path=ppt/slides/slide6.xml><?xml version="1.0" encoding="utf-8"?>
+<p:sld xmlns:a="http://schemas.openxmlformats.org/drawingml/2006/main" xmlns:r="http://schemas.openxmlformats.org/officeDocument/2006/relationships" xmlns:p="http://schemas.openxmlformats.org/presentationml/2006/main">
+  <p:cSld>
+    <p:spTree>
+      <p:nvGrpSpPr>
+        <p:cNvPr id="1" name="Shape 145"/>
+        <p:cNvGrpSpPr/>
+        <p:nvPr/>
+      </p:nvGrpSpPr>
+      <p:grpSpPr>
+        <a:xfrm>
+          <a:off x="0" y="0"/>
+          <a:ext cx="0" cy="0"/>
+          <a:chOff x="0" y="0"/>
+          <a:chExt cx="0" cy="0"/>
+        </a:xfrm>
+      </p:grpSpPr>
+      <p:sp>
+        <p:nvSpPr>
+          <p:cNvPr id="146" name="Google Shape;146;p22"/>
+          <p:cNvSpPr txBox="1">
+            <a:spLocks noGrp="1"/>
+          </p:cNvSpPr>
+          <p:nvPr>
+            <p:ph type="title"/>
+          </p:nvPr>
+        </p:nvSpPr>
+        <p:spPr>
+          <a:xfrm>
+            <a:off x="500550" y="330724"/>
+            <a:ext cx="8520600" cy="1095900"/>
+          </a:xfrm>
+          <a:prstGeom prst="rect">
+            <a:avLst/>
+          </a:prstGeom>
+        </p:spPr>
+        <p:txBody>
+          <a:bodyPr spcFirstLastPara="1" wrap="square" lIns="91425" tIns="91425" rIns="91425" bIns="91425" anchor="t" anchorCtr="0">
+            <a:noAutofit/>
+          </a:bodyPr>
+          <a:lstStyle/>
+          <a:p>
+            <a:pPr marL="0" lvl="0" indent="0" algn="l" rtl="0">
+              <a:spcBef>
+                <a:spcPts val="0"/>
+              </a:spcBef>
+              <a:spcAft>
+                <a:spcPts val="0"/>
+              </a:spcAft>
+              <a:buNone/>
+            </a:pPr>
+            <a:r>
+              <a:rPr lang="ru"/>
+              <a:t>Маршрут вебинара</a:t>
+            </a:r>
+            <a:endParaRPr/>
+          </a:p>
+        </p:txBody>
+      </p:sp>
+      <p:sp>
+        <p:nvSpPr>
+          <p:cNvPr id="147" name="Google Shape;147;p22"/>
+          <p:cNvSpPr/>
+          <p:nvPr/>
+        </p:nvSpPr>
+        <p:spPr>
+          <a:xfrm>
+            <a:off x="786525" y="1004633"/>
+            <a:ext cx="3996000" cy="376200"/>
+          </a:xfrm>
+          <a:prstGeom prst="roundRect">
+            <a:avLst>
+              <a:gd name="adj" fmla="val 16667"/>
+            </a:avLst>
+          </a:prstGeom>
+          <a:solidFill>
+            <a:srgbClr val="FFD966"/>
+          </a:solidFill>
+          <a:ln>
+            <a:noFill/>
+          </a:ln>
+        </p:spPr>
+        <p:txBody>
+          <a:bodyPr spcFirstLastPara="1" wrap="square" lIns="162000" tIns="91425" rIns="162000" bIns="91425" anchor="ctr" anchorCtr="0">
+            <a:noAutofit/>
+          </a:bodyPr>
+          <a:lstStyle/>
+          <a:p>
+            <a:pPr marL="0" lvl="0" indent="0" algn="l" rtl="0">
+              <a:spcBef>
+                <a:spcPts val="0"/>
+              </a:spcBef>
+              <a:spcAft>
+                <a:spcPts val="0"/>
+              </a:spcAft>
+              <a:buNone/>
+            </a:pPr>
+            <a:r>
+              <a:rPr lang="ru" sz="1300" dirty="0">
+                <a:solidFill>
+                  <a:schemeClr val="dk1"/>
+                </a:solidFill>
+                <a:latin typeface="Roboto"/>
+                <a:ea typeface="Roboto"/>
+                <a:cs typeface="Roboto"/>
+                <a:sym typeface="Roboto"/>
+              </a:rPr>
+              <a:t>Знакомство</a:t>
+            </a:r>
+            <a:endParaRPr sz="1300" dirty="0">
+              <a:solidFill>
+                <a:schemeClr val="dk1"/>
+              </a:solidFill>
+              <a:latin typeface="Roboto"/>
+              <a:ea typeface="Roboto"/>
+              <a:cs typeface="Roboto"/>
+              <a:sym typeface="Roboto"/>
+            </a:endParaRPr>
+          </a:p>
+        </p:txBody>
+      </p:sp>
+      <p:sp>
+        <p:nvSpPr>
+          <p:cNvPr id="148" name="Google Shape;148;p22"/>
+          <p:cNvSpPr/>
+          <p:nvPr/>
+        </p:nvSpPr>
+        <p:spPr>
+          <a:xfrm>
+            <a:off x="787125" y="1583741"/>
+            <a:ext cx="3996000" cy="376200"/>
+          </a:xfrm>
+          <a:prstGeom prst="roundRect">
+            <a:avLst>
+              <a:gd name="adj" fmla="val 16667"/>
+            </a:avLst>
+          </a:prstGeom>
+          <a:solidFill>
+            <a:srgbClr val="FFD966"/>
+          </a:solidFill>
+          <a:ln>
+            <a:noFill/>
+          </a:ln>
+        </p:spPr>
+        <p:txBody>
+          <a:bodyPr spcFirstLastPara="1" wrap="square" lIns="162000" tIns="91425" rIns="162000" bIns="91425" anchor="ctr" anchorCtr="0">
+            <a:noAutofit/>
+          </a:bodyPr>
+          <a:lstStyle/>
+          <a:p>
+            <a:pPr marL="0" lvl="0" indent="0" algn="l" rtl="0">
+              <a:spcBef>
+                <a:spcPts val="0"/>
+              </a:spcBef>
+              <a:spcAft>
+                <a:spcPts val="0"/>
+              </a:spcAft>
+              <a:buNone/>
+            </a:pPr>
+            <a:r>
+              <a:rPr lang="ru" sz="1300" dirty="0">
+                <a:solidFill>
+                  <a:schemeClr val="dk1"/>
+                </a:solidFill>
+                <a:latin typeface="Roboto"/>
+                <a:ea typeface="Roboto"/>
+                <a:cs typeface="Roboto"/>
+                <a:sym typeface="Roboto"/>
+              </a:rPr>
+              <a:t>Что такое </a:t>
+            </a:r>
+            <a:r>
+              <a:rPr lang="en-US" sz="1300" dirty="0">
+                <a:solidFill>
+                  <a:schemeClr val="dk1"/>
+                </a:solidFill>
+                <a:latin typeface="Roboto"/>
+                <a:ea typeface="Roboto"/>
+                <a:cs typeface="Roboto"/>
+                <a:sym typeface="Roboto"/>
+              </a:rPr>
+              <a:t>Quarto </a:t>
+            </a:r>
+            <a:r>
+              <a:rPr lang="ru-RU" sz="1300" dirty="0">
+                <a:solidFill>
+                  <a:schemeClr val="dk1"/>
+                </a:solidFill>
+                <a:latin typeface="Roboto"/>
+                <a:ea typeface="Roboto"/>
+                <a:cs typeface="Roboto"/>
+                <a:sym typeface="Roboto"/>
+              </a:rPr>
+              <a:t>и что будет с </a:t>
+            </a:r>
+            <a:r>
+              <a:rPr lang="en-US" sz="1300" dirty="0" err="1">
+                <a:solidFill>
+                  <a:schemeClr val="dk1"/>
+                </a:solidFill>
+                <a:latin typeface="Roboto"/>
+                <a:ea typeface="Roboto"/>
+                <a:cs typeface="Roboto"/>
+                <a:sym typeface="Roboto"/>
+              </a:rPr>
+              <a:t>Rmarkdown</a:t>
+            </a:r>
+            <a:r>
+              <a:rPr lang="ru" sz="1300" dirty="0">
+                <a:solidFill>
+                  <a:schemeClr val="dk1"/>
+                </a:solidFill>
+                <a:latin typeface="Roboto"/>
+                <a:ea typeface="Roboto"/>
+                <a:cs typeface="Roboto"/>
+                <a:sym typeface="Roboto"/>
+              </a:rPr>
+              <a:t>?</a:t>
+            </a:r>
+            <a:endParaRPr sz="1300" dirty="0">
+              <a:solidFill>
+                <a:schemeClr val="dk1"/>
+              </a:solidFill>
+              <a:latin typeface="Roboto"/>
+              <a:ea typeface="Roboto"/>
+              <a:cs typeface="Roboto"/>
+              <a:sym typeface="Roboto"/>
+            </a:endParaRPr>
+          </a:p>
+        </p:txBody>
+      </p:sp>
+      <p:sp>
+        <p:nvSpPr>
+          <p:cNvPr id="149" name="Google Shape;149;p22"/>
+          <p:cNvSpPr/>
+          <p:nvPr/>
+        </p:nvSpPr>
+        <p:spPr>
+          <a:xfrm>
+            <a:off x="787125" y="2162849"/>
+            <a:ext cx="3996000" cy="376200"/>
+          </a:xfrm>
+          <a:prstGeom prst="roundRect">
+            <a:avLst>
+              <a:gd name="adj" fmla="val 16667"/>
+            </a:avLst>
+          </a:prstGeom>
+          <a:solidFill>
+            <a:srgbClr val="FFD966"/>
+          </a:solidFill>
+          <a:ln>
+            <a:noFill/>
+          </a:ln>
+        </p:spPr>
+        <p:txBody>
+          <a:bodyPr spcFirstLastPara="1" wrap="square" lIns="162000" tIns="91425" rIns="162000" bIns="91425" anchor="ctr" anchorCtr="0">
+            <a:noAutofit/>
+          </a:bodyPr>
+          <a:lstStyle/>
+          <a:p>
+            <a:pPr marL="0" lvl="0" indent="0" algn="l" rtl="0">
+              <a:spcBef>
+                <a:spcPts val="0"/>
+              </a:spcBef>
+              <a:spcAft>
+                <a:spcPts val="0"/>
+              </a:spcAft>
+              <a:buNone/>
+            </a:pPr>
+            <a:r>
+              <a:rPr lang="ru" sz="1300" dirty="0">
+                <a:solidFill>
+                  <a:schemeClr val="dk1"/>
+                </a:solidFill>
+                <a:latin typeface="Roboto"/>
+                <a:ea typeface="Roboto"/>
+                <a:cs typeface="Roboto"/>
+                <a:sym typeface="Roboto"/>
+              </a:rPr>
+              <a:t>Возможности </a:t>
+            </a:r>
+            <a:r>
+              <a:rPr lang="en-US" sz="1300" dirty="0">
+                <a:solidFill>
+                  <a:schemeClr val="dk1"/>
+                </a:solidFill>
+                <a:latin typeface="Roboto"/>
+                <a:ea typeface="Roboto"/>
+                <a:cs typeface="Roboto"/>
+                <a:sym typeface="Roboto"/>
+              </a:rPr>
+              <a:t>Quarto</a:t>
+            </a:r>
+            <a:endParaRPr sz="1300" dirty="0">
+              <a:solidFill>
+                <a:schemeClr val="dk1"/>
+              </a:solidFill>
+              <a:latin typeface="Roboto"/>
+              <a:ea typeface="Roboto"/>
+              <a:cs typeface="Roboto"/>
+              <a:sym typeface="Roboto"/>
+            </a:endParaRPr>
+          </a:p>
+        </p:txBody>
+      </p:sp>
+      <p:sp>
+        <p:nvSpPr>
+          <p:cNvPr id="150" name="Google Shape;150;p22"/>
+          <p:cNvSpPr/>
+          <p:nvPr/>
+        </p:nvSpPr>
+        <p:spPr>
+          <a:xfrm>
+            <a:off x="786525" y="2741957"/>
+            <a:ext cx="3996000" cy="376200"/>
+          </a:xfrm>
+          <a:prstGeom prst="roundRect">
+            <a:avLst>
+              <a:gd name="adj" fmla="val 16667"/>
+            </a:avLst>
+          </a:prstGeom>
+          <a:solidFill>
+            <a:srgbClr val="FFD966"/>
+          </a:solidFill>
+          <a:ln>
+            <a:noFill/>
+          </a:ln>
+        </p:spPr>
+        <p:txBody>
+          <a:bodyPr spcFirstLastPara="1" wrap="square" lIns="162000" tIns="91425" rIns="162000" bIns="91425" anchor="ctr" anchorCtr="0">
+            <a:noAutofit/>
+          </a:bodyPr>
+          <a:lstStyle/>
+          <a:p>
+            <a:pPr marL="0" lvl="0" indent="0" algn="l" rtl="0">
+              <a:spcBef>
+                <a:spcPts val="0"/>
+              </a:spcBef>
+              <a:spcAft>
+                <a:spcPts val="0"/>
+              </a:spcAft>
+              <a:buNone/>
+            </a:pPr>
+            <a:r>
+              <a:rPr lang="ru-RU" sz="1300" dirty="0">
+                <a:solidFill>
+                  <a:srgbClr val="050505"/>
+                </a:solidFill>
+                <a:latin typeface="Roboto"/>
+                <a:ea typeface="Roboto"/>
+                <a:cs typeface="Roboto"/>
+                <a:sym typeface="Roboto"/>
+              </a:rPr>
+              <a:t>Обзор процесса создания отчетов</a:t>
+            </a:r>
+            <a:endParaRPr sz="1300" dirty="0">
+              <a:solidFill>
+                <a:srgbClr val="050505"/>
+              </a:solidFill>
+              <a:latin typeface="Roboto"/>
+              <a:ea typeface="Roboto"/>
+              <a:cs typeface="Roboto"/>
+              <a:sym typeface="Roboto"/>
+            </a:endParaRPr>
+          </a:p>
+        </p:txBody>
+      </p:sp>
+      <p:sp>
+        <p:nvSpPr>
+          <p:cNvPr id="151" name="Google Shape;151;p22"/>
+          <p:cNvSpPr/>
+          <p:nvPr/>
+        </p:nvSpPr>
+        <p:spPr>
+          <a:xfrm>
+            <a:off x="786525" y="3321065"/>
+            <a:ext cx="3996000" cy="376200"/>
+          </a:xfrm>
+          <a:prstGeom prst="roundRect">
+            <a:avLst>
+              <a:gd name="adj" fmla="val 16667"/>
+            </a:avLst>
+          </a:prstGeom>
+          <a:solidFill>
+            <a:srgbClr val="FFD966"/>
+          </a:solidFill>
+          <a:ln>
+            <a:noFill/>
+          </a:ln>
+        </p:spPr>
+        <p:txBody>
+          <a:bodyPr spcFirstLastPara="1" wrap="square" lIns="162000" tIns="91425" rIns="162000" bIns="91425" anchor="ctr" anchorCtr="0">
+            <a:noAutofit/>
+          </a:bodyPr>
+          <a:lstStyle/>
+          <a:p>
+            <a:pPr marL="0" lvl="0" indent="0" algn="l" rtl="0">
+              <a:spcBef>
+                <a:spcPts val="0"/>
+              </a:spcBef>
+              <a:spcAft>
+                <a:spcPts val="0"/>
+              </a:spcAft>
+              <a:buNone/>
+            </a:pPr>
+            <a:r>
+              <a:rPr lang="ru" sz="1300" dirty="0">
+                <a:solidFill>
+                  <a:schemeClr val="dk1"/>
+                </a:solidFill>
+                <a:latin typeface="Roboto"/>
+                <a:ea typeface="Roboto"/>
+                <a:cs typeface="Roboto"/>
+                <a:sym typeface="Roboto"/>
+              </a:rPr>
+              <a:t>Контент, оформление и настройки</a:t>
+            </a:r>
+            <a:endParaRPr sz="1300" dirty="0">
+              <a:latin typeface="Roboto"/>
+              <a:ea typeface="Roboto"/>
+              <a:cs typeface="Roboto"/>
+              <a:sym typeface="Roboto"/>
+            </a:endParaRPr>
+          </a:p>
+        </p:txBody>
+      </p:sp>
+      <p:cxnSp>
+        <p:nvCxnSpPr>
+          <p:cNvPr id="153" name="Google Shape;153;p22"/>
+          <p:cNvCxnSpPr>
+            <a:stCxn id="147" idx="1"/>
+            <a:endCxn id="148" idx="1"/>
+          </p:cNvCxnSpPr>
+          <p:nvPr/>
+        </p:nvCxnSpPr>
+        <p:spPr>
+          <a:xfrm rot="10800000" flipH="1" flipV="1">
+            <a:off x="786525" y="1192733"/>
+            <a:ext cx="600" cy="579108"/>
+          </a:xfrm>
+          <a:prstGeom prst="curvedConnector3">
+            <a:avLst>
+              <a:gd name="adj1" fmla="val -38100000"/>
+            </a:avLst>
+          </a:prstGeom>
+          <a:noFill/>
+          <a:ln w="9525" cap="flat" cmpd="sng">
+            <a:solidFill>
+              <a:schemeClr val="bg1">
+                <a:lumMod val="50000"/>
+              </a:schemeClr>
+            </a:solidFill>
+            <a:prstDash val="dash"/>
+            <a:round/>
+            <a:headEnd type="none" w="med" len="med"/>
+            <a:tailEnd type="none" w="med" len="med"/>
+          </a:ln>
+        </p:spPr>
+      </p:cxnSp>
+      <p:cxnSp>
+        <p:nvCxnSpPr>
+          <p:cNvPr id="154" name="Google Shape;154;p22"/>
+          <p:cNvCxnSpPr>
+            <a:stCxn id="148" idx="1"/>
+            <a:endCxn id="149" idx="1"/>
+          </p:cNvCxnSpPr>
+          <p:nvPr/>
+        </p:nvCxnSpPr>
+        <p:spPr>
+          <a:xfrm rot="10800000" flipV="1">
+            <a:off x="787125" y="1771841"/>
+            <a:ext cx="12700" cy="579108"/>
+          </a:xfrm>
+          <a:prstGeom prst="curvedConnector3">
+            <a:avLst>
+              <a:gd name="adj1" fmla="val 1800000"/>
+            </a:avLst>
+          </a:prstGeom>
+          <a:noFill/>
+          <a:ln w="9525" cap="flat" cmpd="sng">
+            <a:solidFill>
+              <a:schemeClr val="bg1">
+                <a:lumMod val="50000"/>
+              </a:schemeClr>
+            </a:solidFill>
+            <a:prstDash val="dash"/>
+            <a:round/>
+            <a:headEnd type="none" w="med" len="med"/>
+            <a:tailEnd type="none" w="med" len="med"/>
+          </a:ln>
+        </p:spPr>
+      </p:cxnSp>
+      <p:cxnSp>
+        <p:nvCxnSpPr>
+          <p:cNvPr id="155" name="Google Shape;155;p22"/>
+          <p:cNvCxnSpPr>
+            <a:stCxn id="149" idx="1"/>
+            <a:endCxn id="150" idx="1"/>
+          </p:cNvCxnSpPr>
+          <p:nvPr/>
+        </p:nvCxnSpPr>
+        <p:spPr>
+          <a:xfrm rot="10800000" flipV="1">
+            <a:off x="786525" y="2350949"/>
+            <a:ext cx="600" cy="579108"/>
+          </a:xfrm>
+          <a:prstGeom prst="curvedConnector3">
+            <a:avLst>
+              <a:gd name="adj1" fmla="val 38200000"/>
+            </a:avLst>
+          </a:prstGeom>
+          <a:noFill/>
+          <a:ln w="9525" cap="flat" cmpd="sng">
+            <a:solidFill>
+              <a:schemeClr val="bg1">
+                <a:lumMod val="50000"/>
+              </a:schemeClr>
+            </a:solidFill>
+            <a:prstDash val="dash"/>
+            <a:round/>
+            <a:headEnd type="none" w="med" len="med"/>
+            <a:tailEnd type="none" w="med" len="med"/>
+          </a:ln>
+        </p:spPr>
+      </p:cxnSp>
+      <p:cxnSp>
+        <p:nvCxnSpPr>
+          <p:cNvPr id="156" name="Google Shape;156;p22"/>
+          <p:cNvCxnSpPr>
+            <a:cxnSpLocks/>
+            <a:stCxn id="150" idx="1"/>
+            <a:endCxn id="151" idx="1"/>
+          </p:cNvCxnSpPr>
+          <p:nvPr/>
+        </p:nvCxnSpPr>
+        <p:spPr>
+          <a:xfrm rot="10800000" flipV="1">
+            <a:off x="786525" y="2930057"/>
+            <a:ext cx="12700" cy="579108"/>
+          </a:xfrm>
+          <a:prstGeom prst="curvedConnector3">
+            <a:avLst>
+              <a:gd name="adj1" fmla="val 1800000"/>
+            </a:avLst>
+          </a:prstGeom>
+          <a:noFill/>
+          <a:ln w="9525" cap="flat" cmpd="sng">
+            <a:solidFill>
+              <a:schemeClr val="bg1">
+                <a:lumMod val="50000"/>
+              </a:schemeClr>
+            </a:solidFill>
+            <a:prstDash val="dash"/>
+            <a:round/>
+            <a:headEnd type="none" w="med" len="med"/>
+            <a:tailEnd type="none" w="med" len="med"/>
+          </a:ln>
+        </p:spPr>
+      </p:cxnSp>
+      <p:sp>
+        <p:nvSpPr>
+          <p:cNvPr id="2" name="Google Shape;151;p22">
+            <a:extLst>
+              <a:ext uri="{FF2B5EF4-FFF2-40B4-BE49-F238E27FC236}">
+                <a16:creationId xmlns:a16="http://schemas.microsoft.com/office/drawing/2014/main" id="{CA06DF68-DC5D-6F5C-FEAF-A2A76FA0A0C9}"/>
+              </a:ext>
+            </a:extLst>
+          </p:cNvPr>
+          <p:cNvSpPr/>
+          <p:nvPr/>
+        </p:nvSpPr>
+        <p:spPr>
+          <a:xfrm>
+            <a:off x="786525" y="3900173"/>
+            <a:ext cx="3996000" cy="376200"/>
+          </a:xfrm>
+          <a:prstGeom prst="roundRect">
+            <a:avLst>
+              <a:gd name="adj" fmla="val 16667"/>
+            </a:avLst>
+          </a:prstGeom>
+          <a:solidFill>
+            <a:srgbClr val="FFD966"/>
+          </a:solidFill>
+          <a:ln>
+            <a:noFill/>
+          </a:ln>
+        </p:spPr>
+        <p:txBody>
+          <a:bodyPr spcFirstLastPara="1" wrap="square" lIns="162000" tIns="91425" rIns="162000" bIns="91425" anchor="ctr" anchorCtr="0">
+            <a:noAutofit/>
+          </a:bodyPr>
+          <a:lstStyle/>
+          <a:p>
+            <a:pPr marL="0" lvl="0" indent="0" algn="l" rtl="0">
+              <a:spcBef>
+                <a:spcPts val="0"/>
+              </a:spcBef>
+              <a:spcAft>
+                <a:spcPts val="0"/>
+              </a:spcAft>
+              <a:buNone/>
+            </a:pPr>
+            <a:r>
+              <a:rPr lang="ru" sz="1300" dirty="0">
+                <a:solidFill>
+                  <a:schemeClr val="dk1"/>
+                </a:solidFill>
+                <a:latin typeface="Roboto"/>
+                <a:ea typeface="Roboto"/>
+                <a:cs typeface="Roboto"/>
+                <a:sym typeface="Roboto"/>
+              </a:rPr>
+              <a:t>Создание сайтов в </a:t>
+            </a:r>
+            <a:r>
+              <a:rPr lang="en-US" sz="1300" dirty="0">
+                <a:solidFill>
+                  <a:schemeClr val="dk1"/>
+                </a:solidFill>
+                <a:latin typeface="Roboto"/>
+                <a:ea typeface="Roboto"/>
+                <a:cs typeface="Roboto"/>
+                <a:sym typeface="Roboto"/>
+              </a:rPr>
+              <a:t>Quarto</a:t>
+            </a:r>
+            <a:endParaRPr sz="1300" dirty="0">
+              <a:latin typeface="Roboto"/>
+              <a:ea typeface="Roboto"/>
+              <a:cs typeface="Roboto"/>
+              <a:sym typeface="Roboto"/>
+            </a:endParaRPr>
+          </a:p>
+        </p:txBody>
+      </p:sp>
+      <p:sp>
+        <p:nvSpPr>
+          <p:cNvPr id="4" name="Google Shape;151;p22">
+            <a:extLst>
+              <a:ext uri="{FF2B5EF4-FFF2-40B4-BE49-F238E27FC236}">
+                <a16:creationId xmlns:a16="http://schemas.microsoft.com/office/drawing/2014/main" id="{60AAF9C2-4848-400D-3F5F-2909A745D7D2}"/>
+              </a:ext>
+            </a:extLst>
+          </p:cNvPr>
+          <p:cNvSpPr/>
+          <p:nvPr/>
+        </p:nvSpPr>
+        <p:spPr>
+          <a:xfrm>
+            <a:off x="786525" y="4479280"/>
+            <a:ext cx="3996000" cy="376200"/>
+          </a:xfrm>
+          <a:prstGeom prst="roundRect">
+            <a:avLst>
+              <a:gd name="adj" fmla="val 16667"/>
+            </a:avLst>
+          </a:prstGeom>
+          <a:solidFill>
+            <a:srgbClr val="FFD966"/>
+          </a:solidFill>
+          <a:ln>
+            <a:noFill/>
+          </a:ln>
+        </p:spPr>
+        <p:txBody>
+          <a:bodyPr spcFirstLastPara="1" wrap="square" lIns="162000" tIns="91425" rIns="162000" bIns="91425" anchor="ctr" anchorCtr="0">
+            <a:noAutofit/>
+          </a:bodyPr>
+          <a:lstStyle/>
+          <a:p>
+            <a:pPr marL="0" lvl="0" indent="0" algn="l" rtl="0">
+              <a:spcBef>
+                <a:spcPts val="0"/>
+              </a:spcBef>
+              <a:spcAft>
+                <a:spcPts val="0"/>
+              </a:spcAft>
+              <a:buNone/>
+            </a:pPr>
+            <a:r>
+              <a:rPr lang="ru" sz="1300" dirty="0">
+                <a:solidFill>
+                  <a:schemeClr val="dk1"/>
+                </a:solidFill>
+                <a:latin typeface="Roboto"/>
+                <a:ea typeface="Roboto"/>
+                <a:cs typeface="Roboto"/>
+                <a:sym typeface="Roboto"/>
+              </a:rPr>
+              <a:t>Рефлексия</a:t>
+            </a:r>
+            <a:endParaRPr sz="1300" dirty="0">
+              <a:latin typeface="Roboto"/>
+              <a:ea typeface="Roboto"/>
+              <a:cs typeface="Roboto"/>
+              <a:sym typeface="Roboto"/>
+            </a:endParaRPr>
+          </a:p>
+        </p:txBody>
+      </p:sp>
+      <p:cxnSp>
+        <p:nvCxnSpPr>
+          <p:cNvPr id="5" name="Google Shape;156;p22">
+            <a:extLst>
+              <a:ext uri="{FF2B5EF4-FFF2-40B4-BE49-F238E27FC236}">
+                <a16:creationId xmlns:a16="http://schemas.microsoft.com/office/drawing/2014/main" id="{D5EB2DFD-170C-10D9-9C4C-BC8A10390418}"/>
+              </a:ext>
+            </a:extLst>
+          </p:cNvPr>
+          <p:cNvCxnSpPr>
+            <a:cxnSpLocks/>
+            <a:endCxn id="4" idx="1"/>
+          </p:cNvCxnSpPr>
+          <p:nvPr/>
+        </p:nvCxnSpPr>
+        <p:spPr>
+          <a:xfrm rot="10800000" flipV="1">
+            <a:off x="786525" y="4090344"/>
+            <a:ext cx="12700" cy="577036"/>
+          </a:xfrm>
+          <a:prstGeom prst="curvedConnector3">
+            <a:avLst>
+              <a:gd name="adj1" fmla="val 1800000"/>
+            </a:avLst>
+          </a:prstGeom>
+          <a:noFill/>
+          <a:ln w="9525" cap="flat" cmpd="sng">
+            <a:solidFill>
+              <a:schemeClr val="bg1">
+                <a:lumMod val="50000"/>
+              </a:schemeClr>
+            </a:solidFill>
+            <a:prstDash val="dash"/>
+            <a:round/>
+            <a:headEnd type="none" w="med" len="med"/>
+            <a:tailEnd type="none" w="med" len="med"/>
+          </a:ln>
+        </p:spPr>
+      </p:cxnSp>
+      <p:cxnSp>
+        <p:nvCxnSpPr>
+          <p:cNvPr id="8" name="Google Shape;156;p22">
+            <a:extLst>
+              <a:ext uri="{FF2B5EF4-FFF2-40B4-BE49-F238E27FC236}">
+                <a16:creationId xmlns:a16="http://schemas.microsoft.com/office/drawing/2014/main" id="{D23D0E62-DE03-0E43-69E8-097522F79823}"/>
+              </a:ext>
+            </a:extLst>
+          </p:cNvPr>
+          <p:cNvCxnSpPr>
+            <a:cxnSpLocks/>
+          </p:cNvCxnSpPr>
+          <p:nvPr/>
+        </p:nvCxnSpPr>
+        <p:spPr>
+          <a:xfrm rot="10800000" flipV="1">
+            <a:off x="786525" y="3503598"/>
+            <a:ext cx="12700" cy="579108"/>
+          </a:xfrm>
+          <a:prstGeom prst="curvedConnector3">
+            <a:avLst>
+              <a:gd name="adj1" fmla="val 1800000"/>
+            </a:avLst>
+          </a:prstGeom>
+          <a:noFill/>
+          <a:ln w="9525" cap="flat" cmpd="sng">
+            <a:solidFill>
+              <a:schemeClr val="bg1">
+                <a:lumMod val="50000"/>
+              </a:schemeClr>
+            </a:solidFill>
+            <a:prstDash val="dash"/>
+            <a:round/>
+            <a:headEnd type="none" w="med" len="med"/>
+            <a:tailEnd type="none" w="med" len="med"/>
+          </a:ln>
+        </p:spPr>
+      </p:cxnSp>
+    </p:spTree>
+    <p:extLst>
+      <p:ext uri="{BB962C8B-B14F-4D97-AF65-F5344CB8AC3E}">
+        <p14:creationId xmlns:p14="http://schemas.microsoft.com/office/powerpoint/2010/main" val="264547488"/>
+      </p:ext>
+    </p:extLst>
+  </p:cSld>
+  <p:clrMapOvr>
+    <a:masterClrMapping/>
+  </p:clrMapOvr>
+</p:sld>
+</file>
+
+<file path=ppt/slides/slide60.xml><?xml version="1.0" encoding="utf-8"?>
 <p:sld xmlns:a="http://schemas.openxmlformats.org/drawingml/2006/main" xmlns:r="http://schemas.openxmlformats.org/officeDocument/2006/relationships" xmlns:p="http://schemas.openxmlformats.org/presentationml/2006/main">
   <p:cSld>
     <p:spTree>
@@ -43030,337 +44754,7 @@
 </p:sld>
 </file>
 
-<file path=ppt/slides/slide6.xml><?xml version="1.0" encoding="utf-8"?>
-<p:sld xmlns:a="http://schemas.openxmlformats.org/drawingml/2006/main" xmlns:r="http://schemas.openxmlformats.org/officeDocument/2006/relationships" xmlns:p="http://schemas.openxmlformats.org/presentationml/2006/main">
-  <p:cSld>
-    <p:spTree>
-      <p:nvGrpSpPr>
-        <p:cNvPr id="1" name="Shape 161"/>
-        <p:cNvGrpSpPr/>
-        <p:nvPr/>
-      </p:nvGrpSpPr>
-      <p:grpSpPr>
-        <a:xfrm>
-          <a:off x="0" y="0"/>
-          <a:ext cx="0" cy="0"/>
-          <a:chOff x="0" y="0"/>
-          <a:chExt cx="0" cy="0"/>
-        </a:xfrm>
-      </p:grpSpPr>
-      <p:sp>
-        <p:nvSpPr>
-          <p:cNvPr id="162" name="Google Shape;162;p23"/>
-          <p:cNvSpPr txBox="1">
-            <a:spLocks noGrp="1"/>
-          </p:cNvSpPr>
-          <p:nvPr>
-            <p:ph type="title"/>
-          </p:nvPr>
-        </p:nvSpPr>
-        <p:spPr>
-          <a:xfrm>
-            <a:off x="500550" y="330724"/>
-            <a:ext cx="8520600" cy="1095900"/>
-          </a:xfrm>
-          <a:prstGeom prst="rect">
-            <a:avLst/>
-          </a:prstGeom>
-        </p:spPr>
-        <p:txBody>
-          <a:bodyPr spcFirstLastPara="1" wrap="square" lIns="91425" tIns="91425" rIns="91425" bIns="91425" anchor="t" anchorCtr="0">
-            <a:noAutofit/>
-          </a:bodyPr>
-          <a:lstStyle/>
-          <a:p>
-            <a:pPr marL="0" lvl="0" indent="0" algn="l" rtl="0">
-              <a:spcBef>
-                <a:spcPts val="0"/>
-              </a:spcBef>
-              <a:spcAft>
-                <a:spcPts val="0"/>
-              </a:spcAft>
-              <a:buNone/>
-            </a:pPr>
-            <a:r>
-              <a:rPr lang="ru"/>
-              <a:t>Цели вебинара</a:t>
-            </a:r>
-            <a:endParaRPr/>
-          </a:p>
-        </p:txBody>
-      </p:sp>
-      <p:graphicFrame>
-        <p:nvGraphicFramePr>
-          <p:cNvPr id="163" name="Google Shape;163;p23"/>
-          <p:cNvGraphicFramePr/>
-          <p:nvPr>
-            <p:extLst>
-              <p:ext uri="{D42A27DB-BD31-4B8C-83A1-F6EECF244321}">
-                <p14:modId xmlns:p14="http://schemas.microsoft.com/office/powerpoint/2010/main" val="2361545609"/>
-              </p:ext>
-            </p:extLst>
-          </p:nvPr>
-        </p:nvGraphicFramePr>
-        <p:xfrm>
-          <a:off x="952500" y="1544194"/>
-          <a:ext cx="7239000" cy="349304"/>
-        </p:xfrm>
-        <a:graphic>
-          <a:graphicData uri="http://schemas.openxmlformats.org/drawingml/2006/table">
-            <a:tbl>
-              <a:tblPr>
-                <a:noFill/>
-                <a:tableStyleId>{897BA397-AA66-4ACA-B219-5C7939199CAB}</a:tableStyleId>
-              </a:tblPr>
-              <a:tblGrid>
-                <a:gridCol w="489425">
-                  <a:extLst>
-                    <a:ext uri="{9D8B030D-6E8A-4147-A177-3AD203B41FA5}">
-                      <a16:colId xmlns:a16="http://schemas.microsoft.com/office/drawing/2014/main" val="20000"/>
-                    </a:ext>
-                  </a:extLst>
-                </a:gridCol>
-                <a:gridCol w="6749575">
-                  <a:extLst>
-                    <a:ext uri="{9D8B030D-6E8A-4147-A177-3AD203B41FA5}">
-                      <a16:colId xmlns:a16="http://schemas.microsoft.com/office/drawing/2014/main" val="20001"/>
-                    </a:ext>
-                  </a:extLst>
-                </a:gridCol>
-              </a:tblGrid>
-              <a:tr h="285750">
-                <a:tc>
-                  <a:txBody>
-                    <a:bodyPr/>
-                    <a:lstStyle/>
-                    <a:p>
-                      <a:pPr marL="0" lvl="0" indent="0" algn="l" rtl="0">
-                        <a:spcBef>
-                          <a:spcPts val="0"/>
-                        </a:spcBef>
-                        <a:spcAft>
-                          <a:spcPts val="0"/>
-                        </a:spcAft>
-                        <a:buNone/>
-                      </a:pPr>
-                      <a:r>
-                        <a:rPr lang="ru" sz="1300" b="1" dirty="0">
-                          <a:solidFill>
-                            <a:srgbClr val="FF9900"/>
-                          </a:solidFill>
-                          <a:latin typeface="Roboto"/>
-                          <a:ea typeface="Roboto"/>
-                          <a:cs typeface="Roboto"/>
-                          <a:sym typeface="Roboto"/>
-                        </a:rPr>
-                        <a:t>1.</a:t>
-                      </a:r>
-                      <a:endParaRPr sz="1300" b="1" dirty="0">
-                        <a:solidFill>
-                          <a:srgbClr val="FF9900"/>
-                        </a:solidFill>
-                        <a:latin typeface="Roboto"/>
-                        <a:ea typeface="Roboto"/>
-                        <a:cs typeface="Roboto"/>
-                        <a:sym typeface="Roboto"/>
-                      </a:endParaRPr>
-                    </a:p>
-                  </a:txBody>
-                  <a:tcPr marL="198000" marR="91425" marT="68575" marB="68575">
-                    <a:lnL w="9525" cap="flat" cmpd="sng">
-                      <a:solidFill>
-                        <a:srgbClr val="BFC1F0">
-                          <a:alpha val="0"/>
-                        </a:srgbClr>
-                      </a:solidFill>
-                      <a:prstDash val="solid"/>
-                      <a:round/>
-                      <a:headEnd type="none" w="sm" len="sm"/>
-                      <a:tailEnd type="none" w="sm" len="sm"/>
-                    </a:lnL>
-                    <a:lnR w="9525" cap="flat" cmpd="sng">
-                      <a:solidFill>
-                        <a:schemeClr val="lt1"/>
-                      </a:solidFill>
-                      <a:prstDash val="solid"/>
-                      <a:round/>
-                      <a:headEnd type="none" w="sm" len="sm"/>
-                      <a:tailEnd type="none" w="sm" len="sm"/>
-                    </a:lnR>
-                    <a:lnT w="9525" cap="flat" cmpd="sng">
-                      <a:solidFill>
-                        <a:srgbClr val="BFC1F0">
-                          <a:alpha val="0"/>
-                        </a:srgbClr>
-                      </a:solidFill>
-                      <a:prstDash val="solid"/>
-                      <a:round/>
-                      <a:headEnd type="none" w="sm" len="sm"/>
-                      <a:tailEnd type="none" w="sm" len="sm"/>
-                    </a:lnT>
-                    <a:lnB w="9525" cap="flat" cmpd="sng">
-                      <a:solidFill>
-                        <a:srgbClr val="9E9E9E"/>
-                      </a:solidFill>
-                      <a:prstDash val="solid"/>
-                      <a:round/>
-                      <a:headEnd type="none" w="sm" len="sm"/>
-                      <a:tailEnd type="none" w="sm" len="sm"/>
-                    </a:lnB>
-                  </a:tcPr>
-                </a:tc>
-                <a:tc>
-                  <a:txBody>
-                    <a:bodyPr/>
-                    <a:lstStyle/>
-                    <a:p>
-                      <a:pPr marL="0" lvl="0" indent="0" algn="l" rtl="0">
-                        <a:lnSpc>
-                          <a:spcPct val="115000"/>
-                        </a:lnSpc>
-                        <a:spcBef>
-                          <a:spcPts val="0"/>
-                        </a:spcBef>
-                        <a:spcAft>
-                          <a:spcPts val="0"/>
-                        </a:spcAft>
-                        <a:buNone/>
-                      </a:pPr>
-                      <a:r>
-                        <a:rPr lang="ru" sz="1300" dirty="0">
-                          <a:solidFill>
-                            <a:schemeClr val="lt1"/>
-                          </a:solidFill>
-                          <a:latin typeface="Roboto"/>
-                          <a:ea typeface="Roboto"/>
-                          <a:cs typeface="Roboto"/>
-                          <a:sym typeface="Roboto"/>
-                        </a:rPr>
-                        <a:t>Оценивать качество данных и их адекватность задаче</a:t>
-                      </a:r>
-                      <a:endParaRPr sz="1300" dirty="0">
-                        <a:solidFill>
-                          <a:schemeClr val="lt1"/>
-                        </a:solidFill>
-                        <a:latin typeface="Roboto"/>
-                        <a:ea typeface="Roboto"/>
-                        <a:cs typeface="Roboto"/>
-                        <a:sym typeface="Roboto"/>
-                      </a:endParaRPr>
-                    </a:p>
-                  </a:txBody>
-                  <a:tcPr marL="198000" marR="91425" marT="68575" marB="68575">
-                    <a:lnL w="9525" cap="flat" cmpd="sng">
-                      <a:solidFill>
-                        <a:schemeClr val="lt1"/>
-                      </a:solidFill>
-                      <a:prstDash val="solid"/>
-                      <a:round/>
-                      <a:headEnd type="none" w="sm" len="sm"/>
-                      <a:tailEnd type="none" w="sm" len="sm"/>
-                    </a:lnL>
-                    <a:lnR w="9525" cap="flat" cmpd="sng">
-                      <a:solidFill>
-                        <a:srgbClr val="BFC1F0">
-                          <a:alpha val="0"/>
-                        </a:srgbClr>
-                      </a:solidFill>
-                      <a:prstDash val="solid"/>
-                      <a:round/>
-                      <a:headEnd type="none" w="sm" len="sm"/>
-                      <a:tailEnd type="none" w="sm" len="sm"/>
-                    </a:lnR>
-                    <a:lnT w="9525" cap="flat" cmpd="sng">
-                      <a:solidFill>
-                        <a:srgbClr val="BFC1F0">
-                          <a:alpha val="0"/>
-                        </a:srgbClr>
-                      </a:solidFill>
-                      <a:prstDash val="solid"/>
-                      <a:round/>
-                      <a:headEnd type="none" w="sm" len="sm"/>
-                      <a:tailEnd type="none" w="sm" len="sm"/>
-                    </a:lnT>
-                    <a:lnB w="9525" cap="flat" cmpd="sng">
-                      <a:solidFill>
-                        <a:srgbClr val="9E9E9E"/>
-                      </a:solidFill>
-                      <a:prstDash val="solid"/>
-                      <a:round/>
-                      <a:headEnd type="none" w="sm" len="sm"/>
-                      <a:tailEnd type="none" w="sm" len="sm"/>
-                    </a:lnB>
-                  </a:tcPr>
-                </a:tc>
-                <a:extLst>
-                  <a:ext uri="{0D108BD9-81ED-4DB2-BD59-A6C34878D82A}">
-                    <a16:rowId xmlns:a16="http://schemas.microsoft.com/office/drawing/2014/main" val="10000"/>
-                  </a:ext>
-                </a:extLst>
-              </a:tr>
-            </a:tbl>
-          </a:graphicData>
-        </a:graphic>
-      </p:graphicFrame>
-      <p:sp>
-        <p:nvSpPr>
-          <p:cNvPr id="165" name="Google Shape;165;p23"/>
-          <p:cNvSpPr txBox="1">
-            <a:spLocks noGrp="1"/>
-          </p:cNvSpPr>
-          <p:nvPr>
-            <p:ph type="subTitle" idx="4294967295"/>
-          </p:nvPr>
-        </p:nvSpPr>
-        <p:spPr>
-          <a:xfrm>
-            <a:off x="500550" y="857363"/>
-            <a:ext cx="7796700" cy="792600"/>
-          </a:xfrm>
-          <a:prstGeom prst="rect">
-            <a:avLst/>
-          </a:prstGeom>
-        </p:spPr>
-        <p:txBody>
-          <a:bodyPr spcFirstLastPara="1" wrap="square" lIns="91425" tIns="91425" rIns="91425" bIns="91425" anchor="t" anchorCtr="0">
-            <a:normAutofit/>
-          </a:bodyPr>
-          <a:lstStyle/>
-          <a:p>
-            <a:pPr marL="0" lvl="0" indent="0" algn="l" rtl="0">
-              <a:spcBef>
-                <a:spcPts val="0"/>
-              </a:spcBef>
-              <a:spcAft>
-                <a:spcPts val="0"/>
-              </a:spcAft>
-              <a:buNone/>
-            </a:pPr>
-            <a:r>
-              <a:rPr lang="ru" sz="1500" b="1">
-                <a:solidFill>
-                  <a:srgbClr val="FF9900"/>
-                </a:solidFill>
-              </a:rPr>
-              <a:t>К концу занятия вы сможете</a:t>
-            </a:r>
-            <a:endParaRPr sz="1500" b="1">
-              <a:solidFill>
-                <a:srgbClr val="FF9900"/>
-              </a:solidFill>
-            </a:endParaRPr>
-          </a:p>
-        </p:txBody>
-      </p:sp>
-    </p:spTree>
-  </p:cSld>
-  <p:clrMapOvr>
-    <a:masterClrMapping/>
-  </p:clrMapOvr>
-</p:sld>
-</file>
-
-<file path=ppt/slides/slide60.xml><?xml version="1.0" encoding="utf-8"?>
+<file path=ppt/slides/slide61.xml><?xml version="1.0" encoding="utf-8"?>
 <p:sld xmlns:a="http://schemas.openxmlformats.org/drawingml/2006/main" xmlns:r="http://schemas.openxmlformats.org/officeDocument/2006/relationships" xmlns:p="http://schemas.openxmlformats.org/presentationml/2006/main">
   <p:cSld>
     <p:spTree>
@@ -43560,7 +44954,7 @@
 </p:sld>
 </file>
 
-<file path=ppt/slides/slide61.xml><?xml version="1.0" encoding="utf-8"?>
+<file path=ppt/slides/slide62.xml><?xml version="1.0" encoding="utf-8"?>
 <p:sld xmlns:a="http://schemas.openxmlformats.org/drawingml/2006/main" xmlns:r="http://schemas.openxmlformats.org/officeDocument/2006/relationships" xmlns:p="http://schemas.openxmlformats.org/presentationml/2006/main">
   <p:cSld>
     <p:spTree>
@@ -43627,7 +45021,7 @@
 </p:sld>
 </file>
 
-<file path=ppt/slides/slide62.xml><?xml version="1.0" encoding="utf-8"?>
+<file path=ppt/slides/slide63.xml><?xml version="1.0" encoding="utf-8"?>
 <p:sld xmlns:a="http://schemas.openxmlformats.org/drawingml/2006/main" xmlns:r="http://schemas.openxmlformats.org/officeDocument/2006/relationships" xmlns:p="http://schemas.openxmlformats.org/presentationml/2006/main">
   <p:cSld>
     <p:spTree>
@@ -43963,7 +45357,7 @@
 </p:sld>
 </file>
 
-<file path=ppt/slides/slide63.xml><?xml version="1.0" encoding="utf-8"?>
+<file path=ppt/slides/slide64.xml><?xml version="1.0" encoding="utf-8"?>
 <p:sld xmlns:a="http://schemas.openxmlformats.org/drawingml/2006/main" xmlns:r="http://schemas.openxmlformats.org/officeDocument/2006/relationships" xmlns:p="http://schemas.openxmlformats.org/presentationml/2006/main">
   <p:cSld>
     <p:spTree>
@@ -44470,7 +45864,7 @@
 </p:sld>
 </file>
 
-<file path=ppt/slides/slide64.xml><?xml version="1.0" encoding="utf-8"?>
+<file path=ppt/slides/slide65.xml><?xml version="1.0" encoding="utf-8"?>
 <p:sld xmlns:a="http://schemas.openxmlformats.org/drawingml/2006/main" xmlns:r="http://schemas.openxmlformats.org/officeDocument/2006/relationships" xmlns:p="http://schemas.openxmlformats.org/presentationml/2006/main">
   <p:cSld>
     <p:spTree>
@@ -45143,7 +46537,7 @@
 </p:sld>
 </file>
 
-<file path=ppt/slides/slide65.xml><?xml version="1.0" encoding="utf-8"?>
+<file path=ppt/slides/slide66.xml><?xml version="1.0" encoding="utf-8"?>
 <p:sld xmlns:a="http://schemas.openxmlformats.org/drawingml/2006/main" xmlns:r="http://schemas.openxmlformats.org/officeDocument/2006/relationships" xmlns:p="http://schemas.openxmlformats.org/presentationml/2006/main">
   <p:cSld>
     <p:spTree>
@@ -45306,6 +46700,336 @@
 </file>
 
 <file path=ppt/slides/slide7.xml><?xml version="1.0" encoding="utf-8"?>
+<p:sld xmlns:a="http://schemas.openxmlformats.org/drawingml/2006/main" xmlns:r="http://schemas.openxmlformats.org/officeDocument/2006/relationships" xmlns:p="http://schemas.openxmlformats.org/presentationml/2006/main">
+  <p:cSld>
+    <p:spTree>
+      <p:nvGrpSpPr>
+        <p:cNvPr id="1" name="Shape 161"/>
+        <p:cNvGrpSpPr/>
+        <p:nvPr/>
+      </p:nvGrpSpPr>
+      <p:grpSpPr>
+        <a:xfrm>
+          <a:off x="0" y="0"/>
+          <a:ext cx="0" cy="0"/>
+          <a:chOff x="0" y="0"/>
+          <a:chExt cx="0" cy="0"/>
+        </a:xfrm>
+      </p:grpSpPr>
+      <p:sp>
+        <p:nvSpPr>
+          <p:cNvPr id="162" name="Google Shape;162;p23"/>
+          <p:cNvSpPr txBox="1">
+            <a:spLocks noGrp="1"/>
+          </p:cNvSpPr>
+          <p:nvPr>
+            <p:ph type="title"/>
+          </p:nvPr>
+        </p:nvSpPr>
+        <p:spPr>
+          <a:xfrm>
+            <a:off x="500550" y="330724"/>
+            <a:ext cx="8520600" cy="1095900"/>
+          </a:xfrm>
+          <a:prstGeom prst="rect">
+            <a:avLst/>
+          </a:prstGeom>
+        </p:spPr>
+        <p:txBody>
+          <a:bodyPr spcFirstLastPara="1" wrap="square" lIns="91425" tIns="91425" rIns="91425" bIns="91425" anchor="t" anchorCtr="0">
+            <a:noAutofit/>
+          </a:bodyPr>
+          <a:lstStyle/>
+          <a:p>
+            <a:pPr marL="0" lvl="0" indent="0" algn="l" rtl="0">
+              <a:spcBef>
+                <a:spcPts val="0"/>
+              </a:spcBef>
+              <a:spcAft>
+                <a:spcPts val="0"/>
+              </a:spcAft>
+              <a:buNone/>
+            </a:pPr>
+            <a:r>
+              <a:rPr lang="ru"/>
+              <a:t>Цели вебинара</a:t>
+            </a:r>
+            <a:endParaRPr/>
+          </a:p>
+        </p:txBody>
+      </p:sp>
+      <p:graphicFrame>
+        <p:nvGraphicFramePr>
+          <p:cNvPr id="163" name="Google Shape;163;p23"/>
+          <p:cNvGraphicFramePr/>
+          <p:nvPr>
+            <p:extLst>
+              <p:ext uri="{D42A27DB-BD31-4B8C-83A1-F6EECF244321}">
+                <p14:modId xmlns:p14="http://schemas.microsoft.com/office/powerpoint/2010/main" val="2361545609"/>
+              </p:ext>
+            </p:extLst>
+          </p:nvPr>
+        </p:nvGraphicFramePr>
+        <p:xfrm>
+          <a:off x="952500" y="1544194"/>
+          <a:ext cx="7239000" cy="349304"/>
+        </p:xfrm>
+        <a:graphic>
+          <a:graphicData uri="http://schemas.openxmlformats.org/drawingml/2006/table">
+            <a:tbl>
+              <a:tblPr>
+                <a:noFill/>
+                <a:tableStyleId>{897BA397-AA66-4ACA-B219-5C7939199CAB}</a:tableStyleId>
+              </a:tblPr>
+              <a:tblGrid>
+                <a:gridCol w="489425">
+                  <a:extLst>
+                    <a:ext uri="{9D8B030D-6E8A-4147-A177-3AD203B41FA5}">
+                      <a16:colId xmlns:a16="http://schemas.microsoft.com/office/drawing/2014/main" val="20000"/>
+                    </a:ext>
+                  </a:extLst>
+                </a:gridCol>
+                <a:gridCol w="6749575">
+                  <a:extLst>
+                    <a:ext uri="{9D8B030D-6E8A-4147-A177-3AD203B41FA5}">
+                      <a16:colId xmlns:a16="http://schemas.microsoft.com/office/drawing/2014/main" val="20001"/>
+                    </a:ext>
+                  </a:extLst>
+                </a:gridCol>
+              </a:tblGrid>
+              <a:tr h="285750">
+                <a:tc>
+                  <a:txBody>
+                    <a:bodyPr/>
+                    <a:lstStyle/>
+                    <a:p>
+                      <a:pPr marL="0" lvl="0" indent="0" algn="l" rtl="0">
+                        <a:spcBef>
+                          <a:spcPts val="0"/>
+                        </a:spcBef>
+                        <a:spcAft>
+                          <a:spcPts val="0"/>
+                        </a:spcAft>
+                        <a:buNone/>
+                      </a:pPr>
+                      <a:r>
+                        <a:rPr lang="ru" sz="1300" b="1" dirty="0">
+                          <a:solidFill>
+                            <a:srgbClr val="FF9900"/>
+                          </a:solidFill>
+                          <a:latin typeface="Roboto"/>
+                          <a:ea typeface="Roboto"/>
+                          <a:cs typeface="Roboto"/>
+                          <a:sym typeface="Roboto"/>
+                        </a:rPr>
+                        <a:t>1.</a:t>
+                      </a:r>
+                      <a:endParaRPr sz="1300" b="1" dirty="0">
+                        <a:solidFill>
+                          <a:srgbClr val="FF9900"/>
+                        </a:solidFill>
+                        <a:latin typeface="Roboto"/>
+                        <a:ea typeface="Roboto"/>
+                        <a:cs typeface="Roboto"/>
+                        <a:sym typeface="Roboto"/>
+                      </a:endParaRPr>
+                    </a:p>
+                  </a:txBody>
+                  <a:tcPr marL="198000" marR="91425" marT="68575" marB="68575">
+                    <a:lnL w="9525" cap="flat" cmpd="sng">
+                      <a:solidFill>
+                        <a:srgbClr val="BFC1F0">
+                          <a:alpha val="0"/>
+                        </a:srgbClr>
+                      </a:solidFill>
+                      <a:prstDash val="solid"/>
+                      <a:round/>
+                      <a:headEnd type="none" w="sm" len="sm"/>
+                      <a:tailEnd type="none" w="sm" len="sm"/>
+                    </a:lnL>
+                    <a:lnR w="9525" cap="flat" cmpd="sng">
+                      <a:solidFill>
+                        <a:schemeClr val="lt1"/>
+                      </a:solidFill>
+                      <a:prstDash val="solid"/>
+                      <a:round/>
+                      <a:headEnd type="none" w="sm" len="sm"/>
+                      <a:tailEnd type="none" w="sm" len="sm"/>
+                    </a:lnR>
+                    <a:lnT w="9525" cap="flat" cmpd="sng">
+                      <a:solidFill>
+                        <a:srgbClr val="BFC1F0">
+                          <a:alpha val="0"/>
+                        </a:srgbClr>
+                      </a:solidFill>
+                      <a:prstDash val="solid"/>
+                      <a:round/>
+                      <a:headEnd type="none" w="sm" len="sm"/>
+                      <a:tailEnd type="none" w="sm" len="sm"/>
+                    </a:lnT>
+                    <a:lnB w="9525" cap="flat" cmpd="sng">
+                      <a:solidFill>
+                        <a:srgbClr val="9E9E9E"/>
+                      </a:solidFill>
+                      <a:prstDash val="solid"/>
+                      <a:round/>
+                      <a:headEnd type="none" w="sm" len="sm"/>
+                      <a:tailEnd type="none" w="sm" len="sm"/>
+                    </a:lnB>
+                  </a:tcPr>
+                </a:tc>
+                <a:tc>
+                  <a:txBody>
+                    <a:bodyPr/>
+                    <a:lstStyle/>
+                    <a:p>
+                      <a:pPr marL="0" lvl="0" indent="0" algn="l" rtl="0">
+                        <a:lnSpc>
+                          <a:spcPct val="115000"/>
+                        </a:lnSpc>
+                        <a:spcBef>
+                          <a:spcPts val="0"/>
+                        </a:spcBef>
+                        <a:spcAft>
+                          <a:spcPts val="0"/>
+                        </a:spcAft>
+                        <a:buNone/>
+                      </a:pPr>
+                      <a:r>
+                        <a:rPr lang="ru" sz="1300" dirty="0">
+                          <a:solidFill>
+                            <a:schemeClr val="lt1"/>
+                          </a:solidFill>
+                          <a:latin typeface="Roboto"/>
+                          <a:ea typeface="Roboto"/>
+                          <a:cs typeface="Roboto"/>
+                          <a:sym typeface="Roboto"/>
+                        </a:rPr>
+                        <a:t>Оценивать качество данных и их адекватность задаче</a:t>
+                      </a:r>
+                      <a:endParaRPr sz="1300" dirty="0">
+                        <a:solidFill>
+                          <a:schemeClr val="lt1"/>
+                        </a:solidFill>
+                        <a:latin typeface="Roboto"/>
+                        <a:ea typeface="Roboto"/>
+                        <a:cs typeface="Roboto"/>
+                        <a:sym typeface="Roboto"/>
+                      </a:endParaRPr>
+                    </a:p>
+                  </a:txBody>
+                  <a:tcPr marL="198000" marR="91425" marT="68575" marB="68575">
+                    <a:lnL w="9525" cap="flat" cmpd="sng">
+                      <a:solidFill>
+                        <a:schemeClr val="lt1"/>
+                      </a:solidFill>
+                      <a:prstDash val="solid"/>
+                      <a:round/>
+                      <a:headEnd type="none" w="sm" len="sm"/>
+                      <a:tailEnd type="none" w="sm" len="sm"/>
+                    </a:lnL>
+                    <a:lnR w="9525" cap="flat" cmpd="sng">
+                      <a:solidFill>
+                        <a:srgbClr val="BFC1F0">
+                          <a:alpha val="0"/>
+                        </a:srgbClr>
+                      </a:solidFill>
+                      <a:prstDash val="solid"/>
+                      <a:round/>
+                      <a:headEnd type="none" w="sm" len="sm"/>
+                      <a:tailEnd type="none" w="sm" len="sm"/>
+                    </a:lnR>
+                    <a:lnT w="9525" cap="flat" cmpd="sng">
+                      <a:solidFill>
+                        <a:srgbClr val="BFC1F0">
+                          <a:alpha val="0"/>
+                        </a:srgbClr>
+                      </a:solidFill>
+                      <a:prstDash val="solid"/>
+                      <a:round/>
+                      <a:headEnd type="none" w="sm" len="sm"/>
+                      <a:tailEnd type="none" w="sm" len="sm"/>
+                    </a:lnT>
+                    <a:lnB w="9525" cap="flat" cmpd="sng">
+                      <a:solidFill>
+                        <a:srgbClr val="9E9E9E"/>
+                      </a:solidFill>
+                      <a:prstDash val="solid"/>
+                      <a:round/>
+                      <a:headEnd type="none" w="sm" len="sm"/>
+                      <a:tailEnd type="none" w="sm" len="sm"/>
+                    </a:lnB>
+                  </a:tcPr>
+                </a:tc>
+                <a:extLst>
+                  <a:ext uri="{0D108BD9-81ED-4DB2-BD59-A6C34878D82A}">
+                    <a16:rowId xmlns:a16="http://schemas.microsoft.com/office/drawing/2014/main" val="10000"/>
+                  </a:ext>
+                </a:extLst>
+              </a:tr>
+            </a:tbl>
+          </a:graphicData>
+        </a:graphic>
+      </p:graphicFrame>
+      <p:sp>
+        <p:nvSpPr>
+          <p:cNvPr id="165" name="Google Shape;165;p23"/>
+          <p:cNvSpPr txBox="1">
+            <a:spLocks noGrp="1"/>
+          </p:cNvSpPr>
+          <p:nvPr>
+            <p:ph type="subTitle" idx="4294967295"/>
+          </p:nvPr>
+        </p:nvSpPr>
+        <p:spPr>
+          <a:xfrm>
+            <a:off x="500550" y="857363"/>
+            <a:ext cx="7796700" cy="792600"/>
+          </a:xfrm>
+          <a:prstGeom prst="rect">
+            <a:avLst/>
+          </a:prstGeom>
+        </p:spPr>
+        <p:txBody>
+          <a:bodyPr spcFirstLastPara="1" wrap="square" lIns="91425" tIns="91425" rIns="91425" bIns="91425" anchor="t" anchorCtr="0">
+            <a:normAutofit/>
+          </a:bodyPr>
+          <a:lstStyle/>
+          <a:p>
+            <a:pPr marL="0" lvl="0" indent="0" algn="l" rtl="0">
+              <a:spcBef>
+                <a:spcPts val="0"/>
+              </a:spcBef>
+              <a:spcAft>
+                <a:spcPts val="0"/>
+              </a:spcAft>
+              <a:buNone/>
+            </a:pPr>
+            <a:r>
+              <a:rPr lang="ru" sz="1500" b="1">
+                <a:solidFill>
+                  <a:srgbClr val="FF9900"/>
+                </a:solidFill>
+              </a:rPr>
+              <a:t>К концу занятия вы сможете</a:t>
+            </a:r>
+            <a:endParaRPr sz="1500" b="1">
+              <a:solidFill>
+                <a:srgbClr val="FF9900"/>
+              </a:solidFill>
+            </a:endParaRPr>
+          </a:p>
+        </p:txBody>
+      </p:sp>
+    </p:spTree>
+  </p:cSld>
+  <p:clrMapOvr>
+    <a:masterClrMapping/>
+  </p:clrMapOvr>
+</p:sld>
+</file>
+
+<file path=ppt/slides/slide8.xml><?xml version="1.0" encoding="utf-8"?>
 <p:sld xmlns:a="http://schemas.openxmlformats.org/drawingml/2006/main" xmlns:r="http://schemas.openxmlformats.org/officeDocument/2006/relationships" xmlns:p="http://schemas.openxmlformats.org/presentationml/2006/main">
   <p:cSld>
     <p:spTree>
@@ -45806,7 +47530,7 @@
 </p:sld>
 </file>
 
-<file path=ppt/slides/slide8.xml><?xml version="1.0" encoding="utf-8"?>
+<file path=ppt/slides/slide9.xml><?xml version="1.0" encoding="utf-8"?>
 <p:sld xmlns:a="http://schemas.openxmlformats.org/drawingml/2006/main" xmlns:r="http://schemas.openxmlformats.org/officeDocument/2006/relationships" xmlns:p="http://schemas.openxmlformats.org/presentationml/2006/main">
   <p:cSld>
     <p:spTree>
@@ -46462,829 +48186,6 @@
     <p:extLst>
       <p:ext uri="{BB962C8B-B14F-4D97-AF65-F5344CB8AC3E}">
         <p14:creationId xmlns:p14="http://schemas.microsoft.com/office/powerpoint/2010/main" val="107125106"/>
-      </p:ext>
-    </p:extLst>
-  </p:cSld>
-  <p:clrMapOvr>
-    <a:masterClrMapping/>
-  </p:clrMapOvr>
-</p:sld>
-</file>
-
-<file path=ppt/slides/slide9.xml><?xml version="1.0" encoding="utf-8"?>
-<p:sld xmlns:a="http://schemas.openxmlformats.org/drawingml/2006/main" xmlns:r="http://schemas.openxmlformats.org/officeDocument/2006/relationships" xmlns:p="http://schemas.openxmlformats.org/presentationml/2006/main">
-  <p:cSld>
-    <p:spTree>
-      <p:nvGrpSpPr>
-        <p:cNvPr id="1" name="Shape 161"/>
-        <p:cNvGrpSpPr/>
-        <p:nvPr/>
-      </p:nvGrpSpPr>
-      <p:grpSpPr>
-        <a:xfrm>
-          <a:off x="0" y="0"/>
-          <a:ext cx="0" cy="0"/>
-          <a:chOff x="0" y="0"/>
-          <a:chExt cx="0" cy="0"/>
-        </a:xfrm>
-      </p:grpSpPr>
-      <p:sp>
-        <p:nvSpPr>
-          <p:cNvPr id="162" name="Google Shape;162;p23"/>
-          <p:cNvSpPr txBox="1">
-            <a:spLocks noGrp="1"/>
-          </p:cNvSpPr>
-          <p:nvPr>
-            <p:ph type="title"/>
-          </p:nvPr>
-        </p:nvSpPr>
-        <p:spPr>
-          <a:xfrm>
-            <a:off x="500550" y="330724"/>
-            <a:ext cx="8520600" cy="1095900"/>
-          </a:xfrm>
-          <a:prstGeom prst="rect">
-            <a:avLst/>
-          </a:prstGeom>
-        </p:spPr>
-        <p:txBody>
-          <a:bodyPr spcFirstLastPara="1" wrap="square" lIns="91425" tIns="91425" rIns="91425" bIns="91425" anchor="t" anchorCtr="0">
-            <a:noAutofit/>
-          </a:bodyPr>
-          <a:lstStyle/>
-          <a:p>
-            <a:pPr marL="0" lvl="0" indent="0" algn="l" rtl="0">
-              <a:spcBef>
-                <a:spcPts val="0"/>
-              </a:spcBef>
-              <a:spcAft>
-                <a:spcPts val="0"/>
-              </a:spcAft>
-              <a:buNone/>
-            </a:pPr>
-            <a:r>
-              <a:rPr lang="ru"/>
-              <a:t>Цели вебинара</a:t>
-            </a:r>
-            <a:endParaRPr/>
-          </a:p>
-        </p:txBody>
-      </p:sp>
-      <p:graphicFrame>
-        <p:nvGraphicFramePr>
-          <p:cNvPr id="163" name="Google Shape;163;p23"/>
-          <p:cNvGraphicFramePr/>
-          <p:nvPr/>
-        </p:nvGraphicFramePr>
-        <p:xfrm>
-          <a:off x="952500" y="1544194"/>
-          <a:ext cx="7239000" cy="1397216"/>
-        </p:xfrm>
-        <a:graphic>
-          <a:graphicData uri="http://schemas.openxmlformats.org/drawingml/2006/table">
-            <a:tbl>
-              <a:tblPr>
-                <a:noFill/>
-                <a:tableStyleId>{897BA397-AA66-4ACA-B219-5C7939199CAB}</a:tableStyleId>
-              </a:tblPr>
-              <a:tblGrid>
-                <a:gridCol w="489425">
-                  <a:extLst>
-                    <a:ext uri="{9D8B030D-6E8A-4147-A177-3AD203B41FA5}">
-                      <a16:colId xmlns:a16="http://schemas.microsoft.com/office/drawing/2014/main" val="20000"/>
-                    </a:ext>
-                  </a:extLst>
-                </a:gridCol>
-                <a:gridCol w="6749575">
-                  <a:extLst>
-                    <a:ext uri="{9D8B030D-6E8A-4147-A177-3AD203B41FA5}">
-                      <a16:colId xmlns:a16="http://schemas.microsoft.com/office/drawing/2014/main" val="20001"/>
-                    </a:ext>
-                  </a:extLst>
-                </a:gridCol>
-              </a:tblGrid>
-              <a:tr h="285750">
-                <a:tc>
-                  <a:txBody>
-                    <a:bodyPr/>
-                    <a:lstStyle/>
-                    <a:p>
-                      <a:pPr marL="0" lvl="0" indent="0" algn="l" rtl="0">
-                        <a:spcBef>
-                          <a:spcPts val="0"/>
-                        </a:spcBef>
-                        <a:spcAft>
-                          <a:spcPts val="0"/>
-                        </a:spcAft>
-                        <a:buNone/>
-                      </a:pPr>
-                      <a:r>
-                        <a:rPr lang="ru" sz="1300" b="1">
-                          <a:solidFill>
-                            <a:srgbClr val="FF9900"/>
-                          </a:solidFill>
-                          <a:latin typeface="Roboto"/>
-                          <a:ea typeface="Roboto"/>
-                          <a:cs typeface="Roboto"/>
-                          <a:sym typeface="Roboto"/>
-                        </a:rPr>
-                        <a:t>1.</a:t>
-                      </a:r>
-                      <a:endParaRPr sz="1300" b="1">
-                        <a:solidFill>
-                          <a:srgbClr val="FF9900"/>
-                        </a:solidFill>
-                        <a:latin typeface="Roboto"/>
-                        <a:ea typeface="Roboto"/>
-                        <a:cs typeface="Roboto"/>
-                        <a:sym typeface="Roboto"/>
-                      </a:endParaRPr>
-                    </a:p>
-                  </a:txBody>
-                  <a:tcPr marL="198000" marR="91425" marT="68575" marB="68575">
-                    <a:lnL w="9525" cap="flat" cmpd="sng">
-                      <a:solidFill>
-                        <a:srgbClr val="BFC1F0">
-                          <a:alpha val="0"/>
-                        </a:srgbClr>
-                      </a:solidFill>
-                      <a:prstDash val="solid"/>
-                      <a:round/>
-                      <a:headEnd type="none" w="sm" len="sm"/>
-                      <a:tailEnd type="none" w="sm" len="sm"/>
-                    </a:lnL>
-                    <a:lnR w="9525" cap="flat" cmpd="sng">
-                      <a:solidFill>
-                        <a:schemeClr val="lt1"/>
-                      </a:solidFill>
-                      <a:prstDash val="solid"/>
-                      <a:round/>
-                      <a:headEnd type="none" w="sm" len="sm"/>
-                      <a:tailEnd type="none" w="sm" len="sm"/>
-                    </a:lnR>
-                    <a:lnT w="9525" cap="flat" cmpd="sng">
-                      <a:solidFill>
-                        <a:srgbClr val="BFC1F0">
-                          <a:alpha val="0"/>
-                        </a:srgbClr>
-                      </a:solidFill>
-                      <a:prstDash val="solid"/>
-                      <a:round/>
-                      <a:headEnd type="none" w="sm" len="sm"/>
-                      <a:tailEnd type="none" w="sm" len="sm"/>
-                    </a:lnT>
-                    <a:lnB w="9525" cap="flat" cmpd="sng">
-                      <a:solidFill>
-                        <a:srgbClr val="9E9E9E"/>
-                      </a:solidFill>
-                      <a:prstDash val="solid"/>
-                      <a:round/>
-                      <a:headEnd type="none" w="sm" len="sm"/>
-                      <a:tailEnd type="none" w="sm" len="sm"/>
-                    </a:lnB>
-                  </a:tcPr>
-                </a:tc>
-                <a:tc>
-                  <a:txBody>
-                    <a:bodyPr/>
-                    <a:lstStyle/>
-                    <a:p>
-                      <a:pPr marL="0" lvl="0" indent="0" algn="l" rtl="0">
-                        <a:lnSpc>
-                          <a:spcPct val="115000"/>
-                        </a:lnSpc>
-                        <a:spcBef>
-                          <a:spcPts val="0"/>
-                        </a:spcBef>
-                        <a:spcAft>
-                          <a:spcPts val="0"/>
-                        </a:spcAft>
-                        <a:buNone/>
-                      </a:pPr>
-                      <a:r>
-                        <a:rPr lang="ru" sz="1300" dirty="0">
-                          <a:solidFill>
-                            <a:schemeClr val="lt1"/>
-                          </a:solidFill>
-                          <a:latin typeface="Roboto"/>
-                          <a:ea typeface="Roboto"/>
-                          <a:cs typeface="Roboto"/>
-                          <a:sym typeface="Roboto"/>
-                        </a:rPr>
-                        <a:t>Оценивать качество данных и их адекватность задаче</a:t>
-                      </a:r>
-                      <a:endParaRPr sz="1300" dirty="0">
-                        <a:solidFill>
-                          <a:schemeClr val="lt1"/>
-                        </a:solidFill>
-                        <a:latin typeface="Roboto"/>
-                        <a:ea typeface="Roboto"/>
-                        <a:cs typeface="Roboto"/>
-                        <a:sym typeface="Roboto"/>
-                      </a:endParaRPr>
-                    </a:p>
-                  </a:txBody>
-                  <a:tcPr marL="198000" marR="91425" marT="68575" marB="68575">
-                    <a:lnL w="9525" cap="flat" cmpd="sng">
-                      <a:solidFill>
-                        <a:schemeClr val="lt1"/>
-                      </a:solidFill>
-                      <a:prstDash val="solid"/>
-                      <a:round/>
-                      <a:headEnd type="none" w="sm" len="sm"/>
-                      <a:tailEnd type="none" w="sm" len="sm"/>
-                    </a:lnL>
-                    <a:lnR w="9525" cap="flat" cmpd="sng">
-                      <a:solidFill>
-                        <a:srgbClr val="BFC1F0">
-                          <a:alpha val="0"/>
-                        </a:srgbClr>
-                      </a:solidFill>
-                      <a:prstDash val="solid"/>
-                      <a:round/>
-                      <a:headEnd type="none" w="sm" len="sm"/>
-                      <a:tailEnd type="none" w="sm" len="sm"/>
-                    </a:lnR>
-                    <a:lnT w="9525" cap="flat" cmpd="sng">
-                      <a:solidFill>
-                        <a:srgbClr val="BFC1F0">
-                          <a:alpha val="0"/>
-                        </a:srgbClr>
-                      </a:solidFill>
-                      <a:prstDash val="solid"/>
-                      <a:round/>
-                      <a:headEnd type="none" w="sm" len="sm"/>
-                      <a:tailEnd type="none" w="sm" len="sm"/>
-                    </a:lnT>
-                    <a:lnB w="9525" cap="flat" cmpd="sng">
-                      <a:solidFill>
-                        <a:srgbClr val="9E9E9E"/>
-                      </a:solidFill>
-                      <a:prstDash val="solid"/>
-                      <a:round/>
-                      <a:headEnd type="none" w="sm" len="sm"/>
-                      <a:tailEnd type="none" w="sm" len="sm"/>
-                    </a:lnB>
-                  </a:tcPr>
-                </a:tc>
-                <a:extLst>
-                  <a:ext uri="{0D108BD9-81ED-4DB2-BD59-A6C34878D82A}">
-                    <a16:rowId xmlns:a16="http://schemas.microsoft.com/office/drawing/2014/main" val="10000"/>
-                  </a:ext>
-                </a:extLst>
-              </a:tr>
-              <a:tr h="285750">
-                <a:tc>
-                  <a:txBody>
-                    <a:bodyPr/>
-                    <a:lstStyle/>
-                    <a:p>
-                      <a:pPr marL="0" lvl="0" indent="0" algn="l" rtl="0">
-                        <a:spcBef>
-                          <a:spcPts val="0"/>
-                        </a:spcBef>
-                        <a:spcAft>
-                          <a:spcPts val="0"/>
-                        </a:spcAft>
-                        <a:buNone/>
-                      </a:pPr>
-                      <a:r>
-                        <a:rPr lang="ru" sz="1300" b="1">
-                          <a:solidFill>
-                            <a:srgbClr val="FF9900"/>
-                          </a:solidFill>
-                          <a:latin typeface="Roboto"/>
-                          <a:ea typeface="Roboto"/>
-                          <a:cs typeface="Roboto"/>
-                          <a:sym typeface="Roboto"/>
-                        </a:rPr>
-                        <a:t>2.</a:t>
-                      </a:r>
-                      <a:endParaRPr sz="1300" b="1">
-                        <a:solidFill>
-                          <a:srgbClr val="FF9900"/>
-                        </a:solidFill>
-                        <a:latin typeface="Roboto"/>
-                        <a:ea typeface="Roboto"/>
-                        <a:cs typeface="Roboto"/>
-                        <a:sym typeface="Roboto"/>
-                      </a:endParaRPr>
-                    </a:p>
-                  </a:txBody>
-                  <a:tcPr marL="198000" marR="91425" marT="68575" marB="68575">
-                    <a:lnL w="9525" cap="flat" cmpd="sng">
-                      <a:solidFill>
-                        <a:srgbClr val="BFC1F0">
-                          <a:alpha val="0"/>
-                        </a:srgbClr>
-                      </a:solidFill>
-                      <a:prstDash val="solid"/>
-                      <a:round/>
-                      <a:headEnd type="none" w="sm" len="sm"/>
-                      <a:tailEnd type="none" w="sm" len="sm"/>
-                    </a:lnL>
-                    <a:lnR w="9525" cap="flat" cmpd="sng">
-                      <a:solidFill>
-                        <a:schemeClr val="lt1"/>
-                      </a:solidFill>
-                      <a:prstDash val="solid"/>
-                      <a:round/>
-                      <a:headEnd type="none" w="sm" len="sm"/>
-                      <a:tailEnd type="none" w="sm" len="sm"/>
-                    </a:lnR>
-                    <a:lnT w="9525" cap="flat" cmpd="sng">
-                      <a:solidFill>
-                        <a:srgbClr val="9E9E9E"/>
-                      </a:solidFill>
-                      <a:prstDash val="solid"/>
-                      <a:round/>
-                      <a:headEnd type="none" w="sm" len="sm"/>
-                      <a:tailEnd type="none" w="sm" len="sm"/>
-                    </a:lnT>
-                    <a:lnB w="9525" cap="flat" cmpd="sng">
-                      <a:solidFill>
-                        <a:srgbClr val="9E9E9E"/>
-                      </a:solidFill>
-                      <a:prstDash val="solid"/>
-                      <a:round/>
-                      <a:headEnd type="none" w="sm" len="sm"/>
-                      <a:tailEnd type="none" w="sm" len="sm"/>
-                    </a:lnB>
-                  </a:tcPr>
-                </a:tc>
-                <a:tc>
-                  <a:txBody>
-                    <a:bodyPr/>
-                    <a:lstStyle/>
-                    <a:p>
-                      <a:pPr marL="0" lvl="0" indent="0" algn="l" rtl="0">
-                        <a:lnSpc>
-                          <a:spcPct val="115000"/>
-                        </a:lnSpc>
-                        <a:spcBef>
-                          <a:spcPts val="0"/>
-                        </a:spcBef>
-                        <a:spcAft>
-                          <a:spcPts val="0"/>
-                        </a:spcAft>
-                        <a:buNone/>
-                      </a:pPr>
-                      <a:r>
-                        <a:rPr lang="ru-RU" sz="1300" dirty="0">
-                          <a:solidFill>
-                            <a:schemeClr val="lt1"/>
-                          </a:solidFill>
-                          <a:latin typeface="Roboto"/>
-                          <a:ea typeface="Roboto"/>
-                          <a:cs typeface="Roboto"/>
-                          <a:sym typeface="Roboto"/>
-                        </a:rPr>
-                        <a:t>Предварительно выявлять закономерности и связи между признаками</a:t>
-                      </a:r>
-                      <a:endParaRPr sz="1300" dirty="0">
-                        <a:solidFill>
-                          <a:schemeClr val="lt1"/>
-                        </a:solidFill>
-                        <a:latin typeface="Roboto"/>
-                        <a:ea typeface="Roboto"/>
-                        <a:cs typeface="Roboto"/>
-                        <a:sym typeface="Roboto"/>
-                      </a:endParaRPr>
-                    </a:p>
-                  </a:txBody>
-                  <a:tcPr marL="198000" marR="91425" marT="68575" marB="68575">
-                    <a:lnL w="9525" cap="flat" cmpd="sng">
-                      <a:solidFill>
-                        <a:schemeClr val="lt1"/>
-                      </a:solidFill>
-                      <a:prstDash val="solid"/>
-                      <a:round/>
-                      <a:headEnd type="none" w="sm" len="sm"/>
-                      <a:tailEnd type="none" w="sm" len="sm"/>
-                    </a:lnL>
-                    <a:lnR w="9525" cap="flat" cmpd="sng">
-                      <a:solidFill>
-                        <a:srgbClr val="BFC1F0">
-                          <a:alpha val="0"/>
-                        </a:srgbClr>
-                      </a:solidFill>
-                      <a:prstDash val="solid"/>
-                      <a:round/>
-                      <a:headEnd type="none" w="sm" len="sm"/>
-                      <a:tailEnd type="none" w="sm" len="sm"/>
-                    </a:lnR>
-                    <a:lnT w="9525" cap="flat" cmpd="sng">
-                      <a:solidFill>
-                        <a:srgbClr val="9E9E9E"/>
-                      </a:solidFill>
-                      <a:prstDash val="solid"/>
-                      <a:round/>
-                      <a:headEnd type="none" w="sm" len="sm"/>
-                      <a:tailEnd type="none" w="sm" len="sm"/>
-                    </a:lnT>
-                    <a:lnB w="9525" cap="flat" cmpd="sng">
-                      <a:solidFill>
-                        <a:srgbClr val="9E9E9E"/>
-                      </a:solidFill>
-                      <a:prstDash val="solid"/>
-                      <a:round/>
-                      <a:headEnd type="none" w="sm" len="sm"/>
-                      <a:tailEnd type="none" w="sm" len="sm"/>
-                    </a:lnB>
-                  </a:tcPr>
-                </a:tc>
-                <a:extLst>
-                  <a:ext uri="{0D108BD9-81ED-4DB2-BD59-A6C34878D82A}">
-                    <a16:rowId xmlns:a16="http://schemas.microsoft.com/office/drawing/2014/main" val="10001"/>
-                  </a:ext>
-                </a:extLst>
-              </a:tr>
-              <a:tr h="285750">
-                <a:tc>
-                  <a:txBody>
-                    <a:bodyPr/>
-                    <a:lstStyle/>
-                    <a:p>
-                      <a:pPr marL="0" lvl="0" indent="0" algn="l" rtl="0">
-                        <a:spcBef>
-                          <a:spcPts val="0"/>
-                        </a:spcBef>
-                        <a:spcAft>
-                          <a:spcPts val="0"/>
-                        </a:spcAft>
-                        <a:buNone/>
-                      </a:pPr>
-                      <a:r>
-                        <a:rPr lang="ru" sz="1300" b="1">
-                          <a:solidFill>
-                            <a:srgbClr val="FF9900"/>
-                          </a:solidFill>
-                          <a:latin typeface="Roboto"/>
-                          <a:ea typeface="Roboto"/>
-                          <a:cs typeface="Roboto"/>
-                          <a:sym typeface="Roboto"/>
-                        </a:rPr>
-                        <a:t>3.</a:t>
-                      </a:r>
-                      <a:endParaRPr sz="1300" b="1">
-                        <a:solidFill>
-                          <a:srgbClr val="FF9900"/>
-                        </a:solidFill>
-                        <a:latin typeface="Roboto"/>
-                        <a:ea typeface="Roboto"/>
-                        <a:cs typeface="Roboto"/>
-                        <a:sym typeface="Roboto"/>
-                      </a:endParaRPr>
-                    </a:p>
-                  </a:txBody>
-                  <a:tcPr marL="198000" marR="91425" marT="68575" marB="68575">
-                    <a:lnL w="9525" cap="flat" cmpd="sng">
-                      <a:solidFill>
-                        <a:srgbClr val="BFC1F0">
-                          <a:alpha val="0"/>
-                        </a:srgbClr>
-                      </a:solidFill>
-                      <a:prstDash val="solid"/>
-                      <a:round/>
-                      <a:headEnd type="none" w="sm" len="sm"/>
-                      <a:tailEnd type="none" w="sm" len="sm"/>
-                    </a:lnL>
-                    <a:lnR w="9525" cap="flat" cmpd="sng">
-                      <a:solidFill>
-                        <a:schemeClr val="lt1"/>
-                      </a:solidFill>
-                      <a:prstDash val="solid"/>
-                      <a:round/>
-                      <a:headEnd type="none" w="sm" len="sm"/>
-                      <a:tailEnd type="none" w="sm" len="sm"/>
-                    </a:lnR>
-                    <a:lnT w="9525" cap="flat" cmpd="sng">
-                      <a:solidFill>
-                        <a:srgbClr val="9E9E9E"/>
-                      </a:solidFill>
-                      <a:prstDash val="solid"/>
-                      <a:round/>
-                      <a:headEnd type="none" w="sm" len="sm"/>
-                      <a:tailEnd type="none" w="sm" len="sm"/>
-                    </a:lnT>
-                    <a:lnB w="9525" cap="flat" cmpd="sng">
-                      <a:solidFill>
-                        <a:srgbClr val="9E9E9E"/>
-                      </a:solidFill>
-                      <a:prstDash val="solid"/>
-                      <a:round/>
-                      <a:headEnd type="none" w="sm" len="sm"/>
-                      <a:tailEnd type="none" w="sm" len="sm"/>
-                    </a:lnB>
-                  </a:tcPr>
-                </a:tc>
-                <a:tc>
-                  <a:txBody>
-                    <a:bodyPr/>
-                    <a:lstStyle/>
-                    <a:p>
-                      <a:pPr marL="0" marR="0" lvl="0" indent="0" algn="l" defTabSz="914400" rtl="0" eaLnBrk="1" fontAlgn="auto" latinLnBrk="0" hangingPunct="1">
-                        <a:lnSpc>
-                          <a:spcPct val="115000"/>
-                        </a:lnSpc>
-                        <a:spcBef>
-                          <a:spcPts val="0"/>
-                        </a:spcBef>
-                        <a:spcAft>
-                          <a:spcPts val="0"/>
-                        </a:spcAft>
-                        <a:buClr>
-                          <a:srgbClr val="000000"/>
-                        </a:buClr>
-                        <a:buSzTx/>
-                        <a:buFont typeface="Arial"/>
-                        <a:buNone/>
-                        <a:tabLst/>
-                        <a:defRPr/>
-                      </a:pPr>
-                      <a:r>
-                        <a:rPr lang="ru-RU" sz="1300" dirty="0">
-                          <a:solidFill>
-                            <a:schemeClr val="lt1"/>
-                          </a:solidFill>
-                          <a:latin typeface="Roboto"/>
-                          <a:ea typeface="Roboto"/>
-                          <a:cs typeface="Roboto"/>
-                          <a:sym typeface="Roboto"/>
-                        </a:rPr>
-                        <a:t>Использовать библиотеки, ускоряющие пункты 1 и 2 в разы</a:t>
-                      </a:r>
-                    </a:p>
-                  </a:txBody>
-                  <a:tcPr marL="198000" marR="91425" marT="68575" marB="68575">
-                    <a:lnL w="9525" cap="flat" cmpd="sng">
-                      <a:solidFill>
-                        <a:schemeClr val="lt1"/>
-                      </a:solidFill>
-                      <a:prstDash val="solid"/>
-                      <a:round/>
-                      <a:headEnd type="none" w="sm" len="sm"/>
-                      <a:tailEnd type="none" w="sm" len="sm"/>
-                    </a:lnL>
-                    <a:lnR w="9525" cap="flat" cmpd="sng">
-                      <a:solidFill>
-                        <a:srgbClr val="BFC1F0">
-                          <a:alpha val="0"/>
-                        </a:srgbClr>
-                      </a:solidFill>
-                      <a:prstDash val="solid"/>
-                      <a:round/>
-                      <a:headEnd type="none" w="sm" len="sm"/>
-                      <a:tailEnd type="none" w="sm" len="sm"/>
-                    </a:lnR>
-                    <a:lnT w="9525" cap="flat" cmpd="sng">
-                      <a:solidFill>
-                        <a:srgbClr val="9E9E9E"/>
-                      </a:solidFill>
-                      <a:prstDash val="solid"/>
-                      <a:round/>
-                      <a:headEnd type="none" w="sm" len="sm"/>
-                      <a:tailEnd type="none" w="sm" len="sm"/>
-                    </a:lnT>
-                    <a:lnB w="9525" cap="flat" cmpd="sng">
-                      <a:solidFill>
-                        <a:srgbClr val="9E9E9E"/>
-                      </a:solidFill>
-                      <a:prstDash val="solid"/>
-                      <a:round/>
-                      <a:headEnd type="none" w="sm" len="sm"/>
-                      <a:tailEnd type="none" w="sm" len="sm"/>
-                    </a:lnB>
-                  </a:tcPr>
-                </a:tc>
-                <a:extLst>
-                  <a:ext uri="{0D108BD9-81ED-4DB2-BD59-A6C34878D82A}">
-                    <a16:rowId xmlns:a16="http://schemas.microsoft.com/office/drawing/2014/main" val="10002"/>
-                  </a:ext>
-                </a:extLst>
-              </a:tr>
-              <a:tr h="285750">
-                <a:tc>
-                  <a:txBody>
-                    <a:bodyPr/>
-                    <a:lstStyle/>
-                    <a:p>
-                      <a:pPr marL="0" lvl="0" indent="0" algn="l" rtl="0">
-                        <a:spcBef>
-                          <a:spcPts val="0"/>
-                        </a:spcBef>
-                        <a:spcAft>
-                          <a:spcPts val="0"/>
-                        </a:spcAft>
-                        <a:buNone/>
-                      </a:pPr>
-                      <a:r>
-                        <a:rPr lang="ru" sz="1300" b="1">
-                          <a:solidFill>
-                            <a:srgbClr val="FF9900"/>
-                          </a:solidFill>
-                          <a:latin typeface="Roboto"/>
-                          <a:ea typeface="Roboto"/>
-                          <a:cs typeface="Roboto"/>
-                          <a:sym typeface="Roboto"/>
-                        </a:rPr>
-                        <a:t>4.</a:t>
-                      </a:r>
-                      <a:endParaRPr sz="1300" b="1">
-                        <a:solidFill>
-                          <a:srgbClr val="FF9900"/>
-                        </a:solidFill>
-                        <a:latin typeface="Roboto"/>
-                        <a:ea typeface="Roboto"/>
-                        <a:cs typeface="Roboto"/>
-                        <a:sym typeface="Roboto"/>
-                      </a:endParaRPr>
-                    </a:p>
-                  </a:txBody>
-                  <a:tcPr marL="198000" marR="91425" marT="68575" marB="68575">
-                    <a:lnL w="9525" cap="flat" cmpd="sng">
-                      <a:solidFill>
-                        <a:srgbClr val="BFC1F0">
-                          <a:alpha val="0"/>
-                        </a:srgbClr>
-                      </a:solidFill>
-                      <a:prstDash val="solid"/>
-                      <a:round/>
-                      <a:headEnd type="none" w="sm" len="sm"/>
-                      <a:tailEnd type="none" w="sm" len="sm"/>
-                    </a:lnL>
-                    <a:lnR w="9525" cap="flat" cmpd="sng">
-                      <a:solidFill>
-                        <a:schemeClr val="lt1"/>
-                      </a:solidFill>
-                      <a:prstDash val="solid"/>
-                      <a:round/>
-                      <a:headEnd type="none" w="sm" len="sm"/>
-                      <a:tailEnd type="none" w="sm" len="sm"/>
-                    </a:lnR>
-                    <a:lnT w="9525" cap="flat" cmpd="sng">
-                      <a:solidFill>
-                        <a:srgbClr val="9E9E9E"/>
-                      </a:solidFill>
-                      <a:prstDash val="solid"/>
-                      <a:round/>
-                      <a:headEnd type="none" w="sm" len="sm"/>
-                      <a:tailEnd type="none" w="sm" len="sm"/>
-                    </a:lnT>
-                    <a:lnB w="9525" cap="flat" cmpd="sng">
-                      <a:solidFill>
-                        <a:srgbClr val="9E9E9E"/>
-                      </a:solidFill>
-                      <a:prstDash val="solid"/>
-                      <a:round/>
-                      <a:headEnd type="none" w="sm" len="sm"/>
-                      <a:tailEnd type="none" w="sm" len="sm"/>
-                    </a:lnB>
-                  </a:tcPr>
-                </a:tc>
-                <a:tc>
-                  <a:txBody>
-                    <a:bodyPr/>
-                    <a:lstStyle/>
-                    <a:p>
-                      <a:pPr marL="0" marR="0" lvl="0" indent="0" algn="l" defTabSz="914400" rtl="0" eaLnBrk="1" fontAlgn="auto" latinLnBrk="0" hangingPunct="1">
-                        <a:lnSpc>
-                          <a:spcPct val="115000"/>
-                        </a:lnSpc>
-                        <a:spcBef>
-                          <a:spcPts val="0"/>
-                        </a:spcBef>
-                        <a:spcAft>
-                          <a:spcPts val="0"/>
-                        </a:spcAft>
-                        <a:buClr>
-                          <a:srgbClr val="000000"/>
-                        </a:buClr>
-                        <a:buSzTx/>
-                        <a:buFont typeface="Arial"/>
-                        <a:buNone/>
-                        <a:tabLst/>
-                        <a:defRPr/>
-                      </a:pPr>
-                      <a:r>
-                        <a:rPr lang="ru-RU" sz="1300" dirty="0">
-                          <a:solidFill>
-                            <a:schemeClr val="lt1"/>
-                          </a:solidFill>
-                          <a:latin typeface="Roboto"/>
-                          <a:ea typeface="Roboto"/>
-                          <a:cs typeface="Roboto"/>
-                          <a:sym typeface="Roboto"/>
-                        </a:rPr>
-                        <a:t>Принимать решения на основе разведывательного анализа</a:t>
-                      </a:r>
-                    </a:p>
-                  </a:txBody>
-                  <a:tcPr marL="198000" marR="91425" marT="68575" marB="68575">
-                    <a:lnL w="9525" cap="flat" cmpd="sng">
-                      <a:solidFill>
-                        <a:schemeClr val="lt1"/>
-                      </a:solidFill>
-                      <a:prstDash val="solid"/>
-                      <a:round/>
-                      <a:headEnd type="none" w="sm" len="sm"/>
-                      <a:tailEnd type="none" w="sm" len="sm"/>
-                    </a:lnL>
-                    <a:lnR w="9525" cap="flat" cmpd="sng">
-                      <a:solidFill>
-                        <a:srgbClr val="BFC1F0">
-                          <a:alpha val="0"/>
-                        </a:srgbClr>
-                      </a:solidFill>
-                      <a:prstDash val="solid"/>
-                      <a:round/>
-                      <a:headEnd type="none" w="sm" len="sm"/>
-                      <a:tailEnd type="none" w="sm" len="sm"/>
-                    </a:lnR>
-                    <a:lnT w="9525" cap="flat" cmpd="sng">
-                      <a:solidFill>
-                        <a:srgbClr val="9E9E9E"/>
-                      </a:solidFill>
-                      <a:prstDash val="solid"/>
-                      <a:round/>
-                      <a:headEnd type="none" w="sm" len="sm"/>
-                      <a:tailEnd type="none" w="sm" len="sm"/>
-                    </a:lnT>
-                    <a:lnB w="9525" cap="flat" cmpd="sng">
-                      <a:solidFill>
-                        <a:srgbClr val="9E9E9E"/>
-                      </a:solidFill>
-                      <a:prstDash val="solid"/>
-                      <a:round/>
-                      <a:headEnd type="none" w="sm" len="sm"/>
-                      <a:tailEnd type="none" w="sm" len="sm"/>
-                    </a:lnB>
-                  </a:tcPr>
-                </a:tc>
-                <a:extLst>
-                  <a:ext uri="{0D108BD9-81ED-4DB2-BD59-A6C34878D82A}">
-                    <a16:rowId xmlns:a16="http://schemas.microsoft.com/office/drawing/2014/main" val="10003"/>
-                  </a:ext>
-                </a:extLst>
-              </a:tr>
-            </a:tbl>
-          </a:graphicData>
-        </a:graphic>
-      </p:graphicFrame>
-      <p:sp>
-        <p:nvSpPr>
-          <p:cNvPr id="165" name="Google Shape;165;p23"/>
-          <p:cNvSpPr txBox="1">
-            <a:spLocks noGrp="1"/>
-          </p:cNvSpPr>
-          <p:nvPr>
-            <p:ph type="subTitle" idx="4294967295"/>
-          </p:nvPr>
-        </p:nvSpPr>
-        <p:spPr>
-          <a:xfrm>
-            <a:off x="500550" y="857363"/>
-            <a:ext cx="7796700" cy="792600"/>
-          </a:xfrm>
-          <a:prstGeom prst="rect">
-            <a:avLst/>
-          </a:prstGeom>
-        </p:spPr>
-        <p:txBody>
-          <a:bodyPr spcFirstLastPara="1" wrap="square" lIns="91425" tIns="91425" rIns="91425" bIns="91425" anchor="t" anchorCtr="0">
-            <a:normAutofit/>
-          </a:bodyPr>
-          <a:lstStyle/>
-          <a:p>
-            <a:pPr marL="0" lvl="0" indent="0" algn="l" rtl="0">
-              <a:spcBef>
-                <a:spcPts val="0"/>
-              </a:spcBef>
-              <a:spcAft>
-                <a:spcPts val="0"/>
-              </a:spcAft>
-              <a:buNone/>
-            </a:pPr>
-            <a:r>
-              <a:rPr lang="ru" sz="1500" b="1">
-                <a:solidFill>
-                  <a:srgbClr val="FF9900"/>
-                </a:solidFill>
-              </a:rPr>
-              <a:t>К концу занятия вы сможете</a:t>
-            </a:r>
-            <a:endParaRPr sz="1500" b="1">
-              <a:solidFill>
-                <a:srgbClr val="FF9900"/>
-              </a:solidFill>
-            </a:endParaRPr>
-          </a:p>
-        </p:txBody>
-      </p:sp>
-    </p:spTree>
-    <p:extLst>
-      <p:ext uri="{BB962C8B-B14F-4D97-AF65-F5344CB8AC3E}">
-        <p14:creationId xmlns:p14="http://schemas.microsoft.com/office/powerpoint/2010/main" val="3747912469"/>
       </p:ext>
     </p:extLst>
   </p:cSld>
